--- a/Microsoft_Studios_Project.pptx
+++ b/Microsoft_Studios_Project.pptx
@@ -4429,36 +4429,6 @@
           </a:p>
         </p:txBody>
       </p:sp>
-      <p:pic>
-        <p:nvPicPr>
-          <p:cNvPr id="13" name="Picture 12">
-            <a:extLst>
-              <a:ext uri="{FF2B5EF4-FFF2-40B4-BE49-F238E27FC236}">
-                <a16:creationId xmlns:a16="http://schemas.microsoft.com/office/drawing/2014/main" id="{592D1D95-86D7-1E60-B4CE-6D356EBBD3DD}"/>
-              </a:ext>
-            </a:extLst>
-          </p:cNvPr>
-          <p:cNvPicPr>
-            <a:picLocks noChangeAspect="1"/>
-          </p:cNvPicPr>
-          <p:nvPr/>
-        </p:nvPicPr>
-        <p:blipFill>
-          <a:blip r:embed="rId3"/>
-          <a:stretch>
-            <a:fillRect/>
-          </a:stretch>
-        </p:blipFill>
-        <p:spPr>
-          <a:xfrm>
-            <a:off x="62866" y="789587"/>
-            <a:ext cx="7280043" cy="6050695"/>
-          </a:xfrm>
-          <a:prstGeom prst="rect">
-            <a:avLst/>
-          </a:prstGeom>
-        </p:spPr>
-      </p:pic>
       <p:grpSp>
         <p:nvGrpSpPr>
           <p:cNvPr id="15" name="Group 14">
@@ -4514,10 +4484,10 @@
               <p:nvPr/>
             </p:nvPicPr>
             <p:blipFill>
-              <a:blip r:embed="rId4">
+              <a:blip r:embed="rId3">
                 <a:extLst>
                   <a:ext uri="{837473B0-CC2E-450A-ABE3-18F120FF3D39}">
-                    <a1611:picAttrSrcUrl xmlns:a1611="http://schemas.microsoft.com/office/drawing/2016/11/main" r:id="rId5"/>
+                    <a1611:picAttrSrcUrl xmlns:a1611="http://schemas.microsoft.com/office/drawing/2016/11/main" r:id="rId4"/>
                   </a:ext>
                 </a:extLst>
               </a:blip>
@@ -4550,10 +4520,10 @@
               <p:nvPr/>
             </p:nvPicPr>
             <p:blipFill>
-              <a:blip r:embed="rId6">
+              <a:blip r:embed="rId5">
                 <a:extLst>
                   <a:ext uri="{837473B0-CC2E-450A-ABE3-18F120FF3D39}">
-                    <a1611:picAttrSrcUrl xmlns:a1611="http://schemas.microsoft.com/office/drawing/2016/11/main" r:id="rId7"/>
+                    <a1611:picAttrSrcUrl xmlns:a1611="http://schemas.microsoft.com/office/drawing/2016/11/main" r:id="rId6"/>
                   </a:ext>
                 </a:extLst>
               </a:blip>
@@ -4587,10 +4557,10 @@
             <p:nvPr/>
           </p:nvPicPr>
           <p:blipFill>
-            <a:blip r:embed="rId4">
+            <a:blip r:embed="rId3">
               <a:extLst>
                 <a:ext uri="{837473B0-CC2E-450A-ABE3-18F120FF3D39}">
-                  <a1611:picAttrSrcUrl xmlns:a1611="http://schemas.microsoft.com/office/drawing/2016/11/main" r:id="rId5"/>
+                  <a1611:picAttrSrcUrl xmlns:a1611="http://schemas.microsoft.com/office/drawing/2016/11/main" r:id="rId4"/>
                 </a:ext>
               </a:extLst>
             </a:blip>
@@ -4677,6 +4647,36 @@
           </a:p>
         </p:txBody>
       </p:sp>
+      <p:pic>
+        <p:nvPicPr>
+          <p:cNvPr id="19" name="Picture 18">
+            <a:extLst>
+              <a:ext uri="{FF2B5EF4-FFF2-40B4-BE49-F238E27FC236}">
+                <a16:creationId xmlns:a16="http://schemas.microsoft.com/office/drawing/2014/main" id="{3D3A6E74-20E6-00F1-9505-B347A7D86829}"/>
+              </a:ext>
+            </a:extLst>
+          </p:cNvPr>
+          <p:cNvPicPr>
+            <a:picLocks noChangeAspect="1"/>
+          </p:cNvPicPr>
+          <p:nvPr/>
+        </p:nvPicPr>
+        <p:blipFill>
+          <a:blip r:embed="rId7"/>
+          <a:stretch>
+            <a:fillRect/>
+          </a:stretch>
+        </p:blipFill>
+        <p:spPr>
+          <a:xfrm>
+            <a:off x="163441" y="775732"/>
+            <a:ext cx="7060323" cy="5991228"/>
+          </a:xfrm>
+          <a:prstGeom prst="rect">
+            <a:avLst/>
+          </a:prstGeom>
+        </p:spPr>
+      </p:pic>
     </p:spTree>
     <p:extLst>
       <p:ext uri="{BB962C8B-B14F-4D97-AF65-F5344CB8AC3E}">
@@ -4935,36 +4935,6 @@
           </p:spPr>
         </p:pic>
       </p:grpSp>
-      <p:pic>
-        <p:nvPicPr>
-          <p:cNvPr id="19" name="Picture 18">
-            <a:extLst>
-              <a:ext uri="{FF2B5EF4-FFF2-40B4-BE49-F238E27FC236}">
-                <a16:creationId xmlns:a16="http://schemas.microsoft.com/office/drawing/2014/main" id="{8B2F430D-CFA6-D683-571A-4C59EB387FC1}"/>
-              </a:ext>
-            </a:extLst>
-          </p:cNvPr>
-          <p:cNvPicPr>
-            <a:picLocks noChangeAspect="1"/>
-          </p:cNvPicPr>
-          <p:nvPr/>
-        </p:nvPicPr>
-        <p:blipFill>
-          <a:blip r:embed="rId4"/>
-          <a:stretch>
-            <a:fillRect/>
-          </a:stretch>
-        </p:blipFill>
-        <p:spPr>
-          <a:xfrm>
-            <a:off x="764557" y="1430696"/>
-            <a:ext cx="10148454" cy="3996607"/>
-          </a:xfrm>
-          <a:prstGeom prst="rect">
-            <a:avLst/>
-          </a:prstGeom>
-        </p:spPr>
-      </p:pic>
       <p:sp>
         <p:nvSpPr>
           <p:cNvPr id="20" name="Footer Placeholder 19">
@@ -5217,7 +5187,7 @@
             <p:nvPr/>
           </p:nvPicPr>
           <p:blipFill>
-            <a:blip r:embed="rId5">
+            <a:blip r:embed="rId4">
               <a:extLst>
                 <a:ext uri="{28A0092B-C50C-407E-A947-70E740481C1C}">
                   <a14:useLocalDpi xmlns:a14="http://schemas.microsoft.com/office/drawing/2010/main" val="0"/>
@@ -5250,6 +5220,36 @@
           </p:spPr>
         </p:pic>
       </p:grpSp>
+      <p:pic>
+        <p:nvPicPr>
+          <p:cNvPr id="29" name="Picture 28">
+            <a:extLst>
+              <a:ext uri="{FF2B5EF4-FFF2-40B4-BE49-F238E27FC236}">
+                <a16:creationId xmlns:a16="http://schemas.microsoft.com/office/drawing/2014/main" id="{C3082CDB-C029-289F-7471-8D256A4D3C17}"/>
+              </a:ext>
+            </a:extLst>
+          </p:cNvPr>
+          <p:cNvPicPr>
+            <a:picLocks noChangeAspect="1"/>
+          </p:cNvPicPr>
+          <p:nvPr/>
+        </p:nvPicPr>
+        <p:blipFill>
+          <a:blip r:embed="rId5"/>
+          <a:stretch>
+            <a:fillRect/>
+          </a:stretch>
+        </p:blipFill>
+        <p:spPr>
+          <a:xfrm>
+            <a:off x="1363203" y="1549514"/>
+            <a:ext cx="9064055" cy="3599511"/>
+          </a:xfrm>
+          <a:prstGeom prst="rect">
+            <a:avLst/>
+          </a:prstGeom>
+        </p:spPr>
+      </p:pic>
     </p:spTree>
     <p:extLst>
       <p:ext uri="{BB962C8B-B14F-4D97-AF65-F5344CB8AC3E}">
@@ -5282,10 +5282,10 @@
       </p:grpSpPr>
       <p:pic>
         <p:nvPicPr>
-          <p:cNvPr id="16" name="Picture 15">
-            <a:extLst>
-              <a:ext uri="{FF2B5EF4-FFF2-40B4-BE49-F238E27FC236}">
-                <a16:creationId xmlns:a16="http://schemas.microsoft.com/office/drawing/2014/main" id="{5F4317E0-09DF-7C77-48AF-D7D097ABB63A}"/>
+          <p:cNvPr id="28" name="Picture 27">
+            <a:extLst>
+              <a:ext uri="{FF2B5EF4-FFF2-40B4-BE49-F238E27FC236}">
+                <a16:creationId xmlns:a16="http://schemas.microsoft.com/office/drawing/2014/main" id="{0C880326-B514-DEC7-74C9-8A5A668B931A}"/>
               </a:ext>
             </a:extLst>
           </p:cNvPr>
@@ -5302,8 +5302,8 @@
         </p:blipFill>
         <p:spPr>
           <a:xfrm>
-            <a:off x="648650" y="1432266"/>
-            <a:ext cx="10772186" cy="3969697"/>
+            <a:off x="728557" y="1416641"/>
+            <a:ext cx="10589243" cy="4014014"/>
           </a:xfrm>
           <a:prstGeom prst="rect">
             <a:avLst/>
@@ -7651,7 +7651,7 @@
                   </a:outerShdw>
                 </a:effectLst>
               </a:rPr>
-              <a:t>~ 12 Billion Box Office Revenue</a:t>
+              <a:t>~ $12 Billion Box Office Revenue</a:t>
             </a:r>
           </a:p>
         </p:txBody>
@@ -11398,7 +11398,7 @@
             <a:pPr algn="r"/>
             <a:r>
               <a:rPr lang="en-US" dirty="0"/>
-              <a:t>Genre vs Ratings Analysis</a:t>
+              <a:t>Genre vs Reviews Analysis</a:t>
             </a:r>
           </a:p>
         </p:txBody>
@@ -11447,8 +11447,8 @@
         </p:nvSpPr>
         <p:spPr>
           <a:xfrm>
-            <a:off x="9683589" y="2656648"/>
-            <a:ext cx="2426119" cy="2585323"/>
+            <a:off x="9657182" y="2367053"/>
+            <a:ext cx="2426119" cy="3139321"/>
           </a:xfrm>
           <a:prstGeom prst="rect">
             <a:avLst/>
@@ -11461,15 +11461,6 @@
           </a:bodyPr>
           <a:lstStyle/>
           <a:p>
-            <a:r>
-              <a:rPr lang="en-US" dirty="0"/>
-              <a:t>Above Average: &gt; 6.4</a:t>
-            </a:r>
-          </a:p>
-          <a:p>
-            <a:endParaRPr lang="en-US" dirty="0"/>
-          </a:p>
-          <a:p>
             <a:pPr marL="342900" indent="-342900">
               <a:buFont typeface="+mj-lt"/>
               <a:buAutoNum type="arabicPeriod"/>
@@ -11478,6 +11469,10 @@
               <a:rPr lang="en-US" dirty="0"/>
               <a:t>Drama</a:t>
             </a:r>
+            <a:br>
+              <a:rPr lang="en-US" dirty="0"/>
+            </a:br>
+            <a:endParaRPr lang="en-US" dirty="0"/>
           </a:p>
           <a:p>
             <a:pPr marL="342900" indent="-342900">
@@ -11488,6 +11483,10 @@
               <a:rPr lang="en-US" dirty="0"/>
               <a:t>Adventure, Animation, Comedy</a:t>
             </a:r>
+            <a:br>
+              <a:rPr lang="en-US" dirty="0"/>
+            </a:br>
+            <a:endParaRPr lang="en-US" dirty="0"/>
           </a:p>
           <a:p>
             <a:pPr marL="342900" indent="-342900">
@@ -11498,6 +11497,10 @@
               <a:rPr lang="en-US" dirty="0"/>
               <a:t>Comedy, Drama </a:t>
             </a:r>
+            <a:br>
+              <a:rPr lang="en-US" dirty="0"/>
+            </a:br>
+            <a:endParaRPr lang="en-US" dirty="0"/>
           </a:p>
           <a:p>
             <a:pPr marL="342900" indent="-342900">
@@ -11508,6 +11511,10 @@
               <a:rPr lang="en-US" dirty="0"/>
               <a:t>Documentary</a:t>
             </a:r>
+            <a:br>
+              <a:rPr lang="en-US" dirty="0"/>
+            </a:br>
+            <a:endParaRPr lang="en-US" dirty="0"/>
           </a:p>
           <a:p>
             <a:pPr marL="342900" indent="-342900">
@@ -12011,7 +12018,7 @@
         <p:spPr>
           <a:xfrm>
             <a:off x="7847215" y="1983232"/>
-            <a:ext cx="4344785" cy="4247317"/>
+            <a:ext cx="4344785" cy="3693319"/>
           </a:xfrm>
           <a:prstGeom prst="rect">
             <a:avLst/>
@@ -12024,16 +12031,8 @@
           </a:bodyPr>
           <a:lstStyle/>
           <a:p>
-            <a:r>
-              <a:rPr lang="en-US" dirty="0"/>
-              <a:t>Above Average: &gt; 6.4</a:t>
-            </a:r>
-          </a:p>
-          <a:p>
-            <a:endParaRPr lang="en-US" dirty="0"/>
-          </a:p>
-          <a:p>
             <a:pPr marL="342900" indent="-342900">
+              <a:buFont typeface="+mj-lt"/>
               <a:buAutoNum type="arabicPeriod"/>
             </a:pPr>
             <a:r>
@@ -12131,36 +12130,6 @@
           </a:p>
         </p:txBody>
       </p:sp>
-      <p:pic>
-        <p:nvPicPr>
-          <p:cNvPr id="2" name="Picture 1">
-            <a:extLst>
-              <a:ext uri="{FF2B5EF4-FFF2-40B4-BE49-F238E27FC236}">
-                <a16:creationId xmlns:a16="http://schemas.microsoft.com/office/drawing/2014/main" id="{505A5578-7D38-BCEE-60BF-5F8E83A9427E}"/>
-              </a:ext>
-            </a:extLst>
-          </p:cNvPr>
-          <p:cNvPicPr>
-            <a:picLocks noChangeAspect="1"/>
-          </p:cNvPicPr>
-          <p:nvPr/>
-        </p:nvPicPr>
-        <p:blipFill>
-          <a:blip r:embed="rId3"/>
-          <a:stretch>
-            <a:fillRect/>
-          </a:stretch>
-        </p:blipFill>
-        <p:spPr>
-          <a:xfrm>
-            <a:off x="43624" y="850827"/>
-            <a:ext cx="7421205" cy="6007173"/>
-          </a:xfrm>
-          <a:prstGeom prst="rect">
-            <a:avLst/>
-          </a:prstGeom>
-        </p:spPr>
-      </p:pic>
       <p:sp>
         <p:nvSpPr>
           <p:cNvPr id="3" name="TextBox 2">
@@ -12243,10 +12212,10 @@
             <p:nvPr/>
           </p:nvPicPr>
           <p:blipFill>
-            <a:blip r:embed="rId4">
+            <a:blip r:embed="rId3">
               <a:extLst>
                 <a:ext uri="{837473B0-CC2E-450A-ABE3-18F120FF3D39}">
-                  <a1611:picAttrSrcUrl xmlns:a1611="http://schemas.microsoft.com/office/drawing/2016/11/main" r:id="rId5"/>
+                  <a1611:picAttrSrcUrl xmlns:a1611="http://schemas.microsoft.com/office/drawing/2016/11/main" r:id="rId4"/>
                 </a:ext>
               </a:extLst>
             </a:blip>
@@ -12279,10 +12248,10 @@
             <p:nvPr/>
           </p:nvPicPr>
           <p:blipFill>
-            <a:blip r:embed="rId6">
+            <a:blip r:embed="rId5">
               <a:extLst>
                 <a:ext uri="{837473B0-CC2E-450A-ABE3-18F120FF3D39}">
-                  <a1611:picAttrSrcUrl xmlns:a1611="http://schemas.microsoft.com/office/drawing/2016/11/main" r:id="rId7"/>
+                  <a1611:picAttrSrcUrl xmlns:a1611="http://schemas.microsoft.com/office/drawing/2016/11/main" r:id="rId6"/>
                 </a:ext>
               </a:extLst>
             </a:blip>
@@ -12315,10 +12284,10 @@
             <p:nvPr/>
           </p:nvPicPr>
           <p:blipFill>
-            <a:blip r:embed="rId4">
+            <a:blip r:embed="rId3">
               <a:extLst>
                 <a:ext uri="{837473B0-CC2E-450A-ABE3-18F120FF3D39}">
-                  <a1611:picAttrSrcUrl xmlns:a1611="http://schemas.microsoft.com/office/drawing/2016/11/main" r:id="rId5"/>
+                  <a1611:picAttrSrcUrl xmlns:a1611="http://schemas.microsoft.com/office/drawing/2016/11/main" r:id="rId4"/>
                 </a:ext>
               </a:extLst>
             </a:blip>
@@ -12391,6 +12360,70 @@
       </p:sp>
       <p:sp>
         <p:nvSpPr>
+          <p:cNvPr id="14" name="Slide Number Placeholder 13">
+            <a:extLst>
+              <a:ext uri="{FF2B5EF4-FFF2-40B4-BE49-F238E27FC236}">
+                <a16:creationId xmlns:a16="http://schemas.microsoft.com/office/drawing/2014/main" id="{9C438E29-D275-8FA0-6E82-D9DC7D66CB99}"/>
+              </a:ext>
+            </a:extLst>
+          </p:cNvPr>
+          <p:cNvSpPr>
+            <a:spLocks noGrp="1"/>
+          </p:cNvSpPr>
+          <p:nvPr>
+            <p:ph type="sldNum" sz="quarter" idx="12"/>
+          </p:nvPr>
+        </p:nvSpPr>
+        <p:spPr>
+          <a:xfrm>
+            <a:off x="11028218" y="6356350"/>
+            <a:ext cx="325582" cy="365125"/>
+          </a:xfrm>
+        </p:spPr>
+        <p:txBody>
+          <a:bodyPr/>
+          <a:lstStyle/>
+          <a:p>
+            <a:fld id="{9B1D7D9B-CDE6-6440-8F5F-ADF9B5401534}" type="slidenum">
+              <a:rPr lang="en-US" smtClean="0"/>
+              <a:t>8</a:t>
+            </a:fld>
+            <a:endParaRPr lang="en-US" dirty="0"/>
+          </a:p>
+        </p:txBody>
+      </p:sp>
+      <p:pic>
+        <p:nvPicPr>
+          <p:cNvPr id="15" name="Picture 14">
+            <a:extLst>
+              <a:ext uri="{FF2B5EF4-FFF2-40B4-BE49-F238E27FC236}">
+                <a16:creationId xmlns:a16="http://schemas.microsoft.com/office/drawing/2014/main" id="{49989458-5C79-905D-4F60-6836C2BE7C60}"/>
+              </a:ext>
+            </a:extLst>
+          </p:cNvPr>
+          <p:cNvPicPr>
+            <a:picLocks noChangeAspect="1"/>
+          </p:cNvPicPr>
+          <p:nvPr/>
+        </p:nvPicPr>
+        <p:blipFill>
+          <a:blip r:embed="rId7"/>
+          <a:stretch>
+            <a:fillRect/>
+          </a:stretch>
+        </p:blipFill>
+        <p:spPr>
+          <a:xfrm>
+            <a:off x="69860" y="743380"/>
+            <a:ext cx="7410940" cy="5830256"/>
+          </a:xfrm>
+          <a:prstGeom prst="rect">
+            <a:avLst/>
+          </a:prstGeom>
+        </p:spPr>
+      </p:pic>
+      <p:sp>
+        <p:nvSpPr>
           <p:cNvPr id="13" name="Footer Placeholder 12">
             <a:extLst>
               <a:ext uri="{FF2B5EF4-FFF2-40B4-BE49-F238E27FC236}">
@@ -12420,40 +12453,6 @@
               <a:rPr lang="en-US" dirty="0"/>
               <a:t>Movie Reviews Filter: Above Dataset Average 6.4</a:t>
             </a:r>
-          </a:p>
-        </p:txBody>
-      </p:sp>
-      <p:sp>
-        <p:nvSpPr>
-          <p:cNvPr id="14" name="Slide Number Placeholder 13">
-            <a:extLst>
-              <a:ext uri="{FF2B5EF4-FFF2-40B4-BE49-F238E27FC236}">
-                <a16:creationId xmlns:a16="http://schemas.microsoft.com/office/drawing/2014/main" id="{9C438E29-D275-8FA0-6E82-D9DC7D66CB99}"/>
-              </a:ext>
-            </a:extLst>
-          </p:cNvPr>
-          <p:cNvSpPr>
-            <a:spLocks noGrp="1"/>
-          </p:cNvSpPr>
-          <p:nvPr>
-            <p:ph type="sldNum" sz="quarter" idx="12"/>
-          </p:nvPr>
-        </p:nvSpPr>
-        <p:spPr>
-          <a:xfrm>
-            <a:off x="11028218" y="6356350"/>
-            <a:ext cx="325582" cy="365125"/>
-          </a:xfrm>
-        </p:spPr>
-        <p:txBody>
-          <a:bodyPr/>
-          <a:lstStyle/>
-          <a:p>
-            <a:fld id="{9B1D7D9B-CDE6-6440-8F5F-ADF9B5401534}" type="slidenum">
-              <a:rPr lang="en-US" smtClean="0"/>
-              <a:t>8</a:t>
-            </a:fld>
-            <a:endParaRPr lang="en-US" dirty="0"/>
           </a:p>
         </p:txBody>
       </p:sp>

--- a/Microsoft_Studios_Project.pptx
+++ b/Microsoft_Studios_Project.pptx
@@ -5282,10 +5282,10 @@
       </p:grpSpPr>
       <p:pic>
         <p:nvPicPr>
-          <p:cNvPr id="28" name="Picture 27">
-            <a:extLst>
-              <a:ext uri="{FF2B5EF4-FFF2-40B4-BE49-F238E27FC236}">
-                <a16:creationId xmlns:a16="http://schemas.microsoft.com/office/drawing/2014/main" id="{0C880326-B514-DEC7-74C9-8A5A668B931A}"/>
+          <p:cNvPr id="29" name="Picture 28">
+            <a:extLst>
+              <a:ext uri="{FF2B5EF4-FFF2-40B4-BE49-F238E27FC236}">
+                <a16:creationId xmlns:a16="http://schemas.microsoft.com/office/drawing/2014/main" id="{70607FFC-7321-ED9A-1B53-150455943E19}"/>
               </a:ext>
             </a:extLst>
           </p:cNvPr>
@@ -5302,8 +5302,8 @@
         </p:blipFill>
         <p:spPr>
           <a:xfrm>
-            <a:off x="728557" y="1416641"/>
-            <a:ext cx="10589243" cy="4014014"/>
+            <a:off x="764556" y="1427344"/>
+            <a:ext cx="10589243" cy="4022186"/>
           </a:xfrm>
           <a:prstGeom prst="rect">
             <a:avLst/>

--- a/Microsoft_Studios_Project.pptx
+++ b/Microsoft_Studios_Project.pptx
@@ -5,28 +5,30 @@
     <p:sldMasterId id="2147483648" r:id="rId1"/>
   </p:sldMasterIdLst>
   <p:notesMasterIdLst>
-    <p:notesMasterId r:id="rId18"/>
+    <p:notesMasterId r:id="rId20"/>
   </p:notesMasterIdLst>
   <p:handoutMasterIdLst>
-    <p:handoutMasterId r:id="rId19"/>
+    <p:handoutMasterId r:id="rId21"/>
   </p:handoutMasterIdLst>
   <p:sldIdLst>
     <p:sldId id="256" r:id="rId2"/>
     <p:sldId id="257" r:id="rId3"/>
     <p:sldId id="258" r:id="rId4"/>
     <p:sldId id="259" r:id="rId5"/>
-    <p:sldId id="260" r:id="rId6"/>
-    <p:sldId id="261" r:id="rId7"/>
-    <p:sldId id="262" r:id="rId8"/>
-    <p:sldId id="264" r:id="rId9"/>
-    <p:sldId id="263" r:id="rId10"/>
-    <p:sldId id="265" r:id="rId11"/>
-    <p:sldId id="267" r:id="rId12"/>
-    <p:sldId id="268" r:id="rId13"/>
-    <p:sldId id="269" r:id="rId14"/>
-    <p:sldId id="266" r:id="rId15"/>
-    <p:sldId id="270" r:id="rId16"/>
-    <p:sldId id="271" r:id="rId17"/>
+    <p:sldId id="261" r:id="rId6"/>
+    <p:sldId id="262" r:id="rId7"/>
+    <p:sldId id="264" r:id="rId8"/>
+    <p:sldId id="268" r:id="rId9"/>
+    <p:sldId id="269" r:id="rId10"/>
+    <p:sldId id="266" r:id="rId11"/>
+    <p:sldId id="273" r:id="rId12"/>
+    <p:sldId id="270" r:id="rId13"/>
+    <p:sldId id="271" r:id="rId14"/>
+    <p:sldId id="272" r:id="rId15"/>
+    <p:sldId id="260" r:id="rId16"/>
+    <p:sldId id="263" r:id="rId17"/>
+    <p:sldId id="265" r:id="rId18"/>
+    <p:sldId id="267" r:id="rId19"/>
   </p:sldIdLst>
   <p:sldSz cx="12192000" cy="6858000"/>
   <p:notesSz cx="6858000" cy="9144000"/>
@@ -4093,6 +4095,2878 @@
           <a:chExt cx="0" cy="0"/>
         </a:xfrm>
       </p:grpSpPr>
+      <p:sp>
+        <p:nvSpPr>
+          <p:cNvPr id="5" name="Slide Number Placeholder 4">
+            <a:extLst>
+              <a:ext uri="{FF2B5EF4-FFF2-40B4-BE49-F238E27FC236}">
+                <a16:creationId xmlns:a16="http://schemas.microsoft.com/office/drawing/2014/main" id="{8BC02A1B-2A6C-78EF-88C3-6EEA34C3606C}"/>
+              </a:ext>
+            </a:extLst>
+          </p:cNvPr>
+          <p:cNvSpPr>
+            <a:spLocks noGrp="1"/>
+          </p:cNvSpPr>
+          <p:nvPr>
+            <p:ph type="sldNum" sz="quarter" idx="12"/>
+          </p:nvPr>
+        </p:nvSpPr>
+        <p:spPr/>
+        <p:txBody>
+          <a:bodyPr/>
+          <a:lstStyle/>
+          <a:p>
+            <a:fld id="{9B1D7D9B-CDE6-6440-8F5F-ADF9B5401534}" type="slidenum">
+              <a:rPr lang="en-US" smtClean="0"/>
+              <a:t>10</a:t>
+            </a:fld>
+            <a:endParaRPr lang="en-US"/>
+          </a:p>
+        </p:txBody>
+      </p:sp>
+      <p:grpSp>
+        <p:nvGrpSpPr>
+          <p:cNvPr id="6" name="Group 5">
+            <a:extLst>
+              <a:ext uri="{FF2B5EF4-FFF2-40B4-BE49-F238E27FC236}">
+                <a16:creationId xmlns:a16="http://schemas.microsoft.com/office/drawing/2014/main" id="{63409EE7-DD8E-EA44-9C60-C0001C9966CB}"/>
+              </a:ext>
+            </a:extLst>
+          </p:cNvPr>
+          <p:cNvGrpSpPr/>
+          <p:nvPr/>
+        </p:nvGrpSpPr>
+        <p:grpSpPr>
+          <a:xfrm>
+            <a:off x="0" y="0"/>
+            <a:ext cx="3496546" cy="765611"/>
+            <a:chOff x="61993" y="3446397"/>
+            <a:chExt cx="3496546" cy="765611"/>
+          </a:xfrm>
+        </p:grpSpPr>
+        <p:pic>
+          <p:nvPicPr>
+            <p:cNvPr id="7" name="Picture 2" descr="Recommendation Icons - Free SVG &amp; PNG Recommendation Images - Noun Project">
+              <a:extLst>
+                <a:ext uri="{FF2B5EF4-FFF2-40B4-BE49-F238E27FC236}">
+                  <a16:creationId xmlns:a16="http://schemas.microsoft.com/office/drawing/2014/main" id="{510299E8-F6EE-A468-9D42-3C90FE7DDFAE}"/>
+                </a:ext>
+              </a:extLst>
+            </p:cNvPr>
+            <p:cNvPicPr>
+              <a:picLocks noChangeAspect="1" noChangeArrowheads="1"/>
+            </p:cNvPicPr>
+            <p:nvPr/>
+          </p:nvPicPr>
+          <p:blipFill>
+            <a:blip r:embed="rId2">
+              <a:extLst>
+                <a:ext uri="{28A0092B-C50C-407E-A947-70E740481C1C}">
+                  <a14:useLocalDpi xmlns:a14="http://schemas.microsoft.com/office/drawing/2010/main" val="0"/>
+                </a:ext>
+              </a:extLst>
+            </a:blip>
+            <a:srcRect/>
+            <a:stretch>
+              <a:fillRect/>
+            </a:stretch>
+          </p:blipFill>
+          <p:spPr bwMode="auto">
+            <a:xfrm>
+              <a:off x="61993" y="3446397"/>
+              <a:ext cx="681923" cy="681923"/>
+            </a:xfrm>
+            <a:prstGeom prst="rect">
+              <a:avLst/>
+            </a:prstGeom>
+            <a:noFill/>
+            <a:extLst>
+              <a:ext uri="{909E8E84-426E-40DD-AFC4-6F175D3DCCD1}">
+                <a14:hiddenFill xmlns:a14="http://schemas.microsoft.com/office/drawing/2010/main">
+                  <a:solidFill>
+                    <a:srgbClr val="FFFFFF"/>
+                  </a:solidFill>
+                </a14:hiddenFill>
+              </a:ext>
+            </a:extLst>
+          </p:spPr>
+        </p:pic>
+        <p:sp>
+          <p:nvSpPr>
+            <p:cNvPr id="8" name="Rectangle 7">
+              <a:extLst>
+                <a:ext uri="{FF2B5EF4-FFF2-40B4-BE49-F238E27FC236}">
+                  <a16:creationId xmlns:a16="http://schemas.microsoft.com/office/drawing/2014/main" id="{E0791849-1A44-74D2-2BE5-EB962EE50785}"/>
+                </a:ext>
+              </a:extLst>
+            </p:cNvPr>
+            <p:cNvSpPr/>
+            <p:nvPr/>
+          </p:nvSpPr>
+          <p:spPr>
+            <a:xfrm>
+              <a:off x="567168" y="3750343"/>
+              <a:ext cx="2991371" cy="461665"/>
+            </a:xfrm>
+            <a:prstGeom prst="rect">
+              <a:avLst/>
+            </a:prstGeom>
+            <a:noFill/>
+          </p:spPr>
+          <p:txBody>
+            <a:bodyPr wrap="square" lIns="91440" tIns="45720" rIns="91440" bIns="45720">
+              <a:spAutoFit/>
+            </a:bodyPr>
+            <a:lstStyle/>
+            <a:p>
+              <a:r>
+                <a:rPr lang="en-US" sz="2400" b="1" dirty="0">
+                  <a:ln w="0"/>
+                  <a:effectLst>
+                    <a:outerShdw blurRad="38100" dist="19050" dir="2700000" algn="tl" rotWithShape="0">
+                      <a:schemeClr val="dk1">
+                        <a:alpha val="40000"/>
+                      </a:schemeClr>
+                    </a:outerShdw>
+                  </a:effectLst>
+                </a:rPr>
+                <a:t>RECOMMENDATION</a:t>
+              </a:r>
+            </a:p>
+          </p:txBody>
+        </p:sp>
+      </p:grpSp>
+      <p:grpSp>
+        <p:nvGrpSpPr>
+          <p:cNvPr id="9" name="Group 8">
+            <a:extLst>
+              <a:ext uri="{FF2B5EF4-FFF2-40B4-BE49-F238E27FC236}">
+                <a16:creationId xmlns:a16="http://schemas.microsoft.com/office/drawing/2014/main" id="{81E70245-30E8-AF69-2400-4E211CE80530}"/>
+              </a:ext>
+            </a:extLst>
+          </p:cNvPr>
+          <p:cNvGrpSpPr/>
+          <p:nvPr/>
+        </p:nvGrpSpPr>
+        <p:grpSpPr>
+          <a:xfrm>
+            <a:off x="1561887" y="1588638"/>
+            <a:ext cx="8865896" cy="923330"/>
+            <a:chOff x="1796937" y="1751308"/>
+            <a:chExt cx="8865896" cy="923330"/>
+          </a:xfrm>
+        </p:grpSpPr>
+        <p:sp>
+          <p:nvSpPr>
+            <p:cNvPr id="10" name="TextBox 9">
+              <a:extLst>
+                <a:ext uri="{FF2B5EF4-FFF2-40B4-BE49-F238E27FC236}">
+                  <a16:creationId xmlns:a16="http://schemas.microsoft.com/office/drawing/2014/main" id="{88DF7B17-3E81-09C0-3D2D-EE677933108B}"/>
+                </a:ext>
+              </a:extLst>
+            </p:cNvPr>
+            <p:cNvSpPr txBox="1"/>
+            <p:nvPr/>
+          </p:nvSpPr>
+          <p:spPr>
+            <a:xfrm>
+              <a:off x="2446148" y="1751308"/>
+              <a:ext cx="8216685" cy="923330"/>
+            </a:xfrm>
+            <a:prstGeom prst="rect">
+              <a:avLst/>
+            </a:prstGeom>
+            <a:noFill/>
+          </p:spPr>
+          <p:txBody>
+            <a:bodyPr wrap="square" rtlCol="0">
+              <a:spAutoFit/>
+            </a:bodyPr>
+            <a:lstStyle/>
+            <a:p>
+              <a:r>
+                <a:rPr lang="en-US" dirty="0"/>
+                <a:t>A</a:t>
+              </a:r>
+              <a:r>
+                <a:rPr lang="en-US" b="1" dirty="0"/>
+                <a:t>DVENTURE, ACTION, COMEDY </a:t>
+              </a:r>
+              <a:r>
+                <a:rPr lang="en-US" dirty="0"/>
+                <a:t>– HIGH REVIEWS, HIGH PROFITS CONSISTENT</a:t>
+              </a:r>
+            </a:p>
+            <a:p>
+              <a:r>
+                <a:rPr lang="en-US" dirty="0"/>
+                <a:t>			     – DRAMA COMBINATIONS ARE RARE TO BE HIGHLY 			         PROFITABLE </a:t>
+              </a:r>
+            </a:p>
+          </p:txBody>
+        </p:sp>
+        <p:pic>
+          <p:nvPicPr>
+            <p:cNvPr id="11" name="Picture 10" descr="Focus Vector SVG Icon (17) - SVG Repo">
+              <a:extLst>
+                <a:ext uri="{FF2B5EF4-FFF2-40B4-BE49-F238E27FC236}">
+                  <a16:creationId xmlns:a16="http://schemas.microsoft.com/office/drawing/2014/main" id="{C23C100A-A259-2FF3-FB0E-56E437608BC6}"/>
+                </a:ext>
+              </a:extLst>
+            </p:cNvPr>
+            <p:cNvPicPr>
+              <a:picLocks noChangeAspect="1" noChangeArrowheads="1"/>
+            </p:cNvPicPr>
+            <p:nvPr/>
+          </p:nvPicPr>
+          <p:blipFill>
+            <a:blip r:embed="rId3">
+              <a:extLst>
+                <a:ext uri="{28A0092B-C50C-407E-A947-70E740481C1C}">
+                  <a14:useLocalDpi xmlns:a14="http://schemas.microsoft.com/office/drawing/2010/main" val="0"/>
+                </a:ext>
+              </a:extLst>
+            </a:blip>
+            <a:srcRect/>
+            <a:stretch>
+              <a:fillRect/>
+            </a:stretch>
+          </p:blipFill>
+          <p:spPr bwMode="auto">
+            <a:xfrm>
+              <a:off x="1796937" y="1802771"/>
+              <a:ext cx="543404" cy="543404"/>
+            </a:xfrm>
+            <a:prstGeom prst="rect">
+              <a:avLst/>
+            </a:prstGeom>
+            <a:noFill/>
+            <a:extLst>
+              <a:ext uri="{909E8E84-426E-40DD-AFC4-6F175D3DCCD1}">
+                <a14:hiddenFill xmlns:a14="http://schemas.microsoft.com/office/drawing/2010/main">
+                  <a:solidFill>
+                    <a:srgbClr val="FFFFFF"/>
+                  </a:solidFill>
+                </a14:hiddenFill>
+              </a:ext>
+            </a:extLst>
+          </p:spPr>
+        </p:pic>
+      </p:grpSp>
+      <p:grpSp>
+        <p:nvGrpSpPr>
+          <p:cNvPr id="12" name="Group 11">
+            <a:extLst>
+              <a:ext uri="{FF2B5EF4-FFF2-40B4-BE49-F238E27FC236}">
+                <a16:creationId xmlns:a16="http://schemas.microsoft.com/office/drawing/2014/main" id="{12A05DD0-8279-24F3-F1D8-CD757E2A676F}"/>
+              </a:ext>
+            </a:extLst>
+          </p:cNvPr>
+          <p:cNvGrpSpPr/>
+          <p:nvPr/>
+        </p:nvGrpSpPr>
+        <p:grpSpPr>
+          <a:xfrm>
+            <a:off x="1530134" y="3153102"/>
+            <a:ext cx="8928645" cy="861196"/>
+            <a:chOff x="1734188" y="2682798"/>
+            <a:chExt cx="8928645" cy="861196"/>
+          </a:xfrm>
+        </p:grpSpPr>
+        <p:pic>
+          <p:nvPicPr>
+            <p:cNvPr id="13" name="Picture 6" descr="global icon vector 3">
+              <a:extLst>
+                <a:ext uri="{FF2B5EF4-FFF2-40B4-BE49-F238E27FC236}">
+                  <a16:creationId xmlns:a16="http://schemas.microsoft.com/office/drawing/2014/main" id="{DE314E3D-E9B9-D5DC-23A6-56C0AE9A98C5}"/>
+                </a:ext>
+              </a:extLst>
+            </p:cNvPr>
+            <p:cNvPicPr>
+              <a:picLocks noChangeAspect="1" noChangeArrowheads="1"/>
+            </p:cNvPicPr>
+            <p:nvPr/>
+          </p:nvPicPr>
+          <p:blipFill>
+            <a:blip r:embed="rId4">
+              <a:extLst>
+                <a:ext uri="{28A0092B-C50C-407E-A947-70E740481C1C}">
+                  <a14:useLocalDpi xmlns:a14="http://schemas.microsoft.com/office/drawing/2010/main" val="0"/>
+                </a:ext>
+              </a:extLst>
+            </a:blip>
+            <a:srcRect/>
+            <a:stretch>
+              <a:fillRect/>
+            </a:stretch>
+          </p:blipFill>
+          <p:spPr bwMode="auto">
+            <a:xfrm>
+              <a:off x="1734188" y="2682798"/>
+              <a:ext cx="657332" cy="657332"/>
+            </a:xfrm>
+            <a:prstGeom prst="rect">
+              <a:avLst/>
+            </a:prstGeom>
+            <a:noFill/>
+            <a:extLst>
+              <a:ext uri="{909E8E84-426E-40DD-AFC4-6F175D3DCCD1}">
+                <a14:hiddenFill xmlns:a14="http://schemas.microsoft.com/office/drawing/2010/main">
+                  <a:solidFill>
+                    <a:srgbClr val="FFFFFF"/>
+                  </a:solidFill>
+                </a14:hiddenFill>
+              </a:ext>
+            </a:extLst>
+          </p:spPr>
+        </p:pic>
+        <p:sp>
+          <p:nvSpPr>
+            <p:cNvPr id="14" name="TextBox 13">
+              <a:extLst>
+                <a:ext uri="{FF2B5EF4-FFF2-40B4-BE49-F238E27FC236}">
+                  <a16:creationId xmlns:a16="http://schemas.microsoft.com/office/drawing/2014/main" id="{204F49E0-ABE1-960F-F691-A5F9CC39DA1D}"/>
+                </a:ext>
+              </a:extLst>
+            </p:cNvPr>
+            <p:cNvSpPr txBox="1"/>
+            <p:nvPr/>
+          </p:nvSpPr>
+          <p:spPr>
+            <a:xfrm>
+              <a:off x="2446148" y="2897663"/>
+              <a:ext cx="8216685" cy="646331"/>
+            </a:xfrm>
+            <a:prstGeom prst="rect">
+              <a:avLst/>
+            </a:prstGeom>
+            <a:noFill/>
+          </p:spPr>
+          <p:txBody>
+            <a:bodyPr wrap="square" rtlCol="0">
+              <a:spAutoFit/>
+            </a:bodyPr>
+            <a:lstStyle/>
+            <a:p>
+              <a:r>
+                <a:rPr lang="en-US" b="1" dirty="0"/>
+                <a:t>MOVIE SHOULD BE LAUNCHED INTERNATIONALLY </a:t>
+              </a:r>
+              <a:r>
+                <a:rPr lang="en-US" dirty="0"/>
+                <a:t>– ENSURES HIGH PROFITS WITH 					      HIGH EXPOSURE FOR 1</a:t>
+              </a:r>
+              <a:r>
+                <a:rPr lang="en-US" baseline="30000" dirty="0"/>
+                <a:t>ST</a:t>
+              </a:r>
+              <a:r>
+                <a:rPr lang="en-US" dirty="0"/>
+                <a:t> LAUNCH</a:t>
+              </a:r>
+              <a:endParaRPr lang="en-US" b="1" dirty="0"/>
+            </a:p>
+          </p:txBody>
+        </p:sp>
+      </p:grpSp>
+      <p:grpSp>
+        <p:nvGrpSpPr>
+          <p:cNvPr id="15" name="Group 14">
+            <a:extLst>
+              <a:ext uri="{FF2B5EF4-FFF2-40B4-BE49-F238E27FC236}">
+                <a16:creationId xmlns:a16="http://schemas.microsoft.com/office/drawing/2014/main" id="{B6F4A964-5818-270D-3E62-D9AEB8E5DF36}"/>
+              </a:ext>
+            </a:extLst>
+          </p:cNvPr>
+          <p:cNvGrpSpPr/>
+          <p:nvPr/>
+        </p:nvGrpSpPr>
+        <p:grpSpPr>
+          <a:xfrm>
+            <a:off x="1545632" y="4648486"/>
+            <a:ext cx="9324789" cy="923330"/>
+            <a:chOff x="1681591" y="3674031"/>
+            <a:chExt cx="9324789" cy="923330"/>
+          </a:xfrm>
+        </p:grpSpPr>
+        <p:pic>
+          <p:nvPicPr>
+            <p:cNvPr id="16" name="Picture 15">
+              <a:extLst>
+                <a:ext uri="{FF2B5EF4-FFF2-40B4-BE49-F238E27FC236}">
+                  <a16:creationId xmlns:a16="http://schemas.microsoft.com/office/drawing/2014/main" id="{9ED96708-C95A-0663-58E9-BD35F30A5C06}"/>
+                </a:ext>
+              </a:extLst>
+            </p:cNvPr>
+            <p:cNvPicPr>
+              <a:picLocks noChangeAspect="1"/>
+            </p:cNvPicPr>
+            <p:nvPr/>
+          </p:nvPicPr>
+          <p:blipFill>
+            <a:blip r:embed="rId5"/>
+            <a:stretch>
+              <a:fillRect/>
+            </a:stretch>
+          </p:blipFill>
+          <p:spPr>
+            <a:xfrm>
+              <a:off x="1681591" y="3676753"/>
+              <a:ext cx="764557" cy="641850"/>
+            </a:xfrm>
+            <a:prstGeom prst="rect">
+              <a:avLst/>
+            </a:prstGeom>
+          </p:spPr>
+        </p:pic>
+        <p:sp>
+          <p:nvSpPr>
+            <p:cNvPr id="17" name="TextBox 16">
+              <a:extLst>
+                <a:ext uri="{FF2B5EF4-FFF2-40B4-BE49-F238E27FC236}">
+                  <a16:creationId xmlns:a16="http://schemas.microsoft.com/office/drawing/2014/main" id="{6EBA58B4-2215-EAC7-02D5-348F5B55B8FE}"/>
+                </a:ext>
+              </a:extLst>
+            </p:cNvPr>
+            <p:cNvSpPr txBox="1"/>
+            <p:nvPr/>
+          </p:nvSpPr>
+          <p:spPr>
+            <a:xfrm>
+              <a:off x="2446148" y="3674031"/>
+              <a:ext cx="8560232" cy="923330"/>
+            </a:xfrm>
+            <a:prstGeom prst="rect">
+              <a:avLst/>
+            </a:prstGeom>
+            <a:noFill/>
+          </p:spPr>
+          <p:txBody>
+            <a:bodyPr wrap="square" rtlCol="0">
+              <a:spAutoFit/>
+            </a:bodyPr>
+            <a:lstStyle/>
+            <a:p>
+              <a:r>
+                <a:rPr lang="en-US" b="1" dirty="0"/>
+                <a:t>BEST ROI DOMESTIC AND FOREIGN MARKETS </a:t>
+              </a:r>
+              <a:r>
+                <a:rPr lang="en-US" dirty="0"/>
+                <a:t>–  DOMESTRIC LAUNCH FIRST WILL 					                 ENSURE NET POSITIVE AND CREATE HYPE  </a:t>
+              </a:r>
+              <a:endParaRPr lang="en-US" b="1" dirty="0"/>
+            </a:p>
+            <a:p>
+              <a:endParaRPr lang="en-US" dirty="0"/>
+            </a:p>
+          </p:txBody>
+        </p:sp>
+      </p:grpSp>
+    </p:spTree>
+    <p:extLst>
+      <p:ext uri="{BB962C8B-B14F-4D97-AF65-F5344CB8AC3E}">
+        <p14:creationId xmlns:p14="http://schemas.microsoft.com/office/powerpoint/2010/main" val="1424002320"/>
+      </p:ext>
+    </p:extLst>
+  </p:cSld>
+  <p:clrMapOvr>
+    <a:masterClrMapping/>
+  </p:clrMapOvr>
+</p:sld>
+</file>
+
+<file path=ppt/slides/slide11.xml><?xml version="1.0" encoding="utf-8"?>
+<p:sld xmlns:a="http://schemas.openxmlformats.org/drawingml/2006/main" xmlns:r="http://schemas.openxmlformats.org/officeDocument/2006/relationships" xmlns:p="http://schemas.openxmlformats.org/presentationml/2006/main">
+  <p:cSld>
+    <p:spTree>
+      <p:nvGrpSpPr>
+        <p:cNvPr id="1" name=""/>
+        <p:cNvGrpSpPr/>
+        <p:nvPr/>
+      </p:nvGrpSpPr>
+      <p:grpSpPr>
+        <a:xfrm>
+          <a:off x="0" y="0"/>
+          <a:ext cx="0" cy="0"/>
+          <a:chOff x="0" y="0"/>
+          <a:chExt cx="0" cy="0"/>
+        </a:xfrm>
+      </p:grpSpPr>
+      <p:sp>
+        <p:nvSpPr>
+          <p:cNvPr id="4" name="Footer Placeholder 3">
+            <a:extLst>
+              <a:ext uri="{FF2B5EF4-FFF2-40B4-BE49-F238E27FC236}">
+                <a16:creationId xmlns:a16="http://schemas.microsoft.com/office/drawing/2014/main" id="{4F04EA78-116F-9DE0-FD04-690ABE80406E}"/>
+              </a:ext>
+            </a:extLst>
+          </p:cNvPr>
+          <p:cNvSpPr>
+            <a:spLocks noGrp="1"/>
+          </p:cNvSpPr>
+          <p:nvPr>
+            <p:ph type="ftr" sz="quarter" idx="11"/>
+          </p:nvPr>
+        </p:nvSpPr>
+        <p:spPr/>
+        <p:txBody>
+          <a:bodyPr/>
+          <a:lstStyle/>
+          <a:p>
+            <a:endParaRPr lang="en-US"/>
+          </a:p>
+        </p:txBody>
+      </p:sp>
+      <p:sp>
+        <p:nvSpPr>
+          <p:cNvPr id="5" name="Slide Number Placeholder 4">
+            <a:extLst>
+              <a:ext uri="{FF2B5EF4-FFF2-40B4-BE49-F238E27FC236}">
+                <a16:creationId xmlns:a16="http://schemas.microsoft.com/office/drawing/2014/main" id="{082F6DA7-A128-9ACF-3388-A912BBBB94B1}"/>
+              </a:ext>
+            </a:extLst>
+          </p:cNvPr>
+          <p:cNvSpPr>
+            <a:spLocks noGrp="1"/>
+          </p:cNvSpPr>
+          <p:nvPr>
+            <p:ph type="sldNum" sz="quarter" idx="12"/>
+          </p:nvPr>
+        </p:nvSpPr>
+        <p:spPr/>
+        <p:txBody>
+          <a:bodyPr/>
+          <a:lstStyle/>
+          <a:p>
+            <a:fld id="{9B1D7D9B-CDE6-6440-8F5F-ADF9B5401534}" type="slidenum">
+              <a:rPr lang="en-US" smtClean="0"/>
+              <a:t>11</a:t>
+            </a:fld>
+            <a:endParaRPr lang="en-US"/>
+          </a:p>
+        </p:txBody>
+      </p:sp>
+      <p:sp>
+        <p:nvSpPr>
+          <p:cNvPr id="8" name="Rectangle 7">
+            <a:extLst>
+              <a:ext uri="{FF2B5EF4-FFF2-40B4-BE49-F238E27FC236}">
+                <a16:creationId xmlns:a16="http://schemas.microsoft.com/office/drawing/2014/main" id="{7782DBAD-8EA8-A4A8-0D65-27D0FE0FF16F}"/>
+              </a:ext>
+            </a:extLst>
+          </p:cNvPr>
+          <p:cNvSpPr/>
+          <p:nvPr/>
+        </p:nvSpPr>
+        <p:spPr>
+          <a:xfrm>
+            <a:off x="757175" y="269567"/>
+            <a:ext cx="2991371" cy="461665"/>
+          </a:xfrm>
+          <a:prstGeom prst="rect">
+            <a:avLst/>
+          </a:prstGeom>
+          <a:noFill/>
+        </p:spPr>
+        <p:txBody>
+          <a:bodyPr wrap="square" lIns="91440" tIns="45720" rIns="91440" bIns="45720">
+            <a:spAutoFit/>
+          </a:bodyPr>
+          <a:lstStyle/>
+          <a:p>
+            <a:r>
+              <a:rPr lang="en-US" sz="2400" b="1" dirty="0">
+                <a:ln w="0"/>
+                <a:effectLst>
+                  <a:outerShdw blurRad="38100" dist="19050" dir="2700000" algn="tl" rotWithShape="0">
+                    <a:schemeClr val="dk1">
+                      <a:alpha val="40000"/>
+                    </a:schemeClr>
+                  </a:outerShdw>
+                </a:effectLst>
+              </a:rPr>
+              <a:t>NEXT STEPS</a:t>
+            </a:r>
+          </a:p>
+        </p:txBody>
+      </p:sp>
+      <p:pic>
+        <p:nvPicPr>
+          <p:cNvPr id="10" name="Graphic 9" descr="Aspiration with solid fill">
+            <a:extLst>
+              <a:ext uri="{FF2B5EF4-FFF2-40B4-BE49-F238E27FC236}">
+                <a16:creationId xmlns:a16="http://schemas.microsoft.com/office/drawing/2014/main" id="{17DA0F17-D771-B2B5-3FCF-2BBA43FD3A43}"/>
+              </a:ext>
+            </a:extLst>
+          </p:cNvPr>
+          <p:cNvPicPr>
+            <a:picLocks noChangeAspect="1"/>
+          </p:cNvPicPr>
+          <p:nvPr/>
+        </p:nvPicPr>
+        <p:blipFill>
+          <a:blip r:embed="rId2">
+            <a:extLst>
+              <a:ext uri="{96DAC541-7B7A-43D3-8B79-37D633B846F1}">
+                <asvg:svgBlip xmlns:asvg="http://schemas.microsoft.com/office/drawing/2016/SVG/main" r:embed="rId3"/>
+              </a:ext>
+            </a:extLst>
+          </a:blip>
+          <a:stretch>
+            <a:fillRect/>
+          </a:stretch>
+        </p:blipFill>
+        <p:spPr>
+          <a:xfrm>
+            <a:off x="-106800" y="-59400"/>
+            <a:ext cx="914400" cy="914400"/>
+          </a:xfrm>
+          <a:prstGeom prst="rect">
+            <a:avLst/>
+          </a:prstGeom>
+        </p:spPr>
+      </p:pic>
+      <p:grpSp>
+        <p:nvGrpSpPr>
+          <p:cNvPr id="23" name="Group 22">
+            <a:extLst>
+              <a:ext uri="{FF2B5EF4-FFF2-40B4-BE49-F238E27FC236}">
+                <a16:creationId xmlns:a16="http://schemas.microsoft.com/office/drawing/2014/main" id="{85141BC3-A99C-463B-F216-ED324A09BC57}"/>
+              </a:ext>
+            </a:extLst>
+          </p:cNvPr>
+          <p:cNvGrpSpPr/>
+          <p:nvPr/>
+        </p:nvGrpSpPr>
+        <p:grpSpPr>
+          <a:xfrm>
+            <a:off x="1671600" y="1314470"/>
+            <a:ext cx="9213169" cy="914400"/>
+            <a:chOff x="2434800" y="1632600"/>
+            <a:chExt cx="9213169" cy="914400"/>
+          </a:xfrm>
+        </p:grpSpPr>
+        <p:pic>
+          <p:nvPicPr>
+            <p:cNvPr id="12" name="Graphic 11" descr="Dance steps with solid fill">
+              <a:extLst>
+                <a:ext uri="{FF2B5EF4-FFF2-40B4-BE49-F238E27FC236}">
+                  <a16:creationId xmlns:a16="http://schemas.microsoft.com/office/drawing/2014/main" id="{B3E3CBE7-57A2-0DC7-C24B-B87BC119092A}"/>
+                </a:ext>
+              </a:extLst>
+            </p:cNvPr>
+            <p:cNvPicPr>
+              <a:picLocks noChangeAspect="1"/>
+            </p:cNvPicPr>
+            <p:nvPr/>
+          </p:nvPicPr>
+          <p:blipFill>
+            <a:blip r:embed="rId4">
+              <a:extLst>
+                <a:ext uri="{96DAC541-7B7A-43D3-8B79-37D633B846F1}">
+                  <asvg:svgBlip xmlns:asvg="http://schemas.microsoft.com/office/drawing/2016/SVG/main" r:embed="rId5"/>
+                </a:ext>
+              </a:extLst>
+            </a:blip>
+            <a:stretch>
+              <a:fillRect/>
+            </a:stretch>
+          </p:blipFill>
+          <p:spPr>
+            <a:xfrm>
+              <a:off x="2434800" y="1632600"/>
+              <a:ext cx="914400" cy="914400"/>
+            </a:xfrm>
+            <a:prstGeom prst="rect">
+              <a:avLst/>
+            </a:prstGeom>
+          </p:spPr>
+        </p:pic>
+        <p:sp>
+          <p:nvSpPr>
+            <p:cNvPr id="16" name="Rectangle 15">
+              <a:extLst>
+                <a:ext uri="{FF2B5EF4-FFF2-40B4-BE49-F238E27FC236}">
+                  <a16:creationId xmlns:a16="http://schemas.microsoft.com/office/drawing/2014/main" id="{270C9904-3CCE-A9BD-FBB5-10DB455AF59C}"/>
+                </a:ext>
+              </a:extLst>
+            </p:cNvPr>
+            <p:cNvSpPr/>
+            <p:nvPr/>
+          </p:nvSpPr>
+          <p:spPr>
+            <a:xfrm>
+              <a:off x="3376025" y="1803112"/>
+              <a:ext cx="8271944" cy="584775"/>
+            </a:xfrm>
+            <a:prstGeom prst="rect">
+              <a:avLst/>
+            </a:prstGeom>
+            <a:noFill/>
+          </p:spPr>
+          <p:txBody>
+            <a:bodyPr wrap="none" lIns="91440" tIns="45720" rIns="91440" bIns="45720">
+              <a:spAutoFit/>
+            </a:bodyPr>
+            <a:lstStyle/>
+            <a:p>
+              <a:pPr algn="ctr"/>
+              <a:r>
+                <a:rPr lang="en-US" sz="3200" b="1" dirty="0">
+                  <a:ln w="9525">
+                    <a:solidFill>
+                      <a:schemeClr val="bg1"/>
+                    </a:solidFill>
+                    <a:prstDash val="solid"/>
+                  </a:ln>
+                  <a:effectLst>
+                    <a:outerShdw blurRad="12700" dist="38100" dir="2700000" algn="tl" rotWithShape="0">
+                      <a:schemeClr val="bg1">
+                        <a:lumMod val="50000"/>
+                      </a:schemeClr>
+                    </a:outerShdw>
+                  </a:effectLst>
+                </a:rPr>
+                <a:t>EVALUATE WHICH FOREIGN MARKETS ARE BEST</a:t>
+              </a:r>
+              <a:endParaRPr lang="en-US" sz="3200" b="1" cap="none" spc="0" dirty="0">
+                <a:ln w="9525">
+                  <a:solidFill>
+                    <a:schemeClr val="bg1"/>
+                  </a:solidFill>
+                  <a:prstDash val="solid"/>
+                </a:ln>
+                <a:solidFill>
+                  <a:schemeClr val="tx1"/>
+                </a:solidFill>
+                <a:effectLst>
+                  <a:outerShdw blurRad="12700" dist="38100" dir="2700000" algn="tl" rotWithShape="0">
+                    <a:schemeClr val="bg1">
+                      <a:lumMod val="50000"/>
+                    </a:schemeClr>
+                  </a:outerShdw>
+                </a:effectLst>
+              </a:endParaRPr>
+            </a:p>
+          </p:txBody>
+        </p:sp>
+      </p:grpSp>
+      <p:grpSp>
+        <p:nvGrpSpPr>
+          <p:cNvPr id="22" name="Group 21">
+            <a:extLst>
+              <a:ext uri="{FF2B5EF4-FFF2-40B4-BE49-F238E27FC236}">
+                <a16:creationId xmlns:a16="http://schemas.microsoft.com/office/drawing/2014/main" id="{F7FF6FD5-9E79-4DCF-02A0-AA6ED1D93F75}"/>
+              </a:ext>
+            </a:extLst>
+          </p:cNvPr>
+          <p:cNvGrpSpPr/>
+          <p:nvPr/>
+        </p:nvGrpSpPr>
+        <p:grpSpPr>
+          <a:xfrm>
+            <a:off x="1671600" y="2552700"/>
+            <a:ext cx="7729795" cy="914400"/>
+            <a:chOff x="2434800" y="2552700"/>
+            <a:chExt cx="7729795" cy="914400"/>
+          </a:xfrm>
+        </p:grpSpPr>
+        <p:pic>
+          <p:nvPicPr>
+            <p:cNvPr id="13" name="Graphic 12" descr="Dance steps with solid fill">
+              <a:extLst>
+                <a:ext uri="{FF2B5EF4-FFF2-40B4-BE49-F238E27FC236}">
+                  <a16:creationId xmlns:a16="http://schemas.microsoft.com/office/drawing/2014/main" id="{CE256195-5050-788D-579A-D7080E8FA7D8}"/>
+                </a:ext>
+              </a:extLst>
+            </p:cNvPr>
+            <p:cNvPicPr>
+              <a:picLocks noChangeAspect="1"/>
+            </p:cNvPicPr>
+            <p:nvPr/>
+          </p:nvPicPr>
+          <p:blipFill>
+            <a:blip r:embed="rId4">
+              <a:extLst>
+                <a:ext uri="{96DAC541-7B7A-43D3-8B79-37D633B846F1}">
+                  <asvg:svgBlip xmlns:asvg="http://schemas.microsoft.com/office/drawing/2016/SVG/main" r:embed="rId5"/>
+                </a:ext>
+              </a:extLst>
+            </a:blip>
+            <a:stretch>
+              <a:fillRect/>
+            </a:stretch>
+          </p:blipFill>
+          <p:spPr>
+            <a:xfrm>
+              <a:off x="2434800" y="2552700"/>
+              <a:ext cx="914400" cy="914400"/>
+            </a:xfrm>
+            <a:prstGeom prst="rect">
+              <a:avLst/>
+            </a:prstGeom>
+          </p:spPr>
+        </p:pic>
+        <p:sp>
+          <p:nvSpPr>
+            <p:cNvPr id="17" name="Rectangle 16">
+              <a:extLst>
+                <a:ext uri="{FF2B5EF4-FFF2-40B4-BE49-F238E27FC236}">
+                  <a16:creationId xmlns:a16="http://schemas.microsoft.com/office/drawing/2014/main" id="{BEBDD8DB-3057-627C-CF5D-B2A62145A315}"/>
+                </a:ext>
+              </a:extLst>
+            </p:cNvPr>
+            <p:cNvSpPr/>
+            <p:nvPr/>
+          </p:nvSpPr>
+          <p:spPr>
+            <a:xfrm>
+              <a:off x="3353563" y="2729399"/>
+              <a:ext cx="6811032" cy="584775"/>
+            </a:xfrm>
+            <a:prstGeom prst="rect">
+              <a:avLst/>
+            </a:prstGeom>
+            <a:noFill/>
+          </p:spPr>
+          <p:txBody>
+            <a:bodyPr wrap="none" lIns="91440" tIns="45720" rIns="91440" bIns="45720">
+              <a:spAutoFit/>
+            </a:bodyPr>
+            <a:lstStyle/>
+            <a:p>
+              <a:pPr algn="ctr"/>
+              <a:r>
+                <a:rPr lang="en-US" sz="3200" b="1" dirty="0">
+                  <a:ln w="9525">
+                    <a:solidFill>
+                      <a:schemeClr val="bg1"/>
+                    </a:solidFill>
+                    <a:prstDash val="solid"/>
+                  </a:ln>
+                  <a:effectLst>
+                    <a:outerShdw blurRad="12700" dist="38100" dir="2700000" algn="tl" rotWithShape="0">
+                      <a:schemeClr val="bg1">
+                        <a:lumMod val="50000"/>
+                      </a:schemeClr>
+                    </a:outerShdw>
+                  </a:effectLst>
+                </a:rPr>
+                <a:t>EVALUATE TRENDS IN SELECTED GENRE</a:t>
+              </a:r>
+              <a:endParaRPr lang="en-US" sz="3200" b="1" cap="none" spc="0" dirty="0">
+                <a:ln w="9525">
+                  <a:solidFill>
+                    <a:schemeClr val="bg1"/>
+                  </a:solidFill>
+                  <a:prstDash val="solid"/>
+                </a:ln>
+                <a:solidFill>
+                  <a:schemeClr val="tx1"/>
+                </a:solidFill>
+                <a:effectLst>
+                  <a:outerShdw blurRad="12700" dist="38100" dir="2700000" algn="tl" rotWithShape="0">
+                    <a:schemeClr val="bg1">
+                      <a:lumMod val="50000"/>
+                    </a:schemeClr>
+                  </a:outerShdw>
+                </a:effectLst>
+              </a:endParaRPr>
+            </a:p>
+          </p:txBody>
+        </p:sp>
+      </p:grpSp>
+      <p:grpSp>
+        <p:nvGrpSpPr>
+          <p:cNvPr id="21" name="Group 20">
+            <a:extLst>
+              <a:ext uri="{FF2B5EF4-FFF2-40B4-BE49-F238E27FC236}">
+                <a16:creationId xmlns:a16="http://schemas.microsoft.com/office/drawing/2014/main" id="{B12D809F-0E8E-1923-CF46-6B8CD0054249}"/>
+              </a:ext>
+            </a:extLst>
+          </p:cNvPr>
+          <p:cNvGrpSpPr/>
+          <p:nvPr/>
+        </p:nvGrpSpPr>
+        <p:grpSpPr>
+          <a:xfrm>
+            <a:off x="1654800" y="3639054"/>
+            <a:ext cx="8650044" cy="914400"/>
+            <a:chOff x="2418000" y="3429000"/>
+            <a:chExt cx="8650044" cy="914400"/>
+          </a:xfrm>
+        </p:grpSpPr>
+        <p:pic>
+          <p:nvPicPr>
+            <p:cNvPr id="14" name="Graphic 13" descr="Dance steps with solid fill">
+              <a:extLst>
+                <a:ext uri="{FF2B5EF4-FFF2-40B4-BE49-F238E27FC236}">
+                  <a16:creationId xmlns:a16="http://schemas.microsoft.com/office/drawing/2014/main" id="{28F0457C-363A-5D7D-DB5C-D0AB06704DA8}"/>
+                </a:ext>
+              </a:extLst>
+            </p:cNvPr>
+            <p:cNvPicPr>
+              <a:picLocks noChangeAspect="1"/>
+            </p:cNvPicPr>
+            <p:nvPr/>
+          </p:nvPicPr>
+          <p:blipFill>
+            <a:blip r:embed="rId4">
+              <a:extLst>
+                <a:ext uri="{96DAC541-7B7A-43D3-8B79-37D633B846F1}">
+                  <asvg:svgBlip xmlns:asvg="http://schemas.microsoft.com/office/drawing/2016/SVG/main" r:embed="rId5"/>
+                </a:ext>
+              </a:extLst>
+            </a:blip>
+            <a:stretch>
+              <a:fillRect/>
+            </a:stretch>
+          </p:blipFill>
+          <p:spPr>
+            <a:xfrm>
+              <a:off x="2418000" y="3429000"/>
+              <a:ext cx="914400" cy="914400"/>
+            </a:xfrm>
+            <a:prstGeom prst="rect">
+              <a:avLst/>
+            </a:prstGeom>
+          </p:spPr>
+        </p:pic>
+        <p:sp>
+          <p:nvSpPr>
+            <p:cNvPr id="18" name="Rectangle 17">
+              <a:extLst>
+                <a:ext uri="{FF2B5EF4-FFF2-40B4-BE49-F238E27FC236}">
+                  <a16:creationId xmlns:a16="http://schemas.microsoft.com/office/drawing/2014/main" id="{4AA764D3-7E9E-95C2-FA3F-172CA8480F61}"/>
+                </a:ext>
+              </a:extLst>
+            </p:cNvPr>
+            <p:cNvSpPr/>
+            <p:nvPr/>
+          </p:nvSpPr>
+          <p:spPr>
+            <a:xfrm>
+              <a:off x="3332400" y="3605699"/>
+              <a:ext cx="7735644" cy="584775"/>
+            </a:xfrm>
+            <a:prstGeom prst="rect">
+              <a:avLst/>
+            </a:prstGeom>
+            <a:noFill/>
+          </p:spPr>
+          <p:txBody>
+            <a:bodyPr wrap="none" lIns="91440" tIns="45720" rIns="91440" bIns="45720">
+              <a:spAutoFit/>
+            </a:bodyPr>
+            <a:lstStyle/>
+            <a:p>
+              <a:pPr algn="ctr"/>
+              <a:r>
+                <a:rPr lang="en-US" sz="3200" b="1" dirty="0">
+                  <a:ln w="9525">
+                    <a:solidFill>
+                      <a:schemeClr val="bg1"/>
+                    </a:solidFill>
+                    <a:prstDash val="solid"/>
+                  </a:ln>
+                  <a:effectLst>
+                    <a:outerShdw blurRad="12700" dist="38100" dir="2700000" algn="tl" rotWithShape="0">
+                      <a:schemeClr val="bg1">
+                        <a:lumMod val="50000"/>
+                      </a:schemeClr>
+                    </a:outerShdw>
+                  </a:effectLst>
+                </a:rPr>
+                <a:t>IDENTIFY TARGET AUDIENCE DEMOGRAPHIC</a:t>
+              </a:r>
+              <a:endParaRPr lang="en-US" sz="3200" b="1" cap="none" spc="0" dirty="0">
+                <a:ln w="9525">
+                  <a:solidFill>
+                    <a:schemeClr val="bg1"/>
+                  </a:solidFill>
+                  <a:prstDash val="solid"/>
+                </a:ln>
+                <a:solidFill>
+                  <a:schemeClr val="tx1"/>
+                </a:solidFill>
+                <a:effectLst>
+                  <a:outerShdw blurRad="12700" dist="38100" dir="2700000" algn="tl" rotWithShape="0">
+                    <a:schemeClr val="bg1">
+                      <a:lumMod val="50000"/>
+                    </a:schemeClr>
+                  </a:outerShdw>
+                </a:effectLst>
+              </a:endParaRPr>
+            </a:p>
+          </p:txBody>
+        </p:sp>
+      </p:grpSp>
+      <p:grpSp>
+        <p:nvGrpSpPr>
+          <p:cNvPr id="20" name="Group 19">
+            <a:extLst>
+              <a:ext uri="{FF2B5EF4-FFF2-40B4-BE49-F238E27FC236}">
+                <a16:creationId xmlns:a16="http://schemas.microsoft.com/office/drawing/2014/main" id="{B2999E5F-476D-172B-86D9-B173D5176D84}"/>
+              </a:ext>
+            </a:extLst>
+          </p:cNvPr>
+          <p:cNvGrpSpPr/>
+          <p:nvPr/>
+        </p:nvGrpSpPr>
+        <p:grpSpPr>
+          <a:xfrm>
+            <a:off x="1654800" y="4732200"/>
+            <a:ext cx="9479630" cy="914400"/>
+            <a:chOff x="2418000" y="4343400"/>
+            <a:chExt cx="9479630" cy="914400"/>
+          </a:xfrm>
+        </p:grpSpPr>
+        <p:pic>
+          <p:nvPicPr>
+            <p:cNvPr id="15" name="Graphic 14" descr="Dance steps with solid fill">
+              <a:extLst>
+                <a:ext uri="{FF2B5EF4-FFF2-40B4-BE49-F238E27FC236}">
+                  <a16:creationId xmlns:a16="http://schemas.microsoft.com/office/drawing/2014/main" id="{2397DD06-22D9-90C5-D6F1-C7AA08EF5CFD}"/>
+                </a:ext>
+              </a:extLst>
+            </p:cNvPr>
+            <p:cNvPicPr>
+              <a:picLocks noChangeAspect="1"/>
+            </p:cNvPicPr>
+            <p:nvPr/>
+          </p:nvPicPr>
+          <p:blipFill>
+            <a:blip r:embed="rId4">
+              <a:extLst>
+                <a:ext uri="{96DAC541-7B7A-43D3-8B79-37D633B846F1}">
+                  <asvg:svgBlip xmlns:asvg="http://schemas.microsoft.com/office/drawing/2016/SVG/main" r:embed="rId5"/>
+                </a:ext>
+              </a:extLst>
+            </a:blip>
+            <a:stretch>
+              <a:fillRect/>
+            </a:stretch>
+          </p:blipFill>
+          <p:spPr>
+            <a:xfrm>
+              <a:off x="2418000" y="4343400"/>
+              <a:ext cx="914400" cy="914400"/>
+            </a:xfrm>
+            <a:prstGeom prst="rect">
+              <a:avLst/>
+            </a:prstGeom>
+          </p:spPr>
+        </p:pic>
+        <p:sp>
+          <p:nvSpPr>
+            <p:cNvPr id="19" name="Rectangle 18">
+              <a:extLst>
+                <a:ext uri="{FF2B5EF4-FFF2-40B4-BE49-F238E27FC236}">
+                  <a16:creationId xmlns:a16="http://schemas.microsoft.com/office/drawing/2014/main" id="{6FE632ED-C6B8-521F-D8C1-AC6131DF80C8}"/>
+                </a:ext>
+              </a:extLst>
+            </p:cNvPr>
+            <p:cNvSpPr/>
+            <p:nvPr/>
+          </p:nvSpPr>
+          <p:spPr>
+            <a:xfrm>
+              <a:off x="3332400" y="4515354"/>
+              <a:ext cx="8565230" cy="584775"/>
+            </a:xfrm>
+            <a:prstGeom prst="rect">
+              <a:avLst/>
+            </a:prstGeom>
+            <a:noFill/>
+          </p:spPr>
+          <p:txBody>
+            <a:bodyPr wrap="none" lIns="91440" tIns="45720" rIns="91440" bIns="45720">
+              <a:spAutoFit/>
+            </a:bodyPr>
+            <a:lstStyle/>
+            <a:p>
+              <a:pPr algn="ctr"/>
+              <a:r>
+                <a:rPr lang="en-US" sz="3200" b="1" dirty="0">
+                  <a:ln w="9525">
+                    <a:solidFill>
+                      <a:schemeClr val="bg1"/>
+                    </a:solidFill>
+                    <a:prstDash val="solid"/>
+                  </a:ln>
+                  <a:effectLst>
+                    <a:outerShdw blurRad="12700" dist="38100" dir="2700000" algn="tl" rotWithShape="0">
+                      <a:schemeClr val="bg1">
+                        <a:lumMod val="50000"/>
+                      </a:schemeClr>
+                    </a:outerShdw>
+                  </a:effectLst>
+                </a:rPr>
+                <a:t>IDENTIFY POST-PRODUCTION REVENUE STREAMS</a:t>
+              </a:r>
+              <a:endParaRPr lang="en-US" sz="3200" b="1" cap="none" spc="0" dirty="0">
+                <a:ln w="9525">
+                  <a:solidFill>
+                    <a:schemeClr val="bg1"/>
+                  </a:solidFill>
+                  <a:prstDash val="solid"/>
+                </a:ln>
+                <a:solidFill>
+                  <a:schemeClr val="tx1"/>
+                </a:solidFill>
+                <a:effectLst>
+                  <a:outerShdw blurRad="12700" dist="38100" dir="2700000" algn="tl" rotWithShape="0">
+                    <a:schemeClr val="bg1">
+                      <a:lumMod val="50000"/>
+                    </a:schemeClr>
+                  </a:outerShdw>
+                </a:effectLst>
+              </a:endParaRPr>
+            </a:p>
+          </p:txBody>
+        </p:sp>
+      </p:grpSp>
+    </p:spTree>
+    <p:extLst>
+      <p:ext uri="{BB962C8B-B14F-4D97-AF65-F5344CB8AC3E}">
+        <p14:creationId xmlns:p14="http://schemas.microsoft.com/office/powerpoint/2010/main" val="1928344304"/>
+      </p:ext>
+    </p:extLst>
+  </p:cSld>
+  <p:clrMapOvr>
+    <a:masterClrMapping/>
+  </p:clrMapOvr>
+</p:sld>
+</file>
+
+<file path=ppt/slides/slide12.xml><?xml version="1.0" encoding="utf-8"?>
+<p:sld xmlns:a="http://schemas.openxmlformats.org/drawingml/2006/main" xmlns:r="http://schemas.openxmlformats.org/officeDocument/2006/relationships" xmlns:p="http://schemas.openxmlformats.org/presentationml/2006/main">
+  <p:cSld>
+    <p:spTree>
+      <p:nvGrpSpPr>
+        <p:cNvPr id="1" name=""/>
+        <p:cNvGrpSpPr/>
+        <p:nvPr/>
+      </p:nvGrpSpPr>
+      <p:grpSpPr>
+        <a:xfrm>
+          <a:off x="0" y="0"/>
+          <a:ext cx="0" cy="0"/>
+          <a:chOff x="0" y="0"/>
+          <a:chExt cx="0" cy="0"/>
+        </a:xfrm>
+      </p:grpSpPr>
+      <p:sp>
+        <p:nvSpPr>
+          <p:cNvPr id="4" name="Footer Placeholder 3">
+            <a:extLst>
+              <a:ext uri="{FF2B5EF4-FFF2-40B4-BE49-F238E27FC236}">
+                <a16:creationId xmlns:a16="http://schemas.microsoft.com/office/drawing/2014/main" id="{45A6D8C2-A18C-1667-F396-D90502E35765}"/>
+              </a:ext>
+            </a:extLst>
+          </p:cNvPr>
+          <p:cNvSpPr>
+            <a:spLocks noGrp="1"/>
+          </p:cNvSpPr>
+          <p:nvPr>
+            <p:ph type="ftr" sz="quarter" idx="11"/>
+          </p:nvPr>
+        </p:nvSpPr>
+        <p:spPr/>
+        <p:txBody>
+          <a:bodyPr/>
+          <a:lstStyle/>
+          <a:p>
+            <a:endParaRPr lang="en-US"/>
+          </a:p>
+        </p:txBody>
+      </p:sp>
+      <p:sp>
+        <p:nvSpPr>
+          <p:cNvPr id="5" name="Slide Number Placeholder 4">
+            <a:extLst>
+              <a:ext uri="{FF2B5EF4-FFF2-40B4-BE49-F238E27FC236}">
+                <a16:creationId xmlns:a16="http://schemas.microsoft.com/office/drawing/2014/main" id="{6DCED200-8F39-6057-AB80-75AC563C2DE0}"/>
+              </a:ext>
+            </a:extLst>
+          </p:cNvPr>
+          <p:cNvSpPr>
+            <a:spLocks noGrp="1"/>
+          </p:cNvSpPr>
+          <p:nvPr>
+            <p:ph type="sldNum" sz="quarter" idx="12"/>
+          </p:nvPr>
+        </p:nvSpPr>
+        <p:spPr/>
+        <p:txBody>
+          <a:bodyPr/>
+          <a:lstStyle/>
+          <a:p>
+            <a:fld id="{9B1D7D9B-CDE6-6440-8F5F-ADF9B5401534}" type="slidenum">
+              <a:rPr lang="en-US" smtClean="0"/>
+              <a:t>12</a:t>
+            </a:fld>
+            <a:endParaRPr lang="en-US"/>
+          </a:p>
+        </p:txBody>
+      </p:sp>
+      <p:sp>
+        <p:nvSpPr>
+          <p:cNvPr id="6" name="Rectangle 5">
+            <a:extLst>
+              <a:ext uri="{FF2B5EF4-FFF2-40B4-BE49-F238E27FC236}">
+                <a16:creationId xmlns:a16="http://schemas.microsoft.com/office/drawing/2014/main" id="{35C7310C-A44D-A41C-2AA6-C4B691B1E910}"/>
+              </a:ext>
+            </a:extLst>
+          </p:cNvPr>
+          <p:cNvSpPr/>
+          <p:nvPr/>
+        </p:nvSpPr>
+        <p:spPr>
+          <a:xfrm>
+            <a:off x="4164543" y="2967335"/>
+            <a:ext cx="3862917" cy="923330"/>
+          </a:xfrm>
+          <a:prstGeom prst="rect">
+            <a:avLst/>
+          </a:prstGeom>
+          <a:noFill/>
+        </p:spPr>
+        <p:txBody>
+          <a:bodyPr wrap="none" lIns="91440" tIns="45720" rIns="91440" bIns="45720">
+            <a:spAutoFit/>
+          </a:bodyPr>
+          <a:lstStyle/>
+          <a:p>
+            <a:pPr algn="ctr"/>
+            <a:r>
+              <a:rPr lang="en-US" sz="5400" b="1" cap="none" spc="0" dirty="0">
+                <a:ln w="9525">
+                  <a:solidFill>
+                    <a:schemeClr val="bg1"/>
+                  </a:solidFill>
+                  <a:prstDash val="solid"/>
+                </a:ln>
+                <a:solidFill>
+                  <a:schemeClr val="tx1"/>
+                </a:solidFill>
+                <a:effectLst>
+                  <a:outerShdw blurRad="12700" dist="38100" dir="2700000" algn="tl" rotWithShape="0">
+                    <a:schemeClr val="bg1">
+                      <a:lumMod val="50000"/>
+                    </a:schemeClr>
+                  </a:outerShdw>
+                </a:effectLst>
+              </a:rPr>
+              <a:t>QUESTIONS?</a:t>
+            </a:r>
+          </a:p>
+        </p:txBody>
+      </p:sp>
+    </p:spTree>
+    <p:extLst>
+      <p:ext uri="{BB962C8B-B14F-4D97-AF65-F5344CB8AC3E}">
+        <p14:creationId xmlns:p14="http://schemas.microsoft.com/office/powerpoint/2010/main" val="2238741624"/>
+      </p:ext>
+    </p:extLst>
+  </p:cSld>
+  <p:clrMapOvr>
+    <a:masterClrMapping/>
+  </p:clrMapOvr>
+</p:sld>
+</file>
+
+<file path=ppt/slides/slide13.xml><?xml version="1.0" encoding="utf-8"?>
+<p:sld xmlns:a="http://schemas.openxmlformats.org/drawingml/2006/main" xmlns:r="http://schemas.openxmlformats.org/officeDocument/2006/relationships" xmlns:p="http://schemas.openxmlformats.org/presentationml/2006/main">
+  <p:cSld>
+    <p:spTree>
+      <p:nvGrpSpPr>
+        <p:cNvPr id="1" name=""/>
+        <p:cNvGrpSpPr/>
+        <p:nvPr/>
+      </p:nvGrpSpPr>
+      <p:grpSpPr>
+        <a:xfrm>
+          <a:off x="0" y="0"/>
+          <a:ext cx="0" cy="0"/>
+          <a:chOff x="0" y="0"/>
+          <a:chExt cx="0" cy="0"/>
+        </a:xfrm>
+      </p:grpSpPr>
+      <p:pic>
+        <p:nvPicPr>
+          <p:cNvPr id="1028" name="Picture 4">
+            <a:extLst>
+              <a:ext uri="{FF2B5EF4-FFF2-40B4-BE49-F238E27FC236}">
+                <a16:creationId xmlns:a16="http://schemas.microsoft.com/office/drawing/2014/main" id="{B80308AE-ADD6-0890-6A1A-E406FDA65BDA}"/>
+              </a:ext>
+            </a:extLst>
+          </p:cNvPr>
+          <p:cNvPicPr>
+            <a:picLocks noChangeAspect="1" noChangeArrowheads="1"/>
+          </p:cNvPicPr>
+          <p:nvPr/>
+        </p:nvPicPr>
+        <p:blipFill>
+          <a:blip r:embed="rId2">
+            <a:extLst>
+              <a:ext uri="{28A0092B-C50C-407E-A947-70E740481C1C}">
+                <a14:useLocalDpi xmlns:a14="http://schemas.microsoft.com/office/drawing/2010/main" val="0"/>
+              </a:ext>
+            </a:extLst>
+          </a:blip>
+          <a:srcRect/>
+          <a:stretch>
+            <a:fillRect/>
+          </a:stretch>
+        </p:blipFill>
+        <p:spPr bwMode="auto">
+          <a:xfrm>
+            <a:off x="1699054" y="1409658"/>
+            <a:ext cx="8793892" cy="2506488"/>
+          </a:xfrm>
+          <a:prstGeom prst="rect">
+            <a:avLst/>
+          </a:prstGeom>
+          <a:noFill/>
+          <a:extLst>
+            <a:ext uri="{909E8E84-426E-40DD-AFC4-6F175D3DCCD1}">
+              <a14:hiddenFill xmlns:a14="http://schemas.microsoft.com/office/drawing/2010/main">
+                <a:solidFill>
+                  <a:srgbClr val="FFFFFF"/>
+                </a:solidFill>
+              </a14:hiddenFill>
+            </a:ext>
+          </a:extLst>
+        </p:spPr>
+      </p:pic>
+      <p:sp>
+        <p:nvSpPr>
+          <p:cNvPr id="4" name="TextBox 3">
+            <a:extLst>
+              <a:ext uri="{FF2B5EF4-FFF2-40B4-BE49-F238E27FC236}">
+                <a16:creationId xmlns:a16="http://schemas.microsoft.com/office/drawing/2014/main" id="{D3AF372C-C3A7-B405-E45F-7DDC1E3CDD25}"/>
+              </a:ext>
+            </a:extLst>
+          </p:cNvPr>
+          <p:cNvSpPr txBox="1"/>
+          <p:nvPr/>
+        </p:nvSpPr>
+        <p:spPr>
+          <a:xfrm>
+            <a:off x="1902941" y="3916146"/>
+            <a:ext cx="7933037" cy="2123658"/>
+          </a:xfrm>
+          <a:prstGeom prst="rect">
+            <a:avLst/>
+          </a:prstGeom>
+          <a:noFill/>
+        </p:spPr>
+        <p:txBody>
+          <a:bodyPr wrap="square" rtlCol="0">
+            <a:spAutoFit/>
+          </a:bodyPr>
+          <a:lstStyle/>
+          <a:p>
+            <a:pPr algn="ctr"/>
+            <a:r>
+              <a:rPr lang="en-US" sz="2400" dirty="0"/>
+              <a:t>MOVIE EXPLORATION PROJECT</a:t>
+            </a:r>
+          </a:p>
+          <a:p>
+            <a:endParaRPr lang="en-US" dirty="0"/>
+          </a:p>
+          <a:p>
+            <a:pPr algn="ctr"/>
+            <a:r>
+              <a:rPr lang="en-US" dirty="0"/>
+              <a:t>SHAYAN ABDUL KARIM KHAN</a:t>
+            </a:r>
+          </a:p>
+          <a:p>
+            <a:pPr algn="ctr"/>
+            <a:endParaRPr lang="en-US" dirty="0"/>
+          </a:p>
+          <a:p>
+            <a:pPr algn="ctr"/>
+            <a:r>
+              <a:rPr lang="en-US" dirty="0"/>
+              <a:t>08/24/2022</a:t>
+            </a:r>
+          </a:p>
+          <a:p>
+            <a:endParaRPr lang="en-US" dirty="0"/>
+          </a:p>
+          <a:p>
+            <a:endParaRPr lang="en-US" dirty="0"/>
+          </a:p>
+        </p:txBody>
+      </p:sp>
+      <p:sp>
+        <p:nvSpPr>
+          <p:cNvPr id="5" name="Footer Placeholder 4">
+            <a:extLst>
+              <a:ext uri="{FF2B5EF4-FFF2-40B4-BE49-F238E27FC236}">
+                <a16:creationId xmlns:a16="http://schemas.microsoft.com/office/drawing/2014/main" id="{E390E4A7-C395-B06E-5FCD-44AEC9F1C3F5}"/>
+              </a:ext>
+            </a:extLst>
+          </p:cNvPr>
+          <p:cNvSpPr>
+            <a:spLocks noGrp="1"/>
+          </p:cNvSpPr>
+          <p:nvPr>
+            <p:ph type="ftr" sz="quarter" idx="11"/>
+          </p:nvPr>
+        </p:nvSpPr>
+        <p:spPr/>
+        <p:txBody>
+          <a:bodyPr/>
+          <a:lstStyle/>
+          <a:p>
+            <a:endParaRPr lang="en-US"/>
+          </a:p>
+        </p:txBody>
+      </p:sp>
+      <p:sp>
+        <p:nvSpPr>
+          <p:cNvPr id="6" name="Slide Number Placeholder 5">
+            <a:extLst>
+              <a:ext uri="{FF2B5EF4-FFF2-40B4-BE49-F238E27FC236}">
+                <a16:creationId xmlns:a16="http://schemas.microsoft.com/office/drawing/2014/main" id="{E67300C4-A02A-38EF-9739-A236A96AFC74}"/>
+              </a:ext>
+            </a:extLst>
+          </p:cNvPr>
+          <p:cNvSpPr>
+            <a:spLocks noGrp="1"/>
+          </p:cNvSpPr>
+          <p:nvPr>
+            <p:ph type="sldNum" sz="quarter" idx="12"/>
+          </p:nvPr>
+        </p:nvSpPr>
+        <p:spPr/>
+        <p:txBody>
+          <a:bodyPr/>
+          <a:lstStyle/>
+          <a:p>
+            <a:fld id="{9B1D7D9B-CDE6-6440-8F5F-ADF9B5401534}" type="slidenum">
+              <a:rPr lang="en-US" smtClean="0"/>
+              <a:t>13</a:t>
+            </a:fld>
+            <a:endParaRPr lang="en-US"/>
+          </a:p>
+        </p:txBody>
+      </p:sp>
+    </p:spTree>
+    <p:extLst>
+      <p:ext uri="{BB962C8B-B14F-4D97-AF65-F5344CB8AC3E}">
+        <p14:creationId xmlns:p14="http://schemas.microsoft.com/office/powerpoint/2010/main" val="3319500957"/>
+      </p:ext>
+    </p:extLst>
+  </p:cSld>
+  <p:clrMapOvr>
+    <a:masterClrMapping/>
+  </p:clrMapOvr>
+</p:sld>
+</file>
+
+<file path=ppt/slides/slide14.xml><?xml version="1.0" encoding="utf-8"?>
+<p:sld xmlns:a="http://schemas.openxmlformats.org/drawingml/2006/main" xmlns:r="http://schemas.openxmlformats.org/officeDocument/2006/relationships" xmlns:p="http://schemas.openxmlformats.org/presentationml/2006/main">
+  <p:cSld>
+    <p:spTree>
+      <p:nvGrpSpPr>
+        <p:cNvPr id="1" name=""/>
+        <p:cNvGrpSpPr/>
+        <p:nvPr/>
+      </p:nvGrpSpPr>
+      <p:grpSpPr>
+        <a:xfrm>
+          <a:off x="0" y="0"/>
+          <a:ext cx="0" cy="0"/>
+          <a:chOff x="0" y="0"/>
+          <a:chExt cx="0" cy="0"/>
+        </a:xfrm>
+      </p:grpSpPr>
+      <p:sp>
+        <p:nvSpPr>
+          <p:cNvPr id="2" name="Title 1">
+            <a:extLst>
+              <a:ext uri="{FF2B5EF4-FFF2-40B4-BE49-F238E27FC236}">
+                <a16:creationId xmlns:a16="http://schemas.microsoft.com/office/drawing/2014/main" id="{F68A7A4C-2130-BF41-1417-AA9D77A22E7C}"/>
+              </a:ext>
+            </a:extLst>
+          </p:cNvPr>
+          <p:cNvSpPr>
+            <a:spLocks noGrp="1"/>
+          </p:cNvSpPr>
+          <p:nvPr>
+            <p:ph type="title"/>
+          </p:nvPr>
+        </p:nvSpPr>
+        <p:spPr/>
+        <p:txBody>
+          <a:bodyPr/>
+          <a:lstStyle/>
+          <a:p>
+            <a:r>
+              <a:rPr lang="en-US" dirty="0"/>
+              <a:t>BACK UP</a:t>
+            </a:r>
+          </a:p>
+        </p:txBody>
+      </p:sp>
+      <p:sp>
+        <p:nvSpPr>
+          <p:cNvPr id="3" name="Content Placeholder 2">
+            <a:extLst>
+              <a:ext uri="{FF2B5EF4-FFF2-40B4-BE49-F238E27FC236}">
+                <a16:creationId xmlns:a16="http://schemas.microsoft.com/office/drawing/2014/main" id="{5A08A7F2-5A3F-E840-5329-8184DB62D32E}"/>
+              </a:ext>
+            </a:extLst>
+          </p:cNvPr>
+          <p:cNvSpPr>
+            <a:spLocks noGrp="1"/>
+          </p:cNvSpPr>
+          <p:nvPr>
+            <p:ph idx="1"/>
+          </p:nvPr>
+        </p:nvSpPr>
+        <p:spPr/>
+        <p:txBody>
+          <a:bodyPr/>
+          <a:lstStyle/>
+          <a:p>
+            <a:endParaRPr lang="en-US"/>
+          </a:p>
+        </p:txBody>
+      </p:sp>
+      <p:sp>
+        <p:nvSpPr>
+          <p:cNvPr id="4" name="Footer Placeholder 3">
+            <a:extLst>
+              <a:ext uri="{FF2B5EF4-FFF2-40B4-BE49-F238E27FC236}">
+                <a16:creationId xmlns:a16="http://schemas.microsoft.com/office/drawing/2014/main" id="{B44CA3A6-3187-9296-9A4E-85C01AACA09A}"/>
+              </a:ext>
+            </a:extLst>
+          </p:cNvPr>
+          <p:cNvSpPr>
+            <a:spLocks noGrp="1"/>
+          </p:cNvSpPr>
+          <p:nvPr>
+            <p:ph type="ftr" sz="quarter" idx="11"/>
+          </p:nvPr>
+        </p:nvSpPr>
+        <p:spPr/>
+        <p:txBody>
+          <a:bodyPr/>
+          <a:lstStyle/>
+          <a:p>
+            <a:endParaRPr lang="en-US"/>
+          </a:p>
+        </p:txBody>
+      </p:sp>
+      <p:sp>
+        <p:nvSpPr>
+          <p:cNvPr id="5" name="Slide Number Placeholder 4">
+            <a:extLst>
+              <a:ext uri="{FF2B5EF4-FFF2-40B4-BE49-F238E27FC236}">
+                <a16:creationId xmlns:a16="http://schemas.microsoft.com/office/drawing/2014/main" id="{4FCE34C4-C5EE-731C-6E41-0B3BD573964B}"/>
+              </a:ext>
+            </a:extLst>
+          </p:cNvPr>
+          <p:cNvSpPr>
+            <a:spLocks noGrp="1"/>
+          </p:cNvSpPr>
+          <p:nvPr>
+            <p:ph type="sldNum" sz="quarter" idx="12"/>
+          </p:nvPr>
+        </p:nvSpPr>
+        <p:spPr/>
+        <p:txBody>
+          <a:bodyPr/>
+          <a:lstStyle/>
+          <a:p>
+            <a:fld id="{9B1D7D9B-CDE6-6440-8F5F-ADF9B5401534}" type="slidenum">
+              <a:rPr lang="en-US" smtClean="0"/>
+              <a:t>14</a:t>
+            </a:fld>
+            <a:endParaRPr lang="en-US"/>
+          </a:p>
+        </p:txBody>
+      </p:sp>
+    </p:spTree>
+    <p:extLst>
+      <p:ext uri="{BB962C8B-B14F-4D97-AF65-F5344CB8AC3E}">
+        <p14:creationId xmlns:p14="http://schemas.microsoft.com/office/powerpoint/2010/main" val="3708359683"/>
+      </p:ext>
+    </p:extLst>
+  </p:cSld>
+  <p:clrMapOvr>
+    <a:masterClrMapping/>
+  </p:clrMapOvr>
+</p:sld>
+</file>
+
+<file path=ppt/slides/slide15.xml><?xml version="1.0" encoding="utf-8"?>
+<p:sld xmlns:a="http://schemas.openxmlformats.org/drawingml/2006/main" xmlns:r="http://schemas.openxmlformats.org/officeDocument/2006/relationships" xmlns:p="http://schemas.openxmlformats.org/presentationml/2006/main">
+  <p:cSld>
+    <p:spTree>
+      <p:nvGrpSpPr>
+        <p:cNvPr id="1" name=""/>
+        <p:cNvGrpSpPr/>
+        <p:nvPr/>
+      </p:nvGrpSpPr>
+      <p:grpSpPr>
+        <a:xfrm>
+          <a:off x="0" y="0"/>
+          <a:ext cx="0" cy="0"/>
+          <a:chOff x="0" y="0"/>
+          <a:chExt cx="0" cy="0"/>
+        </a:xfrm>
+      </p:grpSpPr>
+      <p:grpSp>
+        <p:nvGrpSpPr>
+          <p:cNvPr id="9" name="Group 8">
+            <a:extLst>
+              <a:ext uri="{FF2B5EF4-FFF2-40B4-BE49-F238E27FC236}">
+                <a16:creationId xmlns:a16="http://schemas.microsoft.com/office/drawing/2014/main" id="{B97C2613-B9C3-D1C4-65E9-43397F5C32EA}"/>
+              </a:ext>
+            </a:extLst>
+          </p:cNvPr>
+          <p:cNvGrpSpPr/>
+          <p:nvPr/>
+        </p:nvGrpSpPr>
+        <p:grpSpPr>
+          <a:xfrm>
+            <a:off x="1623101" y="537565"/>
+            <a:ext cx="8954753" cy="1684080"/>
+            <a:chOff x="1623101" y="432635"/>
+            <a:chExt cx="8954753" cy="1684080"/>
+          </a:xfrm>
+        </p:grpSpPr>
+        <p:pic>
+          <p:nvPicPr>
+            <p:cNvPr id="5122" name="Picture 2" descr="Indicators Vector Icons free download in SVG, PNG Format">
+              <a:extLst>
+                <a:ext uri="{FF2B5EF4-FFF2-40B4-BE49-F238E27FC236}">
+                  <a16:creationId xmlns:a16="http://schemas.microsoft.com/office/drawing/2014/main" id="{3ECB2DFF-E823-8EBE-9CF4-1C558FF5ABF8}"/>
+                </a:ext>
+              </a:extLst>
+            </p:cNvPr>
+            <p:cNvPicPr>
+              <a:picLocks noChangeAspect="1" noChangeArrowheads="1"/>
+            </p:cNvPicPr>
+            <p:nvPr/>
+          </p:nvPicPr>
+          <p:blipFill>
+            <a:blip r:embed="rId2">
+              <a:extLst>
+                <a:ext uri="{28A0092B-C50C-407E-A947-70E740481C1C}">
+                  <a14:useLocalDpi xmlns:a14="http://schemas.microsoft.com/office/drawing/2010/main" val="0"/>
+                </a:ext>
+              </a:extLst>
+            </a:blip>
+            <a:srcRect/>
+            <a:stretch>
+              <a:fillRect/>
+            </a:stretch>
+          </p:blipFill>
+          <p:spPr bwMode="auto">
+            <a:xfrm>
+              <a:off x="8160479" y="432635"/>
+              <a:ext cx="1484026" cy="1484026"/>
+            </a:xfrm>
+            <a:prstGeom prst="rect">
+              <a:avLst/>
+            </a:prstGeom>
+            <a:noFill/>
+            <a:extLst>
+              <a:ext uri="{909E8E84-426E-40DD-AFC4-6F175D3DCCD1}">
+                <a14:hiddenFill xmlns:a14="http://schemas.microsoft.com/office/drawing/2010/main">
+                  <a:solidFill>
+                    <a:srgbClr val="FFFFFF"/>
+                  </a:solidFill>
+                </a14:hiddenFill>
+              </a:ext>
+            </a:extLst>
+          </p:spPr>
+        </p:pic>
+        <p:pic>
+          <p:nvPicPr>
+            <p:cNvPr id="4" name="Picture 2" descr="Indicators Vector Icons free download in SVG, PNG Format">
+              <a:extLst>
+                <a:ext uri="{FF2B5EF4-FFF2-40B4-BE49-F238E27FC236}">
+                  <a16:creationId xmlns:a16="http://schemas.microsoft.com/office/drawing/2014/main" id="{3B2D643A-9985-B5F3-FA21-5756C192AC10}"/>
+                </a:ext>
+              </a:extLst>
+            </p:cNvPr>
+            <p:cNvPicPr>
+              <a:picLocks noChangeAspect="1" noChangeArrowheads="1"/>
+            </p:cNvPicPr>
+            <p:nvPr/>
+          </p:nvPicPr>
+          <p:blipFill>
+            <a:blip r:embed="rId2">
+              <a:extLst>
+                <a:ext uri="{28A0092B-C50C-407E-A947-70E740481C1C}">
+                  <a14:useLocalDpi xmlns:a14="http://schemas.microsoft.com/office/drawing/2010/main" val="0"/>
+                </a:ext>
+              </a:extLst>
+            </a:blip>
+            <a:srcRect/>
+            <a:stretch>
+              <a:fillRect/>
+            </a:stretch>
+          </p:blipFill>
+          <p:spPr bwMode="auto">
+            <a:xfrm>
+              <a:off x="2547497" y="432635"/>
+              <a:ext cx="1484026" cy="1484026"/>
+            </a:xfrm>
+            <a:prstGeom prst="rect">
+              <a:avLst/>
+            </a:prstGeom>
+            <a:noFill/>
+            <a:extLst>
+              <a:ext uri="{909E8E84-426E-40DD-AFC4-6F175D3DCCD1}">
+                <a14:hiddenFill xmlns:a14="http://schemas.microsoft.com/office/drawing/2010/main">
+                  <a:solidFill>
+                    <a:srgbClr val="FFFFFF"/>
+                  </a:solidFill>
+                </a14:hiddenFill>
+              </a:ext>
+            </a:extLst>
+          </p:spPr>
+        </p:pic>
+        <p:sp>
+          <p:nvSpPr>
+            <p:cNvPr id="7" name="Rectangle 6">
+              <a:extLst>
+                <a:ext uri="{FF2B5EF4-FFF2-40B4-BE49-F238E27FC236}">
+                  <a16:creationId xmlns:a16="http://schemas.microsoft.com/office/drawing/2014/main" id="{B9FE9552-46C5-1692-74D4-900B42151223}"/>
+                </a:ext>
+              </a:extLst>
+            </p:cNvPr>
+            <p:cNvSpPr/>
+            <p:nvPr/>
+          </p:nvSpPr>
+          <p:spPr>
+            <a:xfrm>
+              <a:off x="1623101" y="1593495"/>
+              <a:ext cx="3332817" cy="523220"/>
+            </a:xfrm>
+            <a:prstGeom prst="rect">
+              <a:avLst/>
+            </a:prstGeom>
+            <a:noFill/>
+          </p:spPr>
+          <p:txBody>
+            <a:bodyPr wrap="square" lIns="91440" tIns="45720" rIns="91440" bIns="45720">
+              <a:spAutoFit/>
+            </a:bodyPr>
+            <a:lstStyle/>
+            <a:p>
+              <a:pPr algn="ctr"/>
+              <a:r>
+                <a:rPr lang="en-US" sz="2800" b="1" dirty="0">
+                  <a:ln w="0"/>
+                  <a:effectLst>
+                    <a:outerShdw blurRad="38100" dist="19050" dir="2700000" algn="tl" rotWithShape="0">
+                      <a:schemeClr val="dk1">
+                        <a:alpha val="40000"/>
+                      </a:schemeClr>
+                    </a:outerShdw>
+                  </a:effectLst>
+                </a:rPr>
+                <a:t>MOVIE REVIEWS</a:t>
+              </a:r>
+            </a:p>
+          </p:txBody>
+        </p:sp>
+        <p:sp>
+          <p:nvSpPr>
+            <p:cNvPr id="8" name="Rectangle 7">
+              <a:extLst>
+                <a:ext uri="{FF2B5EF4-FFF2-40B4-BE49-F238E27FC236}">
+                  <a16:creationId xmlns:a16="http://schemas.microsoft.com/office/drawing/2014/main" id="{FE6D80FD-1CFD-4F26-CF9A-6FE277CD0FC3}"/>
+                </a:ext>
+              </a:extLst>
+            </p:cNvPr>
+            <p:cNvSpPr/>
+            <p:nvPr/>
+          </p:nvSpPr>
+          <p:spPr>
+            <a:xfrm>
+              <a:off x="7245037" y="1583042"/>
+              <a:ext cx="3332817" cy="523220"/>
+            </a:xfrm>
+            <a:prstGeom prst="rect">
+              <a:avLst/>
+            </a:prstGeom>
+            <a:noFill/>
+          </p:spPr>
+          <p:txBody>
+            <a:bodyPr wrap="square" lIns="91440" tIns="45720" rIns="91440" bIns="45720">
+              <a:spAutoFit/>
+            </a:bodyPr>
+            <a:lstStyle/>
+            <a:p>
+              <a:pPr algn="ctr"/>
+              <a:r>
+                <a:rPr lang="en-US" sz="2800" b="1" dirty="0">
+                  <a:ln w="0"/>
+                  <a:effectLst>
+                    <a:outerShdw blurRad="38100" dist="19050" dir="2700000" algn="tl" rotWithShape="0">
+                      <a:schemeClr val="dk1">
+                        <a:alpha val="40000"/>
+                      </a:schemeClr>
+                    </a:outerShdw>
+                  </a:effectLst>
+                </a:rPr>
+                <a:t>MOVIE PROFITS</a:t>
+              </a:r>
+            </a:p>
+          </p:txBody>
+        </p:sp>
+      </p:grpSp>
+      <p:sp>
+        <p:nvSpPr>
+          <p:cNvPr id="10" name="Down Arrow 9">
+            <a:extLst>
+              <a:ext uri="{FF2B5EF4-FFF2-40B4-BE49-F238E27FC236}">
+                <a16:creationId xmlns:a16="http://schemas.microsoft.com/office/drawing/2014/main" id="{73D2967B-C42D-55AC-08B1-4BF76D3053E4}"/>
+              </a:ext>
+            </a:extLst>
+          </p:cNvPr>
+          <p:cNvSpPr/>
+          <p:nvPr/>
+        </p:nvSpPr>
+        <p:spPr>
+          <a:xfrm>
+            <a:off x="5661285" y="2817175"/>
+            <a:ext cx="869430" cy="989351"/>
+          </a:xfrm>
+          <a:prstGeom prst="downArrow">
+            <a:avLst/>
+          </a:prstGeom>
+          <a:ln w="76200">
+            <a:solidFill>
+              <a:schemeClr val="tx1"/>
+            </a:solidFill>
+          </a:ln>
+        </p:spPr>
+        <p:style>
+          <a:lnRef idx="2">
+            <a:schemeClr val="accent6"/>
+          </a:lnRef>
+          <a:fillRef idx="1">
+            <a:schemeClr val="lt1"/>
+          </a:fillRef>
+          <a:effectRef idx="0">
+            <a:schemeClr val="accent6"/>
+          </a:effectRef>
+          <a:fontRef idx="minor">
+            <a:schemeClr val="dk1"/>
+          </a:fontRef>
+        </p:style>
+        <p:txBody>
+          <a:bodyPr rtlCol="0" anchor="ctr"/>
+          <a:lstStyle/>
+          <a:p>
+            <a:pPr algn="ctr"/>
+            <a:endParaRPr lang="en-US"/>
+          </a:p>
+        </p:txBody>
+      </p:sp>
+      <p:grpSp>
+        <p:nvGrpSpPr>
+          <p:cNvPr id="14" name="Group 13">
+            <a:extLst>
+              <a:ext uri="{FF2B5EF4-FFF2-40B4-BE49-F238E27FC236}">
+                <a16:creationId xmlns:a16="http://schemas.microsoft.com/office/drawing/2014/main" id="{2A6AA539-3C2C-DA84-46B1-2AAAB72440A2}"/>
+              </a:ext>
+            </a:extLst>
+          </p:cNvPr>
+          <p:cNvGrpSpPr/>
+          <p:nvPr/>
+        </p:nvGrpSpPr>
+        <p:grpSpPr>
+          <a:xfrm>
+            <a:off x="426386" y="4523272"/>
+            <a:ext cx="3332817" cy="1709587"/>
+            <a:chOff x="426386" y="3443990"/>
+            <a:chExt cx="3332817" cy="1709587"/>
+          </a:xfrm>
+        </p:grpSpPr>
+        <p:pic>
+          <p:nvPicPr>
+            <p:cNvPr id="5124" name="Picture 4" descr="Focus Vector SVG Icon (17) - SVG Repo">
+              <a:extLst>
+                <a:ext uri="{FF2B5EF4-FFF2-40B4-BE49-F238E27FC236}">
+                  <a16:creationId xmlns:a16="http://schemas.microsoft.com/office/drawing/2014/main" id="{12673DE3-7AF4-48AB-94EB-8E31FF38B656}"/>
+                </a:ext>
+              </a:extLst>
+            </p:cNvPr>
+            <p:cNvPicPr>
+              <a:picLocks noChangeAspect="1" noChangeArrowheads="1"/>
+            </p:cNvPicPr>
+            <p:nvPr/>
+          </p:nvPicPr>
+          <p:blipFill>
+            <a:blip r:embed="rId3">
+              <a:extLst>
+                <a:ext uri="{28A0092B-C50C-407E-A947-70E740481C1C}">
+                  <a14:useLocalDpi xmlns:a14="http://schemas.microsoft.com/office/drawing/2010/main" val="0"/>
+                </a:ext>
+              </a:extLst>
+            </a:blip>
+            <a:srcRect/>
+            <a:stretch>
+              <a:fillRect/>
+            </a:stretch>
+          </p:blipFill>
+          <p:spPr bwMode="auto">
+            <a:xfrm>
+              <a:off x="1481317" y="3443990"/>
+              <a:ext cx="958123" cy="958123"/>
+            </a:xfrm>
+            <a:prstGeom prst="rect">
+              <a:avLst/>
+            </a:prstGeom>
+            <a:noFill/>
+            <a:extLst>
+              <a:ext uri="{909E8E84-426E-40DD-AFC4-6F175D3DCCD1}">
+                <a14:hiddenFill xmlns:a14="http://schemas.microsoft.com/office/drawing/2010/main">
+                  <a:solidFill>
+                    <a:srgbClr val="FFFFFF"/>
+                  </a:solidFill>
+                </a14:hiddenFill>
+              </a:ext>
+            </a:extLst>
+          </p:spPr>
+        </p:pic>
+        <p:sp>
+          <p:nvSpPr>
+            <p:cNvPr id="11" name="Rectangle 10">
+              <a:extLst>
+                <a:ext uri="{FF2B5EF4-FFF2-40B4-BE49-F238E27FC236}">
+                  <a16:creationId xmlns:a16="http://schemas.microsoft.com/office/drawing/2014/main" id="{37048F9A-1C6C-3460-7E96-4698412E6E46}"/>
+                </a:ext>
+              </a:extLst>
+            </p:cNvPr>
+            <p:cNvSpPr/>
+            <p:nvPr/>
+          </p:nvSpPr>
+          <p:spPr>
+            <a:xfrm>
+              <a:off x="426386" y="4322580"/>
+              <a:ext cx="3332817" cy="830997"/>
+            </a:xfrm>
+            <a:prstGeom prst="rect">
+              <a:avLst/>
+            </a:prstGeom>
+            <a:noFill/>
+          </p:spPr>
+          <p:txBody>
+            <a:bodyPr wrap="square" lIns="91440" tIns="45720" rIns="91440" bIns="45720">
+              <a:spAutoFit/>
+            </a:bodyPr>
+            <a:lstStyle/>
+            <a:p>
+              <a:pPr algn="ctr"/>
+              <a:r>
+                <a:rPr lang="en-US" sz="2400" b="1" dirty="0">
+                  <a:ln w="0"/>
+                  <a:effectLst>
+                    <a:outerShdw blurRad="38100" dist="19050" dir="2700000" algn="tl" rotWithShape="0">
+                      <a:schemeClr val="dk1">
+                        <a:alpha val="40000"/>
+                      </a:schemeClr>
+                    </a:outerShdw>
+                  </a:effectLst>
+                </a:rPr>
+                <a:t>WHICH GENRES TO FOCUS ON?</a:t>
+              </a:r>
+            </a:p>
+          </p:txBody>
+        </p:sp>
+      </p:grpSp>
+      <p:grpSp>
+        <p:nvGrpSpPr>
+          <p:cNvPr id="15" name="Group 14">
+            <a:extLst>
+              <a:ext uri="{FF2B5EF4-FFF2-40B4-BE49-F238E27FC236}">
+                <a16:creationId xmlns:a16="http://schemas.microsoft.com/office/drawing/2014/main" id="{DC13CB72-F359-62AA-8D76-99E287C225A0}"/>
+              </a:ext>
+            </a:extLst>
+          </p:cNvPr>
+          <p:cNvGrpSpPr/>
+          <p:nvPr/>
+        </p:nvGrpSpPr>
+        <p:grpSpPr>
+          <a:xfrm>
+            <a:off x="4429591" y="4568242"/>
+            <a:ext cx="3332817" cy="1664616"/>
+            <a:chOff x="4429591" y="3488960"/>
+            <a:chExt cx="3332817" cy="1664616"/>
+          </a:xfrm>
+        </p:grpSpPr>
+        <p:pic>
+          <p:nvPicPr>
+            <p:cNvPr id="6" name="Picture 5">
+              <a:extLst>
+                <a:ext uri="{FF2B5EF4-FFF2-40B4-BE49-F238E27FC236}">
+                  <a16:creationId xmlns:a16="http://schemas.microsoft.com/office/drawing/2014/main" id="{948D3EDA-975C-DD10-2D48-EDEDBCBA1403}"/>
+                </a:ext>
+              </a:extLst>
+            </p:cNvPr>
+            <p:cNvPicPr>
+              <a:picLocks noChangeAspect="1"/>
+            </p:cNvPicPr>
+            <p:nvPr/>
+          </p:nvPicPr>
+          <p:blipFill>
+            <a:blip r:embed="rId4"/>
+            <a:stretch>
+              <a:fillRect/>
+            </a:stretch>
+          </p:blipFill>
+          <p:spPr>
+            <a:xfrm>
+              <a:off x="5581650" y="3488960"/>
+              <a:ext cx="1028700" cy="863600"/>
+            </a:xfrm>
+            <a:prstGeom prst="rect">
+              <a:avLst/>
+            </a:prstGeom>
+          </p:spPr>
+        </p:pic>
+        <p:sp>
+          <p:nvSpPr>
+            <p:cNvPr id="12" name="Rectangle 11">
+              <a:extLst>
+                <a:ext uri="{FF2B5EF4-FFF2-40B4-BE49-F238E27FC236}">
+                  <a16:creationId xmlns:a16="http://schemas.microsoft.com/office/drawing/2014/main" id="{EA9DDA6E-C9ED-DD64-32B4-B1A72E2DA3B0}"/>
+                </a:ext>
+              </a:extLst>
+            </p:cNvPr>
+            <p:cNvSpPr/>
+            <p:nvPr/>
+          </p:nvSpPr>
+          <p:spPr>
+            <a:xfrm>
+              <a:off x="4429591" y="4322579"/>
+              <a:ext cx="3332817" cy="830997"/>
+            </a:xfrm>
+            <a:prstGeom prst="rect">
+              <a:avLst/>
+            </a:prstGeom>
+            <a:noFill/>
+          </p:spPr>
+          <p:txBody>
+            <a:bodyPr wrap="square" lIns="91440" tIns="45720" rIns="91440" bIns="45720">
+              <a:spAutoFit/>
+            </a:bodyPr>
+            <a:lstStyle/>
+            <a:p>
+              <a:pPr algn="ctr"/>
+              <a:r>
+                <a:rPr lang="en-US" sz="2400" b="1" dirty="0">
+                  <a:ln w="0"/>
+                  <a:effectLst>
+                    <a:outerShdw blurRad="38100" dist="19050" dir="2700000" algn="tl" rotWithShape="0">
+                      <a:schemeClr val="dk1">
+                        <a:alpha val="40000"/>
+                      </a:schemeClr>
+                    </a:outerShdw>
+                  </a:effectLst>
+                </a:rPr>
+                <a:t>WHAT WOULD BE THE INITIAL INVESTMENT</a:t>
+              </a:r>
+            </a:p>
+          </p:txBody>
+        </p:sp>
+      </p:grpSp>
+      <p:grpSp>
+        <p:nvGrpSpPr>
+          <p:cNvPr id="16" name="Group 15">
+            <a:extLst>
+              <a:ext uri="{FF2B5EF4-FFF2-40B4-BE49-F238E27FC236}">
+                <a16:creationId xmlns:a16="http://schemas.microsoft.com/office/drawing/2014/main" id="{DA449856-F311-4CCC-DCA6-533AC8556D1F}"/>
+              </a:ext>
+            </a:extLst>
+          </p:cNvPr>
+          <p:cNvGrpSpPr/>
+          <p:nvPr/>
+        </p:nvGrpSpPr>
+        <p:grpSpPr>
+          <a:xfrm>
+            <a:off x="8565212" y="4523272"/>
+            <a:ext cx="3332817" cy="1739567"/>
+            <a:chOff x="8565212" y="3443990"/>
+            <a:chExt cx="3332817" cy="1739567"/>
+          </a:xfrm>
+        </p:grpSpPr>
+        <p:pic>
+          <p:nvPicPr>
+            <p:cNvPr id="5126" name="Picture 6" descr="global icon vector 3">
+              <a:extLst>
+                <a:ext uri="{FF2B5EF4-FFF2-40B4-BE49-F238E27FC236}">
+                  <a16:creationId xmlns:a16="http://schemas.microsoft.com/office/drawing/2014/main" id="{225E4886-5AFD-4073-82D9-54D4EBFCAF9E}"/>
+                </a:ext>
+              </a:extLst>
+            </p:cNvPr>
+            <p:cNvPicPr>
+              <a:picLocks noChangeAspect="1" noChangeArrowheads="1"/>
+            </p:cNvPicPr>
+            <p:nvPr/>
+          </p:nvPicPr>
+          <p:blipFill>
+            <a:blip r:embed="rId5">
+              <a:extLst>
+                <a:ext uri="{28A0092B-C50C-407E-A947-70E740481C1C}">
+                  <a14:useLocalDpi xmlns:a14="http://schemas.microsoft.com/office/drawing/2010/main" val="0"/>
+                </a:ext>
+              </a:extLst>
+            </a:blip>
+            <a:srcRect/>
+            <a:stretch>
+              <a:fillRect/>
+            </a:stretch>
+          </p:blipFill>
+          <p:spPr bwMode="auto">
+            <a:xfrm>
+              <a:off x="9752560" y="3443990"/>
+              <a:ext cx="958123" cy="958123"/>
+            </a:xfrm>
+            <a:prstGeom prst="rect">
+              <a:avLst/>
+            </a:prstGeom>
+            <a:noFill/>
+            <a:extLst>
+              <a:ext uri="{909E8E84-426E-40DD-AFC4-6F175D3DCCD1}">
+                <a14:hiddenFill xmlns:a14="http://schemas.microsoft.com/office/drawing/2010/main">
+                  <a:solidFill>
+                    <a:srgbClr val="FFFFFF"/>
+                  </a:solidFill>
+                </a14:hiddenFill>
+              </a:ext>
+            </a:extLst>
+          </p:spPr>
+        </p:pic>
+        <p:sp>
+          <p:nvSpPr>
+            <p:cNvPr id="13" name="Rectangle 12">
+              <a:extLst>
+                <a:ext uri="{FF2B5EF4-FFF2-40B4-BE49-F238E27FC236}">
+                  <a16:creationId xmlns:a16="http://schemas.microsoft.com/office/drawing/2014/main" id="{C2478C11-4E57-98B4-4900-0A97E20DA1CE}"/>
+                </a:ext>
+              </a:extLst>
+            </p:cNvPr>
+            <p:cNvSpPr/>
+            <p:nvPr/>
+          </p:nvSpPr>
+          <p:spPr>
+            <a:xfrm>
+              <a:off x="8565212" y="4352560"/>
+              <a:ext cx="3332817" cy="830997"/>
+            </a:xfrm>
+            <a:prstGeom prst="rect">
+              <a:avLst/>
+            </a:prstGeom>
+            <a:noFill/>
+          </p:spPr>
+          <p:txBody>
+            <a:bodyPr wrap="square" lIns="91440" tIns="45720" rIns="91440" bIns="45720">
+              <a:spAutoFit/>
+            </a:bodyPr>
+            <a:lstStyle/>
+            <a:p>
+              <a:pPr algn="ctr"/>
+              <a:r>
+                <a:rPr lang="en-US" sz="2400" b="1" dirty="0">
+                  <a:ln w="0"/>
+                  <a:effectLst>
+                    <a:outerShdw blurRad="38100" dist="19050" dir="2700000" algn="tl" rotWithShape="0">
+                      <a:schemeClr val="dk1">
+                        <a:alpha val="40000"/>
+                      </a:schemeClr>
+                    </a:outerShdw>
+                  </a:effectLst>
+                </a:rPr>
+                <a:t>WHAT SHOULD BE THE GLOBAL FOOTPRINT?</a:t>
+              </a:r>
+            </a:p>
+          </p:txBody>
+        </p:sp>
+      </p:grpSp>
+      <p:sp>
+        <p:nvSpPr>
+          <p:cNvPr id="18" name="Slide Number Placeholder 17">
+            <a:extLst>
+              <a:ext uri="{FF2B5EF4-FFF2-40B4-BE49-F238E27FC236}">
+                <a16:creationId xmlns:a16="http://schemas.microsoft.com/office/drawing/2014/main" id="{4BE80F53-3115-15AD-ADC8-AA55E65690BC}"/>
+              </a:ext>
+            </a:extLst>
+          </p:cNvPr>
+          <p:cNvSpPr>
+            <a:spLocks noGrp="1"/>
+          </p:cNvSpPr>
+          <p:nvPr>
+            <p:ph type="sldNum" sz="quarter" idx="12"/>
+          </p:nvPr>
+        </p:nvSpPr>
+        <p:spPr/>
+        <p:txBody>
+          <a:bodyPr/>
+          <a:lstStyle/>
+          <a:p>
+            <a:fld id="{9B1D7D9B-CDE6-6440-8F5F-ADF9B5401534}" type="slidenum">
+              <a:rPr lang="en-US" smtClean="0"/>
+              <a:t>15</a:t>
+            </a:fld>
+            <a:endParaRPr lang="en-US"/>
+          </a:p>
+        </p:txBody>
+      </p:sp>
+    </p:spTree>
+    <p:extLst>
+      <p:ext uri="{BB962C8B-B14F-4D97-AF65-F5344CB8AC3E}">
+        <p14:creationId xmlns:p14="http://schemas.microsoft.com/office/powerpoint/2010/main" val="3482680619"/>
+      </p:ext>
+    </p:extLst>
+  </p:cSld>
+  <p:clrMapOvr>
+    <a:masterClrMapping/>
+  </p:clrMapOvr>
+</p:sld>
+</file>
+
+<file path=ppt/slides/slide16.xml><?xml version="1.0" encoding="utf-8"?>
+<p:sld xmlns:a="http://schemas.openxmlformats.org/drawingml/2006/main" xmlns:r="http://schemas.openxmlformats.org/officeDocument/2006/relationships" xmlns:p="http://schemas.openxmlformats.org/presentationml/2006/main">
+  <p:cSld>
+    <p:spTree>
+      <p:nvGrpSpPr>
+        <p:cNvPr id="1" name=""/>
+        <p:cNvGrpSpPr/>
+        <p:nvPr/>
+      </p:nvGrpSpPr>
+      <p:grpSpPr>
+        <a:xfrm>
+          <a:off x="0" y="0"/>
+          <a:ext cx="0" cy="0"/>
+          <a:chOff x="0" y="0"/>
+          <a:chExt cx="0" cy="0"/>
+        </a:xfrm>
+      </p:grpSpPr>
+      <p:sp>
+        <p:nvSpPr>
+          <p:cNvPr id="4" name="Oval 3">
+            <a:extLst>
+              <a:ext uri="{FF2B5EF4-FFF2-40B4-BE49-F238E27FC236}">
+                <a16:creationId xmlns:a16="http://schemas.microsoft.com/office/drawing/2014/main" id="{F4C33050-90C6-F7E8-ECE2-1B131E3F9AC9}"/>
+              </a:ext>
+            </a:extLst>
+          </p:cNvPr>
+          <p:cNvSpPr/>
+          <p:nvPr/>
+        </p:nvSpPr>
+        <p:spPr>
+          <a:xfrm>
+            <a:off x="1934093" y="891539"/>
+            <a:ext cx="5696989" cy="5592387"/>
+          </a:xfrm>
+          <a:prstGeom prst="ellipse">
+            <a:avLst/>
+          </a:prstGeom>
+          <a:noFill/>
+          <a:ln w="76200">
+            <a:solidFill>
+              <a:srgbClr val="00B050"/>
+            </a:solidFill>
+          </a:ln>
+        </p:spPr>
+        <p:style>
+          <a:lnRef idx="2">
+            <a:schemeClr val="accent1">
+              <a:shade val="50000"/>
+            </a:schemeClr>
+          </a:lnRef>
+          <a:fillRef idx="1">
+            <a:schemeClr val="accent1"/>
+          </a:fillRef>
+          <a:effectRef idx="0">
+            <a:schemeClr val="accent1"/>
+          </a:effectRef>
+          <a:fontRef idx="minor">
+            <a:schemeClr val="lt1"/>
+          </a:fontRef>
+        </p:style>
+        <p:txBody>
+          <a:bodyPr rtlCol="0" anchor="ctr"/>
+          <a:lstStyle/>
+          <a:p>
+            <a:pPr algn="ctr"/>
+            <a:endParaRPr lang="en-US"/>
+          </a:p>
+        </p:txBody>
+      </p:sp>
+      <p:sp>
+        <p:nvSpPr>
+          <p:cNvPr id="6" name="Oval 5">
+            <a:extLst>
+              <a:ext uri="{FF2B5EF4-FFF2-40B4-BE49-F238E27FC236}">
+                <a16:creationId xmlns:a16="http://schemas.microsoft.com/office/drawing/2014/main" id="{DF9FD16F-3629-A932-DC7D-F0FF3DD7B379}"/>
+              </a:ext>
+            </a:extLst>
+          </p:cNvPr>
+          <p:cNvSpPr/>
+          <p:nvPr/>
+        </p:nvSpPr>
+        <p:spPr>
+          <a:xfrm>
+            <a:off x="4688378" y="891539"/>
+            <a:ext cx="5696989" cy="5592387"/>
+          </a:xfrm>
+          <a:prstGeom prst="ellipse">
+            <a:avLst/>
+          </a:prstGeom>
+          <a:noFill/>
+          <a:ln w="76200">
+            <a:solidFill>
+              <a:srgbClr val="0070C0"/>
+            </a:solidFill>
+          </a:ln>
+        </p:spPr>
+        <p:style>
+          <a:lnRef idx="2">
+            <a:schemeClr val="accent1">
+              <a:shade val="50000"/>
+            </a:schemeClr>
+          </a:lnRef>
+          <a:fillRef idx="1">
+            <a:schemeClr val="accent1"/>
+          </a:fillRef>
+          <a:effectRef idx="0">
+            <a:schemeClr val="accent1"/>
+          </a:effectRef>
+          <a:fontRef idx="minor">
+            <a:schemeClr val="lt1"/>
+          </a:fontRef>
+        </p:style>
+        <p:txBody>
+          <a:bodyPr rtlCol="0" anchor="ctr"/>
+          <a:lstStyle/>
+          <a:p>
+            <a:pPr algn="ctr"/>
+            <a:endParaRPr lang="en-US"/>
+          </a:p>
+        </p:txBody>
+      </p:sp>
+      <p:sp>
+        <p:nvSpPr>
+          <p:cNvPr id="7" name="TextBox 6">
+            <a:extLst>
+              <a:ext uri="{FF2B5EF4-FFF2-40B4-BE49-F238E27FC236}">
+                <a16:creationId xmlns:a16="http://schemas.microsoft.com/office/drawing/2014/main" id="{725A8524-B105-A8B8-8ABB-7ECCF1AA8364}"/>
+              </a:ext>
+            </a:extLst>
+          </p:cNvPr>
+          <p:cNvSpPr txBox="1"/>
+          <p:nvPr/>
+        </p:nvSpPr>
+        <p:spPr>
+          <a:xfrm>
+            <a:off x="2234849" y="2949068"/>
+            <a:ext cx="2426119" cy="1754326"/>
+          </a:xfrm>
+          <a:prstGeom prst="rect">
+            <a:avLst/>
+          </a:prstGeom>
+          <a:noFill/>
+        </p:spPr>
+        <p:txBody>
+          <a:bodyPr wrap="square" rtlCol="0">
+            <a:spAutoFit/>
+          </a:bodyPr>
+          <a:lstStyle/>
+          <a:p>
+            <a:endParaRPr lang="en-US" dirty="0"/>
+          </a:p>
+          <a:p>
+            <a:pPr marL="342900" indent="-342900">
+              <a:buFont typeface="Arial" panose="020B0604020202020204" pitchFamily="34" charset="0"/>
+              <a:buChar char="•"/>
+            </a:pPr>
+            <a:r>
+              <a:rPr lang="en-US" dirty="0"/>
+              <a:t>Drama</a:t>
+            </a:r>
+          </a:p>
+          <a:p>
+            <a:pPr marL="342900" indent="-342900">
+              <a:buFont typeface="Arial" panose="020B0604020202020204" pitchFamily="34" charset="0"/>
+              <a:buChar char="•"/>
+            </a:pPr>
+            <a:r>
+              <a:rPr lang="en-US" dirty="0"/>
+              <a:t>Documentary</a:t>
+            </a:r>
+          </a:p>
+          <a:p>
+            <a:br>
+              <a:rPr lang="en-US" dirty="0"/>
+            </a:br>
+            <a:endParaRPr lang="en-US" dirty="0"/>
+          </a:p>
+          <a:p>
+            <a:endParaRPr lang="en-US" dirty="0"/>
+          </a:p>
+        </p:txBody>
+      </p:sp>
+      <p:sp>
+        <p:nvSpPr>
+          <p:cNvPr id="8" name="TextBox 7">
+            <a:extLst>
+              <a:ext uri="{FF2B5EF4-FFF2-40B4-BE49-F238E27FC236}">
+                <a16:creationId xmlns:a16="http://schemas.microsoft.com/office/drawing/2014/main" id="{C09B6638-4BAA-6B24-0755-DC6C1F2745AC}"/>
+              </a:ext>
+            </a:extLst>
+          </p:cNvPr>
+          <p:cNvSpPr txBox="1"/>
+          <p:nvPr/>
+        </p:nvSpPr>
+        <p:spPr>
+          <a:xfrm>
+            <a:off x="7669876" y="2395070"/>
+            <a:ext cx="2715491" cy="2862322"/>
+          </a:xfrm>
+          <a:prstGeom prst="rect">
+            <a:avLst/>
+          </a:prstGeom>
+          <a:noFill/>
+        </p:spPr>
+        <p:txBody>
+          <a:bodyPr wrap="square" rtlCol="0">
+            <a:spAutoFit/>
+          </a:bodyPr>
+          <a:lstStyle/>
+          <a:p>
+            <a:endParaRPr lang="en-US" dirty="0"/>
+          </a:p>
+          <a:p>
+            <a:pPr marL="342900" indent="-342900">
+              <a:buFont typeface="Arial" panose="020B0604020202020204" pitchFamily="34" charset="0"/>
+              <a:buChar char="•"/>
+            </a:pPr>
+            <a:r>
+              <a:rPr lang="en-US" dirty="0"/>
+              <a:t>Fantasy: 6 groupings </a:t>
+            </a:r>
+          </a:p>
+          <a:p>
+            <a:pPr marL="342900" indent="-342900">
+              <a:buFont typeface="Arial" panose="020B0604020202020204" pitchFamily="34" charset="0"/>
+              <a:buChar char="•"/>
+            </a:pPr>
+            <a:r>
+              <a:rPr lang="en-US" dirty="0"/>
+              <a:t>Family: 5 groupings</a:t>
+            </a:r>
+          </a:p>
+          <a:p>
+            <a:pPr marL="342900" indent="-342900">
+              <a:buFont typeface="Arial" panose="020B0604020202020204" pitchFamily="34" charset="0"/>
+              <a:buChar char="•"/>
+            </a:pPr>
+            <a:r>
+              <a:rPr lang="en-US" dirty="0"/>
+              <a:t>Musical: 2 groupings</a:t>
+            </a:r>
+          </a:p>
+          <a:p>
+            <a:pPr marL="342900" indent="-342900">
+              <a:buFont typeface="Arial" panose="020B0604020202020204" pitchFamily="34" charset="0"/>
+              <a:buChar char="•"/>
+            </a:pPr>
+            <a:r>
+              <a:rPr lang="en-US" dirty="0"/>
+              <a:t>Thriller: 2 groupings </a:t>
+            </a:r>
+          </a:p>
+          <a:p>
+            <a:pPr marL="342900" indent="-342900">
+              <a:buFont typeface="Arial" panose="020B0604020202020204" pitchFamily="34" charset="0"/>
+              <a:buChar char="•"/>
+            </a:pPr>
+            <a:r>
+              <a:rPr lang="en-US" dirty="0"/>
+              <a:t>Drama, Mystery, Documentary, History : 1 groupings each</a:t>
+            </a:r>
+            <a:br>
+              <a:rPr lang="en-US" dirty="0"/>
+            </a:br>
+            <a:endParaRPr lang="en-US" dirty="0"/>
+          </a:p>
+          <a:p>
+            <a:endParaRPr lang="en-US" dirty="0"/>
+          </a:p>
+        </p:txBody>
+      </p:sp>
+      <p:sp>
+        <p:nvSpPr>
+          <p:cNvPr id="9" name="TextBox 8">
+            <a:extLst>
+              <a:ext uri="{FF2B5EF4-FFF2-40B4-BE49-F238E27FC236}">
+                <a16:creationId xmlns:a16="http://schemas.microsoft.com/office/drawing/2014/main" id="{5CB33E35-DB6D-EBC4-5299-AD9577E3EB4E}"/>
+              </a:ext>
+            </a:extLst>
+          </p:cNvPr>
+          <p:cNvSpPr txBox="1"/>
+          <p:nvPr/>
+        </p:nvSpPr>
+        <p:spPr>
+          <a:xfrm>
+            <a:off x="4715788" y="2694293"/>
+            <a:ext cx="2926678" cy="2585323"/>
+          </a:xfrm>
+          <a:prstGeom prst="rect">
+            <a:avLst/>
+          </a:prstGeom>
+          <a:noFill/>
+        </p:spPr>
+        <p:txBody>
+          <a:bodyPr wrap="square" rtlCol="0">
+            <a:spAutoFit/>
+          </a:bodyPr>
+          <a:lstStyle/>
+          <a:p>
+            <a:endParaRPr lang="en-US" dirty="0"/>
+          </a:p>
+          <a:p>
+            <a:pPr marL="342900" indent="-342900">
+              <a:buFont typeface="Arial" panose="020B0604020202020204" pitchFamily="34" charset="0"/>
+              <a:buChar char="•"/>
+            </a:pPr>
+            <a:r>
+              <a:rPr lang="en-US" dirty="0"/>
+              <a:t>Adventure: 10 groupings</a:t>
+            </a:r>
+          </a:p>
+          <a:p>
+            <a:pPr marL="342900" indent="-342900">
+              <a:buFont typeface="Arial" panose="020B0604020202020204" pitchFamily="34" charset="0"/>
+              <a:buChar char="•"/>
+            </a:pPr>
+            <a:r>
+              <a:rPr lang="en-US" dirty="0"/>
+              <a:t>Action: 7 groupings</a:t>
+            </a:r>
+          </a:p>
+          <a:p>
+            <a:pPr marL="342900" indent="-342900">
+              <a:buFont typeface="Arial" panose="020B0604020202020204" pitchFamily="34" charset="0"/>
+              <a:buChar char="•"/>
+            </a:pPr>
+            <a:r>
+              <a:rPr lang="en-US" dirty="0"/>
+              <a:t>Comedy: 5 groupings</a:t>
+            </a:r>
+          </a:p>
+          <a:p>
+            <a:pPr marL="342900" indent="-342900">
+              <a:buFont typeface="Arial" panose="020B0604020202020204" pitchFamily="34" charset="0"/>
+              <a:buChar char="•"/>
+            </a:pPr>
+            <a:r>
+              <a:rPr lang="en-US" dirty="0"/>
+              <a:t>Animation: 4 groupings</a:t>
+            </a:r>
+          </a:p>
+          <a:p>
+            <a:pPr marL="342900" indent="-342900">
+              <a:buFont typeface="Arial" panose="020B0604020202020204" pitchFamily="34" charset="0"/>
+              <a:buChar char="•"/>
+            </a:pPr>
+            <a:r>
+              <a:rPr lang="en-US" dirty="0"/>
+              <a:t>Sci-fi: 4 groupings</a:t>
+            </a:r>
+          </a:p>
+          <a:p>
+            <a:br>
+              <a:rPr lang="en-US" dirty="0"/>
+            </a:br>
+            <a:endParaRPr lang="en-US" dirty="0"/>
+          </a:p>
+          <a:p>
+            <a:endParaRPr lang="en-US" dirty="0"/>
+          </a:p>
+        </p:txBody>
+      </p:sp>
+      <p:grpSp>
+        <p:nvGrpSpPr>
+          <p:cNvPr id="11" name="Group 10">
+            <a:extLst>
+              <a:ext uri="{FF2B5EF4-FFF2-40B4-BE49-F238E27FC236}">
+                <a16:creationId xmlns:a16="http://schemas.microsoft.com/office/drawing/2014/main" id="{F2EA7423-6713-D78A-809C-13755D7E81A0}"/>
+              </a:ext>
+            </a:extLst>
+          </p:cNvPr>
+          <p:cNvGrpSpPr/>
+          <p:nvPr/>
+        </p:nvGrpSpPr>
+        <p:grpSpPr>
+          <a:xfrm>
+            <a:off x="147193" y="0"/>
+            <a:ext cx="3345515" cy="830997"/>
+            <a:chOff x="686839" y="3297846"/>
+            <a:chExt cx="3345515" cy="830997"/>
+          </a:xfrm>
+        </p:grpSpPr>
+        <p:pic>
+          <p:nvPicPr>
+            <p:cNvPr id="12" name="Picture 11" descr="Focus Vector SVG Icon (17) - SVG Repo">
+              <a:extLst>
+                <a:ext uri="{FF2B5EF4-FFF2-40B4-BE49-F238E27FC236}">
+                  <a16:creationId xmlns:a16="http://schemas.microsoft.com/office/drawing/2014/main" id="{74A409B8-53E1-D5A4-9874-3009174C17DF}"/>
+                </a:ext>
+              </a:extLst>
+            </p:cNvPr>
+            <p:cNvPicPr>
+              <a:picLocks noChangeAspect="1" noChangeArrowheads="1"/>
+            </p:cNvPicPr>
+            <p:nvPr/>
+          </p:nvPicPr>
+          <p:blipFill>
+            <a:blip r:embed="rId2">
+              <a:extLst>
+                <a:ext uri="{28A0092B-C50C-407E-A947-70E740481C1C}">
+                  <a14:useLocalDpi xmlns:a14="http://schemas.microsoft.com/office/drawing/2010/main" val="0"/>
+                </a:ext>
+              </a:extLst>
+            </a:blip>
+            <a:srcRect/>
+            <a:stretch>
+              <a:fillRect/>
+            </a:stretch>
+          </p:blipFill>
+          <p:spPr bwMode="auto">
+            <a:xfrm>
+              <a:off x="686839" y="3414010"/>
+              <a:ext cx="543404" cy="543404"/>
+            </a:xfrm>
+            <a:prstGeom prst="rect">
+              <a:avLst/>
+            </a:prstGeom>
+            <a:noFill/>
+            <a:extLst>
+              <a:ext uri="{909E8E84-426E-40DD-AFC4-6F175D3DCCD1}">
+                <a14:hiddenFill xmlns:a14="http://schemas.microsoft.com/office/drawing/2010/main">
+                  <a:solidFill>
+                    <a:srgbClr val="FFFFFF"/>
+                  </a:solidFill>
+                </a14:hiddenFill>
+              </a:ext>
+            </a:extLst>
+          </p:spPr>
+        </p:pic>
+        <p:sp>
+          <p:nvSpPr>
+            <p:cNvPr id="13" name="Rectangle 12">
+              <a:extLst>
+                <a:ext uri="{FF2B5EF4-FFF2-40B4-BE49-F238E27FC236}">
+                  <a16:creationId xmlns:a16="http://schemas.microsoft.com/office/drawing/2014/main" id="{2C609AC3-B00A-F161-E31A-6DD10CC8AD8B}"/>
+                </a:ext>
+              </a:extLst>
+            </p:cNvPr>
+            <p:cNvSpPr/>
+            <p:nvPr/>
+          </p:nvSpPr>
+          <p:spPr>
+            <a:xfrm>
+              <a:off x="1040983" y="3297846"/>
+              <a:ext cx="2991371" cy="830997"/>
+            </a:xfrm>
+            <a:prstGeom prst="rect">
+              <a:avLst/>
+            </a:prstGeom>
+            <a:noFill/>
+          </p:spPr>
+          <p:txBody>
+            <a:bodyPr wrap="square" lIns="91440" tIns="45720" rIns="91440" bIns="45720">
+              <a:spAutoFit/>
+            </a:bodyPr>
+            <a:lstStyle/>
+            <a:p>
+              <a:pPr algn="ctr"/>
+              <a:r>
+                <a:rPr lang="en-US" sz="2400" b="1" dirty="0">
+                  <a:ln w="0"/>
+                  <a:effectLst>
+                    <a:outerShdw blurRad="38100" dist="19050" dir="2700000" algn="tl" rotWithShape="0">
+                      <a:schemeClr val="dk1">
+                        <a:alpha val="40000"/>
+                      </a:schemeClr>
+                    </a:outerShdw>
+                  </a:effectLst>
+                </a:rPr>
+                <a:t>WHICH GENRES TO FOCUS ON?</a:t>
+              </a:r>
+            </a:p>
+          </p:txBody>
+        </p:sp>
+      </p:grpSp>
+      <p:sp>
+        <p:nvSpPr>
+          <p:cNvPr id="14" name="Rectangle 13">
+            <a:extLst>
+              <a:ext uri="{FF2B5EF4-FFF2-40B4-BE49-F238E27FC236}">
+                <a16:creationId xmlns:a16="http://schemas.microsoft.com/office/drawing/2014/main" id="{7AE154B5-3C37-CFB1-18BE-87338CAE36F1}"/>
+              </a:ext>
+            </a:extLst>
+          </p:cNvPr>
+          <p:cNvSpPr/>
+          <p:nvPr/>
+        </p:nvSpPr>
+        <p:spPr>
+          <a:xfrm>
+            <a:off x="3049209" y="1168536"/>
+            <a:ext cx="2991371" cy="830997"/>
+          </a:xfrm>
+          <a:prstGeom prst="rect">
+            <a:avLst/>
+          </a:prstGeom>
+          <a:noFill/>
+        </p:spPr>
+        <p:txBody>
+          <a:bodyPr wrap="square" lIns="91440" tIns="45720" rIns="91440" bIns="45720">
+            <a:spAutoFit/>
+          </a:bodyPr>
+          <a:lstStyle/>
+          <a:p>
+            <a:pPr algn="ctr"/>
+            <a:r>
+              <a:rPr lang="en-US" sz="2400" b="1" dirty="0">
+                <a:ln w="0"/>
+                <a:effectLst>
+                  <a:outerShdw blurRad="38100" dist="19050" dir="2700000" algn="tl" rotWithShape="0">
+                    <a:schemeClr val="dk1">
+                      <a:alpha val="40000"/>
+                    </a:schemeClr>
+                  </a:outerShdw>
+                </a:effectLst>
+              </a:rPr>
+              <a:t>Positive Viewer Response</a:t>
+            </a:r>
+          </a:p>
+        </p:txBody>
+      </p:sp>
+      <p:sp>
+        <p:nvSpPr>
+          <p:cNvPr id="15" name="Rectangle 14">
+            <a:extLst>
+              <a:ext uri="{FF2B5EF4-FFF2-40B4-BE49-F238E27FC236}">
+                <a16:creationId xmlns:a16="http://schemas.microsoft.com/office/drawing/2014/main" id="{32F0F01C-539A-E838-3A0D-D6851ECEC769}"/>
+              </a:ext>
+            </a:extLst>
+          </p:cNvPr>
+          <p:cNvSpPr/>
+          <p:nvPr/>
+        </p:nvSpPr>
+        <p:spPr>
+          <a:xfrm>
+            <a:off x="6222944" y="1168536"/>
+            <a:ext cx="2991371" cy="461665"/>
+          </a:xfrm>
+          <a:prstGeom prst="rect">
+            <a:avLst/>
+          </a:prstGeom>
+          <a:noFill/>
+        </p:spPr>
+        <p:txBody>
+          <a:bodyPr wrap="square" lIns="91440" tIns="45720" rIns="91440" bIns="45720">
+            <a:spAutoFit/>
+          </a:bodyPr>
+          <a:lstStyle/>
+          <a:p>
+            <a:pPr algn="ctr"/>
+            <a:r>
+              <a:rPr lang="en-US" sz="2400" b="1" dirty="0">
+                <a:ln w="0"/>
+                <a:effectLst>
+                  <a:outerShdw blurRad="38100" dist="19050" dir="2700000" algn="tl" rotWithShape="0">
+                    <a:schemeClr val="dk1">
+                      <a:alpha val="40000"/>
+                    </a:schemeClr>
+                  </a:outerShdw>
+                </a:effectLst>
+              </a:rPr>
+              <a:t>Highly Profitable</a:t>
+            </a:r>
+          </a:p>
+        </p:txBody>
+      </p:sp>
+      <p:sp>
+        <p:nvSpPr>
+          <p:cNvPr id="40" name="Slide Number Placeholder 39">
+            <a:extLst>
+              <a:ext uri="{FF2B5EF4-FFF2-40B4-BE49-F238E27FC236}">
+                <a16:creationId xmlns:a16="http://schemas.microsoft.com/office/drawing/2014/main" id="{BAC89C47-043C-58A4-7185-EEA930D4BB00}"/>
+              </a:ext>
+            </a:extLst>
+          </p:cNvPr>
+          <p:cNvSpPr>
+            <a:spLocks noGrp="1"/>
+          </p:cNvSpPr>
+          <p:nvPr>
+            <p:ph type="sldNum" sz="quarter" idx="12"/>
+          </p:nvPr>
+        </p:nvSpPr>
+        <p:spPr/>
+        <p:txBody>
+          <a:bodyPr/>
+          <a:lstStyle/>
+          <a:p>
+            <a:fld id="{9B1D7D9B-CDE6-6440-8F5F-ADF9B5401534}" type="slidenum">
+              <a:rPr lang="en-US" smtClean="0"/>
+              <a:t>16</a:t>
+            </a:fld>
+            <a:endParaRPr lang="en-US"/>
+          </a:p>
+        </p:txBody>
+      </p:sp>
+    </p:spTree>
+    <p:extLst>
+      <p:ext uri="{BB962C8B-B14F-4D97-AF65-F5344CB8AC3E}">
+        <p14:creationId xmlns:p14="http://schemas.microsoft.com/office/powerpoint/2010/main" val="3912481266"/>
+      </p:ext>
+    </p:extLst>
+  </p:cSld>
+  <p:clrMapOvr>
+    <a:masterClrMapping/>
+  </p:clrMapOvr>
+</p:sld>
+</file>
+
+<file path=ppt/slides/slide17.xml><?xml version="1.0" encoding="utf-8"?>
+<p:sld xmlns:a="http://schemas.openxmlformats.org/drawingml/2006/main" xmlns:r="http://schemas.openxmlformats.org/officeDocument/2006/relationships" xmlns:p="http://schemas.openxmlformats.org/presentationml/2006/main">
+  <p:cSld>
+    <p:spTree>
+      <p:nvGrpSpPr>
+        <p:cNvPr id="1" name=""/>
+        <p:cNvGrpSpPr/>
+        <p:nvPr/>
+      </p:nvGrpSpPr>
+      <p:grpSpPr>
+        <a:xfrm>
+          <a:off x="0" y="0"/>
+          <a:ext cx="0" cy="0"/>
+          <a:chOff x="0" y="0"/>
+          <a:chExt cx="0" cy="0"/>
+        </a:xfrm>
+      </p:grpSpPr>
       <p:grpSp>
         <p:nvGrpSpPr>
           <p:cNvPr id="4" name="Group 3">
@@ -4641,7 +7515,7 @@
           <a:p>
             <a:fld id="{9B1D7D9B-CDE6-6440-8F5F-ADF9B5401534}" type="slidenum">
               <a:rPr lang="en-US" smtClean="0"/>
-              <a:t>10</a:t>
+              <a:t>17</a:t>
             </a:fld>
             <a:endParaRPr lang="en-US" dirty="0"/>
           </a:p>
@@ -4690,7 +7564,7 @@
 </p:sld>
 </file>
 
-<file path=ppt/slides/slide11.xml><?xml version="1.0" encoding="utf-8"?>
+<file path=ppt/slides/slide18.xml><?xml version="1.0" encoding="utf-8"?>
 <p:sld xmlns:a="http://schemas.openxmlformats.org/drawingml/2006/main" xmlns:r="http://schemas.openxmlformats.org/officeDocument/2006/relationships" xmlns:p="http://schemas.openxmlformats.org/presentationml/2006/main">
   <p:cSld>
     <p:spTree>
@@ -4709,234 +7583,6 @@
       </p:grpSpPr>
       <p:sp>
         <p:nvSpPr>
-          <p:cNvPr id="7" name="TextBox 6">
-            <a:extLst>
-              <a:ext uri="{FF2B5EF4-FFF2-40B4-BE49-F238E27FC236}">
-                <a16:creationId xmlns:a16="http://schemas.microsoft.com/office/drawing/2014/main" id="{0BB2D146-35B5-470E-6F0A-8999DE0F22CA}"/>
-              </a:ext>
-            </a:extLst>
-          </p:cNvPr>
-          <p:cNvSpPr txBox="1"/>
-          <p:nvPr/>
-        </p:nvSpPr>
-        <p:spPr>
-          <a:xfrm>
-            <a:off x="6096001" y="15109"/>
-            <a:ext cx="6096000" cy="369332"/>
-          </a:xfrm>
-          <a:prstGeom prst="rect">
-            <a:avLst/>
-          </a:prstGeom>
-          <a:noFill/>
-        </p:spPr>
-        <p:txBody>
-          <a:bodyPr wrap="square" rtlCol="0">
-            <a:spAutoFit/>
-          </a:bodyPr>
-          <a:lstStyle/>
-          <a:p>
-            <a:pPr algn="r"/>
-            <a:r>
-              <a:rPr lang="en-US" dirty="0"/>
-              <a:t>Genre vs Reviews vs Domestic and Foreign Profits Analysis</a:t>
-            </a:r>
-          </a:p>
-        </p:txBody>
-      </p:sp>
-      <p:sp>
-        <p:nvSpPr>
-          <p:cNvPr id="3" name="TextBox 2">
-            <a:extLst>
-              <a:ext uri="{FF2B5EF4-FFF2-40B4-BE49-F238E27FC236}">
-                <a16:creationId xmlns:a16="http://schemas.microsoft.com/office/drawing/2014/main" id="{461DAECE-5F08-C6A5-7F40-0D8BD0FC84B5}"/>
-              </a:ext>
-            </a:extLst>
-          </p:cNvPr>
-          <p:cNvSpPr txBox="1"/>
-          <p:nvPr/>
-        </p:nvSpPr>
-        <p:spPr>
-          <a:xfrm>
-            <a:off x="9215141" y="415498"/>
-            <a:ext cx="3113141" cy="923330"/>
-          </a:xfrm>
-          <a:prstGeom prst="rect">
-            <a:avLst/>
-          </a:prstGeom>
-          <a:noFill/>
-        </p:spPr>
-        <p:txBody>
-          <a:bodyPr wrap="square" rtlCol="0">
-            <a:spAutoFit/>
-          </a:bodyPr>
-          <a:lstStyle/>
-          <a:p>
-            <a:r>
-              <a:rPr lang="en-US" dirty="0"/>
-              <a:t>POSITIVE VIEWER RESPONSE</a:t>
-            </a:r>
-          </a:p>
-          <a:p>
-            <a:r>
-              <a:rPr lang="en-US" dirty="0"/>
-              <a:t>PROFITABLE</a:t>
-            </a:r>
-          </a:p>
-          <a:p>
-            <a:r>
-              <a:rPr lang="en-US" dirty="0"/>
-              <a:t>IMPACTFUL MARKET ENTRY</a:t>
-            </a:r>
-          </a:p>
-        </p:txBody>
-      </p:sp>
-      <p:sp>
-        <p:nvSpPr>
-          <p:cNvPr id="12" name="Rectangle 11">
-            <a:extLst>
-              <a:ext uri="{FF2B5EF4-FFF2-40B4-BE49-F238E27FC236}">
-                <a16:creationId xmlns:a16="http://schemas.microsoft.com/office/drawing/2014/main" id="{74E33DAC-195F-88FD-3197-811DF05FFA77}"/>
-              </a:ext>
-            </a:extLst>
-          </p:cNvPr>
-          <p:cNvSpPr/>
-          <p:nvPr/>
-        </p:nvSpPr>
-        <p:spPr>
-          <a:xfrm>
-            <a:off x="8858600" y="449202"/>
-            <a:ext cx="3187033" cy="889626"/>
-          </a:xfrm>
-          <a:prstGeom prst="rect">
-            <a:avLst/>
-          </a:prstGeom>
-          <a:noFill/>
-          <a:ln w="38100">
-            <a:solidFill>
-              <a:srgbClr val="FF0000"/>
-            </a:solidFill>
-          </a:ln>
-        </p:spPr>
-        <p:style>
-          <a:lnRef idx="2">
-            <a:schemeClr val="accent1">
-              <a:shade val="50000"/>
-            </a:schemeClr>
-          </a:lnRef>
-          <a:fillRef idx="1">
-            <a:schemeClr val="accent1"/>
-          </a:fillRef>
-          <a:effectRef idx="0">
-            <a:schemeClr val="accent1"/>
-          </a:effectRef>
-          <a:fontRef idx="minor">
-            <a:schemeClr val="lt1"/>
-          </a:fontRef>
-        </p:style>
-        <p:txBody>
-          <a:bodyPr rtlCol="0" anchor="ctr"/>
-          <a:lstStyle/>
-          <a:p>
-            <a:pPr algn="ctr"/>
-            <a:endParaRPr lang="en-US"/>
-          </a:p>
-        </p:txBody>
-      </p:sp>
-      <p:grpSp>
-        <p:nvGrpSpPr>
-          <p:cNvPr id="15" name="Group 14">
-            <a:extLst>
-              <a:ext uri="{FF2B5EF4-FFF2-40B4-BE49-F238E27FC236}">
-                <a16:creationId xmlns:a16="http://schemas.microsoft.com/office/drawing/2014/main" id="{B732AEC8-4A5F-3DBC-EC0A-DBB981F0EAF7}"/>
-              </a:ext>
-            </a:extLst>
-          </p:cNvPr>
-          <p:cNvGrpSpPr/>
-          <p:nvPr/>
-        </p:nvGrpSpPr>
-        <p:grpSpPr>
-          <a:xfrm>
-            <a:off x="8858600" y="451519"/>
-            <a:ext cx="478266" cy="575102"/>
-            <a:chOff x="7944200" y="661885"/>
-            <a:chExt cx="478266" cy="575102"/>
-          </a:xfrm>
-        </p:grpSpPr>
-        <p:pic>
-          <p:nvPicPr>
-            <p:cNvPr id="10" name="Picture 9" descr="Icon&#10;&#10;Description automatically generated">
-              <a:extLst>
-                <a:ext uri="{FF2B5EF4-FFF2-40B4-BE49-F238E27FC236}">
-                  <a16:creationId xmlns:a16="http://schemas.microsoft.com/office/drawing/2014/main" id="{567DECBE-381C-1FD6-606D-3008955635D2}"/>
-                </a:ext>
-              </a:extLst>
-            </p:cNvPr>
-            <p:cNvPicPr>
-              <a:picLocks noChangeAspect="1"/>
-            </p:cNvPicPr>
-            <p:nvPr/>
-          </p:nvPicPr>
-          <p:blipFill>
-            <a:blip r:embed="rId2">
-              <a:extLst>
-                <a:ext uri="{837473B0-CC2E-450A-ABE3-18F120FF3D39}">
-                  <a1611:picAttrSrcUrl xmlns:a1611="http://schemas.microsoft.com/office/drawing/2016/11/main" r:id="rId3"/>
-                </a:ext>
-              </a:extLst>
-            </a:blip>
-            <a:stretch>
-              <a:fillRect/>
-            </a:stretch>
-          </p:blipFill>
-          <p:spPr>
-            <a:xfrm>
-              <a:off x="7944200" y="938071"/>
-              <a:ext cx="478266" cy="298916"/>
-            </a:xfrm>
-            <a:prstGeom prst="rect">
-              <a:avLst/>
-            </a:prstGeom>
-          </p:spPr>
-        </p:pic>
-        <p:pic>
-          <p:nvPicPr>
-            <p:cNvPr id="14" name="Picture 13" descr="Icon&#10;&#10;Description automatically generated">
-              <a:extLst>
-                <a:ext uri="{FF2B5EF4-FFF2-40B4-BE49-F238E27FC236}">
-                  <a16:creationId xmlns:a16="http://schemas.microsoft.com/office/drawing/2014/main" id="{75DF9370-D56A-8EB3-8EB9-DDFC76465D22}"/>
-                </a:ext>
-              </a:extLst>
-            </p:cNvPr>
-            <p:cNvPicPr>
-              <a:picLocks noChangeAspect="1"/>
-            </p:cNvPicPr>
-            <p:nvPr/>
-          </p:nvPicPr>
-          <p:blipFill>
-            <a:blip r:embed="rId2">
-              <a:extLst>
-                <a:ext uri="{837473B0-CC2E-450A-ABE3-18F120FF3D39}">
-                  <a1611:picAttrSrcUrl xmlns:a1611="http://schemas.microsoft.com/office/drawing/2016/11/main" r:id="rId3"/>
-                </a:ext>
-              </a:extLst>
-            </a:blip>
-            <a:stretch>
-              <a:fillRect/>
-            </a:stretch>
-          </p:blipFill>
-          <p:spPr>
-            <a:xfrm>
-              <a:off x="7944200" y="661885"/>
-              <a:ext cx="478266" cy="298916"/>
-            </a:xfrm>
-            <a:prstGeom prst="rect">
-              <a:avLst/>
-            </a:prstGeom>
-          </p:spPr>
-        </p:pic>
-      </p:grpSp>
-      <p:sp>
-        <p:nvSpPr>
           <p:cNvPr id="20" name="Footer Placeholder 19">
             <a:extLst>
               <a:ext uri="{FF2B5EF4-FFF2-40B4-BE49-F238E27FC236}">
@@ -4964,13 +7610,6 @@
             <a:pPr algn="l"/>
             <a:r>
               <a:rPr lang="en-US" dirty="0"/>
-              <a:t>Movie Reviews Filter: Above IMDB Average  7</a:t>
-            </a:r>
-          </a:p>
-          <a:p>
-            <a:pPr algn="l"/>
-            <a:r>
-              <a:rPr lang="en-US" dirty="0"/>
               <a:t>Adventure Pairings with Action, Comedy, Animation and Sci-Fi </a:t>
             </a:r>
           </a:p>
@@ -5007,7 +7646,7 @@
           <a:p>
             <a:fld id="{9B1D7D9B-CDE6-6440-8F5F-ADF9B5401534}" type="slidenum">
               <a:rPr lang="en-US" smtClean="0"/>
-              <a:t>11</a:t>
+              <a:t>18</a:t>
             </a:fld>
             <a:endParaRPr lang="en-US" dirty="0"/>
           </a:p>
@@ -5027,7 +7666,7 @@
         </p:nvSpPr>
         <p:spPr>
           <a:xfrm>
-            <a:off x="2424264" y="5515020"/>
+            <a:off x="2534736" y="5358167"/>
             <a:ext cx="7122527" cy="646331"/>
           </a:xfrm>
           <a:prstGeom prst="rect">
@@ -5073,219 +7712,10 @@
       </p:sp>
       <p:pic>
         <p:nvPicPr>
-          <p:cNvPr id="23" name="Picture 22" descr="Icon&#10;&#10;Description automatically generated">
-            <a:extLst>
-              <a:ext uri="{FF2B5EF4-FFF2-40B4-BE49-F238E27FC236}">
-                <a16:creationId xmlns:a16="http://schemas.microsoft.com/office/drawing/2014/main" id="{C69C0D7D-F7D2-B31C-F6EF-4C3626E13EA0}"/>
-              </a:ext>
-            </a:extLst>
-          </p:cNvPr>
-          <p:cNvPicPr>
-            <a:picLocks noChangeAspect="1"/>
-          </p:cNvPicPr>
-          <p:nvPr/>
-        </p:nvPicPr>
-        <p:blipFill>
-          <a:blip r:embed="rId2">
-            <a:extLst>
-              <a:ext uri="{837473B0-CC2E-450A-ABE3-18F120FF3D39}">
-                <a1611:picAttrSrcUrl xmlns:a1611="http://schemas.microsoft.com/office/drawing/2016/11/main" r:id="rId3"/>
-              </a:ext>
-            </a:extLst>
-          </a:blip>
-          <a:stretch>
-            <a:fillRect/>
-          </a:stretch>
-        </p:blipFill>
-        <p:spPr>
-          <a:xfrm>
-            <a:off x="8876185" y="1000517"/>
-            <a:ext cx="478266" cy="298916"/>
-          </a:xfrm>
-          <a:prstGeom prst="rect">
-            <a:avLst/>
-          </a:prstGeom>
-        </p:spPr>
-      </p:pic>
-      <p:grpSp>
-        <p:nvGrpSpPr>
-          <p:cNvPr id="25" name="Group 24">
-            <a:extLst>
-              <a:ext uri="{FF2B5EF4-FFF2-40B4-BE49-F238E27FC236}">
-                <a16:creationId xmlns:a16="http://schemas.microsoft.com/office/drawing/2014/main" id="{178CB18A-A0EE-5149-9C17-A954BDD220AE}"/>
-              </a:ext>
-            </a:extLst>
-          </p:cNvPr>
-          <p:cNvGrpSpPr/>
-          <p:nvPr/>
-        </p:nvGrpSpPr>
-        <p:grpSpPr>
-          <a:xfrm>
-            <a:off x="37335" y="15109"/>
-            <a:ext cx="3497176" cy="657332"/>
-            <a:chOff x="37335" y="15109"/>
-            <a:chExt cx="3497176" cy="657332"/>
-          </a:xfrm>
-        </p:grpSpPr>
-        <p:sp>
-          <p:nvSpPr>
-            <p:cNvPr id="6" name="Rectangle 5">
-              <a:extLst>
-                <a:ext uri="{FF2B5EF4-FFF2-40B4-BE49-F238E27FC236}">
-                  <a16:creationId xmlns:a16="http://schemas.microsoft.com/office/drawing/2014/main" id="{0E508828-6494-C2C3-97A2-E37827AADFFA}"/>
-                </a:ext>
-              </a:extLst>
-            </p:cNvPr>
-            <p:cNvSpPr/>
-            <p:nvPr/>
-          </p:nvSpPr>
-          <p:spPr>
-            <a:xfrm>
-              <a:off x="543140" y="138499"/>
-              <a:ext cx="2991371" cy="461665"/>
-            </a:xfrm>
-            <a:prstGeom prst="rect">
-              <a:avLst/>
-            </a:prstGeom>
-            <a:noFill/>
-          </p:spPr>
-          <p:txBody>
-            <a:bodyPr wrap="square" lIns="91440" tIns="45720" rIns="91440" bIns="45720">
-              <a:spAutoFit/>
-            </a:bodyPr>
-            <a:lstStyle/>
-            <a:p>
-              <a:pPr algn="ctr"/>
-              <a:r>
-                <a:rPr lang="en-US" sz="2400" b="1" dirty="0">
-                  <a:ln w="0"/>
-                  <a:effectLst>
-                    <a:outerShdw blurRad="38100" dist="19050" dir="2700000" algn="tl" rotWithShape="0">
-                      <a:schemeClr val="dk1">
-                        <a:alpha val="40000"/>
-                      </a:schemeClr>
-                    </a:outerShdw>
-                  </a:effectLst>
-                </a:rPr>
-                <a:t>GLOBAL FOOTPRINT</a:t>
-              </a:r>
-            </a:p>
-          </p:txBody>
-        </p:sp>
-        <p:pic>
-          <p:nvPicPr>
-            <p:cNvPr id="24" name="Picture 6" descr="global icon vector 3">
-              <a:extLst>
-                <a:ext uri="{FF2B5EF4-FFF2-40B4-BE49-F238E27FC236}">
-                  <a16:creationId xmlns:a16="http://schemas.microsoft.com/office/drawing/2014/main" id="{B6066AC1-1740-B7F1-4455-4F82581E5157}"/>
-                </a:ext>
-              </a:extLst>
-            </p:cNvPr>
-            <p:cNvPicPr>
-              <a:picLocks noChangeAspect="1" noChangeArrowheads="1"/>
-            </p:cNvPicPr>
-            <p:nvPr/>
-          </p:nvPicPr>
-          <p:blipFill>
-            <a:blip r:embed="rId4">
-              <a:extLst>
-                <a:ext uri="{28A0092B-C50C-407E-A947-70E740481C1C}">
-                  <a14:useLocalDpi xmlns:a14="http://schemas.microsoft.com/office/drawing/2010/main" val="0"/>
-                </a:ext>
-              </a:extLst>
-            </a:blip>
-            <a:srcRect/>
-            <a:stretch>
-              <a:fillRect/>
-            </a:stretch>
-          </p:blipFill>
-          <p:spPr bwMode="auto">
-            <a:xfrm>
-              <a:off x="37335" y="15109"/>
-              <a:ext cx="657332" cy="657332"/>
-            </a:xfrm>
-            <a:prstGeom prst="rect">
-              <a:avLst/>
-            </a:prstGeom>
-            <a:noFill/>
-            <a:extLst>
-              <a:ext uri="{909E8E84-426E-40DD-AFC4-6F175D3DCCD1}">
-                <a14:hiddenFill xmlns:a14="http://schemas.microsoft.com/office/drawing/2010/main">
-                  <a:solidFill>
-                    <a:srgbClr val="FFFFFF"/>
-                  </a:solidFill>
-                </a14:hiddenFill>
-              </a:ext>
-            </a:extLst>
-          </p:spPr>
-        </p:pic>
-      </p:grpSp>
-      <p:pic>
-        <p:nvPicPr>
-          <p:cNvPr id="29" name="Picture 28">
-            <a:extLst>
-              <a:ext uri="{FF2B5EF4-FFF2-40B4-BE49-F238E27FC236}">
-                <a16:creationId xmlns:a16="http://schemas.microsoft.com/office/drawing/2014/main" id="{C3082CDB-C029-289F-7471-8D256A4D3C17}"/>
-              </a:ext>
-            </a:extLst>
-          </p:cNvPr>
-          <p:cNvPicPr>
-            <a:picLocks noChangeAspect="1"/>
-          </p:cNvPicPr>
-          <p:nvPr/>
-        </p:nvPicPr>
-        <p:blipFill>
-          <a:blip r:embed="rId5"/>
-          <a:stretch>
-            <a:fillRect/>
-          </a:stretch>
-        </p:blipFill>
-        <p:spPr>
-          <a:xfrm>
-            <a:off x="1363203" y="1549514"/>
-            <a:ext cx="9064055" cy="3599511"/>
-          </a:xfrm>
-          <a:prstGeom prst="rect">
-            <a:avLst/>
-          </a:prstGeom>
-        </p:spPr>
-      </p:pic>
-    </p:spTree>
-    <p:extLst>
-      <p:ext uri="{BB962C8B-B14F-4D97-AF65-F5344CB8AC3E}">
-        <p14:creationId xmlns:p14="http://schemas.microsoft.com/office/powerpoint/2010/main" val="3890944506"/>
-      </p:ext>
-    </p:extLst>
-  </p:cSld>
-  <p:clrMapOvr>
-    <a:masterClrMapping/>
-  </p:clrMapOvr>
-</p:sld>
-</file>
-
-<file path=ppt/slides/slide12.xml><?xml version="1.0" encoding="utf-8"?>
-<p:sld xmlns:a="http://schemas.openxmlformats.org/drawingml/2006/main" xmlns:r="http://schemas.openxmlformats.org/officeDocument/2006/relationships" xmlns:p="http://schemas.openxmlformats.org/presentationml/2006/main">
-  <p:cSld>
-    <p:spTree>
-      <p:nvGrpSpPr>
-        <p:cNvPr id="1" name=""/>
-        <p:cNvGrpSpPr/>
-        <p:nvPr/>
-      </p:nvGrpSpPr>
-      <p:grpSpPr>
-        <a:xfrm>
-          <a:off x="0" y="0"/>
-          <a:ext cx="0" cy="0"/>
-          <a:chOff x="0" y="0"/>
-          <a:chExt cx="0" cy="0"/>
-        </a:xfrm>
-      </p:grpSpPr>
-      <p:pic>
-        <p:nvPicPr>
-          <p:cNvPr id="29" name="Picture 28">
-            <a:extLst>
-              <a:ext uri="{FF2B5EF4-FFF2-40B4-BE49-F238E27FC236}">
-                <a16:creationId xmlns:a16="http://schemas.microsoft.com/office/drawing/2014/main" id="{70607FFC-7321-ED9A-1B53-150455943E19}"/>
+          <p:cNvPr id="31" name="Picture 30" descr="Chart, bar chart&#10;&#10;Description automatically generated">
+            <a:extLst>
+              <a:ext uri="{FF2B5EF4-FFF2-40B4-BE49-F238E27FC236}">
+                <a16:creationId xmlns:a16="http://schemas.microsoft.com/office/drawing/2014/main" id="{BC26C9F9-AE50-8E82-5D19-D90643123261}"/>
               </a:ext>
             </a:extLst>
           </p:cNvPr>
@@ -5302,1980 +7732,18 @@
         </p:blipFill>
         <p:spPr>
           <a:xfrm>
-            <a:off x="764556" y="1427344"/>
-            <a:ext cx="10589243" cy="4022186"/>
+            <a:off x="1670720" y="1482040"/>
+            <a:ext cx="8850559" cy="3424859"/>
           </a:xfrm>
           <a:prstGeom prst="rect">
             <a:avLst/>
           </a:prstGeom>
         </p:spPr>
       </p:pic>
-      <p:sp>
-        <p:nvSpPr>
-          <p:cNvPr id="7" name="TextBox 6">
-            <a:extLst>
-              <a:ext uri="{FF2B5EF4-FFF2-40B4-BE49-F238E27FC236}">
-                <a16:creationId xmlns:a16="http://schemas.microsoft.com/office/drawing/2014/main" id="{0BB2D146-35B5-470E-6F0A-8999DE0F22CA}"/>
-              </a:ext>
-            </a:extLst>
-          </p:cNvPr>
-          <p:cNvSpPr txBox="1"/>
-          <p:nvPr/>
-        </p:nvSpPr>
-        <p:spPr>
-          <a:xfrm>
-            <a:off x="6096001" y="15109"/>
-            <a:ext cx="6096000" cy="369332"/>
-          </a:xfrm>
-          <a:prstGeom prst="rect">
-            <a:avLst/>
-          </a:prstGeom>
-          <a:noFill/>
-        </p:spPr>
-        <p:txBody>
-          <a:bodyPr wrap="square" rtlCol="0">
-            <a:spAutoFit/>
-          </a:bodyPr>
-          <a:lstStyle/>
-          <a:p>
-            <a:pPr algn="r"/>
-            <a:r>
-              <a:rPr lang="en-US" dirty="0"/>
-              <a:t>Genre vs Reviews vs Domestic and Foreign Profits Analysis</a:t>
-            </a:r>
-          </a:p>
-        </p:txBody>
-      </p:sp>
-      <p:sp>
-        <p:nvSpPr>
-          <p:cNvPr id="3" name="TextBox 2">
-            <a:extLst>
-              <a:ext uri="{FF2B5EF4-FFF2-40B4-BE49-F238E27FC236}">
-                <a16:creationId xmlns:a16="http://schemas.microsoft.com/office/drawing/2014/main" id="{461DAECE-5F08-C6A5-7F40-0D8BD0FC84B5}"/>
-              </a:ext>
-            </a:extLst>
-          </p:cNvPr>
-          <p:cNvSpPr txBox="1"/>
-          <p:nvPr/>
-        </p:nvSpPr>
-        <p:spPr>
-          <a:xfrm>
-            <a:off x="9215141" y="415498"/>
-            <a:ext cx="3113141" cy="923330"/>
-          </a:xfrm>
-          <a:prstGeom prst="rect">
-            <a:avLst/>
-          </a:prstGeom>
-          <a:noFill/>
-        </p:spPr>
-        <p:txBody>
-          <a:bodyPr wrap="square" rtlCol="0">
-            <a:spAutoFit/>
-          </a:bodyPr>
-          <a:lstStyle/>
-          <a:p>
-            <a:r>
-              <a:rPr lang="en-US" dirty="0"/>
-              <a:t>POSITIVE VIEWER RESPONSE</a:t>
-            </a:r>
-          </a:p>
-          <a:p>
-            <a:r>
-              <a:rPr lang="en-US" dirty="0"/>
-              <a:t>PROFITABLE</a:t>
-            </a:r>
-          </a:p>
-          <a:p>
-            <a:r>
-              <a:rPr lang="en-US" dirty="0"/>
-              <a:t>IMPACTFUL MARKET ENTRY</a:t>
-            </a:r>
-          </a:p>
-        </p:txBody>
-      </p:sp>
-      <p:sp>
-        <p:nvSpPr>
-          <p:cNvPr id="12" name="Rectangle 11">
-            <a:extLst>
-              <a:ext uri="{FF2B5EF4-FFF2-40B4-BE49-F238E27FC236}">
-                <a16:creationId xmlns:a16="http://schemas.microsoft.com/office/drawing/2014/main" id="{74E33DAC-195F-88FD-3197-811DF05FFA77}"/>
-              </a:ext>
-            </a:extLst>
-          </p:cNvPr>
-          <p:cNvSpPr/>
-          <p:nvPr/>
-        </p:nvSpPr>
-        <p:spPr>
-          <a:xfrm>
-            <a:off x="8858600" y="449202"/>
-            <a:ext cx="3187033" cy="889626"/>
-          </a:xfrm>
-          <a:prstGeom prst="rect">
-            <a:avLst/>
-          </a:prstGeom>
-          <a:noFill/>
-          <a:ln w="38100">
-            <a:solidFill>
-              <a:srgbClr val="FF0000"/>
-            </a:solidFill>
-          </a:ln>
-        </p:spPr>
-        <p:style>
-          <a:lnRef idx="2">
-            <a:schemeClr val="accent1">
-              <a:shade val="50000"/>
-            </a:schemeClr>
-          </a:lnRef>
-          <a:fillRef idx="1">
-            <a:schemeClr val="accent1"/>
-          </a:fillRef>
-          <a:effectRef idx="0">
-            <a:schemeClr val="accent1"/>
-          </a:effectRef>
-          <a:fontRef idx="minor">
-            <a:schemeClr val="lt1"/>
-          </a:fontRef>
-        </p:style>
-        <p:txBody>
-          <a:bodyPr rtlCol="0" anchor="ctr"/>
-          <a:lstStyle/>
-          <a:p>
-            <a:pPr algn="ctr"/>
-            <a:endParaRPr lang="en-US"/>
-          </a:p>
-        </p:txBody>
-      </p:sp>
-      <p:grpSp>
-        <p:nvGrpSpPr>
-          <p:cNvPr id="15" name="Group 14">
-            <a:extLst>
-              <a:ext uri="{FF2B5EF4-FFF2-40B4-BE49-F238E27FC236}">
-                <a16:creationId xmlns:a16="http://schemas.microsoft.com/office/drawing/2014/main" id="{B732AEC8-4A5F-3DBC-EC0A-DBB981F0EAF7}"/>
-              </a:ext>
-            </a:extLst>
-          </p:cNvPr>
-          <p:cNvGrpSpPr/>
-          <p:nvPr/>
-        </p:nvGrpSpPr>
-        <p:grpSpPr>
-          <a:xfrm>
-            <a:off x="8858600" y="451519"/>
-            <a:ext cx="478266" cy="575102"/>
-            <a:chOff x="7944200" y="661885"/>
-            <a:chExt cx="478266" cy="575102"/>
-          </a:xfrm>
-        </p:grpSpPr>
-        <p:pic>
-          <p:nvPicPr>
-            <p:cNvPr id="10" name="Picture 9" descr="Icon&#10;&#10;Description automatically generated">
-              <a:extLst>
-                <a:ext uri="{FF2B5EF4-FFF2-40B4-BE49-F238E27FC236}">
-                  <a16:creationId xmlns:a16="http://schemas.microsoft.com/office/drawing/2014/main" id="{567DECBE-381C-1FD6-606D-3008955635D2}"/>
-                </a:ext>
-              </a:extLst>
-            </p:cNvPr>
-            <p:cNvPicPr>
-              <a:picLocks noChangeAspect="1"/>
-            </p:cNvPicPr>
-            <p:nvPr/>
-          </p:nvPicPr>
-          <p:blipFill>
-            <a:blip r:embed="rId3">
-              <a:extLst>
-                <a:ext uri="{837473B0-CC2E-450A-ABE3-18F120FF3D39}">
-                  <a1611:picAttrSrcUrl xmlns:a1611="http://schemas.microsoft.com/office/drawing/2016/11/main" r:id="rId4"/>
-                </a:ext>
-              </a:extLst>
-            </a:blip>
-            <a:stretch>
-              <a:fillRect/>
-            </a:stretch>
-          </p:blipFill>
-          <p:spPr>
-            <a:xfrm>
-              <a:off x="7944200" y="938071"/>
-              <a:ext cx="478266" cy="298916"/>
-            </a:xfrm>
-            <a:prstGeom prst="rect">
-              <a:avLst/>
-            </a:prstGeom>
-          </p:spPr>
-        </p:pic>
-        <p:pic>
-          <p:nvPicPr>
-            <p:cNvPr id="14" name="Picture 13" descr="Icon&#10;&#10;Description automatically generated">
-              <a:extLst>
-                <a:ext uri="{FF2B5EF4-FFF2-40B4-BE49-F238E27FC236}">
-                  <a16:creationId xmlns:a16="http://schemas.microsoft.com/office/drawing/2014/main" id="{75DF9370-D56A-8EB3-8EB9-DDFC76465D22}"/>
-                </a:ext>
-              </a:extLst>
-            </p:cNvPr>
-            <p:cNvPicPr>
-              <a:picLocks noChangeAspect="1"/>
-            </p:cNvPicPr>
-            <p:nvPr/>
-          </p:nvPicPr>
-          <p:blipFill>
-            <a:blip r:embed="rId3">
-              <a:extLst>
-                <a:ext uri="{837473B0-CC2E-450A-ABE3-18F120FF3D39}">
-                  <a1611:picAttrSrcUrl xmlns:a1611="http://schemas.microsoft.com/office/drawing/2016/11/main" r:id="rId4"/>
-                </a:ext>
-              </a:extLst>
-            </a:blip>
-            <a:stretch>
-              <a:fillRect/>
-            </a:stretch>
-          </p:blipFill>
-          <p:spPr>
-            <a:xfrm>
-              <a:off x="7944200" y="661885"/>
-              <a:ext cx="478266" cy="298916"/>
-            </a:xfrm>
-            <a:prstGeom prst="rect">
-              <a:avLst/>
-            </a:prstGeom>
-          </p:spPr>
-        </p:pic>
-      </p:grpSp>
-      <p:grpSp>
-        <p:nvGrpSpPr>
-          <p:cNvPr id="9" name="Group 8">
-            <a:extLst>
-              <a:ext uri="{FF2B5EF4-FFF2-40B4-BE49-F238E27FC236}">
-                <a16:creationId xmlns:a16="http://schemas.microsoft.com/office/drawing/2014/main" id="{CD3E937C-875D-63A1-5D05-59CFCBF7FDF5}"/>
-              </a:ext>
-            </a:extLst>
-          </p:cNvPr>
-          <p:cNvGrpSpPr/>
-          <p:nvPr/>
-        </p:nvGrpSpPr>
-        <p:grpSpPr>
-          <a:xfrm>
-            <a:off x="0" y="73138"/>
-            <a:ext cx="3640021" cy="641850"/>
-            <a:chOff x="0" y="73138"/>
-            <a:chExt cx="3640021" cy="641850"/>
-          </a:xfrm>
-        </p:grpSpPr>
-        <p:sp>
-          <p:nvSpPr>
-            <p:cNvPr id="6" name="Rectangle 5">
-              <a:extLst>
-                <a:ext uri="{FF2B5EF4-FFF2-40B4-BE49-F238E27FC236}">
-                  <a16:creationId xmlns:a16="http://schemas.microsoft.com/office/drawing/2014/main" id="{0E508828-6494-C2C3-97A2-E37827AADFFA}"/>
-                </a:ext>
-              </a:extLst>
-            </p:cNvPr>
-            <p:cNvSpPr/>
-            <p:nvPr/>
-          </p:nvSpPr>
-          <p:spPr>
-            <a:xfrm>
-              <a:off x="648650" y="138499"/>
-              <a:ext cx="2991371" cy="461665"/>
-            </a:xfrm>
-            <a:prstGeom prst="rect">
-              <a:avLst/>
-            </a:prstGeom>
-            <a:noFill/>
-          </p:spPr>
-          <p:txBody>
-            <a:bodyPr wrap="square" lIns="91440" tIns="45720" rIns="91440" bIns="45720">
-              <a:spAutoFit/>
-            </a:bodyPr>
-            <a:lstStyle/>
-            <a:p>
-              <a:pPr algn="ctr"/>
-              <a:r>
-                <a:rPr lang="en-US" sz="2400" b="1" dirty="0">
-                  <a:ln w="0"/>
-                  <a:effectLst>
-                    <a:outerShdw blurRad="38100" dist="19050" dir="2700000" algn="tl" rotWithShape="0">
-                      <a:schemeClr val="dk1">
-                        <a:alpha val="40000"/>
-                      </a:schemeClr>
-                    </a:outerShdw>
-                  </a:effectLst>
-                </a:rPr>
-                <a:t>INITIAL INVESTMENT</a:t>
-              </a:r>
-            </a:p>
-          </p:txBody>
-        </p:sp>
-        <p:pic>
-          <p:nvPicPr>
-            <p:cNvPr id="2" name="Picture 1">
-              <a:extLst>
-                <a:ext uri="{FF2B5EF4-FFF2-40B4-BE49-F238E27FC236}">
-                  <a16:creationId xmlns:a16="http://schemas.microsoft.com/office/drawing/2014/main" id="{5A186640-D268-4508-FBD2-DB96A19A5042}"/>
-                </a:ext>
-              </a:extLst>
-            </p:cNvPr>
-            <p:cNvPicPr>
-              <a:picLocks noChangeAspect="1"/>
-            </p:cNvPicPr>
-            <p:nvPr/>
-          </p:nvPicPr>
-          <p:blipFill>
-            <a:blip r:embed="rId5"/>
-            <a:stretch>
-              <a:fillRect/>
-            </a:stretch>
-          </p:blipFill>
-          <p:spPr>
-            <a:xfrm>
-              <a:off x="0" y="73138"/>
-              <a:ext cx="764557" cy="641850"/>
-            </a:xfrm>
-            <a:prstGeom prst="rect">
-              <a:avLst/>
-            </a:prstGeom>
-          </p:spPr>
-        </p:pic>
-      </p:grpSp>
-      <p:sp>
-        <p:nvSpPr>
-          <p:cNvPr id="20" name="Footer Placeholder 19">
-            <a:extLst>
-              <a:ext uri="{FF2B5EF4-FFF2-40B4-BE49-F238E27FC236}">
-                <a16:creationId xmlns:a16="http://schemas.microsoft.com/office/drawing/2014/main" id="{E504F9F6-A200-5FC8-EA04-32424D4330FC}"/>
-              </a:ext>
-            </a:extLst>
-          </p:cNvPr>
-          <p:cNvSpPr>
-            <a:spLocks noGrp="1"/>
-          </p:cNvSpPr>
-          <p:nvPr>
-            <p:ph type="ftr" sz="quarter" idx="11"/>
-          </p:nvPr>
-        </p:nvSpPr>
-        <p:spPr>
-          <a:xfrm>
-            <a:off x="6939873" y="6473558"/>
-            <a:ext cx="4114800" cy="365125"/>
-          </a:xfrm>
-        </p:spPr>
-        <p:txBody>
-          <a:bodyPr/>
-          <a:lstStyle/>
-          <a:p>
-            <a:pPr algn="l"/>
-            <a:r>
-              <a:rPr lang="en-US" dirty="0"/>
-              <a:t>Movie Reviews Filter: Above IMDB Average  7</a:t>
-            </a:r>
-          </a:p>
-          <a:p>
-            <a:pPr algn="l"/>
-            <a:r>
-              <a:rPr lang="en-US" dirty="0"/>
-              <a:t>Adventure Pairings with Action, Comedy, Animation and Sci-Fi </a:t>
-            </a:r>
-          </a:p>
-          <a:p>
-            <a:endParaRPr lang="en-US" dirty="0"/>
-          </a:p>
-        </p:txBody>
-      </p:sp>
-      <p:sp>
-        <p:nvSpPr>
-          <p:cNvPr id="21" name="Slide Number Placeholder 20">
-            <a:extLst>
-              <a:ext uri="{FF2B5EF4-FFF2-40B4-BE49-F238E27FC236}">
-                <a16:creationId xmlns:a16="http://schemas.microsoft.com/office/drawing/2014/main" id="{B6E6CDF8-3304-662A-D3D3-029C28AA53EF}"/>
-              </a:ext>
-            </a:extLst>
-          </p:cNvPr>
-          <p:cNvSpPr>
-            <a:spLocks noGrp="1"/>
-          </p:cNvSpPr>
-          <p:nvPr>
-            <p:ph type="sldNum" sz="quarter" idx="12"/>
-          </p:nvPr>
-        </p:nvSpPr>
-        <p:spPr>
-          <a:xfrm>
-            <a:off x="10913012" y="6356350"/>
-            <a:ext cx="440788" cy="365125"/>
-          </a:xfrm>
-        </p:spPr>
-        <p:txBody>
-          <a:bodyPr/>
-          <a:lstStyle/>
-          <a:p>
-            <a:fld id="{9B1D7D9B-CDE6-6440-8F5F-ADF9B5401534}" type="slidenum">
-              <a:rPr lang="en-US" smtClean="0"/>
-              <a:t>12</a:t>
-            </a:fld>
-            <a:endParaRPr lang="en-US" dirty="0"/>
-          </a:p>
-        </p:txBody>
-      </p:sp>
-      <p:pic>
-        <p:nvPicPr>
-          <p:cNvPr id="23" name="Picture 22" descr="Icon&#10;&#10;Description automatically generated">
-            <a:extLst>
-              <a:ext uri="{FF2B5EF4-FFF2-40B4-BE49-F238E27FC236}">
-                <a16:creationId xmlns:a16="http://schemas.microsoft.com/office/drawing/2014/main" id="{C69C0D7D-F7D2-B31C-F6EF-4C3626E13EA0}"/>
-              </a:ext>
-            </a:extLst>
-          </p:cNvPr>
-          <p:cNvPicPr>
-            <a:picLocks noChangeAspect="1"/>
-          </p:cNvPicPr>
-          <p:nvPr/>
-        </p:nvPicPr>
-        <p:blipFill>
-          <a:blip r:embed="rId3">
-            <a:extLst>
-              <a:ext uri="{837473B0-CC2E-450A-ABE3-18F120FF3D39}">
-                <a1611:picAttrSrcUrl xmlns:a1611="http://schemas.microsoft.com/office/drawing/2016/11/main" r:id="rId4"/>
-              </a:ext>
-            </a:extLst>
-          </a:blip>
-          <a:stretch>
-            <a:fillRect/>
-          </a:stretch>
-        </p:blipFill>
-        <p:spPr>
-          <a:xfrm>
-            <a:off x="8876185" y="1000517"/>
-            <a:ext cx="478266" cy="298916"/>
-          </a:xfrm>
-          <a:prstGeom prst="rect">
-            <a:avLst/>
-          </a:prstGeom>
-        </p:spPr>
-      </p:pic>
-      <p:pic>
-        <p:nvPicPr>
-          <p:cNvPr id="11" name="Graphic 10" descr="Badge Cross with solid fill">
-            <a:extLst>
-              <a:ext uri="{FF2B5EF4-FFF2-40B4-BE49-F238E27FC236}">
-                <a16:creationId xmlns:a16="http://schemas.microsoft.com/office/drawing/2014/main" id="{D0ECE381-07D9-99EF-0161-FA8BE00FA51A}"/>
-              </a:ext>
-            </a:extLst>
-          </p:cNvPr>
-          <p:cNvPicPr>
-            <a:picLocks noChangeAspect="1"/>
-          </p:cNvPicPr>
-          <p:nvPr/>
-        </p:nvPicPr>
-        <p:blipFill>
-          <a:blip r:embed="rId6">
-            <a:extLst>
-              <a:ext uri="{96DAC541-7B7A-43D3-8B79-37D633B846F1}">
-                <asvg:svgBlip xmlns:asvg="http://schemas.microsoft.com/office/drawing/2016/SVG/main" r:embed="rId7"/>
-              </a:ext>
-            </a:extLst>
-          </a:blip>
-          <a:stretch>
-            <a:fillRect/>
-          </a:stretch>
-        </p:blipFill>
-        <p:spPr>
-          <a:xfrm>
-            <a:off x="9661250" y="3609280"/>
-            <a:ext cx="339356" cy="339356"/>
-          </a:xfrm>
-          <a:prstGeom prst="rect">
-            <a:avLst/>
-          </a:prstGeom>
-        </p:spPr>
-      </p:pic>
-      <p:pic>
-        <p:nvPicPr>
-          <p:cNvPr id="17" name="Graphic 16" descr="Badge Cross with solid fill">
-            <a:extLst>
-              <a:ext uri="{FF2B5EF4-FFF2-40B4-BE49-F238E27FC236}">
-                <a16:creationId xmlns:a16="http://schemas.microsoft.com/office/drawing/2014/main" id="{8100BFD1-AE56-F18A-6AA3-07AB30FE5432}"/>
-              </a:ext>
-            </a:extLst>
-          </p:cNvPr>
-          <p:cNvPicPr>
-            <a:picLocks noChangeAspect="1"/>
-          </p:cNvPicPr>
-          <p:nvPr/>
-        </p:nvPicPr>
-        <p:blipFill>
-          <a:blip r:embed="rId6">
-            <a:extLst>
-              <a:ext uri="{96DAC541-7B7A-43D3-8B79-37D633B846F1}">
-                <asvg:svgBlip xmlns:asvg="http://schemas.microsoft.com/office/drawing/2016/SVG/main" r:embed="rId7"/>
-              </a:ext>
-            </a:extLst>
-          </a:blip>
-          <a:stretch>
-            <a:fillRect/>
-          </a:stretch>
-        </p:blipFill>
-        <p:spPr>
-          <a:xfrm>
-            <a:off x="7822529" y="3609289"/>
-            <a:ext cx="339356" cy="339356"/>
-          </a:xfrm>
-          <a:prstGeom prst="rect">
-            <a:avLst/>
-          </a:prstGeom>
-        </p:spPr>
-      </p:pic>
-      <p:pic>
-        <p:nvPicPr>
-          <p:cNvPr id="18" name="Graphic 17" descr="Badge Cross with solid fill">
-            <a:extLst>
-              <a:ext uri="{FF2B5EF4-FFF2-40B4-BE49-F238E27FC236}">
-                <a16:creationId xmlns:a16="http://schemas.microsoft.com/office/drawing/2014/main" id="{C17AAA5A-FC72-2725-203E-67319F74B790}"/>
-              </a:ext>
-            </a:extLst>
-          </p:cNvPr>
-          <p:cNvPicPr>
-            <a:picLocks noChangeAspect="1"/>
-          </p:cNvPicPr>
-          <p:nvPr/>
-        </p:nvPicPr>
-        <p:blipFill>
-          <a:blip r:embed="rId6">
-            <a:extLst>
-              <a:ext uri="{96DAC541-7B7A-43D3-8B79-37D633B846F1}">
-                <asvg:svgBlip xmlns:asvg="http://schemas.microsoft.com/office/drawing/2016/SVG/main" r:embed="rId7"/>
-              </a:ext>
-            </a:extLst>
-          </a:blip>
-          <a:stretch>
-            <a:fillRect/>
-          </a:stretch>
-        </p:blipFill>
-        <p:spPr>
-          <a:xfrm>
-            <a:off x="2283720" y="3608844"/>
-            <a:ext cx="339356" cy="339356"/>
-          </a:xfrm>
-          <a:prstGeom prst="rect">
-            <a:avLst/>
-          </a:prstGeom>
-        </p:spPr>
-      </p:pic>
-      <p:pic>
-        <p:nvPicPr>
-          <p:cNvPr id="25" name="Graphic 24" descr="Badge Tick with solid fill">
-            <a:extLst>
-              <a:ext uri="{FF2B5EF4-FFF2-40B4-BE49-F238E27FC236}">
-                <a16:creationId xmlns:a16="http://schemas.microsoft.com/office/drawing/2014/main" id="{7E84DC13-15D0-89BB-76CE-04BF7F491F31}"/>
-              </a:ext>
-            </a:extLst>
-          </p:cNvPr>
-          <p:cNvPicPr>
-            <a:picLocks noChangeAspect="1"/>
-          </p:cNvPicPr>
-          <p:nvPr/>
-        </p:nvPicPr>
-        <p:blipFill>
-          <a:blip r:embed="rId8">
-            <a:extLst>
-              <a:ext uri="{96DAC541-7B7A-43D3-8B79-37D633B846F1}">
-                <asvg:svgBlip xmlns:asvg="http://schemas.microsoft.com/office/drawing/2016/SVG/main" r:embed="rId9"/>
-              </a:ext>
-            </a:extLst>
-          </a:blip>
-          <a:stretch>
-            <a:fillRect/>
-          </a:stretch>
-        </p:blipFill>
-        <p:spPr>
-          <a:xfrm>
-            <a:off x="5875075" y="3142129"/>
-            <a:ext cx="573742" cy="573742"/>
-          </a:xfrm>
-          <a:prstGeom prst="rect">
-            <a:avLst/>
-          </a:prstGeom>
-        </p:spPr>
-      </p:pic>
-      <p:pic>
-        <p:nvPicPr>
-          <p:cNvPr id="26" name="Graphic 25" descr="Badge Tick with solid fill">
-            <a:extLst>
-              <a:ext uri="{FF2B5EF4-FFF2-40B4-BE49-F238E27FC236}">
-                <a16:creationId xmlns:a16="http://schemas.microsoft.com/office/drawing/2014/main" id="{8AFB3B17-7093-7B62-A96A-289328E968E8}"/>
-              </a:ext>
-            </a:extLst>
-          </p:cNvPr>
-          <p:cNvPicPr>
-            <a:picLocks noChangeAspect="1"/>
-          </p:cNvPicPr>
-          <p:nvPr/>
-        </p:nvPicPr>
-        <p:blipFill>
-          <a:blip r:embed="rId8">
-            <a:extLst>
-              <a:ext uri="{96DAC541-7B7A-43D3-8B79-37D633B846F1}">
-                <asvg:svgBlip xmlns:asvg="http://schemas.microsoft.com/office/drawing/2016/SVG/main" r:embed="rId9"/>
-              </a:ext>
-            </a:extLst>
-          </a:blip>
-          <a:stretch>
-            <a:fillRect/>
-          </a:stretch>
-        </p:blipFill>
-        <p:spPr>
-          <a:xfrm>
-            <a:off x="3996737" y="3148981"/>
-            <a:ext cx="573742" cy="573742"/>
-          </a:xfrm>
-          <a:prstGeom prst="rect">
-            <a:avLst/>
-          </a:prstGeom>
-        </p:spPr>
-      </p:pic>
-      <p:sp>
-        <p:nvSpPr>
-          <p:cNvPr id="27" name="Rectangle 26">
-            <a:extLst>
-              <a:ext uri="{FF2B5EF4-FFF2-40B4-BE49-F238E27FC236}">
-                <a16:creationId xmlns:a16="http://schemas.microsoft.com/office/drawing/2014/main" id="{A5FD3DD0-4663-11A1-EE09-6E18CCC2DA66}"/>
-              </a:ext>
-            </a:extLst>
-          </p:cNvPr>
-          <p:cNvSpPr/>
-          <p:nvPr/>
-        </p:nvSpPr>
-        <p:spPr>
-          <a:xfrm>
-            <a:off x="2493170" y="5461074"/>
-            <a:ext cx="7083157" cy="646331"/>
-          </a:xfrm>
-          <a:prstGeom prst="rect">
-            <a:avLst/>
-          </a:prstGeom>
-          <a:noFill/>
-          <a:ln w="76200">
-            <a:solidFill>
-              <a:srgbClr val="FF0000"/>
-            </a:solidFill>
-          </a:ln>
-        </p:spPr>
-        <p:txBody>
-          <a:bodyPr wrap="none" lIns="91440" tIns="45720" rIns="91440" bIns="45720">
-            <a:spAutoFit/>
-          </a:bodyPr>
-          <a:lstStyle/>
-          <a:p>
-            <a:pPr algn="ctr"/>
-            <a:r>
-              <a:rPr lang="en-US" sz="3600" b="1" cap="none" spc="0" dirty="0">
-                <a:ln w="9525">
-                  <a:solidFill>
-                    <a:schemeClr val="bg1"/>
-                  </a:solidFill>
-                  <a:prstDash val="solid"/>
-                </a:ln>
-                <a:solidFill>
-                  <a:schemeClr val="tx1"/>
-                </a:solidFill>
-                <a:effectLst>
-                  <a:outerShdw blurRad="12700" dist="38100" dir="2700000" algn="tl" rotWithShape="0">
-                    <a:schemeClr val="bg1">
-                      <a:lumMod val="50000"/>
-                    </a:schemeClr>
-                  </a:outerShdw>
-                </a:effectLst>
-              </a:rPr>
-              <a:t>DOMESTIC &amp; FOREIGN ROI CRITICAL</a:t>
-            </a:r>
-          </a:p>
-        </p:txBody>
-      </p:sp>
     </p:spTree>
     <p:extLst>
       <p:ext uri="{BB962C8B-B14F-4D97-AF65-F5344CB8AC3E}">
-        <p14:creationId xmlns:p14="http://schemas.microsoft.com/office/powerpoint/2010/main" val="1351426283"/>
-      </p:ext>
-    </p:extLst>
-  </p:cSld>
-  <p:clrMapOvr>
-    <a:masterClrMapping/>
-  </p:clrMapOvr>
-</p:sld>
-</file>
-
-<file path=ppt/slides/slide13.xml><?xml version="1.0" encoding="utf-8"?>
-<p:sld xmlns:a="http://schemas.openxmlformats.org/drawingml/2006/main" xmlns:r="http://schemas.openxmlformats.org/officeDocument/2006/relationships" xmlns:p="http://schemas.openxmlformats.org/presentationml/2006/main">
-  <p:cSld>
-    <p:spTree>
-      <p:nvGrpSpPr>
-        <p:cNvPr id="1" name=""/>
-        <p:cNvGrpSpPr/>
-        <p:nvPr/>
-      </p:nvGrpSpPr>
-      <p:grpSpPr>
-        <a:xfrm>
-          <a:off x="0" y="0"/>
-          <a:ext cx="0" cy="0"/>
-          <a:chOff x="0" y="0"/>
-          <a:chExt cx="0" cy="0"/>
-        </a:xfrm>
-      </p:grpSpPr>
-      <p:sp>
-        <p:nvSpPr>
-          <p:cNvPr id="40" name="Slide Number Placeholder 39">
-            <a:extLst>
-              <a:ext uri="{FF2B5EF4-FFF2-40B4-BE49-F238E27FC236}">
-                <a16:creationId xmlns:a16="http://schemas.microsoft.com/office/drawing/2014/main" id="{BAC89C47-043C-58A4-7185-EEA930D4BB00}"/>
-              </a:ext>
-            </a:extLst>
-          </p:cNvPr>
-          <p:cNvSpPr>
-            <a:spLocks noGrp="1"/>
-          </p:cNvSpPr>
-          <p:nvPr>
-            <p:ph type="sldNum" sz="quarter" idx="12"/>
-          </p:nvPr>
-        </p:nvSpPr>
-        <p:spPr/>
-        <p:txBody>
-          <a:bodyPr/>
-          <a:lstStyle/>
-          <a:p>
-            <a:fld id="{9B1D7D9B-CDE6-6440-8F5F-ADF9B5401534}" type="slidenum">
-              <a:rPr lang="en-US" smtClean="0"/>
-              <a:t>13</a:t>
-            </a:fld>
-            <a:endParaRPr lang="en-US"/>
-          </a:p>
-        </p:txBody>
-      </p:sp>
-      <p:sp>
-        <p:nvSpPr>
-          <p:cNvPr id="13" name="Rectangle 12">
-            <a:extLst>
-              <a:ext uri="{FF2B5EF4-FFF2-40B4-BE49-F238E27FC236}">
-                <a16:creationId xmlns:a16="http://schemas.microsoft.com/office/drawing/2014/main" id="{2C609AC3-B00A-F161-E31A-6DD10CC8AD8B}"/>
-              </a:ext>
-            </a:extLst>
-          </p:cNvPr>
-          <p:cNvSpPr/>
-          <p:nvPr/>
-        </p:nvSpPr>
-        <p:spPr>
-          <a:xfrm>
-            <a:off x="743917" y="61992"/>
-            <a:ext cx="2991371" cy="461665"/>
-          </a:xfrm>
-          <a:prstGeom prst="rect">
-            <a:avLst/>
-          </a:prstGeom>
-          <a:noFill/>
-        </p:spPr>
-        <p:txBody>
-          <a:bodyPr wrap="square" lIns="91440" tIns="45720" rIns="91440" bIns="45720">
-            <a:spAutoFit/>
-          </a:bodyPr>
-          <a:lstStyle/>
-          <a:p>
-            <a:r>
-              <a:rPr lang="en-US" sz="2400" b="1" dirty="0">
-                <a:ln w="0"/>
-                <a:effectLst>
-                  <a:outerShdw blurRad="38100" dist="19050" dir="2700000" algn="tl" rotWithShape="0">
-                    <a:schemeClr val="dk1">
-                      <a:alpha val="40000"/>
-                    </a:schemeClr>
-                  </a:outerShdw>
-                </a:effectLst>
-              </a:rPr>
-              <a:t>RESULTS</a:t>
-            </a:r>
-          </a:p>
-        </p:txBody>
-      </p:sp>
-      <p:pic>
-        <p:nvPicPr>
-          <p:cNvPr id="18" name="Graphic 17" descr="Presentation with pie chart with solid fill">
-            <a:extLst>
-              <a:ext uri="{FF2B5EF4-FFF2-40B4-BE49-F238E27FC236}">
-                <a16:creationId xmlns:a16="http://schemas.microsoft.com/office/drawing/2014/main" id="{C3364562-96F8-05E7-23DC-729441B64D90}"/>
-              </a:ext>
-            </a:extLst>
-          </p:cNvPr>
-          <p:cNvPicPr>
-            <a:picLocks noChangeAspect="1"/>
-          </p:cNvPicPr>
-          <p:nvPr/>
-        </p:nvPicPr>
-        <p:blipFill>
-          <a:blip r:embed="rId2">
-            <a:extLst>
-              <a:ext uri="{96DAC541-7B7A-43D3-8B79-37D633B846F1}">
-                <asvg:svgBlip xmlns:asvg="http://schemas.microsoft.com/office/drawing/2016/SVG/main" r:embed="rId3"/>
-              </a:ext>
-            </a:extLst>
-          </a:blip>
-          <a:stretch>
-            <a:fillRect/>
-          </a:stretch>
-        </p:blipFill>
-        <p:spPr>
-          <a:xfrm>
-            <a:off x="0" y="-89115"/>
-            <a:ext cx="914400" cy="914400"/>
-          </a:xfrm>
-          <a:prstGeom prst="rect">
-            <a:avLst/>
-          </a:prstGeom>
-        </p:spPr>
-      </p:pic>
-      <p:grpSp>
-        <p:nvGrpSpPr>
-          <p:cNvPr id="30" name="Group 29">
-            <a:extLst>
-              <a:ext uri="{FF2B5EF4-FFF2-40B4-BE49-F238E27FC236}">
-                <a16:creationId xmlns:a16="http://schemas.microsoft.com/office/drawing/2014/main" id="{C9DFDD06-0345-2BD5-09E0-D55F94010911}"/>
-              </a:ext>
-            </a:extLst>
-          </p:cNvPr>
-          <p:cNvGrpSpPr/>
-          <p:nvPr/>
-        </p:nvGrpSpPr>
-        <p:grpSpPr>
-          <a:xfrm>
-            <a:off x="1583840" y="1615312"/>
-            <a:ext cx="8865896" cy="646331"/>
-            <a:chOff x="1796937" y="1751308"/>
-            <a:chExt cx="8865896" cy="646331"/>
-          </a:xfrm>
-        </p:grpSpPr>
-        <p:sp>
-          <p:nvSpPr>
-            <p:cNvPr id="24" name="TextBox 23">
-              <a:extLst>
-                <a:ext uri="{FF2B5EF4-FFF2-40B4-BE49-F238E27FC236}">
-                  <a16:creationId xmlns:a16="http://schemas.microsoft.com/office/drawing/2014/main" id="{B87A1A65-9FA8-E8A8-2130-995BFCF1D9CE}"/>
-                </a:ext>
-              </a:extLst>
-            </p:cNvPr>
-            <p:cNvSpPr txBox="1"/>
-            <p:nvPr/>
-          </p:nvSpPr>
-          <p:spPr>
-            <a:xfrm>
-              <a:off x="2446148" y="1751308"/>
-              <a:ext cx="8216685" cy="646331"/>
-            </a:xfrm>
-            <a:prstGeom prst="rect">
-              <a:avLst/>
-            </a:prstGeom>
-            <a:noFill/>
-          </p:spPr>
-          <p:txBody>
-            <a:bodyPr wrap="square" rtlCol="0">
-              <a:spAutoFit/>
-            </a:bodyPr>
-            <a:lstStyle/>
-            <a:p>
-              <a:r>
-                <a:rPr lang="en-US" dirty="0"/>
-                <a:t>A</a:t>
-              </a:r>
-              <a:r>
-                <a:rPr lang="en-US" b="1" dirty="0"/>
-                <a:t>DVENTURE GENRE COMBINATIONS </a:t>
-              </a:r>
-              <a:r>
-                <a:rPr lang="en-US" dirty="0"/>
-                <a:t>– MOST COMMON GENRE WITH HIGH REVIEWS 				&amp; HIGH PROFITS </a:t>
-              </a:r>
-            </a:p>
-          </p:txBody>
-        </p:sp>
-        <p:pic>
-          <p:nvPicPr>
-            <p:cNvPr id="25" name="Picture 24" descr="Focus Vector SVG Icon (17) - SVG Repo">
-              <a:extLst>
-                <a:ext uri="{FF2B5EF4-FFF2-40B4-BE49-F238E27FC236}">
-                  <a16:creationId xmlns:a16="http://schemas.microsoft.com/office/drawing/2014/main" id="{8B5700DA-2FC1-FBDD-9572-6BDD855F09E4}"/>
-                </a:ext>
-              </a:extLst>
-            </p:cNvPr>
-            <p:cNvPicPr>
-              <a:picLocks noChangeAspect="1" noChangeArrowheads="1"/>
-            </p:cNvPicPr>
-            <p:nvPr/>
-          </p:nvPicPr>
-          <p:blipFill>
-            <a:blip r:embed="rId4">
-              <a:extLst>
-                <a:ext uri="{28A0092B-C50C-407E-A947-70E740481C1C}">
-                  <a14:useLocalDpi xmlns:a14="http://schemas.microsoft.com/office/drawing/2010/main" val="0"/>
-                </a:ext>
-              </a:extLst>
-            </a:blip>
-            <a:srcRect/>
-            <a:stretch>
-              <a:fillRect/>
-            </a:stretch>
-          </p:blipFill>
-          <p:spPr bwMode="auto">
-            <a:xfrm>
-              <a:off x="1796937" y="1802771"/>
-              <a:ext cx="543404" cy="543404"/>
-            </a:xfrm>
-            <a:prstGeom prst="rect">
-              <a:avLst/>
-            </a:prstGeom>
-            <a:noFill/>
-            <a:extLst>
-              <a:ext uri="{909E8E84-426E-40DD-AFC4-6F175D3DCCD1}">
-                <a14:hiddenFill xmlns:a14="http://schemas.microsoft.com/office/drawing/2010/main">
-                  <a:solidFill>
-                    <a:srgbClr val="FFFFFF"/>
-                  </a:solidFill>
-                </a14:hiddenFill>
-              </a:ext>
-            </a:extLst>
-          </p:spPr>
-        </p:pic>
-      </p:grpSp>
-      <p:grpSp>
-        <p:nvGrpSpPr>
-          <p:cNvPr id="32" name="Group 31">
-            <a:extLst>
-              <a:ext uri="{FF2B5EF4-FFF2-40B4-BE49-F238E27FC236}">
-                <a16:creationId xmlns:a16="http://schemas.microsoft.com/office/drawing/2014/main" id="{4049FC95-F64E-FD1D-1B75-73ABA6322DC7}"/>
-              </a:ext>
-            </a:extLst>
-          </p:cNvPr>
-          <p:cNvGrpSpPr/>
-          <p:nvPr/>
-        </p:nvGrpSpPr>
-        <p:grpSpPr>
-          <a:xfrm>
-            <a:off x="1548969" y="3138434"/>
-            <a:ext cx="8928645" cy="657332"/>
-            <a:chOff x="1734188" y="2682798"/>
-            <a:chExt cx="8928645" cy="657332"/>
-          </a:xfrm>
-        </p:grpSpPr>
-        <p:pic>
-          <p:nvPicPr>
-            <p:cNvPr id="26" name="Picture 6" descr="global icon vector 3">
-              <a:extLst>
-                <a:ext uri="{FF2B5EF4-FFF2-40B4-BE49-F238E27FC236}">
-                  <a16:creationId xmlns:a16="http://schemas.microsoft.com/office/drawing/2014/main" id="{876F8B0A-192D-40F0-F459-B8298EA0D321}"/>
-                </a:ext>
-              </a:extLst>
-            </p:cNvPr>
-            <p:cNvPicPr>
-              <a:picLocks noChangeAspect="1" noChangeArrowheads="1"/>
-            </p:cNvPicPr>
-            <p:nvPr/>
-          </p:nvPicPr>
-          <p:blipFill>
-            <a:blip r:embed="rId5">
-              <a:extLst>
-                <a:ext uri="{28A0092B-C50C-407E-A947-70E740481C1C}">
-                  <a14:useLocalDpi xmlns:a14="http://schemas.microsoft.com/office/drawing/2010/main" val="0"/>
-                </a:ext>
-              </a:extLst>
-            </a:blip>
-            <a:srcRect/>
-            <a:stretch>
-              <a:fillRect/>
-            </a:stretch>
-          </p:blipFill>
-          <p:spPr bwMode="auto">
-            <a:xfrm>
-              <a:off x="1734188" y="2682798"/>
-              <a:ext cx="657332" cy="657332"/>
-            </a:xfrm>
-            <a:prstGeom prst="rect">
-              <a:avLst/>
-            </a:prstGeom>
-            <a:noFill/>
-            <a:extLst>
-              <a:ext uri="{909E8E84-426E-40DD-AFC4-6F175D3DCCD1}">
-                <a14:hiddenFill xmlns:a14="http://schemas.microsoft.com/office/drawing/2010/main">
-                  <a:solidFill>
-                    <a:srgbClr val="FFFFFF"/>
-                  </a:solidFill>
-                </a14:hiddenFill>
-              </a:ext>
-            </a:extLst>
-          </p:spPr>
-        </p:pic>
-        <p:sp>
-          <p:nvSpPr>
-            <p:cNvPr id="27" name="TextBox 26">
-              <a:extLst>
-                <a:ext uri="{FF2B5EF4-FFF2-40B4-BE49-F238E27FC236}">
-                  <a16:creationId xmlns:a16="http://schemas.microsoft.com/office/drawing/2014/main" id="{43B0F5E1-AD12-7EA0-E893-886040C56E5D}"/>
-                </a:ext>
-              </a:extLst>
-            </p:cNvPr>
-            <p:cNvSpPr txBox="1"/>
-            <p:nvPr/>
-          </p:nvSpPr>
-          <p:spPr>
-            <a:xfrm>
-              <a:off x="2446148" y="2897663"/>
-              <a:ext cx="8216685" cy="369332"/>
-            </a:xfrm>
-            <a:prstGeom prst="rect">
-              <a:avLst/>
-            </a:prstGeom>
-            <a:noFill/>
-          </p:spPr>
-          <p:txBody>
-            <a:bodyPr wrap="square" rtlCol="0">
-              <a:spAutoFit/>
-            </a:bodyPr>
-            <a:lstStyle/>
-            <a:p>
-              <a:r>
-                <a:rPr lang="en-US" b="1" dirty="0"/>
-                <a:t>FOREIGN PROFITS DOMINATE TOTAL PROFITS</a:t>
-              </a:r>
-            </a:p>
-          </p:txBody>
-        </p:sp>
-      </p:grpSp>
-      <p:grpSp>
-        <p:nvGrpSpPr>
-          <p:cNvPr id="33" name="Group 32">
-            <a:extLst>
-              <a:ext uri="{FF2B5EF4-FFF2-40B4-BE49-F238E27FC236}">
-                <a16:creationId xmlns:a16="http://schemas.microsoft.com/office/drawing/2014/main" id="{DA9ECFDC-665D-629C-0A46-45774CD4FD57}"/>
-              </a:ext>
-            </a:extLst>
-          </p:cNvPr>
-          <p:cNvGrpSpPr/>
-          <p:nvPr/>
-        </p:nvGrpSpPr>
-        <p:grpSpPr>
-          <a:xfrm>
-            <a:off x="1548969" y="4673838"/>
-            <a:ext cx="8981242" cy="923330"/>
-            <a:chOff x="1681591" y="3674031"/>
-            <a:chExt cx="8981242" cy="923330"/>
-          </a:xfrm>
-        </p:grpSpPr>
-        <p:pic>
-          <p:nvPicPr>
-            <p:cNvPr id="28" name="Picture 27">
-              <a:extLst>
-                <a:ext uri="{FF2B5EF4-FFF2-40B4-BE49-F238E27FC236}">
-                  <a16:creationId xmlns:a16="http://schemas.microsoft.com/office/drawing/2014/main" id="{0019CDFF-AD8A-2779-DE48-45B4EB578151}"/>
-                </a:ext>
-              </a:extLst>
-            </p:cNvPr>
-            <p:cNvPicPr>
-              <a:picLocks noChangeAspect="1"/>
-            </p:cNvPicPr>
-            <p:nvPr/>
-          </p:nvPicPr>
-          <p:blipFill>
-            <a:blip r:embed="rId6"/>
-            <a:stretch>
-              <a:fillRect/>
-            </a:stretch>
-          </p:blipFill>
-          <p:spPr>
-            <a:xfrm>
-              <a:off x="1681591" y="3676753"/>
-              <a:ext cx="764557" cy="641850"/>
-            </a:xfrm>
-            <a:prstGeom prst="rect">
-              <a:avLst/>
-            </a:prstGeom>
-          </p:spPr>
-        </p:pic>
-        <p:sp>
-          <p:nvSpPr>
-            <p:cNvPr id="29" name="TextBox 28">
-              <a:extLst>
-                <a:ext uri="{FF2B5EF4-FFF2-40B4-BE49-F238E27FC236}">
-                  <a16:creationId xmlns:a16="http://schemas.microsoft.com/office/drawing/2014/main" id="{EE8A5372-C6CE-A30E-9372-2F9B2BD053E8}"/>
-                </a:ext>
-              </a:extLst>
-            </p:cNvPr>
-            <p:cNvSpPr txBox="1"/>
-            <p:nvPr/>
-          </p:nvSpPr>
-          <p:spPr>
-            <a:xfrm>
-              <a:off x="2446148" y="3674031"/>
-              <a:ext cx="8216685" cy="923330"/>
-            </a:xfrm>
-            <a:prstGeom prst="rect">
-              <a:avLst/>
-            </a:prstGeom>
-            <a:noFill/>
-          </p:spPr>
-          <p:txBody>
-            <a:bodyPr wrap="square" rtlCol="0">
-              <a:spAutoFit/>
-            </a:bodyPr>
-            <a:lstStyle/>
-            <a:p>
-              <a:r>
-                <a:rPr lang="en-US" b="1" dirty="0"/>
-                <a:t>BEST ROI DOMESTIC AND FOREIGN MARKETS </a:t>
-              </a:r>
-              <a:r>
-                <a:rPr lang="en-US" dirty="0"/>
-                <a:t>– ADVENTURE, DRAMA, SCI-FI</a:t>
-              </a:r>
-            </a:p>
-            <a:p>
-              <a:r>
-                <a:rPr lang="en-US" b="1" dirty="0"/>
-                <a:t>				                </a:t>
-              </a:r>
-              <a:r>
-                <a:rPr lang="en-US" dirty="0"/>
-                <a:t>ADVENTURE, ACTION, COMEDY</a:t>
-              </a:r>
-              <a:endParaRPr lang="en-US" b="1" dirty="0"/>
-            </a:p>
-            <a:p>
-              <a:endParaRPr lang="en-US" dirty="0"/>
-            </a:p>
-          </p:txBody>
-        </p:sp>
-      </p:grpSp>
-    </p:spTree>
-    <p:extLst>
-      <p:ext uri="{BB962C8B-B14F-4D97-AF65-F5344CB8AC3E}">
-        <p14:creationId xmlns:p14="http://schemas.microsoft.com/office/powerpoint/2010/main" val="3626129826"/>
-      </p:ext>
-    </p:extLst>
-  </p:cSld>
-  <p:clrMapOvr>
-    <a:masterClrMapping/>
-  </p:clrMapOvr>
-</p:sld>
-</file>
-
-<file path=ppt/slides/slide14.xml><?xml version="1.0" encoding="utf-8"?>
-<p:sld xmlns:a="http://schemas.openxmlformats.org/drawingml/2006/main" xmlns:r="http://schemas.openxmlformats.org/officeDocument/2006/relationships" xmlns:p="http://schemas.openxmlformats.org/presentationml/2006/main">
-  <p:cSld>
-    <p:spTree>
-      <p:nvGrpSpPr>
-        <p:cNvPr id="1" name=""/>
-        <p:cNvGrpSpPr/>
-        <p:nvPr/>
-      </p:nvGrpSpPr>
-      <p:grpSpPr>
-        <a:xfrm>
-          <a:off x="0" y="0"/>
-          <a:ext cx="0" cy="0"/>
-          <a:chOff x="0" y="0"/>
-          <a:chExt cx="0" cy="0"/>
-        </a:xfrm>
-      </p:grpSpPr>
-      <p:sp>
-        <p:nvSpPr>
-          <p:cNvPr id="5" name="Slide Number Placeholder 4">
-            <a:extLst>
-              <a:ext uri="{FF2B5EF4-FFF2-40B4-BE49-F238E27FC236}">
-                <a16:creationId xmlns:a16="http://schemas.microsoft.com/office/drawing/2014/main" id="{8BC02A1B-2A6C-78EF-88C3-6EEA34C3606C}"/>
-              </a:ext>
-            </a:extLst>
-          </p:cNvPr>
-          <p:cNvSpPr>
-            <a:spLocks noGrp="1"/>
-          </p:cNvSpPr>
-          <p:nvPr>
-            <p:ph type="sldNum" sz="quarter" idx="12"/>
-          </p:nvPr>
-        </p:nvSpPr>
-        <p:spPr/>
-        <p:txBody>
-          <a:bodyPr/>
-          <a:lstStyle/>
-          <a:p>
-            <a:fld id="{9B1D7D9B-CDE6-6440-8F5F-ADF9B5401534}" type="slidenum">
-              <a:rPr lang="en-US" smtClean="0"/>
-              <a:t>14</a:t>
-            </a:fld>
-            <a:endParaRPr lang="en-US"/>
-          </a:p>
-        </p:txBody>
-      </p:sp>
-      <p:grpSp>
-        <p:nvGrpSpPr>
-          <p:cNvPr id="6" name="Group 5">
-            <a:extLst>
-              <a:ext uri="{FF2B5EF4-FFF2-40B4-BE49-F238E27FC236}">
-                <a16:creationId xmlns:a16="http://schemas.microsoft.com/office/drawing/2014/main" id="{63409EE7-DD8E-EA44-9C60-C0001C9966CB}"/>
-              </a:ext>
-            </a:extLst>
-          </p:cNvPr>
-          <p:cNvGrpSpPr/>
-          <p:nvPr/>
-        </p:nvGrpSpPr>
-        <p:grpSpPr>
-          <a:xfrm>
-            <a:off x="0" y="0"/>
-            <a:ext cx="3496546" cy="765611"/>
-            <a:chOff x="61993" y="3446397"/>
-            <a:chExt cx="3496546" cy="765611"/>
-          </a:xfrm>
-        </p:grpSpPr>
-        <p:pic>
-          <p:nvPicPr>
-            <p:cNvPr id="7" name="Picture 2" descr="Recommendation Icons - Free SVG &amp; PNG Recommendation Images - Noun Project">
-              <a:extLst>
-                <a:ext uri="{FF2B5EF4-FFF2-40B4-BE49-F238E27FC236}">
-                  <a16:creationId xmlns:a16="http://schemas.microsoft.com/office/drawing/2014/main" id="{510299E8-F6EE-A468-9D42-3C90FE7DDFAE}"/>
-                </a:ext>
-              </a:extLst>
-            </p:cNvPr>
-            <p:cNvPicPr>
-              <a:picLocks noChangeAspect="1" noChangeArrowheads="1"/>
-            </p:cNvPicPr>
-            <p:nvPr/>
-          </p:nvPicPr>
-          <p:blipFill>
-            <a:blip r:embed="rId2">
-              <a:extLst>
-                <a:ext uri="{28A0092B-C50C-407E-A947-70E740481C1C}">
-                  <a14:useLocalDpi xmlns:a14="http://schemas.microsoft.com/office/drawing/2010/main" val="0"/>
-                </a:ext>
-              </a:extLst>
-            </a:blip>
-            <a:srcRect/>
-            <a:stretch>
-              <a:fillRect/>
-            </a:stretch>
-          </p:blipFill>
-          <p:spPr bwMode="auto">
-            <a:xfrm>
-              <a:off x="61993" y="3446397"/>
-              <a:ext cx="681923" cy="681923"/>
-            </a:xfrm>
-            <a:prstGeom prst="rect">
-              <a:avLst/>
-            </a:prstGeom>
-            <a:noFill/>
-            <a:extLst>
-              <a:ext uri="{909E8E84-426E-40DD-AFC4-6F175D3DCCD1}">
-                <a14:hiddenFill xmlns:a14="http://schemas.microsoft.com/office/drawing/2010/main">
-                  <a:solidFill>
-                    <a:srgbClr val="FFFFFF"/>
-                  </a:solidFill>
-                </a14:hiddenFill>
-              </a:ext>
-            </a:extLst>
-          </p:spPr>
-        </p:pic>
-        <p:sp>
-          <p:nvSpPr>
-            <p:cNvPr id="8" name="Rectangle 7">
-              <a:extLst>
-                <a:ext uri="{FF2B5EF4-FFF2-40B4-BE49-F238E27FC236}">
-                  <a16:creationId xmlns:a16="http://schemas.microsoft.com/office/drawing/2014/main" id="{E0791849-1A44-74D2-2BE5-EB962EE50785}"/>
-                </a:ext>
-              </a:extLst>
-            </p:cNvPr>
-            <p:cNvSpPr/>
-            <p:nvPr/>
-          </p:nvSpPr>
-          <p:spPr>
-            <a:xfrm>
-              <a:off x="567168" y="3750343"/>
-              <a:ext cx="2991371" cy="461665"/>
-            </a:xfrm>
-            <a:prstGeom prst="rect">
-              <a:avLst/>
-            </a:prstGeom>
-            <a:noFill/>
-          </p:spPr>
-          <p:txBody>
-            <a:bodyPr wrap="square" lIns="91440" tIns="45720" rIns="91440" bIns="45720">
-              <a:spAutoFit/>
-            </a:bodyPr>
-            <a:lstStyle/>
-            <a:p>
-              <a:r>
-                <a:rPr lang="en-US" sz="2400" b="1" dirty="0">
-                  <a:ln w="0"/>
-                  <a:effectLst>
-                    <a:outerShdw blurRad="38100" dist="19050" dir="2700000" algn="tl" rotWithShape="0">
-                      <a:schemeClr val="dk1">
-                        <a:alpha val="40000"/>
-                      </a:schemeClr>
-                    </a:outerShdw>
-                  </a:effectLst>
-                </a:rPr>
-                <a:t>RECOMMENDATION</a:t>
-              </a:r>
-            </a:p>
-          </p:txBody>
-        </p:sp>
-      </p:grpSp>
-      <p:grpSp>
-        <p:nvGrpSpPr>
-          <p:cNvPr id="9" name="Group 8">
-            <a:extLst>
-              <a:ext uri="{FF2B5EF4-FFF2-40B4-BE49-F238E27FC236}">
-                <a16:creationId xmlns:a16="http://schemas.microsoft.com/office/drawing/2014/main" id="{81E70245-30E8-AF69-2400-4E211CE80530}"/>
-              </a:ext>
-            </a:extLst>
-          </p:cNvPr>
-          <p:cNvGrpSpPr/>
-          <p:nvPr/>
-        </p:nvGrpSpPr>
-        <p:grpSpPr>
-          <a:xfrm>
-            <a:off x="1561887" y="1588638"/>
-            <a:ext cx="8865896" cy="923330"/>
-            <a:chOff x="1796937" y="1751308"/>
-            <a:chExt cx="8865896" cy="923330"/>
-          </a:xfrm>
-        </p:grpSpPr>
-        <p:sp>
-          <p:nvSpPr>
-            <p:cNvPr id="10" name="TextBox 9">
-              <a:extLst>
-                <a:ext uri="{FF2B5EF4-FFF2-40B4-BE49-F238E27FC236}">
-                  <a16:creationId xmlns:a16="http://schemas.microsoft.com/office/drawing/2014/main" id="{88DF7B17-3E81-09C0-3D2D-EE677933108B}"/>
-                </a:ext>
-              </a:extLst>
-            </p:cNvPr>
-            <p:cNvSpPr txBox="1"/>
-            <p:nvPr/>
-          </p:nvSpPr>
-          <p:spPr>
-            <a:xfrm>
-              <a:off x="2446148" y="1751308"/>
-              <a:ext cx="8216685" cy="923330"/>
-            </a:xfrm>
-            <a:prstGeom prst="rect">
-              <a:avLst/>
-            </a:prstGeom>
-            <a:noFill/>
-          </p:spPr>
-          <p:txBody>
-            <a:bodyPr wrap="square" rtlCol="0">
-              <a:spAutoFit/>
-            </a:bodyPr>
-            <a:lstStyle/>
-            <a:p>
-              <a:r>
-                <a:rPr lang="en-US" dirty="0"/>
-                <a:t>A</a:t>
-              </a:r>
-              <a:r>
-                <a:rPr lang="en-US" b="1" dirty="0"/>
-                <a:t>DVENTURE, ACTION, COMEDY </a:t>
-              </a:r>
-              <a:r>
-                <a:rPr lang="en-US" dirty="0"/>
-                <a:t>– HIGH REVIEWS, HIGH PROFITS CONSISTENT</a:t>
-              </a:r>
-            </a:p>
-            <a:p>
-              <a:r>
-                <a:rPr lang="en-US" dirty="0"/>
-                <a:t>			     – DRAMA COMBINATIONS ARE RARE TO BE HIGHLY 			         PROFITABLE </a:t>
-              </a:r>
-            </a:p>
-          </p:txBody>
-        </p:sp>
-        <p:pic>
-          <p:nvPicPr>
-            <p:cNvPr id="11" name="Picture 10" descr="Focus Vector SVG Icon (17) - SVG Repo">
-              <a:extLst>
-                <a:ext uri="{FF2B5EF4-FFF2-40B4-BE49-F238E27FC236}">
-                  <a16:creationId xmlns:a16="http://schemas.microsoft.com/office/drawing/2014/main" id="{C23C100A-A259-2FF3-FB0E-56E437608BC6}"/>
-                </a:ext>
-              </a:extLst>
-            </p:cNvPr>
-            <p:cNvPicPr>
-              <a:picLocks noChangeAspect="1" noChangeArrowheads="1"/>
-            </p:cNvPicPr>
-            <p:nvPr/>
-          </p:nvPicPr>
-          <p:blipFill>
-            <a:blip r:embed="rId3">
-              <a:extLst>
-                <a:ext uri="{28A0092B-C50C-407E-A947-70E740481C1C}">
-                  <a14:useLocalDpi xmlns:a14="http://schemas.microsoft.com/office/drawing/2010/main" val="0"/>
-                </a:ext>
-              </a:extLst>
-            </a:blip>
-            <a:srcRect/>
-            <a:stretch>
-              <a:fillRect/>
-            </a:stretch>
-          </p:blipFill>
-          <p:spPr bwMode="auto">
-            <a:xfrm>
-              <a:off x="1796937" y="1802771"/>
-              <a:ext cx="543404" cy="543404"/>
-            </a:xfrm>
-            <a:prstGeom prst="rect">
-              <a:avLst/>
-            </a:prstGeom>
-            <a:noFill/>
-            <a:extLst>
-              <a:ext uri="{909E8E84-426E-40DD-AFC4-6F175D3DCCD1}">
-                <a14:hiddenFill xmlns:a14="http://schemas.microsoft.com/office/drawing/2010/main">
-                  <a:solidFill>
-                    <a:srgbClr val="FFFFFF"/>
-                  </a:solidFill>
-                </a14:hiddenFill>
-              </a:ext>
-            </a:extLst>
-          </p:spPr>
-        </p:pic>
-      </p:grpSp>
-      <p:grpSp>
-        <p:nvGrpSpPr>
-          <p:cNvPr id="12" name="Group 11">
-            <a:extLst>
-              <a:ext uri="{FF2B5EF4-FFF2-40B4-BE49-F238E27FC236}">
-                <a16:creationId xmlns:a16="http://schemas.microsoft.com/office/drawing/2014/main" id="{12A05DD0-8279-24F3-F1D8-CD757E2A676F}"/>
-              </a:ext>
-            </a:extLst>
-          </p:cNvPr>
-          <p:cNvGrpSpPr/>
-          <p:nvPr/>
-        </p:nvGrpSpPr>
-        <p:grpSpPr>
-          <a:xfrm>
-            <a:off x="1530134" y="3153102"/>
-            <a:ext cx="8928645" cy="861196"/>
-            <a:chOff x="1734188" y="2682798"/>
-            <a:chExt cx="8928645" cy="861196"/>
-          </a:xfrm>
-        </p:grpSpPr>
-        <p:pic>
-          <p:nvPicPr>
-            <p:cNvPr id="13" name="Picture 6" descr="global icon vector 3">
-              <a:extLst>
-                <a:ext uri="{FF2B5EF4-FFF2-40B4-BE49-F238E27FC236}">
-                  <a16:creationId xmlns:a16="http://schemas.microsoft.com/office/drawing/2014/main" id="{DE314E3D-E9B9-D5DC-23A6-56C0AE9A98C5}"/>
-                </a:ext>
-              </a:extLst>
-            </p:cNvPr>
-            <p:cNvPicPr>
-              <a:picLocks noChangeAspect="1" noChangeArrowheads="1"/>
-            </p:cNvPicPr>
-            <p:nvPr/>
-          </p:nvPicPr>
-          <p:blipFill>
-            <a:blip r:embed="rId4">
-              <a:extLst>
-                <a:ext uri="{28A0092B-C50C-407E-A947-70E740481C1C}">
-                  <a14:useLocalDpi xmlns:a14="http://schemas.microsoft.com/office/drawing/2010/main" val="0"/>
-                </a:ext>
-              </a:extLst>
-            </a:blip>
-            <a:srcRect/>
-            <a:stretch>
-              <a:fillRect/>
-            </a:stretch>
-          </p:blipFill>
-          <p:spPr bwMode="auto">
-            <a:xfrm>
-              <a:off x="1734188" y="2682798"/>
-              <a:ext cx="657332" cy="657332"/>
-            </a:xfrm>
-            <a:prstGeom prst="rect">
-              <a:avLst/>
-            </a:prstGeom>
-            <a:noFill/>
-            <a:extLst>
-              <a:ext uri="{909E8E84-426E-40DD-AFC4-6F175D3DCCD1}">
-                <a14:hiddenFill xmlns:a14="http://schemas.microsoft.com/office/drawing/2010/main">
-                  <a:solidFill>
-                    <a:srgbClr val="FFFFFF"/>
-                  </a:solidFill>
-                </a14:hiddenFill>
-              </a:ext>
-            </a:extLst>
-          </p:spPr>
-        </p:pic>
-        <p:sp>
-          <p:nvSpPr>
-            <p:cNvPr id="14" name="TextBox 13">
-              <a:extLst>
-                <a:ext uri="{FF2B5EF4-FFF2-40B4-BE49-F238E27FC236}">
-                  <a16:creationId xmlns:a16="http://schemas.microsoft.com/office/drawing/2014/main" id="{204F49E0-ABE1-960F-F691-A5F9CC39DA1D}"/>
-                </a:ext>
-              </a:extLst>
-            </p:cNvPr>
-            <p:cNvSpPr txBox="1"/>
-            <p:nvPr/>
-          </p:nvSpPr>
-          <p:spPr>
-            <a:xfrm>
-              <a:off x="2446148" y="2897663"/>
-              <a:ext cx="8216685" cy="646331"/>
-            </a:xfrm>
-            <a:prstGeom prst="rect">
-              <a:avLst/>
-            </a:prstGeom>
-            <a:noFill/>
-          </p:spPr>
-          <p:txBody>
-            <a:bodyPr wrap="square" rtlCol="0">
-              <a:spAutoFit/>
-            </a:bodyPr>
-            <a:lstStyle/>
-            <a:p>
-              <a:r>
-                <a:rPr lang="en-US" b="1" dirty="0"/>
-                <a:t>MOVIE SHOULD BE LAUNCHED INTERNATIONALLY </a:t>
-              </a:r>
-              <a:r>
-                <a:rPr lang="en-US" dirty="0"/>
-                <a:t>– ENSURES HIGH PROFITS WITH 					      HIGH EXPOSURE FOR 1</a:t>
-              </a:r>
-              <a:r>
-                <a:rPr lang="en-US" baseline="30000" dirty="0"/>
-                <a:t>ST</a:t>
-              </a:r>
-              <a:r>
-                <a:rPr lang="en-US" dirty="0"/>
-                <a:t> LAUNCH</a:t>
-              </a:r>
-              <a:endParaRPr lang="en-US" b="1" dirty="0"/>
-            </a:p>
-          </p:txBody>
-        </p:sp>
-      </p:grpSp>
-      <p:grpSp>
-        <p:nvGrpSpPr>
-          <p:cNvPr id="15" name="Group 14">
-            <a:extLst>
-              <a:ext uri="{FF2B5EF4-FFF2-40B4-BE49-F238E27FC236}">
-                <a16:creationId xmlns:a16="http://schemas.microsoft.com/office/drawing/2014/main" id="{B6F4A964-5818-270D-3E62-D9AEB8E5DF36}"/>
-              </a:ext>
-            </a:extLst>
-          </p:cNvPr>
-          <p:cNvGrpSpPr/>
-          <p:nvPr/>
-        </p:nvGrpSpPr>
-        <p:grpSpPr>
-          <a:xfrm>
-            <a:off x="1545632" y="4648486"/>
-            <a:ext cx="9324789" cy="923330"/>
-            <a:chOff x="1681591" y="3674031"/>
-            <a:chExt cx="9324789" cy="923330"/>
-          </a:xfrm>
-        </p:grpSpPr>
-        <p:pic>
-          <p:nvPicPr>
-            <p:cNvPr id="16" name="Picture 15">
-              <a:extLst>
-                <a:ext uri="{FF2B5EF4-FFF2-40B4-BE49-F238E27FC236}">
-                  <a16:creationId xmlns:a16="http://schemas.microsoft.com/office/drawing/2014/main" id="{9ED96708-C95A-0663-58E9-BD35F30A5C06}"/>
-                </a:ext>
-              </a:extLst>
-            </p:cNvPr>
-            <p:cNvPicPr>
-              <a:picLocks noChangeAspect="1"/>
-            </p:cNvPicPr>
-            <p:nvPr/>
-          </p:nvPicPr>
-          <p:blipFill>
-            <a:blip r:embed="rId5"/>
-            <a:stretch>
-              <a:fillRect/>
-            </a:stretch>
-          </p:blipFill>
-          <p:spPr>
-            <a:xfrm>
-              <a:off x="1681591" y="3676753"/>
-              <a:ext cx="764557" cy="641850"/>
-            </a:xfrm>
-            <a:prstGeom prst="rect">
-              <a:avLst/>
-            </a:prstGeom>
-          </p:spPr>
-        </p:pic>
-        <p:sp>
-          <p:nvSpPr>
-            <p:cNvPr id="17" name="TextBox 16">
-              <a:extLst>
-                <a:ext uri="{FF2B5EF4-FFF2-40B4-BE49-F238E27FC236}">
-                  <a16:creationId xmlns:a16="http://schemas.microsoft.com/office/drawing/2014/main" id="{6EBA58B4-2215-EAC7-02D5-348F5B55B8FE}"/>
-                </a:ext>
-              </a:extLst>
-            </p:cNvPr>
-            <p:cNvSpPr txBox="1"/>
-            <p:nvPr/>
-          </p:nvSpPr>
-          <p:spPr>
-            <a:xfrm>
-              <a:off x="2446148" y="3674031"/>
-              <a:ext cx="8560232" cy="923330"/>
-            </a:xfrm>
-            <a:prstGeom prst="rect">
-              <a:avLst/>
-            </a:prstGeom>
-            <a:noFill/>
-          </p:spPr>
-          <p:txBody>
-            <a:bodyPr wrap="square" rtlCol="0">
-              <a:spAutoFit/>
-            </a:bodyPr>
-            <a:lstStyle/>
-            <a:p>
-              <a:r>
-                <a:rPr lang="en-US" b="1" dirty="0"/>
-                <a:t>BEST ROI DOMESTIC AND FOREIGN MARKETS </a:t>
-              </a:r>
-              <a:r>
-                <a:rPr lang="en-US" dirty="0"/>
-                <a:t>–  DOMESTRIC LAUNCH FIRST WILL 					                 ENSURE NET POSITIVE AND CREATE HYPE  </a:t>
-              </a:r>
-              <a:endParaRPr lang="en-US" b="1" dirty="0"/>
-            </a:p>
-            <a:p>
-              <a:endParaRPr lang="en-US" dirty="0"/>
-            </a:p>
-          </p:txBody>
-        </p:sp>
-      </p:grpSp>
-    </p:spTree>
-    <p:extLst>
-      <p:ext uri="{BB962C8B-B14F-4D97-AF65-F5344CB8AC3E}">
-        <p14:creationId xmlns:p14="http://schemas.microsoft.com/office/powerpoint/2010/main" val="1424002320"/>
-      </p:ext>
-    </p:extLst>
-  </p:cSld>
-  <p:clrMapOvr>
-    <a:masterClrMapping/>
-  </p:clrMapOvr>
-</p:sld>
-</file>
-
-<file path=ppt/slides/slide15.xml><?xml version="1.0" encoding="utf-8"?>
-<p:sld xmlns:a="http://schemas.openxmlformats.org/drawingml/2006/main" xmlns:r="http://schemas.openxmlformats.org/officeDocument/2006/relationships" xmlns:p="http://schemas.openxmlformats.org/presentationml/2006/main">
-  <p:cSld>
-    <p:spTree>
-      <p:nvGrpSpPr>
-        <p:cNvPr id="1" name=""/>
-        <p:cNvGrpSpPr/>
-        <p:nvPr/>
-      </p:nvGrpSpPr>
-      <p:grpSpPr>
-        <a:xfrm>
-          <a:off x="0" y="0"/>
-          <a:ext cx="0" cy="0"/>
-          <a:chOff x="0" y="0"/>
-          <a:chExt cx="0" cy="0"/>
-        </a:xfrm>
-      </p:grpSpPr>
-      <p:sp>
-        <p:nvSpPr>
-          <p:cNvPr id="4" name="Footer Placeholder 3">
-            <a:extLst>
-              <a:ext uri="{FF2B5EF4-FFF2-40B4-BE49-F238E27FC236}">
-                <a16:creationId xmlns:a16="http://schemas.microsoft.com/office/drawing/2014/main" id="{45A6D8C2-A18C-1667-F396-D90502E35765}"/>
-              </a:ext>
-            </a:extLst>
-          </p:cNvPr>
-          <p:cNvSpPr>
-            <a:spLocks noGrp="1"/>
-          </p:cNvSpPr>
-          <p:nvPr>
-            <p:ph type="ftr" sz="quarter" idx="11"/>
-          </p:nvPr>
-        </p:nvSpPr>
-        <p:spPr/>
-        <p:txBody>
-          <a:bodyPr/>
-          <a:lstStyle/>
-          <a:p>
-            <a:endParaRPr lang="en-US"/>
-          </a:p>
-        </p:txBody>
-      </p:sp>
-      <p:sp>
-        <p:nvSpPr>
-          <p:cNvPr id="5" name="Slide Number Placeholder 4">
-            <a:extLst>
-              <a:ext uri="{FF2B5EF4-FFF2-40B4-BE49-F238E27FC236}">
-                <a16:creationId xmlns:a16="http://schemas.microsoft.com/office/drawing/2014/main" id="{6DCED200-8F39-6057-AB80-75AC563C2DE0}"/>
-              </a:ext>
-            </a:extLst>
-          </p:cNvPr>
-          <p:cNvSpPr>
-            <a:spLocks noGrp="1"/>
-          </p:cNvSpPr>
-          <p:nvPr>
-            <p:ph type="sldNum" sz="quarter" idx="12"/>
-          </p:nvPr>
-        </p:nvSpPr>
-        <p:spPr/>
-        <p:txBody>
-          <a:bodyPr/>
-          <a:lstStyle/>
-          <a:p>
-            <a:fld id="{9B1D7D9B-CDE6-6440-8F5F-ADF9B5401534}" type="slidenum">
-              <a:rPr lang="en-US" smtClean="0"/>
-              <a:t>15</a:t>
-            </a:fld>
-            <a:endParaRPr lang="en-US"/>
-          </a:p>
-        </p:txBody>
-      </p:sp>
-      <p:sp>
-        <p:nvSpPr>
-          <p:cNvPr id="6" name="Rectangle 5">
-            <a:extLst>
-              <a:ext uri="{FF2B5EF4-FFF2-40B4-BE49-F238E27FC236}">
-                <a16:creationId xmlns:a16="http://schemas.microsoft.com/office/drawing/2014/main" id="{35C7310C-A44D-A41C-2AA6-C4B691B1E910}"/>
-              </a:ext>
-            </a:extLst>
-          </p:cNvPr>
-          <p:cNvSpPr/>
-          <p:nvPr/>
-        </p:nvSpPr>
-        <p:spPr>
-          <a:xfrm>
-            <a:off x="4164543" y="2967335"/>
-            <a:ext cx="3862917" cy="923330"/>
-          </a:xfrm>
-          <a:prstGeom prst="rect">
-            <a:avLst/>
-          </a:prstGeom>
-          <a:noFill/>
-        </p:spPr>
-        <p:txBody>
-          <a:bodyPr wrap="none" lIns="91440" tIns="45720" rIns="91440" bIns="45720">
-            <a:spAutoFit/>
-          </a:bodyPr>
-          <a:lstStyle/>
-          <a:p>
-            <a:pPr algn="ctr"/>
-            <a:r>
-              <a:rPr lang="en-US" sz="5400" b="1" cap="none" spc="0" dirty="0">
-                <a:ln w="9525">
-                  <a:solidFill>
-                    <a:schemeClr val="bg1"/>
-                  </a:solidFill>
-                  <a:prstDash val="solid"/>
-                </a:ln>
-                <a:solidFill>
-                  <a:schemeClr val="tx1"/>
-                </a:solidFill>
-                <a:effectLst>
-                  <a:outerShdw blurRad="12700" dist="38100" dir="2700000" algn="tl" rotWithShape="0">
-                    <a:schemeClr val="bg1">
-                      <a:lumMod val="50000"/>
-                    </a:schemeClr>
-                  </a:outerShdw>
-                </a:effectLst>
-              </a:rPr>
-              <a:t>QUESTIONS?</a:t>
-            </a:r>
-          </a:p>
-        </p:txBody>
-      </p:sp>
-    </p:spTree>
-    <p:extLst>
-      <p:ext uri="{BB962C8B-B14F-4D97-AF65-F5344CB8AC3E}">
-        <p14:creationId xmlns:p14="http://schemas.microsoft.com/office/powerpoint/2010/main" val="2238741624"/>
-      </p:ext>
-    </p:extLst>
-  </p:cSld>
-  <p:clrMapOvr>
-    <a:masterClrMapping/>
-  </p:clrMapOvr>
-</p:sld>
-</file>
-
-<file path=ppt/slides/slide16.xml><?xml version="1.0" encoding="utf-8"?>
-<p:sld xmlns:a="http://schemas.openxmlformats.org/drawingml/2006/main" xmlns:r="http://schemas.openxmlformats.org/officeDocument/2006/relationships" xmlns:p="http://schemas.openxmlformats.org/presentationml/2006/main">
-  <p:cSld>
-    <p:spTree>
-      <p:nvGrpSpPr>
-        <p:cNvPr id="1" name=""/>
-        <p:cNvGrpSpPr/>
-        <p:nvPr/>
-      </p:nvGrpSpPr>
-      <p:grpSpPr>
-        <a:xfrm>
-          <a:off x="0" y="0"/>
-          <a:ext cx="0" cy="0"/>
-          <a:chOff x="0" y="0"/>
-          <a:chExt cx="0" cy="0"/>
-        </a:xfrm>
-      </p:grpSpPr>
-      <p:pic>
-        <p:nvPicPr>
-          <p:cNvPr id="1028" name="Picture 4">
-            <a:extLst>
-              <a:ext uri="{FF2B5EF4-FFF2-40B4-BE49-F238E27FC236}">
-                <a16:creationId xmlns:a16="http://schemas.microsoft.com/office/drawing/2014/main" id="{B80308AE-ADD6-0890-6A1A-E406FDA65BDA}"/>
-              </a:ext>
-            </a:extLst>
-          </p:cNvPr>
-          <p:cNvPicPr>
-            <a:picLocks noChangeAspect="1" noChangeArrowheads="1"/>
-          </p:cNvPicPr>
-          <p:nvPr/>
-        </p:nvPicPr>
-        <p:blipFill>
-          <a:blip r:embed="rId2">
-            <a:extLst>
-              <a:ext uri="{28A0092B-C50C-407E-A947-70E740481C1C}">
-                <a14:useLocalDpi xmlns:a14="http://schemas.microsoft.com/office/drawing/2010/main" val="0"/>
-              </a:ext>
-            </a:extLst>
-          </a:blip>
-          <a:srcRect/>
-          <a:stretch>
-            <a:fillRect/>
-          </a:stretch>
-        </p:blipFill>
-        <p:spPr bwMode="auto">
-          <a:xfrm>
-            <a:off x="1699054" y="1409658"/>
-            <a:ext cx="8793892" cy="2506488"/>
-          </a:xfrm>
-          <a:prstGeom prst="rect">
-            <a:avLst/>
-          </a:prstGeom>
-          <a:noFill/>
-          <a:extLst>
-            <a:ext uri="{909E8E84-426E-40DD-AFC4-6F175D3DCCD1}">
-              <a14:hiddenFill xmlns:a14="http://schemas.microsoft.com/office/drawing/2010/main">
-                <a:solidFill>
-                  <a:srgbClr val="FFFFFF"/>
-                </a:solidFill>
-              </a14:hiddenFill>
-            </a:ext>
-          </a:extLst>
-        </p:spPr>
-      </p:pic>
-      <p:sp>
-        <p:nvSpPr>
-          <p:cNvPr id="4" name="TextBox 3">
-            <a:extLst>
-              <a:ext uri="{FF2B5EF4-FFF2-40B4-BE49-F238E27FC236}">
-                <a16:creationId xmlns:a16="http://schemas.microsoft.com/office/drawing/2014/main" id="{D3AF372C-C3A7-B405-E45F-7DDC1E3CDD25}"/>
-              </a:ext>
-            </a:extLst>
-          </p:cNvPr>
-          <p:cNvSpPr txBox="1"/>
-          <p:nvPr/>
-        </p:nvSpPr>
-        <p:spPr>
-          <a:xfrm>
-            <a:off x="1902941" y="3916146"/>
-            <a:ext cx="7933037" cy="2123658"/>
-          </a:xfrm>
-          <a:prstGeom prst="rect">
-            <a:avLst/>
-          </a:prstGeom>
-          <a:noFill/>
-        </p:spPr>
-        <p:txBody>
-          <a:bodyPr wrap="square" rtlCol="0">
-            <a:spAutoFit/>
-          </a:bodyPr>
-          <a:lstStyle/>
-          <a:p>
-            <a:pPr algn="ctr"/>
-            <a:r>
-              <a:rPr lang="en-US" sz="2400" dirty="0"/>
-              <a:t>MOVIE EXPLORATION PROJECT</a:t>
-            </a:r>
-          </a:p>
-          <a:p>
-            <a:endParaRPr lang="en-US" dirty="0"/>
-          </a:p>
-          <a:p>
-            <a:pPr algn="ctr"/>
-            <a:r>
-              <a:rPr lang="en-US" dirty="0"/>
-              <a:t>SHAYAN ABDUL KARIM KHAN</a:t>
-            </a:r>
-          </a:p>
-          <a:p>
-            <a:pPr algn="ctr"/>
-            <a:endParaRPr lang="en-US" dirty="0"/>
-          </a:p>
-          <a:p>
-            <a:pPr algn="ctr"/>
-            <a:r>
-              <a:rPr lang="en-US" dirty="0"/>
-              <a:t>08/24/2022</a:t>
-            </a:r>
-          </a:p>
-          <a:p>
-            <a:endParaRPr lang="en-US" dirty="0"/>
-          </a:p>
-          <a:p>
-            <a:endParaRPr lang="en-US" dirty="0"/>
-          </a:p>
-        </p:txBody>
-      </p:sp>
-      <p:sp>
-        <p:nvSpPr>
-          <p:cNvPr id="5" name="Footer Placeholder 4">
-            <a:extLst>
-              <a:ext uri="{FF2B5EF4-FFF2-40B4-BE49-F238E27FC236}">
-                <a16:creationId xmlns:a16="http://schemas.microsoft.com/office/drawing/2014/main" id="{E390E4A7-C395-B06E-5FCD-44AEC9F1C3F5}"/>
-              </a:ext>
-            </a:extLst>
-          </p:cNvPr>
-          <p:cNvSpPr>
-            <a:spLocks noGrp="1"/>
-          </p:cNvSpPr>
-          <p:nvPr>
-            <p:ph type="ftr" sz="quarter" idx="11"/>
-          </p:nvPr>
-        </p:nvSpPr>
-        <p:spPr/>
-        <p:txBody>
-          <a:bodyPr/>
-          <a:lstStyle/>
-          <a:p>
-            <a:endParaRPr lang="en-US"/>
-          </a:p>
-        </p:txBody>
-      </p:sp>
-      <p:sp>
-        <p:nvSpPr>
-          <p:cNvPr id="6" name="Slide Number Placeholder 5">
-            <a:extLst>
-              <a:ext uri="{FF2B5EF4-FFF2-40B4-BE49-F238E27FC236}">
-                <a16:creationId xmlns:a16="http://schemas.microsoft.com/office/drawing/2014/main" id="{E67300C4-A02A-38EF-9739-A236A96AFC74}"/>
-              </a:ext>
-            </a:extLst>
-          </p:cNvPr>
-          <p:cNvSpPr>
-            <a:spLocks noGrp="1"/>
-          </p:cNvSpPr>
-          <p:nvPr>
-            <p:ph type="sldNum" sz="quarter" idx="12"/>
-          </p:nvPr>
-        </p:nvSpPr>
-        <p:spPr/>
-        <p:txBody>
-          <a:bodyPr/>
-          <a:lstStyle/>
-          <a:p>
-            <a:fld id="{9B1D7D9B-CDE6-6440-8F5F-ADF9B5401534}" type="slidenum">
-              <a:rPr lang="en-US" smtClean="0"/>
-              <a:t>16</a:t>
-            </a:fld>
-            <a:endParaRPr lang="en-US"/>
-          </a:p>
-        </p:txBody>
-      </p:sp>
-    </p:spTree>
-    <p:extLst>
-      <p:ext uri="{BB962C8B-B14F-4D97-AF65-F5344CB8AC3E}">
-        <p14:creationId xmlns:p14="http://schemas.microsoft.com/office/powerpoint/2010/main" val="3319500957"/>
+        <p14:creationId xmlns:p14="http://schemas.microsoft.com/office/powerpoint/2010/main" val="4231626600"/>
       </p:ext>
     </p:extLst>
   </p:cSld>
@@ -7580,6 +8048,24 @@
           <a:p>
             <a:pPr algn="ctr"/>
             <a:r>
+              <a:rPr lang="en-US" sz="2800" b="1" dirty="0">
+                <a:ln w="9525">
+                  <a:solidFill>
+                    <a:schemeClr val="bg1"/>
+                  </a:solidFill>
+                  <a:prstDash val="solid"/>
+                </a:ln>
+                <a:effectLst>
+                  <a:outerShdw blurRad="12700" dist="38100" dir="2700000" algn="tl" rotWithShape="0">
+                    <a:schemeClr val="bg1">
+                      <a:lumMod val="50000"/>
+                    </a:schemeClr>
+                  </a:outerShdw>
+                </a:effectLst>
+              </a:rPr>
+              <a:t>~</a:t>
+            </a:r>
+            <a:r>
               <a:rPr lang="en-US" sz="2800" b="1" cap="none" spc="0" dirty="0">
                 <a:ln w="9525">
                   <a:solidFill>
@@ -7598,7 +8084,7 @@
                   </a:outerShdw>
                 </a:effectLst>
               </a:rPr>
-              <a:t>&gt; 25 Million people in US &amp; Canada</a:t>
+              <a:t> 265 Million people in US &amp; Canada</a:t>
             </a:r>
           </a:p>
         </p:txBody>
@@ -7618,7 +8104,7 @@
         <p:spPr>
           <a:xfrm>
             <a:off x="8024519" y="5184487"/>
-            <a:ext cx="3792754" cy="954107"/>
+            <a:ext cx="3792754" cy="1384995"/>
           </a:xfrm>
           <a:prstGeom prst="rect">
             <a:avLst/>
@@ -7651,33 +8137,8 @@
                   </a:outerShdw>
                 </a:effectLst>
               </a:rPr>
-              <a:t>~ $12 Billion Box Office Revenue</a:t>
+              <a:t>~ $12 Billion Box Office Revenue in US &amp; Canada</a:t>
             </a:r>
-          </a:p>
-        </p:txBody>
-      </p:sp>
-      <p:sp>
-        <p:nvSpPr>
-          <p:cNvPr id="10" name="Footer Placeholder 9">
-            <a:extLst>
-              <a:ext uri="{FF2B5EF4-FFF2-40B4-BE49-F238E27FC236}">
-                <a16:creationId xmlns:a16="http://schemas.microsoft.com/office/drawing/2014/main" id="{30412D70-BBF1-1A5C-6867-B3A973A7B135}"/>
-              </a:ext>
-            </a:extLst>
-          </p:cNvPr>
-          <p:cNvSpPr>
-            <a:spLocks noGrp="1"/>
-          </p:cNvSpPr>
-          <p:nvPr>
-            <p:ph type="ftr" sz="quarter" idx="11"/>
-          </p:nvPr>
-        </p:nvSpPr>
-        <p:spPr/>
-        <p:txBody>
-          <a:bodyPr/>
-          <a:lstStyle/>
-          <a:p>
-            <a:endParaRPr lang="en-US"/>
           </a:p>
         </p:txBody>
       </p:sp>
@@ -9818,7 +10279,7 @@
                       </a:outerShdw>
                     </a:effectLst>
                   </a:rPr>
-                  <a:t>IMPACTFUL MARKET ENTRY</a:t>
+                  <a:t>DOMESTIC VS FOREIGN LAUNCH</a:t>
                 </a:r>
               </a:p>
             </p:txBody>
@@ -10013,7 +10474,7 @@
         </p:blipFill>
         <p:spPr>
           <a:xfrm>
-            <a:off x="7273635" y="4811841"/>
+            <a:off x="8065635" y="4811841"/>
             <a:ext cx="1274619" cy="914400"/>
           </a:xfrm>
           <a:prstGeom prst="rect">
@@ -10107,7 +10568,7 @@
         </p:nvSpPr>
         <p:spPr>
           <a:xfrm>
-            <a:off x="8548254" y="5009783"/>
+            <a:off x="9246654" y="5009783"/>
             <a:ext cx="3545403" cy="461665"/>
           </a:xfrm>
           <a:prstGeom prst="rect">
@@ -10132,7 +10593,7 @@
                   </a:outerShdw>
                 </a:effectLst>
               </a:rPr>
-              <a:t>GLOBAL FOOTPRINT</a:t>
+              <a:t>GLOBAL PROFITS</a:t>
             </a:r>
           </a:p>
         </p:txBody>
@@ -10165,7 +10626,7 @@
         </p:blipFill>
         <p:spPr>
           <a:xfrm>
-            <a:off x="9406555" y="5403078"/>
+            <a:off x="9890354" y="5362119"/>
             <a:ext cx="914400" cy="914400"/>
           </a:xfrm>
           <a:prstGeom prst="rect">
@@ -10257,641 +10718,6 @@
           <a:chExt cx="0" cy="0"/>
         </a:xfrm>
       </p:grpSpPr>
-      <p:grpSp>
-        <p:nvGrpSpPr>
-          <p:cNvPr id="9" name="Group 8">
-            <a:extLst>
-              <a:ext uri="{FF2B5EF4-FFF2-40B4-BE49-F238E27FC236}">
-                <a16:creationId xmlns:a16="http://schemas.microsoft.com/office/drawing/2014/main" id="{B97C2613-B9C3-D1C4-65E9-43397F5C32EA}"/>
-              </a:ext>
-            </a:extLst>
-          </p:cNvPr>
-          <p:cNvGrpSpPr/>
-          <p:nvPr/>
-        </p:nvGrpSpPr>
-        <p:grpSpPr>
-          <a:xfrm>
-            <a:off x="1623101" y="537565"/>
-            <a:ext cx="8954753" cy="1684080"/>
-            <a:chOff x="1623101" y="432635"/>
-            <a:chExt cx="8954753" cy="1684080"/>
-          </a:xfrm>
-        </p:grpSpPr>
-        <p:pic>
-          <p:nvPicPr>
-            <p:cNvPr id="5122" name="Picture 2" descr="Indicators Vector Icons free download in SVG, PNG Format">
-              <a:extLst>
-                <a:ext uri="{FF2B5EF4-FFF2-40B4-BE49-F238E27FC236}">
-                  <a16:creationId xmlns:a16="http://schemas.microsoft.com/office/drawing/2014/main" id="{3ECB2DFF-E823-8EBE-9CF4-1C558FF5ABF8}"/>
-                </a:ext>
-              </a:extLst>
-            </p:cNvPr>
-            <p:cNvPicPr>
-              <a:picLocks noChangeAspect="1" noChangeArrowheads="1"/>
-            </p:cNvPicPr>
-            <p:nvPr/>
-          </p:nvPicPr>
-          <p:blipFill>
-            <a:blip r:embed="rId2">
-              <a:extLst>
-                <a:ext uri="{28A0092B-C50C-407E-A947-70E740481C1C}">
-                  <a14:useLocalDpi xmlns:a14="http://schemas.microsoft.com/office/drawing/2010/main" val="0"/>
-                </a:ext>
-              </a:extLst>
-            </a:blip>
-            <a:srcRect/>
-            <a:stretch>
-              <a:fillRect/>
-            </a:stretch>
-          </p:blipFill>
-          <p:spPr bwMode="auto">
-            <a:xfrm>
-              <a:off x="8160479" y="432635"/>
-              <a:ext cx="1484026" cy="1484026"/>
-            </a:xfrm>
-            <a:prstGeom prst="rect">
-              <a:avLst/>
-            </a:prstGeom>
-            <a:noFill/>
-            <a:extLst>
-              <a:ext uri="{909E8E84-426E-40DD-AFC4-6F175D3DCCD1}">
-                <a14:hiddenFill xmlns:a14="http://schemas.microsoft.com/office/drawing/2010/main">
-                  <a:solidFill>
-                    <a:srgbClr val="FFFFFF"/>
-                  </a:solidFill>
-                </a14:hiddenFill>
-              </a:ext>
-            </a:extLst>
-          </p:spPr>
-        </p:pic>
-        <p:pic>
-          <p:nvPicPr>
-            <p:cNvPr id="4" name="Picture 2" descr="Indicators Vector Icons free download in SVG, PNG Format">
-              <a:extLst>
-                <a:ext uri="{FF2B5EF4-FFF2-40B4-BE49-F238E27FC236}">
-                  <a16:creationId xmlns:a16="http://schemas.microsoft.com/office/drawing/2014/main" id="{3B2D643A-9985-B5F3-FA21-5756C192AC10}"/>
-                </a:ext>
-              </a:extLst>
-            </p:cNvPr>
-            <p:cNvPicPr>
-              <a:picLocks noChangeAspect="1" noChangeArrowheads="1"/>
-            </p:cNvPicPr>
-            <p:nvPr/>
-          </p:nvPicPr>
-          <p:blipFill>
-            <a:blip r:embed="rId2">
-              <a:extLst>
-                <a:ext uri="{28A0092B-C50C-407E-A947-70E740481C1C}">
-                  <a14:useLocalDpi xmlns:a14="http://schemas.microsoft.com/office/drawing/2010/main" val="0"/>
-                </a:ext>
-              </a:extLst>
-            </a:blip>
-            <a:srcRect/>
-            <a:stretch>
-              <a:fillRect/>
-            </a:stretch>
-          </p:blipFill>
-          <p:spPr bwMode="auto">
-            <a:xfrm>
-              <a:off x="2547497" y="432635"/>
-              <a:ext cx="1484026" cy="1484026"/>
-            </a:xfrm>
-            <a:prstGeom prst="rect">
-              <a:avLst/>
-            </a:prstGeom>
-            <a:noFill/>
-            <a:extLst>
-              <a:ext uri="{909E8E84-426E-40DD-AFC4-6F175D3DCCD1}">
-                <a14:hiddenFill xmlns:a14="http://schemas.microsoft.com/office/drawing/2010/main">
-                  <a:solidFill>
-                    <a:srgbClr val="FFFFFF"/>
-                  </a:solidFill>
-                </a14:hiddenFill>
-              </a:ext>
-            </a:extLst>
-          </p:spPr>
-        </p:pic>
-        <p:sp>
-          <p:nvSpPr>
-            <p:cNvPr id="7" name="Rectangle 6">
-              <a:extLst>
-                <a:ext uri="{FF2B5EF4-FFF2-40B4-BE49-F238E27FC236}">
-                  <a16:creationId xmlns:a16="http://schemas.microsoft.com/office/drawing/2014/main" id="{B9FE9552-46C5-1692-74D4-900B42151223}"/>
-                </a:ext>
-              </a:extLst>
-            </p:cNvPr>
-            <p:cNvSpPr/>
-            <p:nvPr/>
-          </p:nvSpPr>
-          <p:spPr>
-            <a:xfrm>
-              <a:off x="1623101" y="1593495"/>
-              <a:ext cx="3332817" cy="523220"/>
-            </a:xfrm>
-            <a:prstGeom prst="rect">
-              <a:avLst/>
-            </a:prstGeom>
-            <a:noFill/>
-          </p:spPr>
-          <p:txBody>
-            <a:bodyPr wrap="square" lIns="91440" tIns="45720" rIns="91440" bIns="45720">
-              <a:spAutoFit/>
-            </a:bodyPr>
-            <a:lstStyle/>
-            <a:p>
-              <a:pPr algn="ctr"/>
-              <a:r>
-                <a:rPr lang="en-US" sz="2800" b="1" dirty="0">
-                  <a:ln w="0"/>
-                  <a:effectLst>
-                    <a:outerShdw blurRad="38100" dist="19050" dir="2700000" algn="tl" rotWithShape="0">
-                      <a:schemeClr val="dk1">
-                        <a:alpha val="40000"/>
-                      </a:schemeClr>
-                    </a:outerShdw>
-                  </a:effectLst>
-                </a:rPr>
-                <a:t>MOVIE REVIEWS</a:t>
-              </a:r>
-            </a:p>
-          </p:txBody>
-        </p:sp>
-        <p:sp>
-          <p:nvSpPr>
-            <p:cNvPr id="8" name="Rectangle 7">
-              <a:extLst>
-                <a:ext uri="{FF2B5EF4-FFF2-40B4-BE49-F238E27FC236}">
-                  <a16:creationId xmlns:a16="http://schemas.microsoft.com/office/drawing/2014/main" id="{FE6D80FD-1CFD-4F26-CF9A-6FE277CD0FC3}"/>
-                </a:ext>
-              </a:extLst>
-            </p:cNvPr>
-            <p:cNvSpPr/>
-            <p:nvPr/>
-          </p:nvSpPr>
-          <p:spPr>
-            <a:xfrm>
-              <a:off x="7245037" y="1583042"/>
-              <a:ext cx="3332817" cy="523220"/>
-            </a:xfrm>
-            <a:prstGeom prst="rect">
-              <a:avLst/>
-            </a:prstGeom>
-            <a:noFill/>
-          </p:spPr>
-          <p:txBody>
-            <a:bodyPr wrap="square" lIns="91440" tIns="45720" rIns="91440" bIns="45720">
-              <a:spAutoFit/>
-            </a:bodyPr>
-            <a:lstStyle/>
-            <a:p>
-              <a:pPr algn="ctr"/>
-              <a:r>
-                <a:rPr lang="en-US" sz="2800" b="1" dirty="0">
-                  <a:ln w="0"/>
-                  <a:effectLst>
-                    <a:outerShdw blurRad="38100" dist="19050" dir="2700000" algn="tl" rotWithShape="0">
-                      <a:schemeClr val="dk1">
-                        <a:alpha val="40000"/>
-                      </a:schemeClr>
-                    </a:outerShdw>
-                  </a:effectLst>
-                </a:rPr>
-                <a:t>MOVIE PROFITS</a:t>
-              </a:r>
-            </a:p>
-          </p:txBody>
-        </p:sp>
-      </p:grpSp>
-      <p:sp>
-        <p:nvSpPr>
-          <p:cNvPr id="10" name="Down Arrow 9">
-            <a:extLst>
-              <a:ext uri="{FF2B5EF4-FFF2-40B4-BE49-F238E27FC236}">
-                <a16:creationId xmlns:a16="http://schemas.microsoft.com/office/drawing/2014/main" id="{73D2967B-C42D-55AC-08B1-4BF76D3053E4}"/>
-              </a:ext>
-            </a:extLst>
-          </p:cNvPr>
-          <p:cNvSpPr/>
-          <p:nvPr/>
-        </p:nvSpPr>
-        <p:spPr>
-          <a:xfrm>
-            <a:off x="5661285" y="2817175"/>
-            <a:ext cx="869430" cy="989351"/>
-          </a:xfrm>
-          <a:prstGeom prst="downArrow">
-            <a:avLst/>
-          </a:prstGeom>
-          <a:ln w="76200">
-            <a:solidFill>
-              <a:schemeClr val="tx1"/>
-            </a:solidFill>
-          </a:ln>
-        </p:spPr>
-        <p:style>
-          <a:lnRef idx="2">
-            <a:schemeClr val="accent6"/>
-          </a:lnRef>
-          <a:fillRef idx="1">
-            <a:schemeClr val="lt1"/>
-          </a:fillRef>
-          <a:effectRef idx="0">
-            <a:schemeClr val="accent6"/>
-          </a:effectRef>
-          <a:fontRef idx="minor">
-            <a:schemeClr val="dk1"/>
-          </a:fontRef>
-        </p:style>
-        <p:txBody>
-          <a:bodyPr rtlCol="0" anchor="ctr"/>
-          <a:lstStyle/>
-          <a:p>
-            <a:pPr algn="ctr"/>
-            <a:endParaRPr lang="en-US"/>
-          </a:p>
-        </p:txBody>
-      </p:sp>
-      <p:grpSp>
-        <p:nvGrpSpPr>
-          <p:cNvPr id="14" name="Group 13">
-            <a:extLst>
-              <a:ext uri="{FF2B5EF4-FFF2-40B4-BE49-F238E27FC236}">
-                <a16:creationId xmlns:a16="http://schemas.microsoft.com/office/drawing/2014/main" id="{2A6AA539-3C2C-DA84-46B1-2AAAB72440A2}"/>
-              </a:ext>
-            </a:extLst>
-          </p:cNvPr>
-          <p:cNvGrpSpPr/>
-          <p:nvPr/>
-        </p:nvGrpSpPr>
-        <p:grpSpPr>
-          <a:xfrm>
-            <a:off x="426386" y="4523272"/>
-            <a:ext cx="3332817" cy="1709587"/>
-            <a:chOff x="426386" y="3443990"/>
-            <a:chExt cx="3332817" cy="1709587"/>
-          </a:xfrm>
-        </p:grpSpPr>
-        <p:pic>
-          <p:nvPicPr>
-            <p:cNvPr id="5124" name="Picture 4" descr="Focus Vector SVG Icon (17) - SVG Repo">
-              <a:extLst>
-                <a:ext uri="{FF2B5EF4-FFF2-40B4-BE49-F238E27FC236}">
-                  <a16:creationId xmlns:a16="http://schemas.microsoft.com/office/drawing/2014/main" id="{12673DE3-7AF4-48AB-94EB-8E31FF38B656}"/>
-                </a:ext>
-              </a:extLst>
-            </p:cNvPr>
-            <p:cNvPicPr>
-              <a:picLocks noChangeAspect="1" noChangeArrowheads="1"/>
-            </p:cNvPicPr>
-            <p:nvPr/>
-          </p:nvPicPr>
-          <p:blipFill>
-            <a:blip r:embed="rId3">
-              <a:extLst>
-                <a:ext uri="{28A0092B-C50C-407E-A947-70E740481C1C}">
-                  <a14:useLocalDpi xmlns:a14="http://schemas.microsoft.com/office/drawing/2010/main" val="0"/>
-                </a:ext>
-              </a:extLst>
-            </a:blip>
-            <a:srcRect/>
-            <a:stretch>
-              <a:fillRect/>
-            </a:stretch>
-          </p:blipFill>
-          <p:spPr bwMode="auto">
-            <a:xfrm>
-              <a:off x="1481317" y="3443990"/>
-              <a:ext cx="958123" cy="958123"/>
-            </a:xfrm>
-            <a:prstGeom prst="rect">
-              <a:avLst/>
-            </a:prstGeom>
-            <a:noFill/>
-            <a:extLst>
-              <a:ext uri="{909E8E84-426E-40DD-AFC4-6F175D3DCCD1}">
-                <a14:hiddenFill xmlns:a14="http://schemas.microsoft.com/office/drawing/2010/main">
-                  <a:solidFill>
-                    <a:srgbClr val="FFFFFF"/>
-                  </a:solidFill>
-                </a14:hiddenFill>
-              </a:ext>
-            </a:extLst>
-          </p:spPr>
-        </p:pic>
-        <p:sp>
-          <p:nvSpPr>
-            <p:cNvPr id="11" name="Rectangle 10">
-              <a:extLst>
-                <a:ext uri="{FF2B5EF4-FFF2-40B4-BE49-F238E27FC236}">
-                  <a16:creationId xmlns:a16="http://schemas.microsoft.com/office/drawing/2014/main" id="{37048F9A-1C6C-3460-7E96-4698412E6E46}"/>
-                </a:ext>
-              </a:extLst>
-            </p:cNvPr>
-            <p:cNvSpPr/>
-            <p:nvPr/>
-          </p:nvSpPr>
-          <p:spPr>
-            <a:xfrm>
-              <a:off x="426386" y="4322580"/>
-              <a:ext cx="3332817" cy="830997"/>
-            </a:xfrm>
-            <a:prstGeom prst="rect">
-              <a:avLst/>
-            </a:prstGeom>
-            <a:noFill/>
-          </p:spPr>
-          <p:txBody>
-            <a:bodyPr wrap="square" lIns="91440" tIns="45720" rIns="91440" bIns="45720">
-              <a:spAutoFit/>
-            </a:bodyPr>
-            <a:lstStyle/>
-            <a:p>
-              <a:pPr algn="ctr"/>
-              <a:r>
-                <a:rPr lang="en-US" sz="2400" b="1" dirty="0">
-                  <a:ln w="0"/>
-                  <a:effectLst>
-                    <a:outerShdw blurRad="38100" dist="19050" dir="2700000" algn="tl" rotWithShape="0">
-                      <a:schemeClr val="dk1">
-                        <a:alpha val="40000"/>
-                      </a:schemeClr>
-                    </a:outerShdw>
-                  </a:effectLst>
-                </a:rPr>
-                <a:t>WHICH GENRES TO FOCUS ON?</a:t>
-              </a:r>
-            </a:p>
-          </p:txBody>
-        </p:sp>
-      </p:grpSp>
-      <p:grpSp>
-        <p:nvGrpSpPr>
-          <p:cNvPr id="15" name="Group 14">
-            <a:extLst>
-              <a:ext uri="{FF2B5EF4-FFF2-40B4-BE49-F238E27FC236}">
-                <a16:creationId xmlns:a16="http://schemas.microsoft.com/office/drawing/2014/main" id="{DC13CB72-F359-62AA-8D76-99E287C225A0}"/>
-              </a:ext>
-            </a:extLst>
-          </p:cNvPr>
-          <p:cNvGrpSpPr/>
-          <p:nvPr/>
-        </p:nvGrpSpPr>
-        <p:grpSpPr>
-          <a:xfrm>
-            <a:off x="4429591" y="4568242"/>
-            <a:ext cx="3332817" cy="1664616"/>
-            <a:chOff x="4429591" y="3488960"/>
-            <a:chExt cx="3332817" cy="1664616"/>
-          </a:xfrm>
-        </p:grpSpPr>
-        <p:pic>
-          <p:nvPicPr>
-            <p:cNvPr id="6" name="Picture 5">
-              <a:extLst>
-                <a:ext uri="{FF2B5EF4-FFF2-40B4-BE49-F238E27FC236}">
-                  <a16:creationId xmlns:a16="http://schemas.microsoft.com/office/drawing/2014/main" id="{948D3EDA-975C-DD10-2D48-EDEDBCBA1403}"/>
-                </a:ext>
-              </a:extLst>
-            </p:cNvPr>
-            <p:cNvPicPr>
-              <a:picLocks noChangeAspect="1"/>
-            </p:cNvPicPr>
-            <p:nvPr/>
-          </p:nvPicPr>
-          <p:blipFill>
-            <a:blip r:embed="rId4"/>
-            <a:stretch>
-              <a:fillRect/>
-            </a:stretch>
-          </p:blipFill>
-          <p:spPr>
-            <a:xfrm>
-              <a:off x="5581650" y="3488960"/>
-              <a:ext cx="1028700" cy="863600"/>
-            </a:xfrm>
-            <a:prstGeom prst="rect">
-              <a:avLst/>
-            </a:prstGeom>
-          </p:spPr>
-        </p:pic>
-        <p:sp>
-          <p:nvSpPr>
-            <p:cNvPr id="12" name="Rectangle 11">
-              <a:extLst>
-                <a:ext uri="{FF2B5EF4-FFF2-40B4-BE49-F238E27FC236}">
-                  <a16:creationId xmlns:a16="http://schemas.microsoft.com/office/drawing/2014/main" id="{EA9DDA6E-C9ED-DD64-32B4-B1A72E2DA3B0}"/>
-                </a:ext>
-              </a:extLst>
-            </p:cNvPr>
-            <p:cNvSpPr/>
-            <p:nvPr/>
-          </p:nvSpPr>
-          <p:spPr>
-            <a:xfrm>
-              <a:off x="4429591" y="4322579"/>
-              <a:ext cx="3332817" cy="830997"/>
-            </a:xfrm>
-            <a:prstGeom prst="rect">
-              <a:avLst/>
-            </a:prstGeom>
-            <a:noFill/>
-          </p:spPr>
-          <p:txBody>
-            <a:bodyPr wrap="square" lIns="91440" tIns="45720" rIns="91440" bIns="45720">
-              <a:spAutoFit/>
-            </a:bodyPr>
-            <a:lstStyle/>
-            <a:p>
-              <a:pPr algn="ctr"/>
-              <a:r>
-                <a:rPr lang="en-US" sz="2400" b="1" dirty="0">
-                  <a:ln w="0"/>
-                  <a:effectLst>
-                    <a:outerShdw blurRad="38100" dist="19050" dir="2700000" algn="tl" rotWithShape="0">
-                      <a:schemeClr val="dk1">
-                        <a:alpha val="40000"/>
-                      </a:schemeClr>
-                    </a:outerShdw>
-                  </a:effectLst>
-                </a:rPr>
-                <a:t>WHAT WOULD BE THE INITIAL INVESTMENT</a:t>
-              </a:r>
-            </a:p>
-          </p:txBody>
-        </p:sp>
-      </p:grpSp>
-      <p:grpSp>
-        <p:nvGrpSpPr>
-          <p:cNvPr id="16" name="Group 15">
-            <a:extLst>
-              <a:ext uri="{FF2B5EF4-FFF2-40B4-BE49-F238E27FC236}">
-                <a16:creationId xmlns:a16="http://schemas.microsoft.com/office/drawing/2014/main" id="{DA449856-F311-4CCC-DCA6-533AC8556D1F}"/>
-              </a:ext>
-            </a:extLst>
-          </p:cNvPr>
-          <p:cNvGrpSpPr/>
-          <p:nvPr/>
-        </p:nvGrpSpPr>
-        <p:grpSpPr>
-          <a:xfrm>
-            <a:off x="8565212" y="4523272"/>
-            <a:ext cx="3332817" cy="1739567"/>
-            <a:chOff x="8565212" y="3443990"/>
-            <a:chExt cx="3332817" cy="1739567"/>
-          </a:xfrm>
-        </p:grpSpPr>
-        <p:pic>
-          <p:nvPicPr>
-            <p:cNvPr id="5126" name="Picture 6" descr="global icon vector 3">
-              <a:extLst>
-                <a:ext uri="{FF2B5EF4-FFF2-40B4-BE49-F238E27FC236}">
-                  <a16:creationId xmlns:a16="http://schemas.microsoft.com/office/drawing/2014/main" id="{225E4886-5AFD-4073-82D9-54D4EBFCAF9E}"/>
-                </a:ext>
-              </a:extLst>
-            </p:cNvPr>
-            <p:cNvPicPr>
-              <a:picLocks noChangeAspect="1" noChangeArrowheads="1"/>
-            </p:cNvPicPr>
-            <p:nvPr/>
-          </p:nvPicPr>
-          <p:blipFill>
-            <a:blip r:embed="rId5">
-              <a:extLst>
-                <a:ext uri="{28A0092B-C50C-407E-A947-70E740481C1C}">
-                  <a14:useLocalDpi xmlns:a14="http://schemas.microsoft.com/office/drawing/2010/main" val="0"/>
-                </a:ext>
-              </a:extLst>
-            </a:blip>
-            <a:srcRect/>
-            <a:stretch>
-              <a:fillRect/>
-            </a:stretch>
-          </p:blipFill>
-          <p:spPr bwMode="auto">
-            <a:xfrm>
-              <a:off x="9752560" y="3443990"/>
-              <a:ext cx="958123" cy="958123"/>
-            </a:xfrm>
-            <a:prstGeom prst="rect">
-              <a:avLst/>
-            </a:prstGeom>
-            <a:noFill/>
-            <a:extLst>
-              <a:ext uri="{909E8E84-426E-40DD-AFC4-6F175D3DCCD1}">
-                <a14:hiddenFill xmlns:a14="http://schemas.microsoft.com/office/drawing/2010/main">
-                  <a:solidFill>
-                    <a:srgbClr val="FFFFFF"/>
-                  </a:solidFill>
-                </a14:hiddenFill>
-              </a:ext>
-            </a:extLst>
-          </p:spPr>
-        </p:pic>
-        <p:sp>
-          <p:nvSpPr>
-            <p:cNvPr id="13" name="Rectangle 12">
-              <a:extLst>
-                <a:ext uri="{FF2B5EF4-FFF2-40B4-BE49-F238E27FC236}">
-                  <a16:creationId xmlns:a16="http://schemas.microsoft.com/office/drawing/2014/main" id="{C2478C11-4E57-98B4-4900-0A97E20DA1CE}"/>
-                </a:ext>
-              </a:extLst>
-            </p:cNvPr>
-            <p:cNvSpPr/>
-            <p:nvPr/>
-          </p:nvSpPr>
-          <p:spPr>
-            <a:xfrm>
-              <a:off x="8565212" y="4352560"/>
-              <a:ext cx="3332817" cy="830997"/>
-            </a:xfrm>
-            <a:prstGeom prst="rect">
-              <a:avLst/>
-            </a:prstGeom>
-            <a:noFill/>
-          </p:spPr>
-          <p:txBody>
-            <a:bodyPr wrap="square" lIns="91440" tIns="45720" rIns="91440" bIns="45720">
-              <a:spAutoFit/>
-            </a:bodyPr>
-            <a:lstStyle/>
-            <a:p>
-              <a:pPr algn="ctr"/>
-              <a:r>
-                <a:rPr lang="en-US" sz="2400" b="1" dirty="0">
-                  <a:ln w="0"/>
-                  <a:effectLst>
-                    <a:outerShdw blurRad="38100" dist="19050" dir="2700000" algn="tl" rotWithShape="0">
-                      <a:schemeClr val="dk1">
-                        <a:alpha val="40000"/>
-                      </a:schemeClr>
-                    </a:outerShdw>
-                  </a:effectLst>
-                </a:rPr>
-                <a:t>WHAT SHOULD BE THE GLOBAL FOOTPRINT?</a:t>
-              </a:r>
-            </a:p>
-          </p:txBody>
-        </p:sp>
-      </p:grpSp>
-      <p:sp>
-        <p:nvSpPr>
-          <p:cNvPr id="18" name="Slide Number Placeholder 17">
-            <a:extLst>
-              <a:ext uri="{FF2B5EF4-FFF2-40B4-BE49-F238E27FC236}">
-                <a16:creationId xmlns:a16="http://schemas.microsoft.com/office/drawing/2014/main" id="{4BE80F53-3115-15AD-ADC8-AA55E65690BC}"/>
-              </a:ext>
-            </a:extLst>
-          </p:cNvPr>
-          <p:cNvSpPr>
-            <a:spLocks noGrp="1"/>
-          </p:cNvSpPr>
-          <p:nvPr>
-            <p:ph type="sldNum" sz="quarter" idx="12"/>
-          </p:nvPr>
-        </p:nvSpPr>
-        <p:spPr/>
-        <p:txBody>
-          <a:bodyPr/>
-          <a:lstStyle/>
-          <a:p>
-            <a:fld id="{9B1D7D9B-CDE6-6440-8F5F-ADF9B5401534}" type="slidenum">
-              <a:rPr lang="en-US" smtClean="0"/>
-              <a:t>5</a:t>
-            </a:fld>
-            <a:endParaRPr lang="en-US"/>
-          </a:p>
-        </p:txBody>
-      </p:sp>
-    </p:spTree>
-    <p:extLst>
-      <p:ext uri="{BB962C8B-B14F-4D97-AF65-F5344CB8AC3E}">
-        <p14:creationId xmlns:p14="http://schemas.microsoft.com/office/powerpoint/2010/main" val="3482680619"/>
-      </p:ext>
-    </p:extLst>
-  </p:cSld>
-  <p:clrMapOvr>
-    <a:masterClrMapping/>
-  </p:clrMapOvr>
-</p:sld>
-</file>
-
-<file path=ppt/slides/slide6.xml><?xml version="1.0" encoding="utf-8"?>
-<p:sld xmlns:a="http://schemas.openxmlformats.org/drawingml/2006/main" xmlns:r="http://schemas.openxmlformats.org/officeDocument/2006/relationships" xmlns:p="http://schemas.openxmlformats.org/presentationml/2006/main">
-  <p:cSld>
-    <p:spTree>
-      <p:nvGrpSpPr>
-        <p:cNvPr id="1" name=""/>
-        <p:cNvGrpSpPr/>
-        <p:nvPr/>
-      </p:nvGrpSpPr>
-      <p:grpSpPr>
-        <a:xfrm>
-          <a:off x="0" y="0"/>
-          <a:ext cx="0" cy="0"/>
-          <a:chOff x="0" y="0"/>
-          <a:chExt cx="0" cy="0"/>
-        </a:xfrm>
-      </p:grpSpPr>
       <p:pic>
         <p:nvPicPr>
           <p:cNvPr id="8" name="Picture 2" descr="Database icon vector">
@@ -10941,10 +10767,43 @@
       </p:pic>
       <p:pic>
         <p:nvPicPr>
-          <p:cNvPr id="6150" name="Picture 6" descr="Bullet Train' Right On Track With 30.1 Million, 'Easter Sunday' Needing  Prayers At 5.25 Million - IMDb">
-            <a:extLst>
-              <a:ext uri="{FF2B5EF4-FFF2-40B4-BE49-F238E27FC236}">
-                <a16:creationId xmlns:a16="http://schemas.microsoft.com/office/drawing/2014/main" id="{45205972-E72B-1186-B0FF-3D9E79F0398F}"/>
+          <p:cNvPr id="9" name="Picture 8">
+            <a:extLst>
+              <a:ext uri="{FF2B5EF4-FFF2-40B4-BE49-F238E27FC236}">
+                <a16:creationId xmlns:a16="http://schemas.microsoft.com/office/drawing/2014/main" id="{75201196-8244-9CFF-B6F0-9DCADE84089B}"/>
+              </a:ext>
+            </a:extLst>
+          </p:cNvPr>
+          <p:cNvPicPr>
+            <a:picLocks noChangeAspect="1"/>
+          </p:cNvPicPr>
+          <p:nvPr/>
+        </p:nvPicPr>
+        <p:blipFill>
+          <a:blip r:embed="rId3"/>
+          <a:stretch>
+            <a:fillRect/>
+          </a:stretch>
+        </p:blipFill>
+        <p:spPr>
+          <a:xfrm>
+            <a:off x="1526400" y="375975"/>
+            <a:ext cx="5343048" cy="1106045"/>
+          </a:xfrm>
+          <a:prstGeom prst="rect">
+            <a:avLst/>
+          </a:prstGeom>
+          <a:ln w="76200">
+            <a:noFill/>
+          </a:ln>
+        </p:spPr>
+      </p:pic>
+      <p:pic>
+        <p:nvPicPr>
+          <p:cNvPr id="6154" name="Picture 10" descr="The Movie Database (TMDB)">
+            <a:extLst>
+              <a:ext uri="{FF2B5EF4-FFF2-40B4-BE49-F238E27FC236}">
+                <a16:creationId xmlns:a16="http://schemas.microsoft.com/office/drawing/2014/main" id="{C41488DB-5B3C-6FCA-0ABC-2F58EA64A5E9}"/>
               </a:ext>
             </a:extLst>
           </p:cNvPr>
@@ -10954,7 +10813,7 @@
           <p:nvPr/>
         </p:nvPicPr>
         <p:blipFill>
-          <a:blip r:embed="rId3">
+          <a:blip r:embed="rId4">
             <a:extLst>
               <a:ext uri="{28A0092B-C50C-407E-A947-70E740481C1C}">
                 <a14:useLocalDpi xmlns:a14="http://schemas.microsoft.com/office/drawing/2010/main" val="0"/>
@@ -10968,145 +10827,14 @@
         </p:blipFill>
         <p:spPr bwMode="auto">
           <a:xfrm>
-            <a:off x="234025" y="804834"/>
-            <a:ext cx="4610686" cy="914933"/>
-          </a:xfrm>
-          <a:prstGeom prst="rect">
-            <a:avLst/>
-          </a:prstGeom>
-          <a:noFill/>
-          <a:extLst>
-            <a:ext uri="{909E8E84-426E-40DD-AFC4-6F175D3DCCD1}">
-              <a14:hiddenFill xmlns:a14="http://schemas.microsoft.com/office/drawing/2010/main">
-                <a:solidFill>
-                  <a:srgbClr val="FFFFFF"/>
-                </a:solidFill>
-              </a14:hiddenFill>
-            </a:ext>
-          </a:extLst>
-        </p:spPr>
-      </p:pic>
-      <p:pic>
-        <p:nvPicPr>
-          <p:cNvPr id="9" name="Picture 8">
-            <a:extLst>
-              <a:ext uri="{FF2B5EF4-FFF2-40B4-BE49-F238E27FC236}">
-                <a16:creationId xmlns:a16="http://schemas.microsoft.com/office/drawing/2014/main" id="{75201196-8244-9CFF-B6F0-9DCADE84089B}"/>
-              </a:ext>
-            </a:extLst>
-          </p:cNvPr>
-          <p:cNvPicPr>
-            <a:picLocks noChangeAspect="1"/>
-          </p:cNvPicPr>
-          <p:nvPr/>
-        </p:nvPicPr>
-        <p:blipFill>
-          <a:blip r:embed="rId4"/>
-          <a:stretch>
-            <a:fillRect/>
-          </a:stretch>
-        </p:blipFill>
-        <p:spPr>
-          <a:xfrm>
-            <a:off x="6744022" y="718590"/>
-            <a:ext cx="5343048" cy="1106045"/>
-          </a:xfrm>
-          <a:prstGeom prst="rect">
-            <a:avLst/>
-          </a:prstGeom>
-          <a:ln w="76200">
-            <a:solidFill>
-              <a:srgbClr val="92D050"/>
-            </a:solidFill>
-          </a:ln>
-        </p:spPr>
-      </p:pic>
-      <p:pic>
-        <p:nvPicPr>
-          <p:cNvPr id="6152" name="Picture 8" descr="Rotten Tomatoes: Licensing - Rotten Tomatoes">
-            <a:extLst>
-              <a:ext uri="{FF2B5EF4-FFF2-40B4-BE49-F238E27FC236}">
-                <a16:creationId xmlns:a16="http://schemas.microsoft.com/office/drawing/2014/main" id="{23B70B7B-6C89-DB96-9404-AC39A277CD24}"/>
-              </a:ext>
-            </a:extLst>
-          </p:cNvPr>
-          <p:cNvPicPr>
-            <a:picLocks noChangeAspect="1" noChangeArrowheads="1"/>
-          </p:cNvPicPr>
-          <p:nvPr/>
-        </p:nvPicPr>
-        <p:blipFill>
-          <a:blip r:embed="rId5">
-            <a:extLst>
-              <a:ext uri="{28A0092B-C50C-407E-A947-70E740481C1C}">
-                <a14:useLocalDpi xmlns:a14="http://schemas.microsoft.com/office/drawing/2010/main" val="0"/>
-              </a:ext>
-            </a:extLst>
-          </a:blip>
-          <a:srcRect/>
-          <a:stretch>
-            <a:fillRect/>
-          </a:stretch>
-        </p:blipFill>
-        <p:spPr bwMode="auto">
-          <a:xfrm>
-            <a:off x="99115" y="2792739"/>
-            <a:ext cx="4392343" cy="1272522"/>
-          </a:xfrm>
-          <a:prstGeom prst="rect">
-            <a:avLst/>
-          </a:prstGeom>
-          <a:noFill/>
-          <a:extLst>
-            <a:ext uri="{909E8E84-426E-40DD-AFC4-6F175D3DCCD1}">
-              <a14:hiddenFill xmlns:a14="http://schemas.microsoft.com/office/drawing/2010/main">
-                <a:solidFill>
-                  <a:srgbClr val="FFFFFF"/>
-                </a:solidFill>
-              </a14:hiddenFill>
-            </a:ext>
-          </a:extLst>
-        </p:spPr>
-      </p:pic>
-      <p:pic>
-        <p:nvPicPr>
-          <p:cNvPr id="6154" name="Picture 10" descr="The Movie Database (TMDB)">
-            <a:extLst>
-              <a:ext uri="{FF2B5EF4-FFF2-40B4-BE49-F238E27FC236}">
-                <a16:creationId xmlns:a16="http://schemas.microsoft.com/office/drawing/2014/main" id="{C41488DB-5B3C-6FCA-0ABC-2F58EA64A5E9}"/>
-              </a:ext>
-            </a:extLst>
-          </p:cNvPr>
-          <p:cNvPicPr>
-            <a:picLocks noChangeAspect="1" noChangeArrowheads="1"/>
-          </p:cNvPicPr>
-          <p:nvPr/>
-        </p:nvPicPr>
-        <p:blipFill>
-          <a:blip r:embed="rId6">
-            <a:extLst>
-              <a:ext uri="{28A0092B-C50C-407E-A947-70E740481C1C}">
-                <a14:useLocalDpi xmlns:a14="http://schemas.microsoft.com/office/drawing/2010/main" val="0"/>
-              </a:ext>
-            </a:extLst>
-          </a:blip>
-          <a:srcRect/>
-          <a:stretch>
-            <a:fillRect/>
-          </a:stretch>
-        </p:blipFill>
-        <p:spPr bwMode="auto">
-          <a:xfrm>
-            <a:off x="8842065" y="2792739"/>
+            <a:off x="9103146" y="2622162"/>
             <a:ext cx="2250654" cy="1613676"/>
           </a:xfrm>
           <a:prstGeom prst="rect">
             <a:avLst/>
           </a:prstGeom>
           <a:ln w="76200">
-            <a:solidFill>
-              <a:srgbClr val="92D050"/>
-            </a:solidFill>
+            <a:noFill/>
           </a:ln>
           <a:extLst>
             <a:ext uri="{909E8E84-426E-40DD-AFC4-6F175D3DCCD1}">
@@ -11134,7 +10862,7 @@
           <p:nvPr/>
         </p:nvPicPr>
         <p:blipFill>
-          <a:blip r:embed="rId7">
+          <a:blip r:embed="rId5">
             <a:extLst>
               <a:ext uri="{28A0092B-C50C-407E-A947-70E740481C1C}">
                 <a14:useLocalDpi xmlns:a14="http://schemas.microsoft.com/office/drawing/2010/main" val="0"/>
@@ -11148,16 +10876,14 @@
         </p:blipFill>
         <p:spPr bwMode="auto">
           <a:xfrm>
-            <a:off x="4844711" y="5000444"/>
+            <a:off x="1464207" y="4150844"/>
             <a:ext cx="2502575" cy="1262041"/>
           </a:xfrm>
           <a:prstGeom prst="rect">
             <a:avLst/>
           </a:prstGeom>
           <a:ln w="76200">
-            <a:solidFill>
-              <a:srgbClr val="92D050"/>
-            </a:solidFill>
+            <a:noFill/>
           </a:ln>
           <a:extLst>
             <a:ext uri="{909E8E84-426E-40DD-AFC4-6F175D3DCCD1}">
@@ -11218,7 +10944,7 @@
           <a:p>
             <a:fld id="{9B1D7D9B-CDE6-6440-8F5F-ADF9B5401534}" type="slidenum">
               <a:rPr lang="en-US" smtClean="0"/>
-              <a:t>6</a:t>
+              <a:t>5</a:t>
             </a:fld>
             <a:endParaRPr lang="en-US"/>
           </a:p>
@@ -11228,6 +10954,411 @@
     <p:extLst>
       <p:ext uri="{BB962C8B-B14F-4D97-AF65-F5344CB8AC3E}">
         <p14:creationId xmlns:p14="http://schemas.microsoft.com/office/powerpoint/2010/main" val="802049979"/>
+      </p:ext>
+    </p:extLst>
+  </p:cSld>
+  <p:clrMapOvr>
+    <a:masterClrMapping/>
+  </p:clrMapOvr>
+</p:sld>
+</file>
+
+<file path=ppt/slides/slide6.xml><?xml version="1.0" encoding="utf-8"?>
+<p:sld xmlns:a="http://schemas.openxmlformats.org/drawingml/2006/main" xmlns:r="http://schemas.openxmlformats.org/officeDocument/2006/relationships" xmlns:p="http://schemas.openxmlformats.org/presentationml/2006/main">
+  <p:cSld>
+    <p:spTree>
+      <p:nvGrpSpPr>
+        <p:cNvPr id="1" name=""/>
+        <p:cNvGrpSpPr/>
+        <p:nvPr/>
+      </p:nvGrpSpPr>
+      <p:grpSpPr>
+        <a:xfrm>
+          <a:off x="0" y="0"/>
+          <a:ext cx="0" cy="0"/>
+          <a:chOff x="0" y="0"/>
+          <a:chExt cx="0" cy="0"/>
+        </a:xfrm>
+      </p:grpSpPr>
+      <p:grpSp>
+        <p:nvGrpSpPr>
+          <p:cNvPr id="39" name="Group 38">
+            <a:extLst>
+              <a:ext uri="{FF2B5EF4-FFF2-40B4-BE49-F238E27FC236}">
+                <a16:creationId xmlns:a16="http://schemas.microsoft.com/office/drawing/2014/main" id="{74BC06C0-DF7E-0DE0-F7F6-3080ECFEBE44}"/>
+              </a:ext>
+            </a:extLst>
+          </p:cNvPr>
+          <p:cNvGrpSpPr/>
+          <p:nvPr/>
+        </p:nvGrpSpPr>
+        <p:grpSpPr>
+          <a:xfrm>
+            <a:off x="9430128" y="2316341"/>
+            <a:ext cx="3215688" cy="2597598"/>
+            <a:chOff x="8894020" y="2262564"/>
+            <a:chExt cx="3215688" cy="2597598"/>
+          </a:xfrm>
+        </p:grpSpPr>
+        <p:sp>
+          <p:nvSpPr>
+            <p:cNvPr id="18" name="TextBox 17">
+              <a:extLst>
+                <a:ext uri="{FF2B5EF4-FFF2-40B4-BE49-F238E27FC236}">
+                  <a16:creationId xmlns:a16="http://schemas.microsoft.com/office/drawing/2014/main" id="{500EE6C0-B4B6-4066-4F4B-4C9E011A31DB}"/>
+                </a:ext>
+              </a:extLst>
+            </p:cNvPr>
+            <p:cNvSpPr txBox="1"/>
+            <p:nvPr/>
+          </p:nvSpPr>
+          <p:spPr>
+            <a:xfrm>
+              <a:off x="8980382" y="2262564"/>
+              <a:ext cx="3129326" cy="2585323"/>
+            </a:xfrm>
+            <a:prstGeom prst="rect">
+              <a:avLst/>
+            </a:prstGeom>
+            <a:noFill/>
+          </p:spPr>
+          <p:txBody>
+            <a:bodyPr wrap="square" rtlCol="0">
+              <a:spAutoFit/>
+            </a:bodyPr>
+            <a:lstStyle/>
+            <a:p>
+              <a:r>
+                <a:rPr lang="en-US" dirty="0"/>
+                <a:t>Top 4:</a:t>
+              </a:r>
+              <a:br>
+                <a:rPr lang="en-US" dirty="0"/>
+              </a:br>
+              <a:endParaRPr lang="en-US" dirty="0"/>
+            </a:p>
+            <a:p>
+              <a:pPr marL="342900" indent="-342900">
+                <a:buFont typeface="+mj-lt"/>
+                <a:buAutoNum type="arabicPeriod"/>
+              </a:pPr>
+              <a:r>
+                <a:rPr lang="en-US" dirty="0"/>
+                <a:t>Drama</a:t>
+              </a:r>
+              <a:br>
+                <a:rPr lang="en-US" dirty="0"/>
+              </a:br>
+              <a:endParaRPr lang="en-US" dirty="0"/>
+            </a:p>
+            <a:p>
+              <a:pPr marL="342900" indent="-342900">
+                <a:buFont typeface="+mj-lt"/>
+                <a:buAutoNum type="arabicPeriod"/>
+              </a:pPr>
+              <a:r>
+                <a:rPr lang="en-US" dirty="0"/>
+                <a:t>Comedy</a:t>
+              </a:r>
+              <a:br>
+                <a:rPr lang="en-US" dirty="0"/>
+              </a:br>
+              <a:endParaRPr lang="en-US" dirty="0"/>
+            </a:p>
+            <a:p>
+              <a:pPr marL="342900" indent="-342900">
+                <a:buFont typeface="+mj-lt"/>
+                <a:buAutoNum type="arabicPeriod"/>
+              </a:pPr>
+              <a:r>
+                <a:rPr lang="en-US" dirty="0"/>
+                <a:t>Action</a:t>
+              </a:r>
+              <a:br>
+                <a:rPr lang="en-US" dirty="0"/>
+              </a:br>
+              <a:endParaRPr lang="en-US" dirty="0"/>
+            </a:p>
+            <a:p>
+              <a:pPr marL="342900" indent="-342900">
+                <a:buFont typeface="+mj-lt"/>
+                <a:buAutoNum type="arabicPeriod"/>
+              </a:pPr>
+              <a:r>
+                <a:rPr lang="en-US" dirty="0"/>
+                <a:t>Adventure</a:t>
+              </a:r>
+            </a:p>
+          </p:txBody>
+        </p:sp>
+        <p:sp>
+          <p:nvSpPr>
+            <p:cNvPr id="34" name="Rectangle 33">
+              <a:extLst>
+                <a:ext uri="{FF2B5EF4-FFF2-40B4-BE49-F238E27FC236}">
+                  <a16:creationId xmlns:a16="http://schemas.microsoft.com/office/drawing/2014/main" id="{BE891A3D-848C-D8BD-E7DD-F7543277F53A}"/>
+                </a:ext>
+              </a:extLst>
+            </p:cNvPr>
+            <p:cNvSpPr/>
+            <p:nvPr/>
+          </p:nvSpPr>
+          <p:spPr>
+            <a:xfrm>
+              <a:off x="8894020" y="2274840"/>
+              <a:ext cx="1783725" cy="2585322"/>
+            </a:xfrm>
+            <a:prstGeom prst="rect">
+              <a:avLst/>
+            </a:prstGeom>
+            <a:noFill/>
+            <a:ln w="38100">
+              <a:solidFill>
+                <a:srgbClr val="FF0000"/>
+              </a:solidFill>
+            </a:ln>
+          </p:spPr>
+          <p:style>
+            <a:lnRef idx="2">
+              <a:schemeClr val="accent1">
+                <a:shade val="50000"/>
+              </a:schemeClr>
+            </a:lnRef>
+            <a:fillRef idx="1">
+              <a:schemeClr val="accent1"/>
+            </a:fillRef>
+            <a:effectRef idx="0">
+              <a:schemeClr val="accent1"/>
+            </a:effectRef>
+            <a:fontRef idx="minor">
+              <a:schemeClr val="lt1"/>
+            </a:fontRef>
+          </p:style>
+          <p:txBody>
+            <a:bodyPr rtlCol="0" anchor="ctr"/>
+            <a:lstStyle/>
+            <a:p>
+              <a:pPr algn="ctr"/>
+              <a:endParaRPr lang="en-US"/>
+            </a:p>
+          </p:txBody>
+        </p:sp>
+      </p:grpSp>
+      <p:sp>
+        <p:nvSpPr>
+          <p:cNvPr id="35" name="Footer Placeholder 34">
+            <a:extLst>
+              <a:ext uri="{FF2B5EF4-FFF2-40B4-BE49-F238E27FC236}">
+                <a16:creationId xmlns:a16="http://schemas.microsoft.com/office/drawing/2014/main" id="{E3101D44-8845-BBF3-6AB6-6CF88DFE01F2}"/>
+              </a:ext>
+            </a:extLst>
+          </p:cNvPr>
+          <p:cNvSpPr>
+            <a:spLocks noGrp="1"/>
+          </p:cNvSpPr>
+          <p:nvPr>
+            <p:ph type="ftr" sz="quarter" idx="11"/>
+          </p:nvPr>
+        </p:nvSpPr>
+        <p:spPr>
+          <a:xfrm>
+            <a:off x="7370608" y="6356350"/>
+            <a:ext cx="3307137" cy="365125"/>
+          </a:xfrm>
+        </p:spPr>
+        <p:txBody>
+          <a:bodyPr/>
+          <a:lstStyle/>
+          <a:p>
+            <a:pPr algn="r"/>
+            <a:r>
+              <a:rPr lang="en-US" dirty="0"/>
+              <a:t>Movie Reviews Filter: Above Dataset Average 6.4</a:t>
+            </a:r>
+          </a:p>
+        </p:txBody>
+      </p:sp>
+      <p:sp>
+        <p:nvSpPr>
+          <p:cNvPr id="36" name="Slide Number Placeholder 35">
+            <a:extLst>
+              <a:ext uri="{FF2B5EF4-FFF2-40B4-BE49-F238E27FC236}">
+                <a16:creationId xmlns:a16="http://schemas.microsoft.com/office/drawing/2014/main" id="{1E30643B-0ED7-8206-DFA6-6FB07917F036}"/>
+              </a:ext>
+            </a:extLst>
+          </p:cNvPr>
+          <p:cNvSpPr>
+            <a:spLocks noGrp="1"/>
+          </p:cNvSpPr>
+          <p:nvPr>
+            <p:ph type="sldNum" sz="quarter" idx="12"/>
+          </p:nvPr>
+        </p:nvSpPr>
+        <p:spPr>
+          <a:xfrm>
+            <a:off x="11037972" y="6356350"/>
+            <a:ext cx="315827" cy="365125"/>
+          </a:xfrm>
+        </p:spPr>
+        <p:txBody>
+          <a:bodyPr/>
+          <a:lstStyle/>
+          <a:p>
+            <a:fld id="{9B1D7D9B-CDE6-6440-8F5F-ADF9B5401534}" type="slidenum">
+              <a:rPr lang="en-US" smtClean="0"/>
+              <a:t>6</a:t>
+            </a:fld>
+            <a:endParaRPr lang="en-US" dirty="0"/>
+          </a:p>
+        </p:txBody>
+      </p:sp>
+      <p:pic>
+        <p:nvPicPr>
+          <p:cNvPr id="37" name="Picture 36">
+            <a:extLst>
+              <a:ext uri="{FF2B5EF4-FFF2-40B4-BE49-F238E27FC236}">
+                <a16:creationId xmlns:a16="http://schemas.microsoft.com/office/drawing/2014/main" id="{E11B960F-47CD-CC8B-E99A-01AB579B7B18}"/>
+              </a:ext>
+            </a:extLst>
+          </p:cNvPr>
+          <p:cNvPicPr>
+            <a:picLocks noChangeAspect="1"/>
+          </p:cNvPicPr>
+          <p:nvPr/>
+        </p:nvPicPr>
+        <p:blipFill>
+          <a:blip r:embed="rId2"/>
+          <a:stretch>
+            <a:fillRect/>
+          </a:stretch>
+        </p:blipFill>
+        <p:spPr>
+          <a:xfrm>
+            <a:off x="418895" y="1045480"/>
+            <a:ext cx="8402658" cy="5139320"/>
+          </a:xfrm>
+          <a:prstGeom prst="rect">
+            <a:avLst/>
+          </a:prstGeom>
+        </p:spPr>
+      </p:pic>
+      <p:grpSp>
+        <p:nvGrpSpPr>
+          <p:cNvPr id="40" name="Group 39">
+            <a:extLst>
+              <a:ext uri="{FF2B5EF4-FFF2-40B4-BE49-F238E27FC236}">
+                <a16:creationId xmlns:a16="http://schemas.microsoft.com/office/drawing/2014/main" id="{19689CA2-4528-A2D6-DA09-B326A5FC0648}"/>
+              </a:ext>
+            </a:extLst>
+          </p:cNvPr>
+          <p:cNvGrpSpPr/>
+          <p:nvPr/>
+        </p:nvGrpSpPr>
+        <p:grpSpPr>
+          <a:xfrm>
+            <a:off x="0" y="0"/>
+            <a:ext cx="4500000" cy="608507"/>
+            <a:chOff x="0" y="0"/>
+            <a:chExt cx="4500000" cy="608507"/>
+          </a:xfrm>
+        </p:grpSpPr>
+        <p:sp>
+          <p:nvSpPr>
+            <p:cNvPr id="6" name="Rectangle 5">
+              <a:extLst>
+                <a:ext uri="{FF2B5EF4-FFF2-40B4-BE49-F238E27FC236}">
+                  <a16:creationId xmlns:a16="http://schemas.microsoft.com/office/drawing/2014/main" id="{0E508828-6494-C2C3-97A2-E37827AADFFA}"/>
+                </a:ext>
+              </a:extLst>
+            </p:cNvPr>
+            <p:cNvSpPr/>
+            <p:nvPr/>
+          </p:nvSpPr>
+          <p:spPr>
+            <a:xfrm>
+              <a:off x="486937" y="73420"/>
+              <a:ext cx="4013063" cy="461665"/>
+            </a:xfrm>
+            <a:prstGeom prst="rect">
+              <a:avLst/>
+            </a:prstGeom>
+            <a:noFill/>
+          </p:spPr>
+          <p:txBody>
+            <a:bodyPr wrap="square" lIns="91440" tIns="45720" rIns="91440" bIns="45720">
+              <a:spAutoFit/>
+            </a:bodyPr>
+            <a:lstStyle/>
+            <a:p>
+              <a:pPr algn="ctr"/>
+              <a:r>
+                <a:rPr lang="en-US" sz="2400" b="1" dirty="0">
+                  <a:ln w="0"/>
+                  <a:effectLst>
+                    <a:outerShdw blurRad="38100" dist="19050" dir="2700000" algn="tl" rotWithShape="0">
+                      <a:schemeClr val="dk1">
+                        <a:alpha val="40000"/>
+                      </a:schemeClr>
+                    </a:outerShdw>
+                  </a:effectLst>
+                </a:rPr>
+                <a:t>POSITIVE VIEWER RESPONSE</a:t>
+              </a:r>
+            </a:p>
+          </p:txBody>
+        </p:sp>
+        <p:pic>
+          <p:nvPicPr>
+            <p:cNvPr id="38" name="Picture 2" descr="Target, goal Icon in Marketing (Outline) icon set">
+              <a:extLst>
+                <a:ext uri="{FF2B5EF4-FFF2-40B4-BE49-F238E27FC236}">
+                  <a16:creationId xmlns:a16="http://schemas.microsoft.com/office/drawing/2014/main" id="{B173A0FC-2756-F82E-FF13-121C701A1299}"/>
+                </a:ext>
+              </a:extLst>
+            </p:cNvPr>
+            <p:cNvPicPr>
+              <a:picLocks noChangeAspect="1" noChangeArrowheads="1"/>
+            </p:cNvPicPr>
+            <p:nvPr/>
+          </p:nvPicPr>
+          <p:blipFill>
+            <a:blip r:embed="rId3">
+              <a:extLst>
+                <a:ext uri="{28A0092B-C50C-407E-A947-70E740481C1C}">
+                  <a14:useLocalDpi xmlns:a14="http://schemas.microsoft.com/office/drawing/2010/main" val="0"/>
+                </a:ext>
+              </a:extLst>
+            </a:blip>
+            <a:srcRect/>
+            <a:stretch>
+              <a:fillRect/>
+            </a:stretch>
+          </p:blipFill>
+          <p:spPr bwMode="auto">
+            <a:xfrm>
+              <a:off x="0" y="0"/>
+              <a:ext cx="608507" cy="608507"/>
+            </a:xfrm>
+            <a:prstGeom prst="rect">
+              <a:avLst/>
+            </a:prstGeom>
+            <a:noFill/>
+            <a:extLst>
+              <a:ext uri="{909E8E84-426E-40DD-AFC4-6F175D3DCCD1}">
+                <a14:hiddenFill xmlns:a14="http://schemas.microsoft.com/office/drawing/2010/main">
+                  <a:solidFill>
+                    <a:srgbClr val="FFFFFF"/>
+                  </a:solidFill>
+                </a14:hiddenFill>
+              </a:ext>
+            </a:extLst>
+          </p:spPr>
+        </p:pic>
+      </p:grpSp>
+    </p:spTree>
+    <p:extLst>
+      <p:ext uri="{BB962C8B-B14F-4D97-AF65-F5344CB8AC3E}">
+        <p14:creationId xmlns:p14="http://schemas.microsoft.com/office/powerpoint/2010/main" val="2842185636"/>
       </p:ext>
     </p:extLst>
   </p:cSld>
@@ -11254,12 +11385,110 @@
           <a:chExt cx="0" cy="0"/>
         </a:xfrm>
       </p:grpSpPr>
+      <p:sp>
+        <p:nvSpPr>
+          <p:cNvPr id="14" name="Slide Number Placeholder 13">
+            <a:extLst>
+              <a:ext uri="{FF2B5EF4-FFF2-40B4-BE49-F238E27FC236}">
+                <a16:creationId xmlns:a16="http://schemas.microsoft.com/office/drawing/2014/main" id="{9C438E29-D275-8FA0-6E82-D9DC7D66CB99}"/>
+              </a:ext>
+            </a:extLst>
+          </p:cNvPr>
+          <p:cNvSpPr>
+            <a:spLocks noGrp="1"/>
+          </p:cNvSpPr>
+          <p:nvPr>
+            <p:ph type="sldNum" sz="quarter" idx="12"/>
+          </p:nvPr>
+        </p:nvSpPr>
+        <p:spPr>
+          <a:xfrm>
+            <a:off x="11028218" y="6356350"/>
+            <a:ext cx="325582" cy="365125"/>
+          </a:xfrm>
+        </p:spPr>
+        <p:txBody>
+          <a:bodyPr/>
+          <a:lstStyle/>
+          <a:p>
+            <a:fld id="{9B1D7D9B-CDE6-6440-8F5F-ADF9B5401534}" type="slidenum">
+              <a:rPr lang="en-US" smtClean="0"/>
+              <a:t>7</a:t>
+            </a:fld>
+            <a:endParaRPr lang="en-US" dirty="0"/>
+          </a:p>
+        </p:txBody>
+      </p:sp>
+      <p:sp>
+        <p:nvSpPr>
+          <p:cNvPr id="13" name="Footer Placeholder 12">
+            <a:extLst>
+              <a:ext uri="{FF2B5EF4-FFF2-40B4-BE49-F238E27FC236}">
+                <a16:creationId xmlns:a16="http://schemas.microsoft.com/office/drawing/2014/main" id="{AB76EEBE-FC91-C570-E8FA-0FC7BD0CD3B5}"/>
+              </a:ext>
+            </a:extLst>
+          </p:cNvPr>
+          <p:cNvSpPr>
+            <a:spLocks noGrp="1"/>
+          </p:cNvSpPr>
+          <p:nvPr>
+            <p:ph type="ftr" sz="quarter" idx="11"/>
+          </p:nvPr>
+        </p:nvSpPr>
+        <p:spPr>
+          <a:xfrm>
+            <a:off x="6546613" y="6363503"/>
+            <a:ext cx="4114800" cy="365125"/>
+          </a:xfrm>
+        </p:spPr>
+        <p:txBody>
+          <a:bodyPr/>
+          <a:lstStyle/>
+          <a:p>
+            <a:pPr algn="r"/>
+            <a:r>
+              <a:rPr lang="en-US" dirty="0"/>
+              <a:t>Movie Reviews Filter: Above Dataset Average 6.4</a:t>
+            </a:r>
+          </a:p>
+        </p:txBody>
+      </p:sp>
+      <p:pic>
+        <p:nvPicPr>
+          <p:cNvPr id="16" name="Picture 15">
+            <a:extLst>
+              <a:ext uri="{FF2B5EF4-FFF2-40B4-BE49-F238E27FC236}">
+                <a16:creationId xmlns:a16="http://schemas.microsoft.com/office/drawing/2014/main" id="{E3B90397-8786-890E-3003-FDDF31932AB9}"/>
+              </a:ext>
+            </a:extLst>
+          </p:cNvPr>
+          <p:cNvPicPr>
+            <a:picLocks noChangeAspect="1"/>
+          </p:cNvPicPr>
+          <p:nvPr/>
+        </p:nvPicPr>
+        <p:blipFill>
+          <a:blip r:embed="rId2"/>
+          <a:stretch>
+            <a:fillRect/>
+          </a:stretch>
+        </p:blipFill>
+        <p:spPr>
+          <a:xfrm>
+            <a:off x="207138" y="1615299"/>
+            <a:ext cx="8396875" cy="3819036"/>
+          </a:xfrm>
+          <a:prstGeom prst="rect">
+            <a:avLst/>
+          </a:prstGeom>
+        </p:spPr>
+      </p:pic>
       <p:grpSp>
         <p:nvGrpSpPr>
-          <p:cNvPr id="4" name="Group 3">
-            <a:extLst>
-              <a:ext uri="{FF2B5EF4-FFF2-40B4-BE49-F238E27FC236}">
-                <a16:creationId xmlns:a16="http://schemas.microsoft.com/office/drawing/2014/main" id="{593F9ACD-8CD4-0519-4838-F2D16442150C}"/>
+          <p:cNvPr id="21" name="Group 20">
+            <a:extLst>
+              <a:ext uri="{FF2B5EF4-FFF2-40B4-BE49-F238E27FC236}">
+                <a16:creationId xmlns:a16="http://schemas.microsoft.com/office/drawing/2014/main" id="{77D8582A-3056-7AE6-A653-9FFC0A55C04D}"/>
               </a:ext>
             </a:extLst>
           </p:cNvPr>
@@ -11268,18 +11497,245 @@
         </p:nvGrpSpPr>
         <p:grpSpPr>
           <a:xfrm>
-            <a:off x="147193" y="0"/>
-            <a:ext cx="3345515" cy="830997"/>
-            <a:chOff x="686839" y="3297846"/>
-            <a:chExt cx="3345515" cy="830997"/>
+            <a:off x="8855825" y="2246313"/>
+            <a:ext cx="4344785" cy="3277821"/>
+            <a:chOff x="2411215" y="4646022"/>
+            <a:chExt cx="4344785" cy="3277821"/>
           </a:xfrm>
         </p:grpSpPr>
+        <p:sp>
+          <p:nvSpPr>
+            <p:cNvPr id="17" name="TextBox 16">
+              <a:extLst>
+                <a:ext uri="{FF2B5EF4-FFF2-40B4-BE49-F238E27FC236}">
+                  <a16:creationId xmlns:a16="http://schemas.microsoft.com/office/drawing/2014/main" id="{C453E6BF-6411-C362-6883-262595252981}"/>
+                </a:ext>
+              </a:extLst>
+            </p:cNvPr>
+            <p:cNvSpPr txBox="1"/>
+            <p:nvPr/>
+          </p:nvSpPr>
+          <p:spPr>
+            <a:xfrm>
+              <a:off x="2411215" y="4646023"/>
+              <a:ext cx="4344785" cy="3277820"/>
+            </a:xfrm>
+            <a:prstGeom prst="rect">
+              <a:avLst/>
+            </a:prstGeom>
+            <a:noFill/>
+          </p:spPr>
+          <p:txBody>
+            <a:bodyPr wrap="square" rtlCol="0">
+              <a:spAutoFit/>
+            </a:bodyPr>
+            <a:lstStyle/>
+            <a:p>
+              <a:pPr>
+                <a:lnSpc>
+                  <a:spcPct val="150000"/>
+                </a:lnSpc>
+              </a:pPr>
+              <a:r>
+                <a:rPr lang="en-US" i="1" u="sng" dirty="0"/>
+                <a:t>Best Option: </a:t>
+              </a:r>
+            </a:p>
+            <a:p>
+              <a:pPr>
+                <a:lnSpc>
+                  <a:spcPct val="150000"/>
+                </a:lnSpc>
+              </a:pPr>
+              <a:r>
+                <a:rPr lang="en-US" dirty="0"/>
+                <a:t>Adventure pairings with</a:t>
+              </a:r>
+            </a:p>
+            <a:p>
+              <a:pPr marL="285750" indent="-285750">
+                <a:lnSpc>
+                  <a:spcPct val="150000"/>
+                </a:lnSpc>
+                <a:buFont typeface="Arial" panose="020B0604020202020204" pitchFamily="34" charset="0"/>
+                <a:buChar char="•"/>
+              </a:pPr>
+              <a:r>
+                <a:rPr lang="en-US" dirty="0"/>
+                <a:t>Action</a:t>
+              </a:r>
+            </a:p>
+            <a:p>
+              <a:pPr marL="285750" indent="-285750">
+                <a:lnSpc>
+                  <a:spcPct val="150000"/>
+                </a:lnSpc>
+                <a:buFont typeface="Arial" panose="020B0604020202020204" pitchFamily="34" charset="0"/>
+                <a:buChar char="•"/>
+              </a:pPr>
+              <a:r>
+                <a:rPr lang="en-US" dirty="0"/>
+                <a:t>Comedy</a:t>
+              </a:r>
+            </a:p>
+            <a:p>
+              <a:pPr marL="285750" indent="-285750">
+                <a:lnSpc>
+                  <a:spcPct val="150000"/>
+                </a:lnSpc>
+                <a:buFont typeface="Arial" panose="020B0604020202020204" pitchFamily="34" charset="0"/>
+                <a:buChar char="•"/>
+              </a:pPr>
+              <a:r>
+                <a:rPr lang="en-US" dirty="0"/>
+                <a:t>Animation</a:t>
+              </a:r>
+            </a:p>
+            <a:p>
+              <a:pPr marL="285750" indent="-285750">
+                <a:lnSpc>
+                  <a:spcPct val="150000"/>
+                </a:lnSpc>
+                <a:buFont typeface="Arial" panose="020B0604020202020204" pitchFamily="34" charset="0"/>
+                <a:buChar char="•"/>
+              </a:pPr>
+              <a:r>
+                <a:rPr lang="en-US" dirty="0"/>
+                <a:t>Sci-Fi</a:t>
+              </a:r>
+              <a:br>
+                <a:rPr lang="en-US" dirty="0"/>
+              </a:br>
+              <a:endParaRPr lang="en-US" dirty="0"/>
+            </a:p>
+            <a:p>
+              <a:endParaRPr lang="en-US" dirty="0"/>
+            </a:p>
+          </p:txBody>
+        </p:sp>
+        <p:sp>
+          <p:nvSpPr>
+            <p:cNvPr id="20" name="Rectangle 19">
+              <a:extLst>
+                <a:ext uri="{FF2B5EF4-FFF2-40B4-BE49-F238E27FC236}">
+                  <a16:creationId xmlns:a16="http://schemas.microsoft.com/office/drawing/2014/main" id="{7E7B56C6-5DA6-CC18-1AD7-180510CBE51D}"/>
+                </a:ext>
+              </a:extLst>
+            </p:cNvPr>
+            <p:cNvSpPr/>
+            <p:nvPr/>
+          </p:nvSpPr>
+          <p:spPr>
+            <a:xfrm>
+              <a:off x="2435215" y="4646022"/>
+              <a:ext cx="2453585" cy="2606487"/>
+            </a:xfrm>
+            <a:prstGeom prst="rect">
+              <a:avLst/>
+            </a:prstGeom>
+            <a:noFill/>
+            <a:ln w="38100">
+              <a:solidFill>
+                <a:srgbClr val="FF0000"/>
+              </a:solidFill>
+            </a:ln>
+          </p:spPr>
+          <p:style>
+            <a:lnRef idx="2">
+              <a:schemeClr val="accent1">
+                <a:shade val="50000"/>
+              </a:schemeClr>
+            </a:lnRef>
+            <a:fillRef idx="1">
+              <a:schemeClr val="accent1"/>
+            </a:fillRef>
+            <a:effectRef idx="0">
+              <a:schemeClr val="accent1"/>
+            </a:effectRef>
+            <a:fontRef idx="minor">
+              <a:schemeClr val="lt1"/>
+            </a:fontRef>
+          </p:style>
+          <p:txBody>
+            <a:bodyPr rtlCol="0" anchor="ctr"/>
+            <a:lstStyle/>
+            <a:p>
+              <a:pPr algn="ctr"/>
+              <a:endParaRPr lang="en-US"/>
+            </a:p>
+          </p:txBody>
+        </p:sp>
+      </p:grpSp>
+      <p:grpSp>
+        <p:nvGrpSpPr>
+          <p:cNvPr id="23" name="Group 22">
+            <a:extLst>
+              <a:ext uri="{FF2B5EF4-FFF2-40B4-BE49-F238E27FC236}">
+                <a16:creationId xmlns:a16="http://schemas.microsoft.com/office/drawing/2014/main" id="{8A1FDC87-38B3-38B5-9646-38B4915B0A39}"/>
+              </a:ext>
+            </a:extLst>
+          </p:cNvPr>
+          <p:cNvGrpSpPr/>
+          <p:nvPr/>
+        </p:nvGrpSpPr>
+        <p:grpSpPr>
+          <a:xfrm>
+            <a:off x="0" y="0"/>
+            <a:ext cx="4557600" cy="608507"/>
+            <a:chOff x="0" y="0"/>
+            <a:chExt cx="4557600" cy="608507"/>
+          </a:xfrm>
+        </p:grpSpPr>
+        <p:sp>
+          <p:nvSpPr>
+            <p:cNvPr id="24" name="Rectangle 23">
+              <a:extLst>
+                <a:ext uri="{FF2B5EF4-FFF2-40B4-BE49-F238E27FC236}">
+                  <a16:creationId xmlns:a16="http://schemas.microsoft.com/office/drawing/2014/main" id="{2E645F86-58A0-CD0E-36EE-C221224C56CD}"/>
+                </a:ext>
+              </a:extLst>
+            </p:cNvPr>
+            <p:cNvSpPr/>
+            <p:nvPr/>
+          </p:nvSpPr>
+          <p:spPr>
+            <a:xfrm>
+              <a:off x="544537" y="73420"/>
+              <a:ext cx="4013063" cy="461665"/>
+            </a:xfrm>
+            <a:prstGeom prst="rect">
+              <a:avLst/>
+            </a:prstGeom>
+            <a:noFill/>
+          </p:spPr>
+          <p:txBody>
+            <a:bodyPr wrap="square" lIns="91440" tIns="45720" rIns="91440" bIns="45720">
+              <a:spAutoFit/>
+            </a:bodyPr>
+            <a:lstStyle/>
+            <a:p>
+              <a:r>
+                <a:rPr lang="en-US" sz="2400" b="1" dirty="0">
+                  <a:ln w="0"/>
+                  <a:effectLst>
+                    <a:outerShdw blurRad="38100" dist="19050" dir="2700000" algn="tl" rotWithShape="0">
+                      <a:schemeClr val="dk1">
+                        <a:alpha val="40000"/>
+                      </a:schemeClr>
+                    </a:outerShdw>
+                  </a:effectLst>
+                </a:rPr>
+                <a:t>PROFITABILITY</a:t>
+              </a:r>
+            </a:p>
+          </p:txBody>
+        </p:sp>
         <p:pic>
           <p:nvPicPr>
-            <p:cNvPr id="5" name="Picture 4" descr="Focus Vector SVG Icon (17) - SVG Repo">
+            <p:cNvPr id="25" name="Picture 2" descr="Target, goal Icon in Marketing (Outline) icon set">
               <a:extLst>
                 <a:ext uri="{FF2B5EF4-FFF2-40B4-BE49-F238E27FC236}">
-                  <a16:creationId xmlns:a16="http://schemas.microsoft.com/office/drawing/2014/main" id="{E6AFC26A-6671-FC58-581F-CBCDF23BBD0C}"/>
+                  <a16:creationId xmlns:a16="http://schemas.microsoft.com/office/drawing/2014/main" id="{8AC1F06B-06C6-AF3B-07AC-64CFA51F1126}"/>
                 </a:ext>
               </a:extLst>
             </p:cNvPr>
@@ -11289,7 +11745,7 @@
             <p:nvPr/>
           </p:nvPicPr>
           <p:blipFill>
-            <a:blip r:embed="rId2">
+            <a:blip r:embed="rId3">
               <a:extLst>
                 <a:ext uri="{28A0092B-C50C-407E-A947-70E740481C1C}">
                   <a14:useLocalDpi xmlns:a14="http://schemas.microsoft.com/office/drawing/2010/main" val="0"/>
@@ -11303,8 +11759,8 @@
           </p:blipFill>
           <p:spPr bwMode="auto">
             <a:xfrm>
-              <a:off x="686839" y="3414010"/>
-              <a:ext cx="543404" cy="543404"/>
+              <a:off x="0" y="0"/>
+              <a:ext cx="608507" cy="608507"/>
             </a:xfrm>
             <a:prstGeom prst="rect">
               <a:avLst/>
@@ -11321,513 +11777,11 @@
             </a:extLst>
           </p:spPr>
         </p:pic>
-        <p:sp>
-          <p:nvSpPr>
-            <p:cNvPr id="6" name="Rectangle 5">
-              <a:extLst>
-                <a:ext uri="{FF2B5EF4-FFF2-40B4-BE49-F238E27FC236}">
-                  <a16:creationId xmlns:a16="http://schemas.microsoft.com/office/drawing/2014/main" id="{0E508828-6494-C2C3-97A2-E37827AADFFA}"/>
-                </a:ext>
-              </a:extLst>
-            </p:cNvPr>
-            <p:cNvSpPr/>
-            <p:nvPr/>
-          </p:nvSpPr>
-          <p:spPr>
-            <a:xfrm>
-              <a:off x="1040983" y="3297846"/>
-              <a:ext cx="2991371" cy="830997"/>
-            </a:xfrm>
-            <a:prstGeom prst="rect">
-              <a:avLst/>
-            </a:prstGeom>
-            <a:noFill/>
-          </p:spPr>
-          <p:txBody>
-            <a:bodyPr wrap="square" lIns="91440" tIns="45720" rIns="91440" bIns="45720">
-              <a:spAutoFit/>
-            </a:bodyPr>
-            <a:lstStyle/>
-            <a:p>
-              <a:pPr algn="ctr"/>
-              <a:r>
-                <a:rPr lang="en-US" sz="2400" b="1" dirty="0">
-                  <a:ln w="0"/>
-                  <a:effectLst>
-                    <a:outerShdw blurRad="38100" dist="19050" dir="2700000" algn="tl" rotWithShape="0">
-                      <a:schemeClr val="dk1">
-                        <a:alpha val="40000"/>
-                      </a:schemeClr>
-                    </a:outerShdw>
-                  </a:effectLst>
-                </a:rPr>
-                <a:t>WHICH GENRES TO FOCUS ON?</a:t>
-              </a:r>
-            </a:p>
-          </p:txBody>
-        </p:sp>
       </p:grpSp>
-      <p:sp>
-        <p:nvSpPr>
-          <p:cNvPr id="7" name="TextBox 6">
-            <a:extLst>
-              <a:ext uri="{FF2B5EF4-FFF2-40B4-BE49-F238E27FC236}">
-                <a16:creationId xmlns:a16="http://schemas.microsoft.com/office/drawing/2014/main" id="{0BB2D146-35B5-470E-6F0A-8999DE0F22CA}"/>
-              </a:ext>
-            </a:extLst>
-          </p:cNvPr>
-          <p:cNvSpPr txBox="1"/>
-          <p:nvPr/>
-        </p:nvSpPr>
-        <p:spPr>
-          <a:xfrm>
-            <a:off x="7045377" y="0"/>
-            <a:ext cx="5146623" cy="369332"/>
-          </a:xfrm>
-          <a:prstGeom prst="rect">
-            <a:avLst/>
-          </a:prstGeom>
-          <a:noFill/>
-        </p:spPr>
-        <p:txBody>
-          <a:bodyPr wrap="square" rtlCol="0">
-            <a:spAutoFit/>
-          </a:bodyPr>
-          <a:lstStyle/>
-          <a:p>
-            <a:pPr algn="r"/>
-            <a:r>
-              <a:rPr lang="en-US" dirty="0"/>
-              <a:t>Genre vs Reviews Analysis</a:t>
-            </a:r>
-          </a:p>
-        </p:txBody>
-      </p:sp>
-      <p:pic>
-        <p:nvPicPr>
-          <p:cNvPr id="19" name="Picture 18">
-            <a:extLst>
-              <a:ext uri="{FF2B5EF4-FFF2-40B4-BE49-F238E27FC236}">
-                <a16:creationId xmlns:a16="http://schemas.microsoft.com/office/drawing/2014/main" id="{770D0E1D-B45D-5002-8CD4-66ABEA008CC3}"/>
-              </a:ext>
-            </a:extLst>
-          </p:cNvPr>
-          <p:cNvPicPr>
-            <a:picLocks noChangeAspect="1"/>
-          </p:cNvPicPr>
-          <p:nvPr/>
-        </p:nvPicPr>
-        <p:blipFill>
-          <a:blip r:embed="rId3"/>
-          <a:stretch>
-            <a:fillRect/>
-          </a:stretch>
-        </p:blipFill>
-        <p:spPr>
-          <a:xfrm>
-            <a:off x="147992" y="1441380"/>
-            <a:ext cx="9535597" cy="5416620"/>
-          </a:xfrm>
-          <a:prstGeom prst="rect">
-            <a:avLst/>
-          </a:prstGeom>
-        </p:spPr>
-      </p:pic>
-      <p:sp>
-        <p:nvSpPr>
-          <p:cNvPr id="18" name="TextBox 17">
-            <a:extLst>
-              <a:ext uri="{FF2B5EF4-FFF2-40B4-BE49-F238E27FC236}">
-                <a16:creationId xmlns:a16="http://schemas.microsoft.com/office/drawing/2014/main" id="{500EE6C0-B4B6-4066-4F4B-4C9E011A31DB}"/>
-              </a:ext>
-            </a:extLst>
-          </p:cNvPr>
-          <p:cNvSpPr txBox="1"/>
-          <p:nvPr/>
-        </p:nvSpPr>
-        <p:spPr>
-          <a:xfrm>
-            <a:off x="9657182" y="2367053"/>
-            <a:ext cx="2426119" cy="3139321"/>
-          </a:xfrm>
-          <a:prstGeom prst="rect">
-            <a:avLst/>
-          </a:prstGeom>
-          <a:noFill/>
-        </p:spPr>
-        <p:txBody>
-          <a:bodyPr wrap="square" rtlCol="0">
-            <a:spAutoFit/>
-          </a:bodyPr>
-          <a:lstStyle/>
-          <a:p>
-            <a:pPr marL="342900" indent="-342900">
-              <a:buFont typeface="+mj-lt"/>
-              <a:buAutoNum type="arabicPeriod"/>
-            </a:pPr>
-            <a:r>
-              <a:rPr lang="en-US" dirty="0"/>
-              <a:t>Drama</a:t>
-            </a:r>
-            <a:br>
-              <a:rPr lang="en-US" dirty="0"/>
-            </a:br>
-            <a:endParaRPr lang="en-US" dirty="0"/>
-          </a:p>
-          <a:p>
-            <a:pPr marL="342900" indent="-342900">
-              <a:buFont typeface="+mj-lt"/>
-              <a:buAutoNum type="arabicPeriod"/>
-            </a:pPr>
-            <a:r>
-              <a:rPr lang="en-US" dirty="0"/>
-              <a:t>Adventure, Animation, Comedy</a:t>
-            </a:r>
-            <a:br>
-              <a:rPr lang="en-US" dirty="0"/>
-            </a:br>
-            <a:endParaRPr lang="en-US" dirty="0"/>
-          </a:p>
-          <a:p>
-            <a:pPr marL="342900" indent="-342900">
-              <a:buFont typeface="+mj-lt"/>
-              <a:buAutoNum type="arabicPeriod"/>
-            </a:pPr>
-            <a:r>
-              <a:rPr lang="en-US" dirty="0"/>
-              <a:t>Comedy, Drama </a:t>
-            </a:r>
-            <a:br>
-              <a:rPr lang="en-US" dirty="0"/>
-            </a:br>
-            <a:endParaRPr lang="en-US" dirty="0"/>
-          </a:p>
-          <a:p>
-            <a:pPr marL="342900" indent="-342900">
-              <a:buFont typeface="+mj-lt"/>
-              <a:buAutoNum type="arabicPeriod"/>
-            </a:pPr>
-            <a:r>
-              <a:rPr lang="en-US" dirty="0"/>
-              <a:t>Documentary</a:t>
-            </a:r>
-            <a:br>
-              <a:rPr lang="en-US" dirty="0"/>
-            </a:br>
-            <a:endParaRPr lang="en-US" dirty="0"/>
-          </a:p>
-          <a:p>
-            <a:pPr marL="342900" indent="-342900">
-              <a:buFont typeface="+mj-lt"/>
-              <a:buAutoNum type="arabicPeriod"/>
-            </a:pPr>
-            <a:r>
-              <a:rPr lang="en-US" dirty="0"/>
-              <a:t>Action, Adventure, Sci-fi</a:t>
-            </a:r>
-          </a:p>
-        </p:txBody>
-      </p:sp>
-      <p:sp>
-        <p:nvSpPr>
-          <p:cNvPr id="21" name="TextBox 20">
-            <a:extLst>
-              <a:ext uri="{FF2B5EF4-FFF2-40B4-BE49-F238E27FC236}">
-                <a16:creationId xmlns:a16="http://schemas.microsoft.com/office/drawing/2014/main" id="{3A9B3347-87BF-D6EE-F1F7-AEFF5BB87380}"/>
-              </a:ext>
-            </a:extLst>
-          </p:cNvPr>
-          <p:cNvSpPr txBox="1"/>
-          <p:nvPr/>
-        </p:nvSpPr>
-        <p:spPr>
-          <a:xfrm>
-            <a:off x="9279216" y="593747"/>
-            <a:ext cx="3113141" cy="923330"/>
-          </a:xfrm>
-          <a:prstGeom prst="rect">
-            <a:avLst/>
-          </a:prstGeom>
-          <a:noFill/>
-        </p:spPr>
-        <p:txBody>
-          <a:bodyPr wrap="square" rtlCol="0">
-            <a:spAutoFit/>
-          </a:bodyPr>
-          <a:lstStyle/>
-          <a:p>
-            <a:r>
-              <a:rPr lang="en-US" dirty="0"/>
-              <a:t>POSITIVE VIEWER RESPONSE</a:t>
-            </a:r>
-          </a:p>
-          <a:p>
-            <a:r>
-              <a:rPr lang="en-US" dirty="0"/>
-              <a:t>PROFITABLE</a:t>
-            </a:r>
-          </a:p>
-          <a:p>
-            <a:r>
-              <a:rPr lang="en-US" dirty="0"/>
-              <a:t>IMPACTFUL MARKET ENTRY</a:t>
-            </a:r>
-          </a:p>
-        </p:txBody>
-      </p:sp>
-      <p:grpSp>
-        <p:nvGrpSpPr>
-          <p:cNvPr id="33" name="Group 32">
-            <a:extLst>
-              <a:ext uri="{FF2B5EF4-FFF2-40B4-BE49-F238E27FC236}">
-                <a16:creationId xmlns:a16="http://schemas.microsoft.com/office/drawing/2014/main" id="{A359A2C8-30A1-3A35-D9AB-3E7BF0B26718}"/>
-              </a:ext>
-            </a:extLst>
-          </p:cNvPr>
-          <p:cNvGrpSpPr/>
-          <p:nvPr/>
-        </p:nvGrpSpPr>
-        <p:grpSpPr>
-          <a:xfrm>
-            <a:off x="8922675" y="627451"/>
-            <a:ext cx="478266" cy="786490"/>
-            <a:chOff x="8902710" y="5666581"/>
-            <a:chExt cx="478266" cy="786490"/>
-          </a:xfrm>
-        </p:grpSpPr>
-        <p:pic>
-          <p:nvPicPr>
-            <p:cNvPr id="29" name="Picture 28" descr="Shape&#10;&#10;Description automatically generated">
-              <a:extLst>
-                <a:ext uri="{FF2B5EF4-FFF2-40B4-BE49-F238E27FC236}">
-                  <a16:creationId xmlns:a16="http://schemas.microsoft.com/office/drawing/2014/main" id="{1492F6AB-B39B-6AA1-ACBF-D5346F3E0E9E}"/>
-                </a:ext>
-              </a:extLst>
-            </p:cNvPr>
-            <p:cNvPicPr>
-              <a:picLocks noChangeAspect="1"/>
-            </p:cNvPicPr>
-            <p:nvPr/>
-          </p:nvPicPr>
-          <p:blipFill>
-            <a:blip r:embed="rId4">
-              <a:extLst>
-                <a:ext uri="{837473B0-CC2E-450A-ABE3-18F120FF3D39}">
-                  <a1611:picAttrSrcUrl xmlns:a1611="http://schemas.microsoft.com/office/drawing/2016/11/main" r:id="rId5"/>
-                </a:ext>
-              </a:extLst>
-            </a:blip>
-            <a:stretch>
-              <a:fillRect/>
-            </a:stretch>
-          </p:blipFill>
-          <p:spPr>
-            <a:xfrm>
-              <a:off x="9041383" y="5999201"/>
-              <a:ext cx="217868" cy="190681"/>
-            </a:xfrm>
-            <a:prstGeom prst="rect">
-              <a:avLst/>
-            </a:prstGeom>
-          </p:spPr>
-        </p:pic>
-        <p:pic>
-          <p:nvPicPr>
-            <p:cNvPr id="31" name="Picture 30" descr="Icon&#10;&#10;Description automatically generated">
-              <a:extLst>
-                <a:ext uri="{FF2B5EF4-FFF2-40B4-BE49-F238E27FC236}">
-                  <a16:creationId xmlns:a16="http://schemas.microsoft.com/office/drawing/2014/main" id="{94D13E1B-2B7F-C6E5-D376-8496879E5E28}"/>
-                </a:ext>
-              </a:extLst>
-            </p:cNvPr>
-            <p:cNvPicPr>
-              <a:picLocks noChangeAspect="1"/>
-            </p:cNvPicPr>
-            <p:nvPr/>
-          </p:nvPicPr>
-          <p:blipFill>
-            <a:blip r:embed="rId6">
-              <a:extLst>
-                <a:ext uri="{837473B0-CC2E-450A-ABE3-18F120FF3D39}">
-                  <a1611:picAttrSrcUrl xmlns:a1611="http://schemas.microsoft.com/office/drawing/2016/11/main" r:id="rId7"/>
-                </a:ext>
-              </a:extLst>
-            </a:blip>
-            <a:stretch>
-              <a:fillRect/>
-            </a:stretch>
-          </p:blipFill>
-          <p:spPr>
-            <a:xfrm>
-              <a:off x="8902710" y="5666581"/>
-              <a:ext cx="478266" cy="298916"/>
-            </a:xfrm>
-            <a:prstGeom prst="rect">
-              <a:avLst/>
-            </a:prstGeom>
-          </p:spPr>
-        </p:pic>
-        <p:pic>
-          <p:nvPicPr>
-            <p:cNvPr id="32" name="Picture 31" descr="Shape&#10;&#10;Description automatically generated">
-              <a:extLst>
-                <a:ext uri="{FF2B5EF4-FFF2-40B4-BE49-F238E27FC236}">
-                  <a16:creationId xmlns:a16="http://schemas.microsoft.com/office/drawing/2014/main" id="{675289D4-469A-62AC-D238-86B0C24F7313}"/>
-                </a:ext>
-              </a:extLst>
-            </p:cNvPr>
-            <p:cNvPicPr>
-              <a:picLocks noChangeAspect="1"/>
-            </p:cNvPicPr>
-            <p:nvPr/>
-          </p:nvPicPr>
-          <p:blipFill>
-            <a:blip r:embed="rId4">
-              <a:extLst>
-                <a:ext uri="{837473B0-CC2E-450A-ABE3-18F120FF3D39}">
-                  <a1611:picAttrSrcUrl xmlns:a1611="http://schemas.microsoft.com/office/drawing/2016/11/main" r:id="rId5"/>
-                </a:ext>
-              </a:extLst>
-            </a:blip>
-            <a:stretch>
-              <a:fillRect/>
-            </a:stretch>
-          </p:blipFill>
-          <p:spPr>
-            <a:xfrm>
-              <a:off x="9041383" y="6262390"/>
-              <a:ext cx="217868" cy="190681"/>
-            </a:xfrm>
-            <a:prstGeom prst="rect">
-              <a:avLst/>
-            </a:prstGeom>
-          </p:spPr>
-        </p:pic>
-      </p:grpSp>
-      <p:sp>
-        <p:nvSpPr>
-          <p:cNvPr id="34" name="Rectangle 33">
-            <a:extLst>
-              <a:ext uri="{FF2B5EF4-FFF2-40B4-BE49-F238E27FC236}">
-                <a16:creationId xmlns:a16="http://schemas.microsoft.com/office/drawing/2014/main" id="{BE891A3D-848C-D8BD-E7DD-F7543277F53A}"/>
-              </a:ext>
-            </a:extLst>
-          </p:cNvPr>
-          <p:cNvSpPr/>
-          <p:nvPr/>
-        </p:nvSpPr>
-        <p:spPr>
-          <a:xfrm>
-            <a:off x="8922675" y="627451"/>
-            <a:ext cx="3187033" cy="889626"/>
-          </a:xfrm>
-          <a:prstGeom prst="rect">
-            <a:avLst/>
-          </a:prstGeom>
-          <a:noFill/>
-          <a:ln w="38100">
-            <a:solidFill>
-              <a:srgbClr val="FF0000"/>
-            </a:solidFill>
-          </a:ln>
-        </p:spPr>
-        <p:style>
-          <a:lnRef idx="2">
-            <a:schemeClr val="accent1">
-              <a:shade val="50000"/>
-            </a:schemeClr>
-          </a:lnRef>
-          <a:fillRef idx="1">
-            <a:schemeClr val="accent1"/>
-          </a:fillRef>
-          <a:effectRef idx="0">
-            <a:schemeClr val="accent1"/>
-          </a:effectRef>
-          <a:fontRef idx="minor">
-            <a:schemeClr val="lt1"/>
-          </a:fontRef>
-        </p:style>
-        <p:txBody>
-          <a:bodyPr rtlCol="0" anchor="ctr"/>
-          <a:lstStyle/>
-          <a:p>
-            <a:pPr algn="ctr"/>
-            <a:endParaRPr lang="en-US"/>
-          </a:p>
-        </p:txBody>
-      </p:sp>
-      <p:sp>
-        <p:nvSpPr>
-          <p:cNvPr id="35" name="Footer Placeholder 34">
-            <a:extLst>
-              <a:ext uri="{FF2B5EF4-FFF2-40B4-BE49-F238E27FC236}">
-                <a16:creationId xmlns:a16="http://schemas.microsoft.com/office/drawing/2014/main" id="{E3101D44-8845-BBF3-6AB6-6CF88DFE01F2}"/>
-              </a:ext>
-            </a:extLst>
-          </p:cNvPr>
-          <p:cNvSpPr>
-            <a:spLocks noGrp="1"/>
-          </p:cNvSpPr>
-          <p:nvPr>
-            <p:ph type="ftr" sz="quarter" idx="11"/>
-          </p:nvPr>
-        </p:nvSpPr>
-        <p:spPr>
-          <a:xfrm>
-            <a:off x="7370608" y="6356350"/>
-            <a:ext cx="3307137" cy="365125"/>
-          </a:xfrm>
-        </p:spPr>
-        <p:txBody>
-          <a:bodyPr/>
-          <a:lstStyle/>
-          <a:p>
-            <a:pPr algn="r"/>
-            <a:r>
-              <a:rPr lang="en-US" dirty="0"/>
-              <a:t>Movie Reviews Filter: Above Dataset Average 6.4</a:t>
-            </a:r>
-          </a:p>
-        </p:txBody>
-      </p:sp>
-      <p:sp>
-        <p:nvSpPr>
-          <p:cNvPr id="36" name="Slide Number Placeholder 35">
-            <a:extLst>
-              <a:ext uri="{FF2B5EF4-FFF2-40B4-BE49-F238E27FC236}">
-                <a16:creationId xmlns:a16="http://schemas.microsoft.com/office/drawing/2014/main" id="{1E30643B-0ED7-8206-DFA6-6FB07917F036}"/>
-              </a:ext>
-            </a:extLst>
-          </p:cNvPr>
-          <p:cNvSpPr>
-            <a:spLocks noGrp="1"/>
-          </p:cNvSpPr>
-          <p:nvPr>
-            <p:ph type="sldNum" sz="quarter" idx="12"/>
-          </p:nvPr>
-        </p:nvSpPr>
-        <p:spPr>
-          <a:xfrm>
-            <a:off x="11037972" y="6356350"/>
-            <a:ext cx="315827" cy="365125"/>
-          </a:xfrm>
-        </p:spPr>
-        <p:txBody>
-          <a:bodyPr/>
-          <a:lstStyle/>
-          <a:p>
-            <a:fld id="{9B1D7D9B-CDE6-6440-8F5F-ADF9B5401534}" type="slidenum">
-              <a:rPr lang="en-US" smtClean="0"/>
-              <a:t>7</a:t>
-            </a:fld>
-            <a:endParaRPr lang="en-US" dirty="0"/>
-          </a:p>
-        </p:txBody>
-      </p:sp>
     </p:spTree>
     <p:extLst>
       <p:ext uri="{BB962C8B-B14F-4D97-AF65-F5344CB8AC3E}">
-        <p14:creationId xmlns:p14="http://schemas.microsoft.com/office/powerpoint/2010/main" val="2842185636"/>
+        <p14:creationId xmlns:p14="http://schemas.microsoft.com/office/powerpoint/2010/main" val="3754630183"/>
       </p:ext>
     </p:extLst>
   </p:cSld>
@@ -11854,12 +11808,358 @@
           <a:chExt cx="0" cy="0"/>
         </a:xfrm>
       </p:grpSpPr>
+      <p:pic>
+        <p:nvPicPr>
+          <p:cNvPr id="30" name="Picture 29">
+            <a:extLst>
+              <a:ext uri="{FF2B5EF4-FFF2-40B4-BE49-F238E27FC236}">
+                <a16:creationId xmlns:a16="http://schemas.microsoft.com/office/drawing/2014/main" id="{AF9F63D6-FA46-0A48-825D-6D297B96D413}"/>
+              </a:ext>
+            </a:extLst>
+          </p:cNvPr>
+          <p:cNvPicPr>
+            <a:picLocks noChangeAspect="1"/>
+          </p:cNvPicPr>
+          <p:nvPr/>
+        </p:nvPicPr>
+        <p:blipFill>
+          <a:blip r:embed="rId2"/>
+          <a:stretch>
+            <a:fillRect/>
+          </a:stretch>
+        </p:blipFill>
+        <p:spPr>
+          <a:xfrm>
+            <a:off x="778957" y="1456036"/>
+            <a:ext cx="10629549" cy="3943219"/>
+          </a:xfrm>
+          <a:prstGeom prst="rect">
+            <a:avLst/>
+          </a:prstGeom>
+        </p:spPr>
+      </p:pic>
+      <p:sp>
+        <p:nvSpPr>
+          <p:cNvPr id="20" name="Footer Placeholder 19">
+            <a:extLst>
+              <a:ext uri="{FF2B5EF4-FFF2-40B4-BE49-F238E27FC236}">
+                <a16:creationId xmlns:a16="http://schemas.microsoft.com/office/drawing/2014/main" id="{E504F9F6-A200-5FC8-EA04-32424D4330FC}"/>
+              </a:ext>
+            </a:extLst>
+          </p:cNvPr>
+          <p:cNvSpPr>
+            <a:spLocks noGrp="1"/>
+          </p:cNvSpPr>
+          <p:nvPr>
+            <p:ph type="ftr" sz="quarter" idx="11"/>
+          </p:nvPr>
+        </p:nvSpPr>
+        <p:spPr>
+          <a:xfrm>
+            <a:off x="6939873" y="6473558"/>
+            <a:ext cx="4114800" cy="365125"/>
+          </a:xfrm>
+        </p:spPr>
+        <p:txBody>
+          <a:bodyPr/>
+          <a:lstStyle/>
+          <a:p>
+            <a:pPr algn="l"/>
+            <a:r>
+              <a:rPr lang="en-US" dirty="0"/>
+              <a:t>Movie Reviews Filter: Above IMDB Average  7</a:t>
+            </a:r>
+          </a:p>
+          <a:p>
+            <a:pPr algn="l"/>
+            <a:r>
+              <a:rPr lang="en-US" dirty="0"/>
+              <a:t>Adventure Pairings with Action, Comedy, Animation and Sci-Fi </a:t>
+            </a:r>
+          </a:p>
+          <a:p>
+            <a:endParaRPr lang="en-US" dirty="0"/>
+          </a:p>
+        </p:txBody>
+      </p:sp>
+      <p:sp>
+        <p:nvSpPr>
+          <p:cNvPr id="21" name="Slide Number Placeholder 20">
+            <a:extLst>
+              <a:ext uri="{FF2B5EF4-FFF2-40B4-BE49-F238E27FC236}">
+                <a16:creationId xmlns:a16="http://schemas.microsoft.com/office/drawing/2014/main" id="{B6E6CDF8-3304-662A-D3D3-029C28AA53EF}"/>
+              </a:ext>
+            </a:extLst>
+          </p:cNvPr>
+          <p:cNvSpPr>
+            <a:spLocks noGrp="1"/>
+          </p:cNvSpPr>
+          <p:nvPr>
+            <p:ph type="sldNum" sz="quarter" idx="12"/>
+          </p:nvPr>
+        </p:nvSpPr>
+        <p:spPr>
+          <a:xfrm>
+            <a:off x="10913012" y="6356350"/>
+            <a:ext cx="440788" cy="365125"/>
+          </a:xfrm>
+        </p:spPr>
+        <p:txBody>
+          <a:bodyPr/>
+          <a:lstStyle/>
+          <a:p>
+            <a:fld id="{9B1D7D9B-CDE6-6440-8F5F-ADF9B5401534}" type="slidenum">
+              <a:rPr lang="en-US" smtClean="0"/>
+              <a:t>8</a:t>
+            </a:fld>
+            <a:endParaRPr lang="en-US" dirty="0"/>
+          </a:p>
+        </p:txBody>
+      </p:sp>
+      <p:pic>
+        <p:nvPicPr>
+          <p:cNvPr id="11" name="Graphic 10" descr="Badge Cross with solid fill">
+            <a:extLst>
+              <a:ext uri="{FF2B5EF4-FFF2-40B4-BE49-F238E27FC236}">
+                <a16:creationId xmlns:a16="http://schemas.microsoft.com/office/drawing/2014/main" id="{D0ECE381-07D9-99EF-0161-FA8BE00FA51A}"/>
+              </a:ext>
+            </a:extLst>
+          </p:cNvPr>
+          <p:cNvPicPr>
+            <a:picLocks noChangeAspect="1"/>
+          </p:cNvPicPr>
+          <p:nvPr/>
+        </p:nvPicPr>
+        <p:blipFill>
+          <a:blip r:embed="rId3">
+            <a:extLst>
+              <a:ext uri="{96DAC541-7B7A-43D3-8B79-37D633B846F1}">
+                <asvg:svgBlip xmlns:asvg="http://schemas.microsoft.com/office/drawing/2016/SVG/main" r:embed="rId4"/>
+              </a:ext>
+            </a:extLst>
+          </a:blip>
+          <a:stretch>
+            <a:fillRect/>
+          </a:stretch>
+        </p:blipFill>
+        <p:spPr>
+          <a:xfrm>
+            <a:off x="9661250" y="3609280"/>
+            <a:ext cx="339356" cy="339356"/>
+          </a:xfrm>
+          <a:prstGeom prst="rect">
+            <a:avLst/>
+          </a:prstGeom>
+        </p:spPr>
+      </p:pic>
+      <p:pic>
+        <p:nvPicPr>
+          <p:cNvPr id="17" name="Graphic 16" descr="Badge Cross with solid fill">
+            <a:extLst>
+              <a:ext uri="{FF2B5EF4-FFF2-40B4-BE49-F238E27FC236}">
+                <a16:creationId xmlns:a16="http://schemas.microsoft.com/office/drawing/2014/main" id="{8100BFD1-AE56-F18A-6AA3-07AB30FE5432}"/>
+              </a:ext>
+            </a:extLst>
+          </p:cNvPr>
+          <p:cNvPicPr>
+            <a:picLocks noChangeAspect="1"/>
+          </p:cNvPicPr>
+          <p:nvPr/>
+        </p:nvPicPr>
+        <p:blipFill>
+          <a:blip r:embed="rId3">
+            <a:extLst>
+              <a:ext uri="{96DAC541-7B7A-43D3-8B79-37D633B846F1}">
+                <asvg:svgBlip xmlns:asvg="http://schemas.microsoft.com/office/drawing/2016/SVG/main" r:embed="rId4"/>
+              </a:ext>
+            </a:extLst>
+          </a:blip>
+          <a:stretch>
+            <a:fillRect/>
+          </a:stretch>
+        </p:blipFill>
+        <p:spPr>
+          <a:xfrm>
+            <a:off x="7822529" y="3609289"/>
+            <a:ext cx="339356" cy="339356"/>
+          </a:xfrm>
+          <a:prstGeom prst="rect">
+            <a:avLst/>
+          </a:prstGeom>
+        </p:spPr>
+      </p:pic>
+      <p:pic>
+        <p:nvPicPr>
+          <p:cNvPr id="18" name="Graphic 17" descr="Badge Cross with solid fill">
+            <a:extLst>
+              <a:ext uri="{FF2B5EF4-FFF2-40B4-BE49-F238E27FC236}">
+                <a16:creationId xmlns:a16="http://schemas.microsoft.com/office/drawing/2014/main" id="{C17AAA5A-FC72-2725-203E-67319F74B790}"/>
+              </a:ext>
+            </a:extLst>
+          </p:cNvPr>
+          <p:cNvPicPr>
+            <a:picLocks noChangeAspect="1"/>
+          </p:cNvPicPr>
+          <p:nvPr/>
+        </p:nvPicPr>
+        <p:blipFill>
+          <a:blip r:embed="rId3">
+            <a:extLst>
+              <a:ext uri="{96DAC541-7B7A-43D3-8B79-37D633B846F1}">
+                <asvg:svgBlip xmlns:asvg="http://schemas.microsoft.com/office/drawing/2016/SVG/main" r:embed="rId4"/>
+              </a:ext>
+            </a:extLst>
+          </a:blip>
+          <a:stretch>
+            <a:fillRect/>
+          </a:stretch>
+        </p:blipFill>
+        <p:spPr>
+          <a:xfrm>
+            <a:off x="2283720" y="3608844"/>
+            <a:ext cx="339356" cy="339356"/>
+          </a:xfrm>
+          <a:prstGeom prst="rect">
+            <a:avLst/>
+          </a:prstGeom>
+        </p:spPr>
+      </p:pic>
+      <p:pic>
+        <p:nvPicPr>
+          <p:cNvPr id="25" name="Graphic 24" descr="Badge Tick with solid fill">
+            <a:extLst>
+              <a:ext uri="{FF2B5EF4-FFF2-40B4-BE49-F238E27FC236}">
+                <a16:creationId xmlns:a16="http://schemas.microsoft.com/office/drawing/2014/main" id="{7E84DC13-15D0-89BB-76CE-04BF7F491F31}"/>
+              </a:ext>
+            </a:extLst>
+          </p:cNvPr>
+          <p:cNvPicPr>
+            <a:picLocks noChangeAspect="1"/>
+          </p:cNvPicPr>
+          <p:nvPr/>
+        </p:nvPicPr>
+        <p:blipFill>
+          <a:blip r:embed="rId5">
+            <a:extLst>
+              <a:ext uri="{96DAC541-7B7A-43D3-8B79-37D633B846F1}">
+                <asvg:svgBlip xmlns:asvg="http://schemas.microsoft.com/office/drawing/2016/SVG/main" r:embed="rId6"/>
+              </a:ext>
+            </a:extLst>
+          </a:blip>
+          <a:stretch>
+            <a:fillRect/>
+          </a:stretch>
+        </p:blipFill>
+        <p:spPr>
+          <a:xfrm>
+            <a:off x="5875075" y="3142129"/>
+            <a:ext cx="573742" cy="573742"/>
+          </a:xfrm>
+          <a:prstGeom prst="rect">
+            <a:avLst/>
+          </a:prstGeom>
+        </p:spPr>
+      </p:pic>
+      <p:pic>
+        <p:nvPicPr>
+          <p:cNvPr id="26" name="Graphic 25" descr="Badge Tick with solid fill">
+            <a:extLst>
+              <a:ext uri="{FF2B5EF4-FFF2-40B4-BE49-F238E27FC236}">
+                <a16:creationId xmlns:a16="http://schemas.microsoft.com/office/drawing/2014/main" id="{8AFB3B17-7093-7B62-A96A-289328E968E8}"/>
+              </a:ext>
+            </a:extLst>
+          </p:cNvPr>
+          <p:cNvPicPr>
+            <a:picLocks noChangeAspect="1"/>
+          </p:cNvPicPr>
+          <p:nvPr/>
+        </p:nvPicPr>
+        <p:blipFill>
+          <a:blip r:embed="rId5">
+            <a:extLst>
+              <a:ext uri="{96DAC541-7B7A-43D3-8B79-37D633B846F1}">
+                <asvg:svgBlip xmlns:asvg="http://schemas.microsoft.com/office/drawing/2016/SVG/main" r:embed="rId6"/>
+              </a:ext>
+            </a:extLst>
+          </a:blip>
+          <a:stretch>
+            <a:fillRect/>
+          </a:stretch>
+        </p:blipFill>
+        <p:spPr>
+          <a:xfrm>
+            <a:off x="3996737" y="3148981"/>
+            <a:ext cx="573742" cy="573742"/>
+          </a:xfrm>
+          <a:prstGeom prst="rect">
+            <a:avLst/>
+          </a:prstGeom>
+        </p:spPr>
+      </p:pic>
+      <p:sp>
+        <p:nvSpPr>
+          <p:cNvPr id="27" name="Rectangle 26">
+            <a:extLst>
+              <a:ext uri="{FF2B5EF4-FFF2-40B4-BE49-F238E27FC236}">
+                <a16:creationId xmlns:a16="http://schemas.microsoft.com/office/drawing/2014/main" id="{A5FD3DD0-4663-11A1-EE09-6E18CCC2DA66}"/>
+              </a:ext>
+            </a:extLst>
+          </p:cNvPr>
+          <p:cNvSpPr/>
+          <p:nvPr/>
+        </p:nvSpPr>
+        <p:spPr>
+          <a:xfrm>
+            <a:off x="1830753" y="5461074"/>
+            <a:ext cx="8408007" cy="646331"/>
+          </a:xfrm>
+          <a:prstGeom prst="rect">
+            <a:avLst/>
+          </a:prstGeom>
+          <a:noFill/>
+          <a:ln w="76200">
+            <a:solidFill>
+              <a:srgbClr val="FF0000"/>
+            </a:solidFill>
+          </a:ln>
+        </p:spPr>
+        <p:txBody>
+          <a:bodyPr wrap="none" lIns="91440" tIns="45720" rIns="91440" bIns="45720">
+            <a:spAutoFit/>
+          </a:bodyPr>
+          <a:lstStyle/>
+          <a:p>
+            <a:pPr algn="ctr"/>
+            <a:r>
+              <a:rPr lang="en-US" sz="3600" b="1" cap="none" spc="0" dirty="0">
+                <a:ln w="9525">
+                  <a:solidFill>
+                    <a:schemeClr val="bg1"/>
+                  </a:solidFill>
+                  <a:prstDash val="solid"/>
+                </a:ln>
+                <a:solidFill>
+                  <a:schemeClr val="tx1"/>
+                </a:solidFill>
+                <a:effectLst>
+                  <a:outerShdw blurRad="12700" dist="38100" dir="2700000" algn="tl" rotWithShape="0">
+                    <a:schemeClr val="bg1">
+                      <a:lumMod val="50000"/>
+                    </a:schemeClr>
+                  </a:outerShdw>
+                </a:effectLst>
+              </a:rPr>
+              <a:t>FOREIGN PROFITS DOMINATE NET PROFITS</a:t>
+            </a:r>
+          </a:p>
+        </p:txBody>
+      </p:sp>
       <p:grpSp>
         <p:nvGrpSpPr>
-          <p:cNvPr id="4" name="Group 3">
-            <a:extLst>
-              <a:ext uri="{FF2B5EF4-FFF2-40B4-BE49-F238E27FC236}">
-                <a16:creationId xmlns:a16="http://schemas.microsoft.com/office/drawing/2014/main" id="{593F9ACD-8CD4-0519-4838-F2D16442150C}"/>
+          <p:cNvPr id="31" name="Group 30">
+            <a:extLst>
+              <a:ext uri="{FF2B5EF4-FFF2-40B4-BE49-F238E27FC236}">
+                <a16:creationId xmlns:a16="http://schemas.microsoft.com/office/drawing/2014/main" id="{CD16086E-83BD-9F28-A699-58EE010BE7FC}"/>
               </a:ext>
             </a:extLst>
           </p:cNvPr>
@@ -11868,18 +12168,62 @@
         </p:nvGrpSpPr>
         <p:grpSpPr>
           <a:xfrm>
-            <a:off x="147193" y="0"/>
-            <a:ext cx="3345515" cy="830997"/>
-            <a:chOff x="686839" y="3297846"/>
-            <a:chExt cx="3345515" cy="830997"/>
+            <a:off x="0" y="0"/>
+            <a:ext cx="8028000" cy="608507"/>
+            <a:chOff x="0" y="0"/>
+            <a:chExt cx="8028000" cy="608507"/>
           </a:xfrm>
         </p:grpSpPr>
+        <p:sp>
+          <p:nvSpPr>
+            <p:cNvPr id="32" name="Rectangle 31">
+              <a:extLst>
+                <a:ext uri="{FF2B5EF4-FFF2-40B4-BE49-F238E27FC236}">
+                  <a16:creationId xmlns:a16="http://schemas.microsoft.com/office/drawing/2014/main" id="{173FE197-B6BB-E803-D741-D0C64C44CE21}"/>
+                </a:ext>
+              </a:extLst>
+            </p:cNvPr>
+            <p:cNvSpPr/>
+            <p:nvPr/>
+          </p:nvSpPr>
+          <p:spPr>
+            <a:xfrm>
+              <a:off x="544536" y="73420"/>
+              <a:ext cx="7483464" cy="461665"/>
+            </a:xfrm>
+            <a:prstGeom prst="rect">
+              <a:avLst/>
+            </a:prstGeom>
+            <a:noFill/>
+          </p:spPr>
+          <p:txBody>
+            <a:bodyPr wrap="square" lIns="91440" tIns="45720" rIns="91440" bIns="45720">
+              <a:spAutoFit/>
+            </a:bodyPr>
+            <a:lstStyle/>
+            <a:p>
+              <a:r>
+                <a:rPr lang="en-US" sz="2400" b="1" dirty="0">
+                  <a:ln w="0"/>
+                  <a:effectLst>
+                    <a:outerShdw blurRad="38100" dist="19050" dir="2700000" algn="tl" rotWithShape="0">
+                      <a:schemeClr val="dk1">
+                        <a:alpha val="40000"/>
+                      </a:schemeClr>
+                    </a:outerShdw>
+                  </a:effectLst>
+                </a:rPr>
+                <a:t>PROFITABILITY WITH DOMESTIC VS FOREIGN LAUNCH</a:t>
+              </a:r>
+            </a:p>
+          </p:txBody>
+        </p:sp>
         <p:pic>
           <p:nvPicPr>
-            <p:cNvPr id="5" name="Picture 4" descr="Focus Vector SVG Icon (17) - SVG Repo">
+            <p:cNvPr id="33" name="Picture 2" descr="Target, goal Icon in Marketing (Outline) icon set">
               <a:extLst>
                 <a:ext uri="{FF2B5EF4-FFF2-40B4-BE49-F238E27FC236}">
-                  <a16:creationId xmlns:a16="http://schemas.microsoft.com/office/drawing/2014/main" id="{E6AFC26A-6671-FC58-581F-CBCDF23BBD0C}"/>
+                  <a16:creationId xmlns:a16="http://schemas.microsoft.com/office/drawing/2014/main" id="{35126BFA-0068-EE22-8B1D-E56BE0089167}"/>
                 </a:ext>
               </a:extLst>
             </p:cNvPr>
@@ -11889,7 +12233,7 @@
             <p:nvPr/>
           </p:nvPicPr>
           <p:blipFill>
-            <a:blip r:embed="rId2">
+            <a:blip r:embed="rId7">
               <a:extLst>
                 <a:ext uri="{28A0092B-C50C-407E-A947-70E740481C1C}">
                   <a14:useLocalDpi xmlns:a14="http://schemas.microsoft.com/office/drawing/2010/main" val="0"/>
@@ -11903,8 +12247,8 @@
           </p:blipFill>
           <p:spPr bwMode="auto">
             <a:xfrm>
-              <a:off x="686839" y="3414010"/>
-              <a:ext cx="543404" cy="543404"/>
+              <a:off x="0" y="0"/>
+              <a:ext cx="608507" cy="608507"/>
             </a:xfrm>
             <a:prstGeom prst="rect">
               <a:avLst/>
@@ -11921,545 +12265,11 @@
             </a:extLst>
           </p:spPr>
         </p:pic>
-        <p:sp>
-          <p:nvSpPr>
-            <p:cNvPr id="6" name="Rectangle 5">
-              <a:extLst>
-                <a:ext uri="{FF2B5EF4-FFF2-40B4-BE49-F238E27FC236}">
-                  <a16:creationId xmlns:a16="http://schemas.microsoft.com/office/drawing/2014/main" id="{0E508828-6494-C2C3-97A2-E37827AADFFA}"/>
-                </a:ext>
-              </a:extLst>
-            </p:cNvPr>
-            <p:cNvSpPr/>
-            <p:nvPr/>
-          </p:nvSpPr>
-          <p:spPr>
-            <a:xfrm>
-              <a:off x="1040983" y="3297846"/>
-              <a:ext cx="2991371" cy="830997"/>
-            </a:xfrm>
-            <a:prstGeom prst="rect">
-              <a:avLst/>
-            </a:prstGeom>
-            <a:noFill/>
-          </p:spPr>
-          <p:txBody>
-            <a:bodyPr wrap="square" lIns="91440" tIns="45720" rIns="91440" bIns="45720">
-              <a:spAutoFit/>
-            </a:bodyPr>
-            <a:lstStyle/>
-            <a:p>
-              <a:pPr algn="ctr"/>
-              <a:r>
-                <a:rPr lang="en-US" sz="2400" b="1" dirty="0">
-                  <a:ln w="0"/>
-                  <a:effectLst>
-                    <a:outerShdw blurRad="38100" dist="19050" dir="2700000" algn="tl" rotWithShape="0">
-                      <a:schemeClr val="dk1">
-                        <a:alpha val="40000"/>
-                      </a:schemeClr>
-                    </a:outerShdw>
-                  </a:effectLst>
-                </a:rPr>
-                <a:t>WHICH GENRES TO FOCUS ON?</a:t>
-              </a:r>
-            </a:p>
-          </p:txBody>
-        </p:sp>
       </p:grpSp>
-      <p:sp>
-        <p:nvSpPr>
-          <p:cNvPr id="7" name="TextBox 6">
-            <a:extLst>
-              <a:ext uri="{FF2B5EF4-FFF2-40B4-BE49-F238E27FC236}">
-                <a16:creationId xmlns:a16="http://schemas.microsoft.com/office/drawing/2014/main" id="{0BB2D146-35B5-470E-6F0A-8999DE0F22CA}"/>
-              </a:ext>
-            </a:extLst>
-          </p:cNvPr>
-          <p:cNvSpPr txBox="1"/>
-          <p:nvPr/>
-        </p:nvSpPr>
-        <p:spPr>
-          <a:xfrm>
-            <a:off x="7045377" y="0"/>
-            <a:ext cx="5146623" cy="369332"/>
-          </a:xfrm>
-          <a:prstGeom prst="rect">
-            <a:avLst/>
-          </a:prstGeom>
-          <a:noFill/>
-        </p:spPr>
-        <p:txBody>
-          <a:bodyPr wrap="square" rtlCol="0">
-            <a:spAutoFit/>
-          </a:bodyPr>
-          <a:lstStyle/>
-          <a:p>
-            <a:pPr algn="r"/>
-            <a:r>
-              <a:rPr lang="en-US" dirty="0"/>
-              <a:t>Genre vs Profits Analysis</a:t>
-            </a:r>
-          </a:p>
-        </p:txBody>
-      </p:sp>
-      <p:sp>
-        <p:nvSpPr>
-          <p:cNvPr id="18" name="TextBox 17">
-            <a:extLst>
-              <a:ext uri="{FF2B5EF4-FFF2-40B4-BE49-F238E27FC236}">
-                <a16:creationId xmlns:a16="http://schemas.microsoft.com/office/drawing/2014/main" id="{500EE6C0-B4B6-4066-4F4B-4C9E011A31DB}"/>
-              </a:ext>
-            </a:extLst>
-          </p:cNvPr>
-          <p:cNvSpPr txBox="1"/>
-          <p:nvPr/>
-        </p:nvSpPr>
-        <p:spPr>
-          <a:xfrm>
-            <a:off x="7847215" y="1983232"/>
-            <a:ext cx="4344785" cy="3693319"/>
-          </a:xfrm>
-          <a:prstGeom prst="rect">
-            <a:avLst/>
-          </a:prstGeom>
-          <a:noFill/>
-        </p:spPr>
-        <p:txBody>
-          <a:bodyPr wrap="square" rtlCol="0">
-            <a:spAutoFit/>
-          </a:bodyPr>
-          <a:lstStyle/>
-          <a:p>
-            <a:pPr marL="342900" indent="-342900">
-              <a:buFont typeface="+mj-lt"/>
-              <a:buAutoNum type="arabicPeriod"/>
-            </a:pPr>
-            <a:r>
-              <a:rPr lang="en-US" dirty="0"/>
-              <a:t>Adventure: 10 groupings </a:t>
-            </a:r>
-          </a:p>
-          <a:p>
-            <a:pPr marL="342900" indent="-342900">
-              <a:buAutoNum type="arabicPeriod"/>
-            </a:pPr>
-            <a:r>
-              <a:rPr lang="en-US" dirty="0"/>
-              <a:t>Action: 7 groupings </a:t>
-            </a:r>
-          </a:p>
-          <a:p>
-            <a:pPr marL="342900" indent="-342900">
-              <a:buAutoNum type="arabicPeriod"/>
-            </a:pPr>
-            <a:r>
-              <a:rPr lang="en-US" dirty="0"/>
-              <a:t>Fantasy: 6 groupings </a:t>
-            </a:r>
-          </a:p>
-          <a:p>
-            <a:pPr marL="342900" indent="-342900">
-              <a:buAutoNum type="arabicPeriod"/>
-            </a:pPr>
-            <a:r>
-              <a:rPr lang="en-US" dirty="0"/>
-              <a:t>Family: 5 groupings</a:t>
-            </a:r>
-          </a:p>
-          <a:p>
-            <a:pPr marL="342900" indent="-342900">
-              <a:buAutoNum type="arabicPeriod"/>
-            </a:pPr>
-            <a:r>
-              <a:rPr lang="en-US" dirty="0"/>
-              <a:t>Comedy : 5 groupings </a:t>
-            </a:r>
-          </a:p>
-          <a:p>
-            <a:pPr marL="342900" indent="-342900">
-              <a:buAutoNum type="arabicPeriod"/>
-            </a:pPr>
-            <a:r>
-              <a:rPr lang="en-US" dirty="0"/>
-              <a:t>Animation: 4 grouping</a:t>
-            </a:r>
-          </a:p>
-          <a:p>
-            <a:pPr marL="342900" indent="-342900">
-              <a:buAutoNum type="arabicPeriod"/>
-            </a:pPr>
-            <a:r>
-              <a:rPr lang="en-US" dirty="0"/>
-              <a:t>Sci-fi: 4 groupings </a:t>
-            </a:r>
-          </a:p>
-          <a:p>
-            <a:pPr marL="342900" indent="-342900">
-              <a:buAutoNum type="arabicPeriod"/>
-            </a:pPr>
-            <a:r>
-              <a:rPr lang="en-US" dirty="0"/>
-              <a:t>Musical: 2 groupings</a:t>
-            </a:r>
-          </a:p>
-          <a:p>
-            <a:pPr marL="342900" indent="-342900">
-              <a:buAutoNum type="arabicPeriod"/>
-            </a:pPr>
-            <a:r>
-              <a:rPr lang="en-US" dirty="0"/>
-              <a:t>Thriller: 2 groupings </a:t>
-            </a:r>
-          </a:p>
-          <a:p>
-            <a:pPr marL="342900" indent="-342900">
-              <a:buAutoNum type="arabicPeriod"/>
-            </a:pPr>
-            <a:r>
-              <a:rPr lang="en-US" dirty="0"/>
-              <a:t>Drama, Mystery, Documentary, History : 1 groupings each</a:t>
-            </a:r>
-            <a:br>
-              <a:rPr lang="en-US" dirty="0"/>
-            </a:br>
-            <a:endParaRPr lang="en-US" dirty="0"/>
-          </a:p>
-          <a:p>
-            <a:endParaRPr lang="en-US" dirty="0"/>
-          </a:p>
-        </p:txBody>
-      </p:sp>
-      <p:sp>
-        <p:nvSpPr>
-          <p:cNvPr id="3" name="TextBox 2">
-            <a:extLst>
-              <a:ext uri="{FF2B5EF4-FFF2-40B4-BE49-F238E27FC236}">
-                <a16:creationId xmlns:a16="http://schemas.microsoft.com/office/drawing/2014/main" id="{461DAECE-5F08-C6A5-7F40-0D8BD0FC84B5}"/>
-              </a:ext>
-            </a:extLst>
-          </p:cNvPr>
-          <p:cNvSpPr txBox="1"/>
-          <p:nvPr/>
-        </p:nvSpPr>
-        <p:spPr>
-          <a:xfrm>
-            <a:off x="8300741" y="625864"/>
-            <a:ext cx="3113141" cy="923330"/>
-          </a:xfrm>
-          <a:prstGeom prst="rect">
-            <a:avLst/>
-          </a:prstGeom>
-          <a:noFill/>
-        </p:spPr>
-        <p:txBody>
-          <a:bodyPr wrap="square" rtlCol="0">
-            <a:spAutoFit/>
-          </a:bodyPr>
-          <a:lstStyle/>
-          <a:p>
-            <a:r>
-              <a:rPr lang="en-US" dirty="0"/>
-              <a:t>POSITIVE VIEWER RESPONSE</a:t>
-            </a:r>
-          </a:p>
-          <a:p>
-            <a:r>
-              <a:rPr lang="en-US" dirty="0"/>
-              <a:t>PROFITABLE</a:t>
-            </a:r>
-          </a:p>
-          <a:p>
-            <a:r>
-              <a:rPr lang="en-US" dirty="0"/>
-              <a:t>IMPACTFUL MARKET ENTRY</a:t>
-            </a:r>
-          </a:p>
-        </p:txBody>
-      </p:sp>
-      <p:grpSp>
-        <p:nvGrpSpPr>
-          <p:cNvPr id="8" name="Group 7">
-            <a:extLst>
-              <a:ext uri="{FF2B5EF4-FFF2-40B4-BE49-F238E27FC236}">
-                <a16:creationId xmlns:a16="http://schemas.microsoft.com/office/drawing/2014/main" id="{010E35E1-B609-A9A3-5B1F-62A0EE784CC4}"/>
-              </a:ext>
-            </a:extLst>
-          </p:cNvPr>
-          <p:cNvGrpSpPr/>
-          <p:nvPr/>
-        </p:nvGrpSpPr>
-        <p:grpSpPr>
-          <a:xfrm>
-            <a:off x="7944200" y="718804"/>
-            <a:ext cx="478266" cy="727254"/>
-            <a:chOff x="8902710" y="5725817"/>
-            <a:chExt cx="478266" cy="727254"/>
-          </a:xfrm>
-        </p:grpSpPr>
-        <p:pic>
-          <p:nvPicPr>
-            <p:cNvPr id="9" name="Picture 8" descr="Shape&#10;&#10;Description automatically generated">
-              <a:extLst>
-                <a:ext uri="{FF2B5EF4-FFF2-40B4-BE49-F238E27FC236}">
-                  <a16:creationId xmlns:a16="http://schemas.microsoft.com/office/drawing/2014/main" id="{17E19314-8310-A744-4B9F-648BABE722E9}"/>
-                </a:ext>
-              </a:extLst>
-            </p:cNvPr>
-            <p:cNvPicPr>
-              <a:picLocks noChangeAspect="1"/>
-            </p:cNvPicPr>
-            <p:nvPr/>
-          </p:nvPicPr>
-          <p:blipFill>
-            <a:blip r:embed="rId3">
-              <a:extLst>
-                <a:ext uri="{837473B0-CC2E-450A-ABE3-18F120FF3D39}">
-                  <a1611:picAttrSrcUrl xmlns:a1611="http://schemas.microsoft.com/office/drawing/2016/11/main" r:id="rId4"/>
-                </a:ext>
-              </a:extLst>
-            </a:blip>
-            <a:stretch>
-              <a:fillRect/>
-            </a:stretch>
-          </p:blipFill>
-          <p:spPr>
-            <a:xfrm>
-              <a:off x="9031299" y="5725817"/>
-              <a:ext cx="217868" cy="190681"/>
-            </a:xfrm>
-            <a:prstGeom prst="rect">
-              <a:avLst/>
-            </a:prstGeom>
-          </p:spPr>
-        </p:pic>
-        <p:pic>
-          <p:nvPicPr>
-            <p:cNvPr id="10" name="Picture 9" descr="Icon&#10;&#10;Description automatically generated">
-              <a:extLst>
-                <a:ext uri="{FF2B5EF4-FFF2-40B4-BE49-F238E27FC236}">
-                  <a16:creationId xmlns:a16="http://schemas.microsoft.com/office/drawing/2014/main" id="{567DECBE-381C-1FD6-606D-3008955635D2}"/>
-                </a:ext>
-              </a:extLst>
-            </p:cNvPr>
-            <p:cNvPicPr>
-              <a:picLocks noChangeAspect="1"/>
-            </p:cNvPicPr>
-            <p:nvPr/>
-          </p:nvPicPr>
-          <p:blipFill>
-            <a:blip r:embed="rId5">
-              <a:extLst>
-                <a:ext uri="{837473B0-CC2E-450A-ABE3-18F120FF3D39}">
-                  <a1611:picAttrSrcUrl xmlns:a1611="http://schemas.microsoft.com/office/drawing/2016/11/main" r:id="rId6"/>
-                </a:ext>
-              </a:extLst>
-            </a:blip>
-            <a:stretch>
-              <a:fillRect/>
-            </a:stretch>
-          </p:blipFill>
-          <p:spPr>
-            <a:xfrm>
-              <a:off x="8902710" y="5945084"/>
-              <a:ext cx="478266" cy="298916"/>
-            </a:xfrm>
-            <a:prstGeom prst="rect">
-              <a:avLst/>
-            </a:prstGeom>
-          </p:spPr>
-        </p:pic>
-        <p:pic>
-          <p:nvPicPr>
-            <p:cNvPr id="11" name="Picture 10" descr="Shape&#10;&#10;Description automatically generated">
-              <a:extLst>
-                <a:ext uri="{FF2B5EF4-FFF2-40B4-BE49-F238E27FC236}">
-                  <a16:creationId xmlns:a16="http://schemas.microsoft.com/office/drawing/2014/main" id="{0FAC6956-5FDC-A629-39AC-D46C724C0908}"/>
-                </a:ext>
-              </a:extLst>
-            </p:cNvPr>
-            <p:cNvPicPr>
-              <a:picLocks noChangeAspect="1"/>
-            </p:cNvPicPr>
-            <p:nvPr/>
-          </p:nvPicPr>
-          <p:blipFill>
-            <a:blip r:embed="rId3">
-              <a:extLst>
-                <a:ext uri="{837473B0-CC2E-450A-ABE3-18F120FF3D39}">
-                  <a1611:picAttrSrcUrl xmlns:a1611="http://schemas.microsoft.com/office/drawing/2016/11/main" r:id="rId4"/>
-                </a:ext>
-              </a:extLst>
-            </a:blip>
-            <a:stretch>
-              <a:fillRect/>
-            </a:stretch>
-          </p:blipFill>
-          <p:spPr>
-            <a:xfrm>
-              <a:off x="9041383" y="6262390"/>
-              <a:ext cx="217868" cy="190681"/>
-            </a:xfrm>
-            <a:prstGeom prst="rect">
-              <a:avLst/>
-            </a:prstGeom>
-          </p:spPr>
-        </p:pic>
-      </p:grpSp>
-      <p:sp>
-        <p:nvSpPr>
-          <p:cNvPr id="12" name="Rectangle 11">
-            <a:extLst>
-              <a:ext uri="{FF2B5EF4-FFF2-40B4-BE49-F238E27FC236}">
-                <a16:creationId xmlns:a16="http://schemas.microsoft.com/office/drawing/2014/main" id="{74E33DAC-195F-88FD-3197-811DF05FFA77}"/>
-              </a:ext>
-            </a:extLst>
-          </p:cNvPr>
-          <p:cNvSpPr/>
-          <p:nvPr/>
-        </p:nvSpPr>
-        <p:spPr>
-          <a:xfrm>
-            <a:off x="7944200" y="659568"/>
-            <a:ext cx="3187033" cy="889626"/>
-          </a:xfrm>
-          <a:prstGeom prst="rect">
-            <a:avLst/>
-          </a:prstGeom>
-          <a:noFill/>
-          <a:ln w="38100">
-            <a:solidFill>
-              <a:srgbClr val="FF0000"/>
-            </a:solidFill>
-          </a:ln>
-        </p:spPr>
-        <p:style>
-          <a:lnRef idx="2">
-            <a:schemeClr val="accent1">
-              <a:shade val="50000"/>
-            </a:schemeClr>
-          </a:lnRef>
-          <a:fillRef idx="1">
-            <a:schemeClr val="accent1"/>
-          </a:fillRef>
-          <a:effectRef idx="0">
-            <a:schemeClr val="accent1"/>
-          </a:effectRef>
-          <a:fontRef idx="minor">
-            <a:schemeClr val="lt1"/>
-          </a:fontRef>
-        </p:style>
-        <p:txBody>
-          <a:bodyPr rtlCol="0" anchor="ctr"/>
-          <a:lstStyle/>
-          <a:p>
-            <a:pPr algn="ctr"/>
-            <a:endParaRPr lang="en-US"/>
-          </a:p>
-        </p:txBody>
-      </p:sp>
-      <p:sp>
-        <p:nvSpPr>
-          <p:cNvPr id="14" name="Slide Number Placeholder 13">
-            <a:extLst>
-              <a:ext uri="{FF2B5EF4-FFF2-40B4-BE49-F238E27FC236}">
-                <a16:creationId xmlns:a16="http://schemas.microsoft.com/office/drawing/2014/main" id="{9C438E29-D275-8FA0-6E82-D9DC7D66CB99}"/>
-              </a:ext>
-            </a:extLst>
-          </p:cNvPr>
-          <p:cNvSpPr>
-            <a:spLocks noGrp="1"/>
-          </p:cNvSpPr>
-          <p:nvPr>
-            <p:ph type="sldNum" sz="quarter" idx="12"/>
-          </p:nvPr>
-        </p:nvSpPr>
-        <p:spPr>
-          <a:xfrm>
-            <a:off x="11028218" y="6356350"/>
-            <a:ext cx="325582" cy="365125"/>
-          </a:xfrm>
-        </p:spPr>
-        <p:txBody>
-          <a:bodyPr/>
-          <a:lstStyle/>
-          <a:p>
-            <a:fld id="{9B1D7D9B-CDE6-6440-8F5F-ADF9B5401534}" type="slidenum">
-              <a:rPr lang="en-US" smtClean="0"/>
-              <a:t>8</a:t>
-            </a:fld>
-            <a:endParaRPr lang="en-US" dirty="0"/>
-          </a:p>
-        </p:txBody>
-      </p:sp>
-      <p:pic>
-        <p:nvPicPr>
-          <p:cNvPr id="15" name="Picture 14">
-            <a:extLst>
-              <a:ext uri="{FF2B5EF4-FFF2-40B4-BE49-F238E27FC236}">
-                <a16:creationId xmlns:a16="http://schemas.microsoft.com/office/drawing/2014/main" id="{49989458-5C79-905D-4F60-6836C2BE7C60}"/>
-              </a:ext>
-            </a:extLst>
-          </p:cNvPr>
-          <p:cNvPicPr>
-            <a:picLocks noChangeAspect="1"/>
-          </p:cNvPicPr>
-          <p:nvPr/>
-        </p:nvPicPr>
-        <p:blipFill>
-          <a:blip r:embed="rId7"/>
-          <a:stretch>
-            <a:fillRect/>
-          </a:stretch>
-        </p:blipFill>
-        <p:spPr>
-          <a:xfrm>
-            <a:off x="69860" y="743380"/>
-            <a:ext cx="7410940" cy="5830256"/>
-          </a:xfrm>
-          <a:prstGeom prst="rect">
-            <a:avLst/>
-          </a:prstGeom>
-        </p:spPr>
-      </p:pic>
-      <p:sp>
-        <p:nvSpPr>
-          <p:cNvPr id="13" name="Footer Placeholder 12">
-            <a:extLst>
-              <a:ext uri="{FF2B5EF4-FFF2-40B4-BE49-F238E27FC236}">
-                <a16:creationId xmlns:a16="http://schemas.microsoft.com/office/drawing/2014/main" id="{AB76EEBE-FC91-C570-E8FA-0FC7BD0CD3B5}"/>
-              </a:ext>
-            </a:extLst>
-          </p:cNvPr>
-          <p:cNvSpPr>
-            <a:spLocks noGrp="1"/>
-          </p:cNvSpPr>
-          <p:nvPr>
-            <p:ph type="ftr" sz="quarter" idx="11"/>
-          </p:nvPr>
-        </p:nvSpPr>
-        <p:spPr>
-          <a:xfrm>
-            <a:off x="6546613" y="6363503"/>
-            <a:ext cx="4114800" cy="365125"/>
-          </a:xfrm>
-        </p:spPr>
-        <p:txBody>
-          <a:bodyPr/>
-          <a:lstStyle/>
-          <a:p>
-            <a:pPr algn="r"/>
-            <a:r>
-              <a:rPr lang="en-US" dirty="0"/>
-              <a:t>Movie Reviews Filter: Above Dataset Average 6.4</a:t>
-            </a:r>
-          </a:p>
-        </p:txBody>
-      </p:sp>
     </p:spTree>
     <p:extLst>
       <p:ext uri="{BB962C8B-B14F-4D97-AF65-F5344CB8AC3E}">
-        <p14:creationId xmlns:p14="http://schemas.microsoft.com/office/powerpoint/2010/main" val="3754630183"/>
+        <p14:creationId xmlns:p14="http://schemas.microsoft.com/office/powerpoint/2010/main" val="1351426283"/>
       </p:ext>
     </p:extLst>
   </p:cSld>
@@ -12488,10 +12298,39 @@
       </p:grpSpPr>
       <p:sp>
         <p:nvSpPr>
-          <p:cNvPr id="4" name="Oval 3">
-            <a:extLst>
-              <a:ext uri="{FF2B5EF4-FFF2-40B4-BE49-F238E27FC236}">
-                <a16:creationId xmlns:a16="http://schemas.microsoft.com/office/drawing/2014/main" id="{F4C33050-90C6-F7E8-ECE2-1B131E3F9AC9}"/>
+          <p:cNvPr id="40" name="Slide Number Placeholder 39">
+            <a:extLst>
+              <a:ext uri="{FF2B5EF4-FFF2-40B4-BE49-F238E27FC236}">
+                <a16:creationId xmlns:a16="http://schemas.microsoft.com/office/drawing/2014/main" id="{BAC89C47-043C-58A4-7185-EEA930D4BB00}"/>
+              </a:ext>
+            </a:extLst>
+          </p:cNvPr>
+          <p:cNvSpPr>
+            <a:spLocks noGrp="1"/>
+          </p:cNvSpPr>
+          <p:nvPr>
+            <p:ph type="sldNum" sz="quarter" idx="12"/>
+          </p:nvPr>
+        </p:nvSpPr>
+        <p:spPr/>
+        <p:txBody>
+          <a:bodyPr/>
+          <a:lstStyle/>
+          <a:p>
+            <a:fld id="{9B1D7D9B-CDE6-6440-8F5F-ADF9B5401534}" type="slidenum">
+              <a:rPr lang="en-US" smtClean="0"/>
+              <a:t>9</a:t>
+            </a:fld>
+            <a:endParaRPr lang="en-US"/>
+          </a:p>
+        </p:txBody>
+      </p:sp>
+      <p:sp>
+        <p:nvSpPr>
+          <p:cNvPr id="13" name="Rectangle 12">
+            <a:extLst>
+              <a:ext uri="{FF2B5EF4-FFF2-40B4-BE49-F238E27FC236}">
+                <a16:creationId xmlns:a16="http://schemas.microsoft.com/office/drawing/2014/main" id="{2C609AC3-B00A-F161-E31A-6DD10CC8AD8B}"/>
               </a:ext>
             </a:extLst>
           </p:cNvPr>
@@ -12500,112 +12339,8 @@
         </p:nvSpPr>
         <p:spPr>
           <a:xfrm>
-            <a:off x="1934093" y="891539"/>
-            <a:ext cx="5696989" cy="5592387"/>
-          </a:xfrm>
-          <a:prstGeom prst="ellipse">
-            <a:avLst/>
-          </a:prstGeom>
-          <a:noFill/>
-          <a:ln w="76200">
-            <a:solidFill>
-              <a:srgbClr val="00B050"/>
-            </a:solidFill>
-          </a:ln>
-        </p:spPr>
-        <p:style>
-          <a:lnRef idx="2">
-            <a:schemeClr val="accent1">
-              <a:shade val="50000"/>
-            </a:schemeClr>
-          </a:lnRef>
-          <a:fillRef idx="1">
-            <a:schemeClr val="accent1"/>
-          </a:fillRef>
-          <a:effectRef idx="0">
-            <a:schemeClr val="accent1"/>
-          </a:effectRef>
-          <a:fontRef idx="minor">
-            <a:schemeClr val="lt1"/>
-          </a:fontRef>
-        </p:style>
-        <p:txBody>
-          <a:bodyPr rtlCol="0" anchor="ctr"/>
-          <a:lstStyle/>
-          <a:p>
-            <a:pPr algn="ctr"/>
-            <a:endParaRPr lang="en-US"/>
-          </a:p>
-        </p:txBody>
-      </p:sp>
-      <p:sp>
-        <p:nvSpPr>
-          <p:cNvPr id="6" name="Oval 5">
-            <a:extLst>
-              <a:ext uri="{FF2B5EF4-FFF2-40B4-BE49-F238E27FC236}">
-                <a16:creationId xmlns:a16="http://schemas.microsoft.com/office/drawing/2014/main" id="{DF9FD16F-3629-A932-DC7D-F0FF3DD7B379}"/>
-              </a:ext>
-            </a:extLst>
-          </p:cNvPr>
-          <p:cNvSpPr/>
-          <p:nvPr/>
-        </p:nvSpPr>
-        <p:spPr>
-          <a:xfrm>
-            <a:off x="4688378" y="891539"/>
-            <a:ext cx="5696989" cy="5592387"/>
-          </a:xfrm>
-          <a:prstGeom prst="ellipse">
-            <a:avLst/>
-          </a:prstGeom>
-          <a:noFill/>
-          <a:ln w="76200">
-            <a:solidFill>
-              <a:srgbClr val="0070C0"/>
-            </a:solidFill>
-          </a:ln>
-        </p:spPr>
-        <p:style>
-          <a:lnRef idx="2">
-            <a:schemeClr val="accent1">
-              <a:shade val="50000"/>
-            </a:schemeClr>
-          </a:lnRef>
-          <a:fillRef idx="1">
-            <a:schemeClr val="accent1"/>
-          </a:fillRef>
-          <a:effectRef idx="0">
-            <a:schemeClr val="accent1"/>
-          </a:effectRef>
-          <a:fontRef idx="minor">
-            <a:schemeClr val="lt1"/>
-          </a:fontRef>
-        </p:style>
-        <p:txBody>
-          <a:bodyPr rtlCol="0" anchor="ctr"/>
-          <a:lstStyle/>
-          <a:p>
-            <a:pPr algn="ctr"/>
-            <a:endParaRPr lang="en-US"/>
-          </a:p>
-        </p:txBody>
-      </p:sp>
-      <p:sp>
-        <p:nvSpPr>
-          <p:cNvPr id="7" name="TextBox 6">
-            <a:extLst>
-              <a:ext uri="{FF2B5EF4-FFF2-40B4-BE49-F238E27FC236}">
-                <a16:creationId xmlns:a16="http://schemas.microsoft.com/office/drawing/2014/main" id="{725A8524-B105-A8B8-8ABB-7ECCF1AA8364}"/>
-              </a:ext>
-            </a:extLst>
-          </p:cNvPr>
-          <p:cNvSpPr txBox="1"/>
-          <p:nvPr/>
-        </p:nvSpPr>
-        <p:spPr>
-          <a:xfrm>
-            <a:off x="2234849" y="2949068"/>
-            <a:ext cx="2426119" cy="1754326"/>
+            <a:off x="743917" y="61992"/>
+            <a:ext cx="2991371" cy="461665"/>
           </a:xfrm>
           <a:prstGeom prst="rect">
             <a:avLst/>
@@ -12613,230 +12348,69 @@
           <a:noFill/>
         </p:spPr>
         <p:txBody>
-          <a:bodyPr wrap="square" rtlCol="0">
+          <a:bodyPr wrap="square" lIns="91440" tIns="45720" rIns="91440" bIns="45720">
             <a:spAutoFit/>
           </a:bodyPr>
           <a:lstStyle/>
           <a:p>
-            <a:endParaRPr lang="en-US" dirty="0"/>
-          </a:p>
-          <a:p>
-            <a:pPr marL="342900" indent="-342900">
-              <a:buFont typeface="Arial" panose="020B0604020202020204" pitchFamily="34" charset="0"/>
-              <a:buChar char="•"/>
-            </a:pPr>
             <a:r>
-              <a:rPr lang="en-US" dirty="0"/>
-              <a:t>Drama</a:t>
+              <a:rPr lang="en-US" sz="2400" b="1" dirty="0">
+                <a:ln w="0"/>
+                <a:effectLst>
+                  <a:outerShdw blurRad="38100" dist="19050" dir="2700000" algn="tl" rotWithShape="0">
+                    <a:schemeClr val="dk1">
+                      <a:alpha val="40000"/>
+                    </a:schemeClr>
+                  </a:outerShdw>
+                </a:effectLst>
+              </a:rPr>
+              <a:t>RESULTS</a:t>
             </a:r>
-          </a:p>
-          <a:p>
-            <a:pPr marL="342900" indent="-342900">
-              <a:buFont typeface="Arial" panose="020B0604020202020204" pitchFamily="34" charset="0"/>
-              <a:buChar char="•"/>
-            </a:pPr>
-            <a:r>
-              <a:rPr lang="en-US" dirty="0"/>
-              <a:t>Documentary</a:t>
-            </a:r>
-          </a:p>
-          <a:p>
-            <a:br>
-              <a:rPr lang="en-US" dirty="0"/>
-            </a:br>
-            <a:endParaRPr lang="en-US" dirty="0"/>
-          </a:p>
-          <a:p>
-            <a:endParaRPr lang="en-US" dirty="0"/>
           </a:p>
         </p:txBody>
       </p:sp>
-      <p:sp>
-        <p:nvSpPr>
-          <p:cNvPr id="8" name="TextBox 7">
-            <a:extLst>
-              <a:ext uri="{FF2B5EF4-FFF2-40B4-BE49-F238E27FC236}">
-                <a16:creationId xmlns:a16="http://schemas.microsoft.com/office/drawing/2014/main" id="{C09B6638-4BAA-6B24-0755-DC6C1F2745AC}"/>
-              </a:ext>
-            </a:extLst>
-          </p:cNvPr>
-          <p:cNvSpPr txBox="1"/>
+      <p:pic>
+        <p:nvPicPr>
+          <p:cNvPr id="18" name="Graphic 17" descr="Presentation with pie chart with solid fill">
+            <a:extLst>
+              <a:ext uri="{FF2B5EF4-FFF2-40B4-BE49-F238E27FC236}">
+                <a16:creationId xmlns:a16="http://schemas.microsoft.com/office/drawing/2014/main" id="{C3364562-96F8-05E7-23DC-729441B64D90}"/>
+              </a:ext>
+            </a:extLst>
+          </p:cNvPr>
+          <p:cNvPicPr>
+            <a:picLocks noChangeAspect="1"/>
+          </p:cNvPicPr>
           <p:nvPr/>
-        </p:nvSpPr>
+        </p:nvPicPr>
+        <p:blipFill>
+          <a:blip r:embed="rId2">
+            <a:extLst>
+              <a:ext uri="{96DAC541-7B7A-43D3-8B79-37D633B846F1}">
+                <asvg:svgBlip xmlns:asvg="http://schemas.microsoft.com/office/drawing/2016/SVG/main" r:embed="rId3"/>
+              </a:ext>
+            </a:extLst>
+          </a:blip>
+          <a:stretch>
+            <a:fillRect/>
+          </a:stretch>
+        </p:blipFill>
         <p:spPr>
           <a:xfrm>
-            <a:off x="7669876" y="2395070"/>
-            <a:ext cx="2715491" cy="2862322"/>
+            <a:off x="0" y="-89115"/>
+            <a:ext cx="914400" cy="914400"/>
           </a:xfrm>
           <a:prstGeom prst="rect">
             <a:avLst/>
           </a:prstGeom>
-          <a:noFill/>
         </p:spPr>
-        <p:txBody>
-          <a:bodyPr wrap="square" rtlCol="0">
-            <a:spAutoFit/>
-          </a:bodyPr>
-          <a:lstStyle/>
-          <a:p>
-            <a:endParaRPr lang="en-US" dirty="0"/>
-          </a:p>
-          <a:p>
-            <a:pPr marL="342900" indent="-342900">
-              <a:buFont typeface="Arial" panose="020B0604020202020204" pitchFamily="34" charset="0"/>
-              <a:buChar char="•"/>
-            </a:pPr>
-            <a:r>
-              <a:rPr lang="en-US" dirty="0"/>
-              <a:t>Fantasy: 6 groupings </a:t>
-            </a:r>
-          </a:p>
-          <a:p>
-            <a:pPr marL="342900" indent="-342900">
-              <a:buFont typeface="Arial" panose="020B0604020202020204" pitchFamily="34" charset="0"/>
-              <a:buChar char="•"/>
-            </a:pPr>
-            <a:r>
-              <a:rPr lang="en-US" dirty="0"/>
-              <a:t>Family: 5 groupings</a:t>
-            </a:r>
-          </a:p>
-          <a:p>
-            <a:pPr marL="342900" indent="-342900">
-              <a:buFont typeface="Arial" panose="020B0604020202020204" pitchFamily="34" charset="0"/>
-              <a:buChar char="•"/>
-            </a:pPr>
-            <a:r>
-              <a:rPr lang="en-US" dirty="0"/>
-              <a:t>Musical: 2 groupings</a:t>
-            </a:r>
-          </a:p>
-          <a:p>
-            <a:pPr marL="342900" indent="-342900">
-              <a:buFont typeface="Arial" panose="020B0604020202020204" pitchFamily="34" charset="0"/>
-              <a:buChar char="•"/>
-            </a:pPr>
-            <a:r>
-              <a:rPr lang="en-US" dirty="0"/>
-              <a:t>Thriller: 2 groupings </a:t>
-            </a:r>
-          </a:p>
-          <a:p>
-            <a:pPr marL="342900" indent="-342900">
-              <a:buFont typeface="Arial" panose="020B0604020202020204" pitchFamily="34" charset="0"/>
-              <a:buChar char="•"/>
-            </a:pPr>
-            <a:r>
-              <a:rPr lang="en-US" dirty="0"/>
-              <a:t>Drama, Mystery, Documentary, History : 1 groupings each</a:t>
-            </a:r>
-            <a:br>
-              <a:rPr lang="en-US" dirty="0"/>
-            </a:br>
-            <a:endParaRPr lang="en-US" dirty="0"/>
-          </a:p>
-          <a:p>
-            <a:endParaRPr lang="en-US" dirty="0"/>
-          </a:p>
-        </p:txBody>
-      </p:sp>
-      <p:sp>
-        <p:nvSpPr>
-          <p:cNvPr id="9" name="TextBox 8">
-            <a:extLst>
-              <a:ext uri="{FF2B5EF4-FFF2-40B4-BE49-F238E27FC236}">
-                <a16:creationId xmlns:a16="http://schemas.microsoft.com/office/drawing/2014/main" id="{5CB33E35-DB6D-EBC4-5299-AD9577E3EB4E}"/>
-              </a:ext>
-            </a:extLst>
-          </p:cNvPr>
-          <p:cNvSpPr txBox="1"/>
-          <p:nvPr/>
-        </p:nvSpPr>
-        <p:spPr>
-          <a:xfrm>
-            <a:off x="4715788" y="2694293"/>
-            <a:ext cx="2926678" cy="2585323"/>
-          </a:xfrm>
-          <a:prstGeom prst="rect">
-            <a:avLst/>
-          </a:prstGeom>
-          <a:noFill/>
-        </p:spPr>
-        <p:txBody>
-          <a:bodyPr wrap="square" rtlCol="0">
-            <a:spAutoFit/>
-          </a:bodyPr>
-          <a:lstStyle/>
-          <a:p>
-            <a:endParaRPr lang="en-US" dirty="0"/>
-          </a:p>
-          <a:p>
-            <a:pPr marL="342900" indent="-342900">
-              <a:buFont typeface="Arial" panose="020B0604020202020204" pitchFamily="34" charset="0"/>
-              <a:buChar char="•"/>
-            </a:pPr>
-            <a:r>
-              <a:rPr lang="en-US" dirty="0"/>
-              <a:t>Adventure: 10 groupings</a:t>
-            </a:r>
-          </a:p>
-          <a:p>
-            <a:pPr marL="342900" indent="-342900">
-              <a:buFont typeface="Arial" panose="020B0604020202020204" pitchFamily="34" charset="0"/>
-              <a:buChar char="•"/>
-            </a:pPr>
-            <a:r>
-              <a:rPr lang="en-US" dirty="0"/>
-              <a:t>Action: 7 groupings</a:t>
-            </a:r>
-          </a:p>
-          <a:p>
-            <a:pPr marL="342900" indent="-342900">
-              <a:buFont typeface="Arial" panose="020B0604020202020204" pitchFamily="34" charset="0"/>
-              <a:buChar char="•"/>
-            </a:pPr>
-            <a:r>
-              <a:rPr lang="en-US" dirty="0"/>
-              <a:t>Comedy: 5 groupings</a:t>
-            </a:r>
-          </a:p>
-          <a:p>
-            <a:pPr marL="342900" indent="-342900">
-              <a:buFont typeface="Arial" panose="020B0604020202020204" pitchFamily="34" charset="0"/>
-              <a:buChar char="•"/>
-            </a:pPr>
-            <a:r>
-              <a:rPr lang="en-US" dirty="0"/>
-              <a:t>Animation: 4 groupings</a:t>
-            </a:r>
-          </a:p>
-          <a:p>
-            <a:pPr marL="342900" indent="-342900">
-              <a:buFont typeface="Arial" panose="020B0604020202020204" pitchFamily="34" charset="0"/>
-              <a:buChar char="•"/>
-            </a:pPr>
-            <a:r>
-              <a:rPr lang="en-US" dirty="0"/>
-              <a:t>Sci-fi: 4 groupings</a:t>
-            </a:r>
-          </a:p>
-          <a:p>
-            <a:br>
-              <a:rPr lang="en-US" dirty="0"/>
-            </a:br>
-            <a:endParaRPr lang="en-US" dirty="0"/>
-          </a:p>
-          <a:p>
-            <a:endParaRPr lang="en-US" dirty="0"/>
-          </a:p>
-        </p:txBody>
-      </p:sp>
+      </p:pic>
       <p:grpSp>
         <p:nvGrpSpPr>
-          <p:cNvPr id="11" name="Group 10">
-            <a:extLst>
-              <a:ext uri="{FF2B5EF4-FFF2-40B4-BE49-F238E27FC236}">
-                <a16:creationId xmlns:a16="http://schemas.microsoft.com/office/drawing/2014/main" id="{F2EA7423-6713-D78A-809C-13755D7E81A0}"/>
+          <p:cNvPr id="30" name="Group 29">
+            <a:extLst>
+              <a:ext uri="{FF2B5EF4-FFF2-40B4-BE49-F238E27FC236}">
+                <a16:creationId xmlns:a16="http://schemas.microsoft.com/office/drawing/2014/main" id="{C9DFDD06-0345-2BD5-09E0-D55F94010911}"/>
               </a:ext>
             </a:extLst>
           </p:cNvPr>
@@ -12845,18 +12419,61 @@
         </p:nvGrpSpPr>
         <p:grpSpPr>
           <a:xfrm>
-            <a:off x="147193" y="0"/>
-            <a:ext cx="3345515" cy="830997"/>
-            <a:chOff x="686839" y="3297846"/>
-            <a:chExt cx="3345515" cy="830997"/>
+            <a:off x="1583840" y="1615312"/>
+            <a:ext cx="8865896" cy="646331"/>
+            <a:chOff x="1796937" y="1751308"/>
+            <a:chExt cx="8865896" cy="646331"/>
           </a:xfrm>
         </p:grpSpPr>
+        <p:sp>
+          <p:nvSpPr>
+            <p:cNvPr id="24" name="TextBox 23">
+              <a:extLst>
+                <a:ext uri="{FF2B5EF4-FFF2-40B4-BE49-F238E27FC236}">
+                  <a16:creationId xmlns:a16="http://schemas.microsoft.com/office/drawing/2014/main" id="{B87A1A65-9FA8-E8A8-2130-995BFCF1D9CE}"/>
+                </a:ext>
+              </a:extLst>
+            </p:cNvPr>
+            <p:cNvSpPr txBox="1"/>
+            <p:nvPr/>
+          </p:nvSpPr>
+          <p:spPr>
+            <a:xfrm>
+              <a:off x="2446148" y="1751308"/>
+              <a:ext cx="8216685" cy="646331"/>
+            </a:xfrm>
+            <a:prstGeom prst="rect">
+              <a:avLst/>
+            </a:prstGeom>
+            <a:noFill/>
+          </p:spPr>
+          <p:txBody>
+            <a:bodyPr wrap="square" rtlCol="0">
+              <a:spAutoFit/>
+            </a:bodyPr>
+            <a:lstStyle/>
+            <a:p>
+              <a:r>
+                <a:rPr lang="en-US" dirty="0"/>
+                <a:t>A</a:t>
+              </a:r>
+              <a:r>
+                <a:rPr lang="en-US" b="1" dirty="0"/>
+                <a:t>DVENTURE GENRE COMBINATIONS </a:t>
+              </a:r>
+              <a:r>
+                <a:rPr lang="en-US" dirty="0"/>
+                <a:t>– MOST COMMON GENRE WITH HIGH REVIEWS 				&amp; HIGH PROFITS </a:t>
+              </a:r>
+            </a:p>
+          </p:txBody>
+        </p:sp>
         <p:pic>
           <p:nvPicPr>
-            <p:cNvPr id="12" name="Picture 11" descr="Focus Vector SVG Icon (17) - SVG Repo">
+            <p:cNvPr id="25" name="Picture 24" descr="Focus Vector SVG Icon (17) - SVG Repo">
               <a:extLst>
                 <a:ext uri="{FF2B5EF4-FFF2-40B4-BE49-F238E27FC236}">
-                  <a16:creationId xmlns:a16="http://schemas.microsoft.com/office/drawing/2014/main" id="{74A409B8-53E1-D5A4-9874-3009174C17DF}"/>
+                  <a16:creationId xmlns:a16="http://schemas.microsoft.com/office/drawing/2014/main" id="{8B5700DA-2FC1-FBDD-9572-6BDD855F09E4}"/>
                 </a:ext>
               </a:extLst>
             </p:cNvPr>
@@ -12866,7 +12483,7 @@
             <p:nvPr/>
           </p:nvPicPr>
           <p:blipFill>
-            <a:blip r:embed="rId2">
+            <a:blip r:embed="rId4">
               <a:extLst>
                 <a:ext uri="{28A0092B-C50C-407E-A947-70E740481C1C}">
                   <a14:useLocalDpi xmlns:a14="http://schemas.microsoft.com/office/drawing/2010/main" val="0"/>
@@ -12880,7 +12497,7 @@
           </p:blipFill>
           <p:spPr bwMode="auto">
             <a:xfrm>
-              <a:off x="686839" y="3414010"/>
+              <a:off x="1796937" y="1802771"/>
               <a:ext cx="543404" cy="543404"/>
             </a:xfrm>
             <a:prstGeom prst="rect">
@@ -12898,22 +12515,90 @@
             </a:extLst>
           </p:spPr>
         </p:pic>
-        <p:sp>
-          <p:nvSpPr>
-            <p:cNvPr id="13" name="Rectangle 12">
+      </p:grpSp>
+      <p:grpSp>
+        <p:nvGrpSpPr>
+          <p:cNvPr id="32" name="Group 31">
+            <a:extLst>
+              <a:ext uri="{FF2B5EF4-FFF2-40B4-BE49-F238E27FC236}">
+                <a16:creationId xmlns:a16="http://schemas.microsoft.com/office/drawing/2014/main" id="{4049FC95-F64E-FD1D-1B75-73ABA6322DC7}"/>
+              </a:ext>
+            </a:extLst>
+          </p:cNvPr>
+          <p:cNvGrpSpPr/>
+          <p:nvPr/>
+        </p:nvGrpSpPr>
+        <p:grpSpPr>
+          <a:xfrm>
+            <a:off x="1548969" y="3138434"/>
+            <a:ext cx="8928645" cy="657332"/>
+            <a:chOff x="1734188" y="2682798"/>
+            <a:chExt cx="8928645" cy="657332"/>
+          </a:xfrm>
+        </p:grpSpPr>
+        <p:pic>
+          <p:nvPicPr>
+            <p:cNvPr id="26" name="Picture 6" descr="global icon vector 3">
               <a:extLst>
                 <a:ext uri="{FF2B5EF4-FFF2-40B4-BE49-F238E27FC236}">
-                  <a16:creationId xmlns:a16="http://schemas.microsoft.com/office/drawing/2014/main" id="{2C609AC3-B00A-F161-E31A-6DD10CC8AD8B}"/>
+                  <a16:creationId xmlns:a16="http://schemas.microsoft.com/office/drawing/2014/main" id="{876F8B0A-192D-40F0-F459-B8298EA0D321}"/>
                 </a:ext>
               </a:extLst>
             </p:cNvPr>
-            <p:cNvSpPr/>
+            <p:cNvPicPr>
+              <a:picLocks noChangeAspect="1" noChangeArrowheads="1"/>
+            </p:cNvPicPr>
+            <p:nvPr/>
+          </p:nvPicPr>
+          <p:blipFill>
+            <a:blip r:embed="rId5">
+              <a:extLst>
+                <a:ext uri="{28A0092B-C50C-407E-A947-70E740481C1C}">
+                  <a14:useLocalDpi xmlns:a14="http://schemas.microsoft.com/office/drawing/2010/main" val="0"/>
+                </a:ext>
+              </a:extLst>
+            </a:blip>
+            <a:srcRect/>
+            <a:stretch>
+              <a:fillRect/>
+            </a:stretch>
+          </p:blipFill>
+          <p:spPr bwMode="auto">
+            <a:xfrm>
+              <a:off x="1734188" y="2682798"/>
+              <a:ext cx="657332" cy="657332"/>
+            </a:xfrm>
+            <a:prstGeom prst="rect">
+              <a:avLst/>
+            </a:prstGeom>
+            <a:noFill/>
+            <a:extLst>
+              <a:ext uri="{909E8E84-426E-40DD-AFC4-6F175D3DCCD1}">
+                <a14:hiddenFill xmlns:a14="http://schemas.microsoft.com/office/drawing/2010/main">
+                  <a:solidFill>
+                    <a:srgbClr val="FFFFFF"/>
+                  </a:solidFill>
+                </a14:hiddenFill>
+              </a:ext>
+            </a:extLst>
+          </p:spPr>
+        </p:pic>
+        <p:sp>
+          <p:nvSpPr>
+            <p:cNvPr id="27" name="TextBox 26">
+              <a:extLst>
+                <a:ext uri="{FF2B5EF4-FFF2-40B4-BE49-F238E27FC236}">
+                  <a16:creationId xmlns:a16="http://schemas.microsoft.com/office/drawing/2014/main" id="{43B0F5E1-AD12-7EA0-E893-886040C56E5D}"/>
+                </a:ext>
+              </a:extLst>
+            </p:cNvPr>
+            <p:cNvSpPr txBox="1"/>
             <p:nvPr/>
           </p:nvSpPr>
           <p:spPr>
             <a:xfrm>
-              <a:off x="1040983" y="3297846"/>
-              <a:ext cx="2991371" cy="830997"/>
+              <a:off x="2446148" y="2897663"/>
+              <a:ext cx="8216685" cy="369332"/>
             </a:xfrm>
             <a:prstGeom prst="rect">
               <a:avLst/>
@@ -12921,152 +12606,127 @@
             <a:noFill/>
           </p:spPr>
           <p:txBody>
-            <a:bodyPr wrap="square" lIns="91440" tIns="45720" rIns="91440" bIns="45720">
+            <a:bodyPr wrap="square" rtlCol="0">
               <a:spAutoFit/>
             </a:bodyPr>
             <a:lstStyle/>
             <a:p>
-              <a:pPr algn="ctr"/>
               <a:r>
-                <a:rPr lang="en-US" sz="2400" b="1" dirty="0">
-                  <a:ln w="0"/>
-                  <a:effectLst>
-                    <a:outerShdw blurRad="38100" dist="19050" dir="2700000" algn="tl" rotWithShape="0">
-                      <a:schemeClr val="dk1">
-                        <a:alpha val="40000"/>
-                      </a:schemeClr>
-                    </a:outerShdw>
-                  </a:effectLst>
-                </a:rPr>
-                <a:t>WHICH GENRES TO FOCUS ON?</a:t>
+                <a:rPr lang="en-US" b="1" dirty="0"/>
+                <a:t>FOREIGN PROFITS DOMINATE TOTAL PROFITS</a:t>
               </a:r>
             </a:p>
           </p:txBody>
         </p:sp>
       </p:grpSp>
-      <p:sp>
-        <p:nvSpPr>
-          <p:cNvPr id="14" name="Rectangle 13">
-            <a:extLst>
-              <a:ext uri="{FF2B5EF4-FFF2-40B4-BE49-F238E27FC236}">
-                <a16:creationId xmlns:a16="http://schemas.microsoft.com/office/drawing/2014/main" id="{7AE154B5-3C37-CFB1-18BE-87338CAE36F1}"/>
-              </a:ext>
-            </a:extLst>
-          </p:cNvPr>
-          <p:cNvSpPr/>
+      <p:grpSp>
+        <p:nvGrpSpPr>
+          <p:cNvPr id="33" name="Group 32">
+            <a:extLst>
+              <a:ext uri="{FF2B5EF4-FFF2-40B4-BE49-F238E27FC236}">
+                <a16:creationId xmlns:a16="http://schemas.microsoft.com/office/drawing/2014/main" id="{DA9ECFDC-665D-629C-0A46-45774CD4FD57}"/>
+              </a:ext>
+            </a:extLst>
+          </p:cNvPr>
+          <p:cNvGrpSpPr/>
           <p:nvPr/>
-        </p:nvSpPr>
-        <p:spPr>
+        </p:nvGrpSpPr>
+        <p:grpSpPr>
           <a:xfrm>
-            <a:off x="3049209" y="1168536"/>
-            <a:ext cx="2991371" cy="830997"/>
+            <a:off x="1548969" y="4673838"/>
+            <a:ext cx="8981242" cy="923330"/>
+            <a:chOff x="1681591" y="3674031"/>
+            <a:chExt cx="8981242" cy="923330"/>
           </a:xfrm>
-          <a:prstGeom prst="rect">
-            <a:avLst/>
-          </a:prstGeom>
-          <a:noFill/>
-        </p:spPr>
-        <p:txBody>
-          <a:bodyPr wrap="square" lIns="91440" tIns="45720" rIns="91440" bIns="45720">
-            <a:spAutoFit/>
-          </a:bodyPr>
-          <a:lstStyle/>
-          <a:p>
-            <a:pPr algn="ctr"/>
-            <a:r>
-              <a:rPr lang="en-US" sz="2400" b="1" dirty="0">
-                <a:ln w="0"/>
-                <a:effectLst>
-                  <a:outerShdw blurRad="38100" dist="19050" dir="2700000" algn="tl" rotWithShape="0">
-                    <a:schemeClr val="dk1">
-                      <a:alpha val="40000"/>
-                    </a:schemeClr>
-                  </a:outerShdw>
-                </a:effectLst>
-              </a:rPr>
-              <a:t>Positive Viewer Response</a:t>
-            </a:r>
-          </a:p>
-        </p:txBody>
-      </p:sp>
-      <p:sp>
-        <p:nvSpPr>
-          <p:cNvPr id="15" name="Rectangle 14">
-            <a:extLst>
-              <a:ext uri="{FF2B5EF4-FFF2-40B4-BE49-F238E27FC236}">
-                <a16:creationId xmlns:a16="http://schemas.microsoft.com/office/drawing/2014/main" id="{32F0F01C-539A-E838-3A0D-D6851ECEC769}"/>
-              </a:ext>
-            </a:extLst>
-          </p:cNvPr>
-          <p:cNvSpPr/>
-          <p:nvPr/>
-        </p:nvSpPr>
-        <p:spPr>
-          <a:xfrm>
-            <a:off x="6222944" y="1168536"/>
-            <a:ext cx="2991371" cy="461665"/>
-          </a:xfrm>
-          <a:prstGeom prst="rect">
-            <a:avLst/>
-          </a:prstGeom>
-          <a:noFill/>
-        </p:spPr>
-        <p:txBody>
-          <a:bodyPr wrap="square" lIns="91440" tIns="45720" rIns="91440" bIns="45720">
-            <a:spAutoFit/>
-          </a:bodyPr>
-          <a:lstStyle/>
-          <a:p>
-            <a:pPr algn="ctr"/>
-            <a:r>
-              <a:rPr lang="en-US" sz="2400" b="1" dirty="0">
-                <a:ln w="0"/>
-                <a:effectLst>
-                  <a:outerShdw blurRad="38100" dist="19050" dir="2700000" algn="tl" rotWithShape="0">
-                    <a:schemeClr val="dk1">
-                      <a:alpha val="40000"/>
-                    </a:schemeClr>
-                  </a:outerShdw>
-                </a:effectLst>
-              </a:rPr>
-              <a:t>Highly Profitable</a:t>
-            </a:r>
-          </a:p>
-        </p:txBody>
-      </p:sp>
-      <p:sp>
-        <p:nvSpPr>
-          <p:cNvPr id="40" name="Slide Number Placeholder 39">
-            <a:extLst>
-              <a:ext uri="{FF2B5EF4-FFF2-40B4-BE49-F238E27FC236}">
-                <a16:creationId xmlns:a16="http://schemas.microsoft.com/office/drawing/2014/main" id="{BAC89C47-043C-58A4-7185-EEA930D4BB00}"/>
-              </a:ext>
-            </a:extLst>
-          </p:cNvPr>
-          <p:cNvSpPr>
-            <a:spLocks noGrp="1"/>
-          </p:cNvSpPr>
-          <p:nvPr>
-            <p:ph type="sldNum" sz="quarter" idx="12"/>
-          </p:nvPr>
-        </p:nvSpPr>
-        <p:spPr/>
-        <p:txBody>
-          <a:bodyPr/>
-          <a:lstStyle/>
-          <a:p>
-            <a:fld id="{9B1D7D9B-CDE6-6440-8F5F-ADF9B5401534}" type="slidenum">
-              <a:rPr lang="en-US" smtClean="0"/>
-              <a:t>9</a:t>
-            </a:fld>
-            <a:endParaRPr lang="en-US"/>
-          </a:p>
-        </p:txBody>
-      </p:sp>
+        </p:grpSpPr>
+        <p:pic>
+          <p:nvPicPr>
+            <p:cNvPr id="28" name="Picture 27">
+              <a:extLst>
+                <a:ext uri="{FF2B5EF4-FFF2-40B4-BE49-F238E27FC236}">
+                  <a16:creationId xmlns:a16="http://schemas.microsoft.com/office/drawing/2014/main" id="{0019CDFF-AD8A-2779-DE48-45B4EB578151}"/>
+                </a:ext>
+              </a:extLst>
+            </p:cNvPr>
+            <p:cNvPicPr>
+              <a:picLocks noChangeAspect="1"/>
+            </p:cNvPicPr>
+            <p:nvPr/>
+          </p:nvPicPr>
+          <p:blipFill>
+            <a:blip r:embed="rId6"/>
+            <a:stretch>
+              <a:fillRect/>
+            </a:stretch>
+          </p:blipFill>
+          <p:spPr>
+            <a:xfrm>
+              <a:off x="1681591" y="3676753"/>
+              <a:ext cx="764557" cy="641850"/>
+            </a:xfrm>
+            <a:prstGeom prst="rect">
+              <a:avLst/>
+            </a:prstGeom>
+          </p:spPr>
+        </p:pic>
+        <p:sp>
+          <p:nvSpPr>
+            <p:cNvPr id="29" name="TextBox 28">
+              <a:extLst>
+                <a:ext uri="{FF2B5EF4-FFF2-40B4-BE49-F238E27FC236}">
+                  <a16:creationId xmlns:a16="http://schemas.microsoft.com/office/drawing/2014/main" id="{EE8A5372-C6CE-A30E-9372-2F9B2BD053E8}"/>
+                </a:ext>
+              </a:extLst>
+            </p:cNvPr>
+            <p:cNvSpPr txBox="1"/>
+            <p:nvPr/>
+          </p:nvSpPr>
+          <p:spPr>
+            <a:xfrm>
+              <a:off x="2446148" y="3674031"/>
+              <a:ext cx="8216685" cy="923330"/>
+            </a:xfrm>
+            <a:prstGeom prst="rect">
+              <a:avLst/>
+            </a:prstGeom>
+            <a:noFill/>
+          </p:spPr>
+          <p:txBody>
+            <a:bodyPr wrap="square" rtlCol="0">
+              <a:spAutoFit/>
+            </a:bodyPr>
+            <a:lstStyle/>
+            <a:p>
+              <a:r>
+                <a:rPr lang="en-US" b="1" dirty="0"/>
+                <a:t>BEST ROI DOMESTIC AND FOREIGN MARKETS </a:t>
+              </a:r>
+              <a:r>
+                <a:rPr lang="en-US" dirty="0"/>
+                <a:t>– ADVENTURE, DRAMA, SCI-FI</a:t>
+              </a:r>
+            </a:p>
+            <a:p>
+              <a:r>
+                <a:rPr lang="en-US" b="1" dirty="0"/>
+                <a:t>				                </a:t>
+              </a:r>
+              <a:r>
+                <a:rPr lang="en-US" dirty="0"/>
+                <a:t>ADVENTURE, ACTION, COMEDY</a:t>
+              </a:r>
+              <a:endParaRPr lang="en-US" b="1" dirty="0"/>
+            </a:p>
+            <a:p>
+              <a:endParaRPr lang="en-US" dirty="0"/>
+            </a:p>
+          </p:txBody>
+        </p:sp>
+      </p:grpSp>
     </p:spTree>
     <p:extLst>
       <p:ext uri="{BB962C8B-B14F-4D97-AF65-F5344CB8AC3E}">
-        <p14:creationId xmlns:p14="http://schemas.microsoft.com/office/powerpoint/2010/main" val="3912481266"/>
+        <p14:creationId xmlns:p14="http://schemas.microsoft.com/office/powerpoint/2010/main" val="3626129826"/>
       </p:ext>
     </p:extLst>
   </p:cSld>

--- a/Microsoft_Studios_Project.pptx
+++ b/Microsoft_Studios_Project.pptx
@@ -12213,7 +12213,7 @@
                     </a:outerShdw>
                   </a:effectLst>
                 </a:rPr>
-                <a:t>PROFITABILITY WITH DOMESTIC VS FOREIGN LAUNCH</a:t>
+                <a:t>DOMESTIC VS FOREIGN LAUNCH</a:t>
               </a:r>
             </a:p>
           </p:txBody>

--- a/Microsoft_Studios_Project.pptx
+++ b/Microsoft_Studios_Project.pptx
@@ -5,10 +5,10 @@
     <p:sldMasterId id="2147483648" r:id="rId1"/>
   </p:sldMasterIdLst>
   <p:notesMasterIdLst>
-    <p:notesMasterId r:id="rId20"/>
+    <p:notesMasterId r:id="rId21"/>
   </p:notesMasterIdLst>
   <p:handoutMasterIdLst>
-    <p:handoutMasterId r:id="rId21"/>
+    <p:handoutMasterId r:id="rId22"/>
   </p:handoutMasterIdLst>
   <p:sldIdLst>
     <p:sldId id="256" r:id="rId2"/>
@@ -19,16 +19,17 @@
     <p:sldId id="262" r:id="rId7"/>
     <p:sldId id="264" r:id="rId8"/>
     <p:sldId id="268" r:id="rId9"/>
-    <p:sldId id="269" r:id="rId10"/>
-    <p:sldId id="266" r:id="rId11"/>
-    <p:sldId id="273" r:id="rId12"/>
-    <p:sldId id="270" r:id="rId13"/>
-    <p:sldId id="271" r:id="rId14"/>
-    <p:sldId id="272" r:id="rId15"/>
-    <p:sldId id="260" r:id="rId16"/>
-    <p:sldId id="263" r:id="rId17"/>
-    <p:sldId id="265" r:id="rId18"/>
-    <p:sldId id="267" r:id="rId19"/>
+    <p:sldId id="274" r:id="rId10"/>
+    <p:sldId id="269" r:id="rId11"/>
+    <p:sldId id="266" r:id="rId12"/>
+    <p:sldId id="273" r:id="rId13"/>
+    <p:sldId id="270" r:id="rId14"/>
+    <p:sldId id="271" r:id="rId15"/>
+    <p:sldId id="272" r:id="rId16"/>
+    <p:sldId id="260" r:id="rId17"/>
+    <p:sldId id="263" r:id="rId18"/>
+    <p:sldId id="265" r:id="rId19"/>
+    <p:sldId id="267" r:id="rId20"/>
   </p:sldIdLst>
   <p:sldSz cx="12192000" cy="6858000"/>
   <p:notesSz cx="6858000" cy="9144000"/>
@@ -240,7 +241,7 @@
           <a:p>
             <a:fld id="{F32CB700-0140-C84B-9B6D-86E050369125}" type="datetimeFigureOut">
               <a:rPr lang="en-US" smtClean="0"/>
-              <a:t>8/23/22</a:t>
+              <a:t>8/25/22</a:t>
             </a:fld>
             <a:endParaRPr lang="en-US"/>
           </a:p>
@@ -418,7 +419,7 @@
           <a:p>
             <a:fld id="{4E2C95CF-2EE1-DF45-9B14-18E90ABAA706}" type="datetimeFigureOut">
               <a:rPr lang="en-US" smtClean="0"/>
-              <a:t>8/23/22</a:t>
+              <a:t>8/25/22</a:t>
             </a:fld>
             <a:endParaRPr lang="en-US"/>
           </a:p>
@@ -833,7 +834,7 @@
           <a:p>
             <a:fld id="{C2276320-3DEA-7F4A-9E01-F203AD154964}" type="datetime1">
               <a:rPr lang="en-US" smtClean="0"/>
-              <a:t>8/23/22</a:t>
+              <a:t>8/25/22</a:t>
             </a:fld>
             <a:endParaRPr lang="en-US"/>
           </a:p>
@@ -1031,7 +1032,7 @@
           <a:p>
             <a:fld id="{78B4771C-C54B-624B-B3DD-D0BB16A4CF7F}" type="datetime1">
               <a:rPr lang="en-US" smtClean="0"/>
-              <a:t>8/23/22</a:t>
+              <a:t>8/25/22</a:t>
             </a:fld>
             <a:endParaRPr lang="en-US"/>
           </a:p>
@@ -1239,7 +1240,7 @@
           <a:p>
             <a:fld id="{0F078520-B36D-C24C-9B57-51B90EBE7D53}" type="datetime1">
               <a:rPr lang="en-US" smtClean="0"/>
-              <a:t>8/23/22</a:t>
+              <a:t>8/25/22</a:t>
             </a:fld>
             <a:endParaRPr lang="en-US"/>
           </a:p>
@@ -1437,7 +1438,7 @@
           <a:p>
             <a:fld id="{32C96855-1849-6844-A013-156BB2FF33D4}" type="datetime1">
               <a:rPr lang="en-US" smtClean="0"/>
-              <a:t>8/23/22</a:t>
+              <a:t>8/25/22</a:t>
             </a:fld>
             <a:endParaRPr lang="en-US"/>
           </a:p>
@@ -1712,7 +1713,7 @@
           <a:p>
             <a:fld id="{8AF738AA-CD36-914E-95E2-E791EEE9155A}" type="datetime1">
               <a:rPr lang="en-US" smtClean="0"/>
-              <a:t>8/23/22</a:t>
+              <a:t>8/25/22</a:t>
             </a:fld>
             <a:endParaRPr lang="en-US"/>
           </a:p>
@@ -1977,7 +1978,7 @@
           <a:p>
             <a:fld id="{7DD780D7-C871-0C44-9907-D9A689E27A6F}" type="datetime1">
               <a:rPr lang="en-US" smtClean="0"/>
-              <a:t>8/23/22</a:t>
+              <a:t>8/25/22</a:t>
             </a:fld>
             <a:endParaRPr lang="en-US"/>
           </a:p>
@@ -2389,7 +2390,7 @@
           <a:p>
             <a:fld id="{5BF8FBBB-BDF8-6847-9464-D408904D2A18}" type="datetime1">
               <a:rPr lang="en-US" smtClean="0"/>
-              <a:t>8/23/22</a:t>
+              <a:t>8/25/22</a:t>
             </a:fld>
             <a:endParaRPr lang="en-US"/>
           </a:p>
@@ -2530,7 +2531,7 @@
           <a:p>
             <a:fld id="{9B725E30-548C-E34B-AD9A-53D58D89EFD7}" type="datetime1">
               <a:rPr lang="en-US" smtClean="0"/>
-              <a:t>8/23/22</a:t>
+              <a:t>8/25/22</a:t>
             </a:fld>
             <a:endParaRPr lang="en-US"/>
           </a:p>
@@ -2643,7 +2644,7 @@
           <a:p>
             <a:fld id="{F65BCF6C-A0DA-F343-8D48-E332005EC0A6}" type="datetime1">
               <a:rPr lang="en-US" smtClean="0"/>
-              <a:t>8/23/22</a:t>
+              <a:t>8/25/22</a:t>
             </a:fld>
             <a:endParaRPr lang="en-US"/>
           </a:p>
@@ -2954,7 +2955,7 @@
           <a:p>
             <a:fld id="{08C5D57A-A2BD-5A44-9426-36A91F405C99}" type="datetime1">
               <a:rPr lang="en-US" smtClean="0"/>
-              <a:t>8/23/22</a:t>
+              <a:t>8/25/22</a:t>
             </a:fld>
             <a:endParaRPr lang="en-US"/>
           </a:p>
@@ -3242,7 +3243,7 @@
           <a:p>
             <a:fld id="{C0F54DAF-F829-124F-BDB3-1782A24A57CE}" type="datetime1">
               <a:rPr lang="en-US" smtClean="0"/>
-              <a:t>8/23/22</a:t>
+              <a:t>8/25/22</a:t>
             </a:fld>
             <a:endParaRPr lang="en-US"/>
           </a:p>
@@ -3483,7 +3484,7 @@
           <a:p>
             <a:fld id="{BB508EDC-9D37-4647-9ADA-714C12A94A92}" type="datetime1">
               <a:rPr lang="en-US" smtClean="0"/>
-              <a:t>8/23/22</a:t>
+              <a:t>8/25/22</a:t>
             </a:fld>
             <a:endParaRPr lang="en-US"/>
           </a:p>
@@ -4097,10 +4098,10 @@
       </p:grpSpPr>
       <p:sp>
         <p:nvSpPr>
-          <p:cNvPr id="5" name="Slide Number Placeholder 4">
-            <a:extLst>
-              <a:ext uri="{FF2B5EF4-FFF2-40B4-BE49-F238E27FC236}">
-                <a16:creationId xmlns:a16="http://schemas.microsoft.com/office/drawing/2014/main" id="{8BC02A1B-2A6C-78EF-88C3-6EEA34C3606C}"/>
+          <p:cNvPr id="40" name="Slide Number Placeholder 39">
+            <a:extLst>
+              <a:ext uri="{FF2B5EF4-FFF2-40B4-BE49-F238E27FC236}">
+                <a16:creationId xmlns:a16="http://schemas.microsoft.com/office/drawing/2014/main" id="{BAC89C47-043C-58A4-7185-EEA930D4BB00}"/>
               </a:ext>
             </a:extLst>
           </p:cNvPr>
@@ -4119,6 +4120,463 @@
             <a:fld id="{9B1D7D9B-CDE6-6440-8F5F-ADF9B5401534}" type="slidenum">
               <a:rPr lang="en-US" smtClean="0"/>
               <a:t>10</a:t>
+            </a:fld>
+            <a:endParaRPr lang="en-US"/>
+          </a:p>
+        </p:txBody>
+      </p:sp>
+      <p:sp>
+        <p:nvSpPr>
+          <p:cNvPr id="13" name="Rectangle 12">
+            <a:extLst>
+              <a:ext uri="{FF2B5EF4-FFF2-40B4-BE49-F238E27FC236}">
+                <a16:creationId xmlns:a16="http://schemas.microsoft.com/office/drawing/2014/main" id="{2C609AC3-B00A-F161-E31A-6DD10CC8AD8B}"/>
+              </a:ext>
+            </a:extLst>
+          </p:cNvPr>
+          <p:cNvSpPr/>
+          <p:nvPr/>
+        </p:nvSpPr>
+        <p:spPr>
+          <a:xfrm>
+            <a:off x="743917" y="61992"/>
+            <a:ext cx="2991371" cy="461665"/>
+          </a:xfrm>
+          <a:prstGeom prst="rect">
+            <a:avLst/>
+          </a:prstGeom>
+          <a:noFill/>
+        </p:spPr>
+        <p:txBody>
+          <a:bodyPr wrap="square" lIns="91440" tIns="45720" rIns="91440" bIns="45720">
+            <a:spAutoFit/>
+          </a:bodyPr>
+          <a:lstStyle/>
+          <a:p>
+            <a:r>
+              <a:rPr lang="en-US" sz="2400" b="1" dirty="0">
+                <a:ln w="0"/>
+                <a:effectLst>
+                  <a:outerShdw blurRad="38100" dist="19050" dir="2700000" algn="tl" rotWithShape="0">
+                    <a:schemeClr val="dk1">
+                      <a:alpha val="40000"/>
+                    </a:schemeClr>
+                  </a:outerShdw>
+                </a:effectLst>
+              </a:rPr>
+              <a:t>RESULTS</a:t>
+            </a:r>
+          </a:p>
+        </p:txBody>
+      </p:sp>
+      <p:pic>
+        <p:nvPicPr>
+          <p:cNvPr id="18" name="Graphic 17" descr="Presentation with pie chart with solid fill">
+            <a:extLst>
+              <a:ext uri="{FF2B5EF4-FFF2-40B4-BE49-F238E27FC236}">
+                <a16:creationId xmlns:a16="http://schemas.microsoft.com/office/drawing/2014/main" id="{C3364562-96F8-05E7-23DC-729441B64D90}"/>
+              </a:ext>
+            </a:extLst>
+          </p:cNvPr>
+          <p:cNvPicPr>
+            <a:picLocks noChangeAspect="1"/>
+          </p:cNvPicPr>
+          <p:nvPr/>
+        </p:nvPicPr>
+        <p:blipFill>
+          <a:blip r:embed="rId2">
+            <a:extLst>
+              <a:ext uri="{96DAC541-7B7A-43D3-8B79-37D633B846F1}">
+                <asvg:svgBlip xmlns:asvg="http://schemas.microsoft.com/office/drawing/2016/SVG/main" r:embed="rId3"/>
+              </a:ext>
+            </a:extLst>
+          </a:blip>
+          <a:stretch>
+            <a:fillRect/>
+          </a:stretch>
+        </p:blipFill>
+        <p:spPr>
+          <a:xfrm>
+            <a:off x="0" y="-89115"/>
+            <a:ext cx="914400" cy="914400"/>
+          </a:xfrm>
+          <a:prstGeom prst="rect">
+            <a:avLst/>
+          </a:prstGeom>
+        </p:spPr>
+      </p:pic>
+      <p:grpSp>
+        <p:nvGrpSpPr>
+          <p:cNvPr id="30" name="Group 29">
+            <a:extLst>
+              <a:ext uri="{FF2B5EF4-FFF2-40B4-BE49-F238E27FC236}">
+                <a16:creationId xmlns:a16="http://schemas.microsoft.com/office/drawing/2014/main" id="{C9DFDD06-0345-2BD5-09E0-D55F94010911}"/>
+              </a:ext>
+            </a:extLst>
+          </p:cNvPr>
+          <p:cNvGrpSpPr/>
+          <p:nvPr/>
+        </p:nvGrpSpPr>
+        <p:grpSpPr>
+          <a:xfrm>
+            <a:off x="1583840" y="1615312"/>
+            <a:ext cx="8865896" cy="646331"/>
+            <a:chOff x="1796937" y="1751308"/>
+            <a:chExt cx="8865896" cy="646331"/>
+          </a:xfrm>
+        </p:grpSpPr>
+        <p:sp>
+          <p:nvSpPr>
+            <p:cNvPr id="24" name="TextBox 23">
+              <a:extLst>
+                <a:ext uri="{FF2B5EF4-FFF2-40B4-BE49-F238E27FC236}">
+                  <a16:creationId xmlns:a16="http://schemas.microsoft.com/office/drawing/2014/main" id="{B87A1A65-9FA8-E8A8-2130-995BFCF1D9CE}"/>
+                </a:ext>
+              </a:extLst>
+            </p:cNvPr>
+            <p:cNvSpPr txBox="1"/>
+            <p:nvPr/>
+          </p:nvSpPr>
+          <p:spPr>
+            <a:xfrm>
+              <a:off x="2446148" y="1751308"/>
+              <a:ext cx="8216685" cy="646331"/>
+            </a:xfrm>
+            <a:prstGeom prst="rect">
+              <a:avLst/>
+            </a:prstGeom>
+            <a:noFill/>
+          </p:spPr>
+          <p:txBody>
+            <a:bodyPr wrap="square" rtlCol="0">
+              <a:spAutoFit/>
+            </a:bodyPr>
+            <a:lstStyle/>
+            <a:p>
+              <a:r>
+                <a:rPr lang="en-US" dirty="0"/>
+                <a:t>A</a:t>
+              </a:r>
+              <a:r>
+                <a:rPr lang="en-US" b="1" dirty="0"/>
+                <a:t>DVENTURE GENRE COMBINATIONS </a:t>
+              </a:r>
+              <a:r>
+                <a:rPr lang="en-US" dirty="0"/>
+                <a:t>– MOST COMMON GENRE WITH HIGH REVIEWS 				&amp; HIGH PROFITS </a:t>
+              </a:r>
+            </a:p>
+          </p:txBody>
+        </p:sp>
+        <p:pic>
+          <p:nvPicPr>
+            <p:cNvPr id="25" name="Picture 24" descr="Focus Vector SVG Icon (17) - SVG Repo">
+              <a:extLst>
+                <a:ext uri="{FF2B5EF4-FFF2-40B4-BE49-F238E27FC236}">
+                  <a16:creationId xmlns:a16="http://schemas.microsoft.com/office/drawing/2014/main" id="{8B5700DA-2FC1-FBDD-9572-6BDD855F09E4}"/>
+                </a:ext>
+              </a:extLst>
+            </p:cNvPr>
+            <p:cNvPicPr>
+              <a:picLocks noChangeAspect="1" noChangeArrowheads="1"/>
+            </p:cNvPicPr>
+            <p:nvPr/>
+          </p:nvPicPr>
+          <p:blipFill>
+            <a:blip r:embed="rId4">
+              <a:extLst>
+                <a:ext uri="{28A0092B-C50C-407E-A947-70E740481C1C}">
+                  <a14:useLocalDpi xmlns:a14="http://schemas.microsoft.com/office/drawing/2010/main" val="0"/>
+                </a:ext>
+              </a:extLst>
+            </a:blip>
+            <a:srcRect/>
+            <a:stretch>
+              <a:fillRect/>
+            </a:stretch>
+          </p:blipFill>
+          <p:spPr bwMode="auto">
+            <a:xfrm>
+              <a:off x="1796937" y="1802771"/>
+              <a:ext cx="543404" cy="543404"/>
+            </a:xfrm>
+            <a:prstGeom prst="rect">
+              <a:avLst/>
+            </a:prstGeom>
+            <a:noFill/>
+            <a:extLst>
+              <a:ext uri="{909E8E84-426E-40DD-AFC4-6F175D3DCCD1}">
+                <a14:hiddenFill xmlns:a14="http://schemas.microsoft.com/office/drawing/2010/main">
+                  <a:solidFill>
+                    <a:srgbClr val="FFFFFF"/>
+                  </a:solidFill>
+                </a14:hiddenFill>
+              </a:ext>
+            </a:extLst>
+          </p:spPr>
+        </p:pic>
+      </p:grpSp>
+      <p:grpSp>
+        <p:nvGrpSpPr>
+          <p:cNvPr id="32" name="Group 31">
+            <a:extLst>
+              <a:ext uri="{FF2B5EF4-FFF2-40B4-BE49-F238E27FC236}">
+                <a16:creationId xmlns:a16="http://schemas.microsoft.com/office/drawing/2014/main" id="{4049FC95-F64E-FD1D-1B75-73ABA6322DC7}"/>
+              </a:ext>
+            </a:extLst>
+          </p:cNvPr>
+          <p:cNvGrpSpPr/>
+          <p:nvPr/>
+        </p:nvGrpSpPr>
+        <p:grpSpPr>
+          <a:xfrm>
+            <a:off x="1548969" y="3138434"/>
+            <a:ext cx="8928645" cy="657332"/>
+            <a:chOff x="1734188" y="2682798"/>
+            <a:chExt cx="8928645" cy="657332"/>
+          </a:xfrm>
+        </p:grpSpPr>
+        <p:pic>
+          <p:nvPicPr>
+            <p:cNvPr id="26" name="Picture 6" descr="global icon vector 3">
+              <a:extLst>
+                <a:ext uri="{FF2B5EF4-FFF2-40B4-BE49-F238E27FC236}">
+                  <a16:creationId xmlns:a16="http://schemas.microsoft.com/office/drawing/2014/main" id="{876F8B0A-192D-40F0-F459-B8298EA0D321}"/>
+                </a:ext>
+              </a:extLst>
+            </p:cNvPr>
+            <p:cNvPicPr>
+              <a:picLocks noChangeAspect="1" noChangeArrowheads="1"/>
+            </p:cNvPicPr>
+            <p:nvPr/>
+          </p:nvPicPr>
+          <p:blipFill>
+            <a:blip r:embed="rId5">
+              <a:extLst>
+                <a:ext uri="{28A0092B-C50C-407E-A947-70E740481C1C}">
+                  <a14:useLocalDpi xmlns:a14="http://schemas.microsoft.com/office/drawing/2010/main" val="0"/>
+                </a:ext>
+              </a:extLst>
+            </a:blip>
+            <a:srcRect/>
+            <a:stretch>
+              <a:fillRect/>
+            </a:stretch>
+          </p:blipFill>
+          <p:spPr bwMode="auto">
+            <a:xfrm>
+              <a:off x="1734188" y="2682798"/>
+              <a:ext cx="657332" cy="657332"/>
+            </a:xfrm>
+            <a:prstGeom prst="rect">
+              <a:avLst/>
+            </a:prstGeom>
+            <a:noFill/>
+            <a:extLst>
+              <a:ext uri="{909E8E84-426E-40DD-AFC4-6F175D3DCCD1}">
+                <a14:hiddenFill xmlns:a14="http://schemas.microsoft.com/office/drawing/2010/main">
+                  <a:solidFill>
+                    <a:srgbClr val="FFFFFF"/>
+                  </a:solidFill>
+                </a14:hiddenFill>
+              </a:ext>
+            </a:extLst>
+          </p:spPr>
+        </p:pic>
+        <p:sp>
+          <p:nvSpPr>
+            <p:cNvPr id="27" name="TextBox 26">
+              <a:extLst>
+                <a:ext uri="{FF2B5EF4-FFF2-40B4-BE49-F238E27FC236}">
+                  <a16:creationId xmlns:a16="http://schemas.microsoft.com/office/drawing/2014/main" id="{43B0F5E1-AD12-7EA0-E893-886040C56E5D}"/>
+                </a:ext>
+              </a:extLst>
+            </p:cNvPr>
+            <p:cNvSpPr txBox="1"/>
+            <p:nvPr/>
+          </p:nvSpPr>
+          <p:spPr>
+            <a:xfrm>
+              <a:off x="2446148" y="2897663"/>
+              <a:ext cx="8216685" cy="369332"/>
+            </a:xfrm>
+            <a:prstGeom prst="rect">
+              <a:avLst/>
+            </a:prstGeom>
+            <a:noFill/>
+          </p:spPr>
+          <p:txBody>
+            <a:bodyPr wrap="square" rtlCol="0">
+              <a:spAutoFit/>
+            </a:bodyPr>
+            <a:lstStyle/>
+            <a:p>
+              <a:r>
+                <a:rPr lang="en-US" b="1" dirty="0"/>
+                <a:t>FOREIGN PROFITS DOMINATE TOTAL PROFITS</a:t>
+              </a:r>
+            </a:p>
+          </p:txBody>
+        </p:sp>
+      </p:grpSp>
+      <p:grpSp>
+        <p:nvGrpSpPr>
+          <p:cNvPr id="33" name="Group 32">
+            <a:extLst>
+              <a:ext uri="{FF2B5EF4-FFF2-40B4-BE49-F238E27FC236}">
+                <a16:creationId xmlns:a16="http://schemas.microsoft.com/office/drawing/2014/main" id="{DA9ECFDC-665D-629C-0A46-45774CD4FD57}"/>
+              </a:ext>
+            </a:extLst>
+          </p:cNvPr>
+          <p:cNvGrpSpPr/>
+          <p:nvPr/>
+        </p:nvGrpSpPr>
+        <p:grpSpPr>
+          <a:xfrm>
+            <a:off x="1548969" y="4673838"/>
+            <a:ext cx="8981242" cy="923330"/>
+            <a:chOff x="1681591" y="3674031"/>
+            <a:chExt cx="8981242" cy="923330"/>
+          </a:xfrm>
+        </p:grpSpPr>
+        <p:pic>
+          <p:nvPicPr>
+            <p:cNvPr id="28" name="Picture 27">
+              <a:extLst>
+                <a:ext uri="{FF2B5EF4-FFF2-40B4-BE49-F238E27FC236}">
+                  <a16:creationId xmlns:a16="http://schemas.microsoft.com/office/drawing/2014/main" id="{0019CDFF-AD8A-2779-DE48-45B4EB578151}"/>
+                </a:ext>
+              </a:extLst>
+            </p:cNvPr>
+            <p:cNvPicPr>
+              <a:picLocks noChangeAspect="1"/>
+            </p:cNvPicPr>
+            <p:nvPr/>
+          </p:nvPicPr>
+          <p:blipFill>
+            <a:blip r:embed="rId6"/>
+            <a:stretch>
+              <a:fillRect/>
+            </a:stretch>
+          </p:blipFill>
+          <p:spPr>
+            <a:xfrm>
+              <a:off x="1681591" y="3676753"/>
+              <a:ext cx="764557" cy="641850"/>
+            </a:xfrm>
+            <a:prstGeom prst="rect">
+              <a:avLst/>
+            </a:prstGeom>
+          </p:spPr>
+        </p:pic>
+        <p:sp>
+          <p:nvSpPr>
+            <p:cNvPr id="29" name="TextBox 28">
+              <a:extLst>
+                <a:ext uri="{FF2B5EF4-FFF2-40B4-BE49-F238E27FC236}">
+                  <a16:creationId xmlns:a16="http://schemas.microsoft.com/office/drawing/2014/main" id="{EE8A5372-C6CE-A30E-9372-2F9B2BD053E8}"/>
+                </a:ext>
+              </a:extLst>
+            </p:cNvPr>
+            <p:cNvSpPr txBox="1"/>
+            <p:nvPr/>
+          </p:nvSpPr>
+          <p:spPr>
+            <a:xfrm>
+              <a:off x="2446148" y="3674031"/>
+              <a:ext cx="8216685" cy="923330"/>
+            </a:xfrm>
+            <a:prstGeom prst="rect">
+              <a:avLst/>
+            </a:prstGeom>
+            <a:noFill/>
+          </p:spPr>
+          <p:txBody>
+            <a:bodyPr wrap="square" rtlCol="0">
+              <a:spAutoFit/>
+            </a:bodyPr>
+            <a:lstStyle/>
+            <a:p>
+              <a:r>
+                <a:rPr lang="en-US" b="1" dirty="0"/>
+                <a:t>BEST ROI DOMESTIC AND FOREIGN MARKETS </a:t>
+              </a:r>
+              <a:r>
+                <a:rPr lang="en-US" dirty="0"/>
+                <a:t>– ADVENTURE, DRAMA, SCI-FI</a:t>
+              </a:r>
+            </a:p>
+            <a:p>
+              <a:r>
+                <a:rPr lang="en-US" b="1" dirty="0"/>
+                <a:t>				                </a:t>
+              </a:r>
+              <a:r>
+                <a:rPr lang="en-US" dirty="0"/>
+                <a:t>ADVENTURE, ACTION, COMEDY</a:t>
+              </a:r>
+              <a:endParaRPr lang="en-US" b="1" dirty="0"/>
+            </a:p>
+            <a:p>
+              <a:endParaRPr lang="en-US" dirty="0"/>
+            </a:p>
+          </p:txBody>
+        </p:sp>
+      </p:grpSp>
+    </p:spTree>
+    <p:extLst>
+      <p:ext uri="{BB962C8B-B14F-4D97-AF65-F5344CB8AC3E}">
+        <p14:creationId xmlns:p14="http://schemas.microsoft.com/office/powerpoint/2010/main" val="3626129826"/>
+      </p:ext>
+    </p:extLst>
+  </p:cSld>
+  <p:clrMapOvr>
+    <a:masterClrMapping/>
+  </p:clrMapOvr>
+</p:sld>
+</file>
+
+<file path=ppt/slides/slide11.xml><?xml version="1.0" encoding="utf-8"?>
+<p:sld xmlns:a="http://schemas.openxmlformats.org/drawingml/2006/main" xmlns:r="http://schemas.openxmlformats.org/officeDocument/2006/relationships" xmlns:p="http://schemas.openxmlformats.org/presentationml/2006/main">
+  <p:cSld>
+    <p:spTree>
+      <p:nvGrpSpPr>
+        <p:cNvPr id="1" name=""/>
+        <p:cNvGrpSpPr/>
+        <p:nvPr/>
+      </p:nvGrpSpPr>
+      <p:grpSpPr>
+        <a:xfrm>
+          <a:off x="0" y="0"/>
+          <a:ext cx="0" cy="0"/>
+          <a:chOff x="0" y="0"/>
+          <a:chExt cx="0" cy="0"/>
+        </a:xfrm>
+      </p:grpSpPr>
+      <p:sp>
+        <p:nvSpPr>
+          <p:cNvPr id="5" name="Slide Number Placeholder 4">
+            <a:extLst>
+              <a:ext uri="{FF2B5EF4-FFF2-40B4-BE49-F238E27FC236}">
+                <a16:creationId xmlns:a16="http://schemas.microsoft.com/office/drawing/2014/main" id="{8BC02A1B-2A6C-78EF-88C3-6EEA34C3606C}"/>
+              </a:ext>
+            </a:extLst>
+          </p:cNvPr>
+          <p:cNvSpPr>
+            <a:spLocks noGrp="1"/>
+          </p:cNvSpPr>
+          <p:nvPr>
+            <p:ph type="sldNum" sz="quarter" idx="12"/>
+          </p:nvPr>
+        </p:nvSpPr>
+        <p:spPr/>
+        <p:txBody>
+          <a:bodyPr/>
+          <a:lstStyle/>
+          <a:p>
+            <a:fld id="{9B1D7D9B-CDE6-6440-8F5F-ADF9B5401534}" type="slidenum">
+              <a:rPr lang="en-US" smtClean="0"/>
+              <a:t>11</a:t>
             </a:fld>
             <a:endParaRPr lang="en-US"/>
           </a:p>
@@ -4576,7 +5034,7 @@
 </p:sld>
 </file>
 
-<file path=ppt/slides/slide11.xml><?xml version="1.0" encoding="utf-8"?>
+<file path=ppt/slides/slide12.xml><?xml version="1.0" encoding="utf-8"?>
 <p:sld xmlns:a="http://schemas.openxmlformats.org/drawingml/2006/main" xmlns:r="http://schemas.openxmlformats.org/officeDocument/2006/relationships" xmlns:p="http://schemas.openxmlformats.org/presentationml/2006/main">
   <p:cSld>
     <p:spTree>
@@ -4641,7 +5099,7 @@
           <a:p>
             <a:fld id="{9B1D7D9B-CDE6-6440-8F5F-ADF9B5401534}" type="slidenum">
               <a:rPr lang="en-US" smtClean="0"/>
-              <a:t>11</a:t>
+              <a:t>12</a:t>
             </a:fld>
             <a:endParaRPr lang="en-US"/>
           </a:p>
@@ -5240,7 +5698,7 @@
 </p:sld>
 </file>
 
-<file path=ppt/slides/slide12.xml><?xml version="1.0" encoding="utf-8"?>
+<file path=ppt/slides/slide13.xml><?xml version="1.0" encoding="utf-8"?>
 <p:sld xmlns:a="http://schemas.openxmlformats.org/drawingml/2006/main" xmlns:r="http://schemas.openxmlformats.org/officeDocument/2006/relationships" xmlns:p="http://schemas.openxmlformats.org/presentationml/2006/main">
   <p:cSld>
     <p:spTree>
@@ -5305,7 +5763,7 @@
           <a:p>
             <a:fld id="{9B1D7D9B-CDE6-6440-8F5F-ADF9B5401534}" type="slidenum">
               <a:rPr lang="en-US" smtClean="0"/>
-              <a:t>12</a:t>
+              <a:t>13</a:t>
             </a:fld>
             <a:endParaRPr lang="en-US"/>
           </a:p>
@@ -5377,7 +5835,7 @@
 </p:sld>
 </file>
 
-<file path=ppt/slides/slide13.xml><?xml version="1.0" encoding="utf-8"?>
+<file path=ppt/slides/slide14.xml><?xml version="1.0" encoding="utf-8"?>
 <p:sld xmlns:a="http://schemas.openxmlformats.org/drawingml/2006/main" xmlns:r="http://schemas.openxmlformats.org/officeDocument/2006/relationships" xmlns:p="http://schemas.openxmlformats.org/presentationml/2006/main">
   <p:cSld>
     <p:spTree>
@@ -5552,7 +6010,7 @@
           <a:p>
             <a:fld id="{9B1D7D9B-CDE6-6440-8F5F-ADF9B5401534}" type="slidenum">
               <a:rPr lang="en-US" smtClean="0"/>
-              <a:t>13</a:t>
+              <a:t>14</a:t>
             </a:fld>
             <a:endParaRPr lang="en-US"/>
           </a:p>
@@ -5571,7 +6029,7 @@
 </p:sld>
 </file>
 
-<file path=ppt/slides/slide14.xml><?xml version="1.0" encoding="utf-8"?>
+<file path=ppt/slides/slide15.xml><?xml version="1.0" encoding="utf-8"?>
 <p:sld xmlns:a="http://schemas.openxmlformats.org/drawingml/2006/main" xmlns:r="http://schemas.openxmlformats.org/officeDocument/2006/relationships" xmlns:p="http://schemas.openxmlformats.org/presentationml/2006/main">
   <p:cSld>
     <p:spTree>
@@ -5689,7 +6147,7 @@
           <a:p>
             <a:fld id="{9B1D7D9B-CDE6-6440-8F5F-ADF9B5401534}" type="slidenum">
               <a:rPr lang="en-US" smtClean="0"/>
-              <a:t>14</a:t>
+              <a:t>15</a:t>
             </a:fld>
             <a:endParaRPr lang="en-US"/>
           </a:p>
@@ -5708,7 +6166,7 @@
 </p:sld>
 </file>
 
-<file path=ppt/slides/slide15.xml><?xml version="1.0" encoding="utf-8"?>
+<file path=ppt/slides/slide16.xml><?xml version="1.0" encoding="utf-8"?>
 <p:sld xmlns:a="http://schemas.openxmlformats.org/drawingml/2006/main" xmlns:r="http://schemas.openxmlformats.org/officeDocument/2006/relationships" xmlns:p="http://schemas.openxmlformats.org/presentationml/2006/main">
   <p:cSld>
     <p:spTree>
@@ -6324,7 +6782,7 @@
           <a:p>
             <a:fld id="{9B1D7D9B-CDE6-6440-8F5F-ADF9B5401534}" type="slidenum">
               <a:rPr lang="en-US" smtClean="0"/>
-              <a:t>15</a:t>
+              <a:t>16</a:t>
             </a:fld>
             <a:endParaRPr lang="en-US"/>
           </a:p>
@@ -6343,7 +6801,7 @@
 </p:sld>
 </file>
 
-<file path=ppt/slides/slide16.xml><?xml version="1.0" encoding="utf-8"?>
+<file path=ppt/slides/slide17.xml><?xml version="1.0" encoding="utf-8"?>
 <p:sld xmlns:a="http://schemas.openxmlformats.org/drawingml/2006/main" xmlns:r="http://schemas.openxmlformats.org/officeDocument/2006/relationships" xmlns:p="http://schemas.openxmlformats.org/presentationml/2006/main">
   <p:cSld>
     <p:spTree>
@@ -6931,7 +7389,7 @@
           <a:p>
             <a:fld id="{9B1D7D9B-CDE6-6440-8F5F-ADF9B5401534}" type="slidenum">
               <a:rPr lang="en-US" smtClean="0"/>
-              <a:t>16</a:t>
+              <a:t>17</a:t>
             </a:fld>
             <a:endParaRPr lang="en-US"/>
           </a:p>
@@ -6950,7 +7408,7 @@
 </p:sld>
 </file>
 
-<file path=ppt/slides/slide17.xml><?xml version="1.0" encoding="utf-8"?>
+<file path=ppt/slides/slide18.xml><?xml version="1.0" encoding="utf-8"?>
 <p:sld xmlns:a="http://schemas.openxmlformats.org/drawingml/2006/main" xmlns:r="http://schemas.openxmlformats.org/officeDocument/2006/relationships" xmlns:p="http://schemas.openxmlformats.org/presentationml/2006/main">
   <p:cSld>
     <p:spTree>
@@ -7515,7 +7973,7 @@
           <a:p>
             <a:fld id="{9B1D7D9B-CDE6-6440-8F5F-ADF9B5401534}" type="slidenum">
               <a:rPr lang="en-US" smtClean="0"/>
-              <a:t>17</a:t>
+              <a:t>18</a:t>
             </a:fld>
             <a:endParaRPr lang="en-US" dirty="0"/>
           </a:p>
@@ -7564,7 +8022,7 @@
 </p:sld>
 </file>
 
-<file path=ppt/slides/slide18.xml><?xml version="1.0" encoding="utf-8"?>
+<file path=ppt/slides/slide19.xml><?xml version="1.0" encoding="utf-8"?>
 <p:sld xmlns:a="http://schemas.openxmlformats.org/drawingml/2006/main" xmlns:r="http://schemas.openxmlformats.org/officeDocument/2006/relationships" xmlns:p="http://schemas.openxmlformats.org/presentationml/2006/main">
   <p:cSld>
     <p:spTree>
@@ -7646,7 +8104,7 @@
           <a:p>
             <a:fld id="{9B1D7D9B-CDE6-6440-8F5F-ADF9B5401534}" type="slidenum">
               <a:rPr lang="en-US" smtClean="0"/>
-              <a:t>18</a:t>
+              <a:t>19</a:t>
             </a:fld>
             <a:endParaRPr lang="en-US" dirty="0"/>
           </a:p>
@@ -11808,80 +12266,6 @@
           <a:chExt cx="0" cy="0"/>
         </a:xfrm>
       </p:grpSpPr>
-      <p:pic>
-        <p:nvPicPr>
-          <p:cNvPr id="30" name="Picture 29">
-            <a:extLst>
-              <a:ext uri="{FF2B5EF4-FFF2-40B4-BE49-F238E27FC236}">
-                <a16:creationId xmlns:a16="http://schemas.microsoft.com/office/drawing/2014/main" id="{AF9F63D6-FA46-0A48-825D-6D297B96D413}"/>
-              </a:ext>
-            </a:extLst>
-          </p:cNvPr>
-          <p:cNvPicPr>
-            <a:picLocks noChangeAspect="1"/>
-          </p:cNvPicPr>
-          <p:nvPr/>
-        </p:nvPicPr>
-        <p:blipFill>
-          <a:blip r:embed="rId2"/>
-          <a:stretch>
-            <a:fillRect/>
-          </a:stretch>
-        </p:blipFill>
-        <p:spPr>
-          <a:xfrm>
-            <a:off x="778957" y="1456036"/>
-            <a:ext cx="10629549" cy="3943219"/>
-          </a:xfrm>
-          <a:prstGeom prst="rect">
-            <a:avLst/>
-          </a:prstGeom>
-        </p:spPr>
-      </p:pic>
-      <p:sp>
-        <p:nvSpPr>
-          <p:cNvPr id="20" name="Footer Placeholder 19">
-            <a:extLst>
-              <a:ext uri="{FF2B5EF4-FFF2-40B4-BE49-F238E27FC236}">
-                <a16:creationId xmlns:a16="http://schemas.microsoft.com/office/drawing/2014/main" id="{E504F9F6-A200-5FC8-EA04-32424D4330FC}"/>
-              </a:ext>
-            </a:extLst>
-          </p:cNvPr>
-          <p:cNvSpPr>
-            <a:spLocks noGrp="1"/>
-          </p:cNvSpPr>
-          <p:nvPr>
-            <p:ph type="ftr" sz="quarter" idx="11"/>
-          </p:nvPr>
-        </p:nvSpPr>
-        <p:spPr>
-          <a:xfrm>
-            <a:off x="6939873" y="6473558"/>
-            <a:ext cx="4114800" cy="365125"/>
-          </a:xfrm>
-        </p:spPr>
-        <p:txBody>
-          <a:bodyPr/>
-          <a:lstStyle/>
-          <a:p>
-            <a:pPr algn="l"/>
-            <a:r>
-              <a:rPr lang="en-US" dirty="0"/>
-              <a:t>Movie Reviews Filter: Above IMDB Average  7</a:t>
-            </a:r>
-          </a:p>
-          <a:p>
-            <a:pPr algn="l"/>
-            <a:r>
-              <a:rPr lang="en-US" dirty="0"/>
-              <a:t>Adventure Pairings with Action, Comedy, Animation and Sci-Fi </a:t>
-            </a:r>
-          </a:p>
-          <a:p>
-            <a:endParaRPr lang="en-US" dirty="0"/>
-          </a:p>
-        </p:txBody>
-      </p:sp>
       <p:sp>
         <p:nvSpPr>
           <p:cNvPr id="21" name="Slide Number Placeholder 20">
@@ -11916,186 +12300,6 @@
           </a:p>
         </p:txBody>
       </p:sp>
-      <p:pic>
-        <p:nvPicPr>
-          <p:cNvPr id="11" name="Graphic 10" descr="Badge Cross with solid fill">
-            <a:extLst>
-              <a:ext uri="{FF2B5EF4-FFF2-40B4-BE49-F238E27FC236}">
-                <a16:creationId xmlns:a16="http://schemas.microsoft.com/office/drawing/2014/main" id="{D0ECE381-07D9-99EF-0161-FA8BE00FA51A}"/>
-              </a:ext>
-            </a:extLst>
-          </p:cNvPr>
-          <p:cNvPicPr>
-            <a:picLocks noChangeAspect="1"/>
-          </p:cNvPicPr>
-          <p:nvPr/>
-        </p:nvPicPr>
-        <p:blipFill>
-          <a:blip r:embed="rId3">
-            <a:extLst>
-              <a:ext uri="{96DAC541-7B7A-43D3-8B79-37D633B846F1}">
-                <asvg:svgBlip xmlns:asvg="http://schemas.microsoft.com/office/drawing/2016/SVG/main" r:embed="rId4"/>
-              </a:ext>
-            </a:extLst>
-          </a:blip>
-          <a:stretch>
-            <a:fillRect/>
-          </a:stretch>
-        </p:blipFill>
-        <p:spPr>
-          <a:xfrm>
-            <a:off x="9661250" y="3609280"/>
-            <a:ext cx="339356" cy="339356"/>
-          </a:xfrm>
-          <a:prstGeom prst="rect">
-            <a:avLst/>
-          </a:prstGeom>
-        </p:spPr>
-      </p:pic>
-      <p:pic>
-        <p:nvPicPr>
-          <p:cNvPr id="17" name="Graphic 16" descr="Badge Cross with solid fill">
-            <a:extLst>
-              <a:ext uri="{FF2B5EF4-FFF2-40B4-BE49-F238E27FC236}">
-                <a16:creationId xmlns:a16="http://schemas.microsoft.com/office/drawing/2014/main" id="{8100BFD1-AE56-F18A-6AA3-07AB30FE5432}"/>
-              </a:ext>
-            </a:extLst>
-          </p:cNvPr>
-          <p:cNvPicPr>
-            <a:picLocks noChangeAspect="1"/>
-          </p:cNvPicPr>
-          <p:nvPr/>
-        </p:nvPicPr>
-        <p:blipFill>
-          <a:blip r:embed="rId3">
-            <a:extLst>
-              <a:ext uri="{96DAC541-7B7A-43D3-8B79-37D633B846F1}">
-                <asvg:svgBlip xmlns:asvg="http://schemas.microsoft.com/office/drawing/2016/SVG/main" r:embed="rId4"/>
-              </a:ext>
-            </a:extLst>
-          </a:blip>
-          <a:stretch>
-            <a:fillRect/>
-          </a:stretch>
-        </p:blipFill>
-        <p:spPr>
-          <a:xfrm>
-            <a:off x="7822529" y="3609289"/>
-            <a:ext cx="339356" cy="339356"/>
-          </a:xfrm>
-          <a:prstGeom prst="rect">
-            <a:avLst/>
-          </a:prstGeom>
-        </p:spPr>
-      </p:pic>
-      <p:pic>
-        <p:nvPicPr>
-          <p:cNvPr id="18" name="Graphic 17" descr="Badge Cross with solid fill">
-            <a:extLst>
-              <a:ext uri="{FF2B5EF4-FFF2-40B4-BE49-F238E27FC236}">
-                <a16:creationId xmlns:a16="http://schemas.microsoft.com/office/drawing/2014/main" id="{C17AAA5A-FC72-2725-203E-67319F74B790}"/>
-              </a:ext>
-            </a:extLst>
-          </p:cNvPr>
-          <p:cNvPicPr>
-            <a:picLocks noChangeAspect="1"/>
-          </p:cNvPicPr>
-          <p:nvPr/>
-        </p:nvPicPr>
-        <p:blipFill>
-          <a:blip r:embed="rId3">
-            <a:extLst>
-              <a:ext uri="{96DAC541-7B7A-43D3-8B79-37D633B846F1}">
-                <asvg:svgBlip xmlns:asvg="http://schemas.microsoft.com/office/drawing/2016/SVG/main" r:embed="rId4"/>
-              </a:ext>
-            </a:extLst>
-          </a:blip>
-          <a:stretch>
-            <a:fillRect/>
-          </a:stretch>
-        </p:blipFill>
-        <p:spPr>
-          <a:xfrm>
-            <a:off x="2283720" y="3608844"/>
-            <a:ext cx="339356" cy="339356"/>
-          </a:xfrm>
-          <a:prstGeom prst="rect">
-            <a:avLst/>
-          </a:prstGeom>
-        </p:spPr>
-      </p:pic>
-      <p:pic>
-        <p:nvPicPr>
-          <p:cNvPr id="25" name="Graphic 24" descr="Badge Tick with solid fill">
-            <a:extLst>
-              <a:ext uri="{FF2B5EF4-FFF2-40B4-BE49-F238E27FC236}">
-                <a16:creationId xmlns:a16="http://schemas.microsoft.com/office/drawing/2014/main" id="{7E84DC13-15D0-89BB-76CE-04BF7F491F31}"/>
-              </a:ext>
-            </a:extLst>
-          </p:cNvPr>
-          <p:cNvPicPr>
-            <a:picLocks noChangeAspect="1"/>
-          </p:cNvPicPr>
-          <p:nvPr/>
-        </p:nvPicPr>
-        <p:blipFill>
-          <a:blip r:embed="rId5">
-            <a:extLst>
-              <a:ext uri="{96DAC541-7B7A-43D3-8B79-37D633B846F1}">
-                <asvg:svgBlip xmlns:asvg="http://schemas.microsoft.com/office/drawing/2016/SVG/main" r:embed="rId6"/>
-              </a:ext>
-            </a:extLst>
-          </a:blip>
-          <a:stretch>
-            <a:fillRect/>
-          </a:stretch>
-        </p:blipFill>
-        <p:spPr>
-          <a:xfrm>
-            <a:off x="5875075" y="3142129"/>
-            <a:ext cx="573742" cy="573742"/>
-          </a:xfrm>
-          <a:prstGeom prst="rect">
-            <a:avLst/>
-          </a:prstGeom>
-        </p:spPr>
-      </p:pic>
-      <p:pic>
-        <p:nvPicPr>
-          <p:cNvPr id="26" name="Graphic 25" descr="Badge Tick with solid fill">
-            <a:extLst>
-              <a:ext uri="{FF2B5EF4-FFF2-40B4-BE49-F238E27FC236}">
-                <a16:creationId xmlns:a16="http://schemas.microsoft.com/office/drawing/2014/main" id="{8AFB3B17-7093-7B62-A96A-289328E968E8}"/>
-              </a:ext>
-            </a:extLst>
-          </p:cNvPr>
-          <p:cNvPicPr>
-            <a:picLocks noChangeAspect="1"/>
-          </p:cNvPicPr>
-          <p:nvPr/>
-        </p:nvPicPr>
-        <p:blipFill>
-          <a:blip r:embed="rId5">
-            <a:extLst>
-              <a:ext uri="{96DAC541-7B7A-43D3-8B79-37D633B846F1}">
-                <asvg:svgBlip xmlns:asvg="http://schemas.microsoft.com/office/drawing/2016/SVG/main" r:embed="rId6"/>
-              </a:ext>
-            </a:extLst>
-          </a:blip>
-          <a:stretch>
-            <a:fillRect/>
-          </a:stretch>
-        </p:blipFill>
-        <p:spPr>
-          <a:xfrm>
-            <a:off x="3996737" y="3148981"/>
-            <a:ext cx="573742" cy="573742"/>
-          </a:xfrm>
-          <a:prstGeom prst="rect">
-            <a:avLst/>
-          </a:prstGeom>
-        </p:spPr>
-      </p:pic>
       <p:sp>
         <p:nvSpPr>
           <p:cNvPr id="27" name="Rectangle 26">
@@ -12233,7 +12437,7 @@
             <p:nvPr/>
           </p:nvPicPr>
           <p:blipFill>
-            <a:blip r:embed="rId7">
+            <a:blip r:embed="rId2">
               <a:extLst>
                 <a:ext uri="{28A0092B-C50C-407E-A947-70E740481C1C}">
                   <a14:useLocalDpi xmlns:a14="http://schemas.microsoft.com/office/drawing/2010/main" val="0"/>
@@ -12266,6 +12470,36 @@
           </p:spPr>
         </p:pic>
       </p:grpSp>
+      <p:pic>
+        <p:nvPicPr>
+          <p:cNvPr id="3" name="Picture 2">
+            <a:extLst>
+              <a:ext uri="{FF2B5EF4-FFF2-40B4-BE49-F238E27FC236}">
+                <a16:creationId xmlns:a16="http://schemas.microsoft.com/office/drawing/2014/main" id="{5D272EAF-2B12-7DD5-D9E0-9A2EC9FAC576}"/>
+              </a:ext>
+            </a:extLst>
+          </p:cNvPr>
+          <p:cNvPicPr>
+            <a:picLocks noChangeAspect="1"/>
+          </p:cNvPicPr>
+          <p:nvPr/>
+        </p:nvPicPr>
+        <p:blipFill>
+          <a:blip r:embed="rId3"/>
+          <a:stretch>
+            <a:fillRect/>
+          </a:stretch>
+        </p:blipFill>
+        <p:spPr>
+          <a:xfrm>
+            <a:off x="1238530" y="1044250"/>
+            <a:ext cx="9465451" cy="4050671"/>
+          </a:xfrm>
+          <a:prstGeom prst="rect">
+            <a:avLst/>
+          </a:prstGeom>
+        </p:spPr>
+      </p:pic>
     </p:spTree>
     <p:extLst>
       <p:ext uri="{BB962C8B-B14F-4D97-AF65-F5344CB8AC3E}">
@@ -12298,10 +12532,10 @@
       </p:grpSpPr>
       <p:sp>
         <p:nvSpPr>
-          <p:cNvPr id="40" name="Slide Number Placeholder 39">
-            <a:extLst>
-              <a:ext uri="{FF2B5EF4-FFF2-40B4-BE49-F238E27FC236}">
-                <a16:creationId xmlns:a16="http://schemas.microsoft.com/office/drawing/2014/main" id="{BAC89C47-043C-58A4-7185-EEA930D4BB00}"/>
+          <p:cNvPr id="14" name="Slide Number Placeholder 13">
+            <a:extLst>
+              <a:ext uri="{FF2B5EF4-FFF2-40B4-BE49-F238E27FC236}">
+                <a16:creationId xmlns:a16="http://schemas.microsoft.com/office/drawing/2014/main" id="{9C438E29-D275-8FA0-6E82-D9DC7D66CB99}"/>
               </a:ext>
             </a:extLst>
           </p:cNvPr>
@@ -12312,7 +12546,12 @@
             <p:ph type="sldNum" sz="quarter" idx="12"/>
           </p:nvPr>
         </p:nvSpPr>
-        <p:spPr/>
+        <p:spPr>
+          <a:xfrm>
+            <a:off x="11028218" y="6356350"/>
+            <a:ext cx="325582" cy="365125"/>
+          </a:xfrm>
+        </p:spPr>
         <p:txBody>
           <a:bodyPr/>
           <a:lstStyle/>
@@ -12321,16 +12560,50 @@
               <a:rPr lang="en-US" smtClean="0"/>
               <a:t>9</a:t>
             </a:fld>
-            <a:endParaRPr lang="en-US"/>
+            <a:endParaRPr lang="en-US" dirty="0"/>
           </a:p>
         </p:txBody>
       </p:sp>
       <p:sp>
         <p:nvSpPr>
-          <p:cNvPr id="13" name="Rectangle 12">
-            <a:extLst>
-              <a:ext uri="{FF2B5EF4-FFF2-40B4-BE49-F238E27FC236}">
-                <a16:creationId xmlns:a16="http://schemas.microsoft.com/office/drawing/2014/main" id="{2C609AC3-B00A-F161-E31A-6DD10CC8AD8B}"/>
+          <p:cNvPr id="13" name="Footer Placeholder 12">
+            <a:extLst>
+              <a:ext uri="{FF2B5EF4-FFF2-40B4-BE49-F238E27FC236}">
+                <a16:creationId xmlns:a16="http://schemas.microsoft.com/office/drawing/2014/main" id="{AB76EEBE-FC91-C570-E8FA-0FC7BD0CD3B5}"/>
+              </a:ext>
+            </a:extLst>
+          </p:cNvPr>
+          <p:cNvSpPr>
+            <a:spLocks noGrp="1"/>
+          </p:cNvSpPr>
+          <p:nvPr>
+            <p:ph type="ftr" sz="quarter" idx="11"/>
+          </p:nvPr>
+        </p:nvSpPr>
+        <p:spPr>
+          <a:xfrm>
+            <a:off x="6546613" y="6363503"/>
+            <a:ext cx="4114800" cy="365125"/>
+          </a:xfrm>
+        </p:spPr>
+        <p:txBody>
+          <a:bodyPr/>
+          <a:lstStyle/>
+          <a:p>
+            <a:pPr algn="r"/>
+            <a:r>
+              <a:rPr lang="en-US" dirty="0"/>
+              <a:t>Adventure genre combinations shortlist</a:t>
+            </a:r>
+          </a:p>
+        </p:txBody>
+      </p:sp>
+      <p:sp>
+        <p:nvSpPr>
+          <p:cNvPr id="24" name="Rectangle 23">
+            <a:extLst>
+              <a:ext uri="{FF2B5EF4-FFF2-40B4-BE49-F238E27FC236}">
+                <a16:creationId xmlns:a16="http://schemas.microsoft.com/office/drawing/2014/main" id="{2E645F86-58A0-CD0E-36EE-C221224C56CD}"/>
               </a:ext>
             </a:extLst>
           </p:cNvPr>
@@ -12339,8 +12612,8 @@
         </p:nvSpPr>
         <p:spPr>
           <a:xfrm>
-            <a:off x="743917" y="61992"/>
-            <a:ext cx="2991371" cy="461665"/>
+            <a:off x="544537" y="73420"/>
+            <a:ext cx="4013063" cy="461665"/>
           </a:xfrm>
           <a:prstGeom prst="rect">
             <a:avLst/>
@@ -12364,53 +12637,64 @@
                   </a:outerShdw>
                 </a:effectLst>
               </a:rPr>
-              <a:t>RESULTS</a:t>
+              <a:t>GENRE FOCUS</a:t>
             </a:r>
           </a:p>
         </p:txBody>
       </p:sp>
       <p:pic>
         <p:nvPicPr>
-          <p:cNvPr id="18" name="Graphic 17" descr="Presentation with pie chart with solid fill">
-            <a:extLst>
-              <a:ext uri="{FF2B5EF4-FFF2-40B4-BE49-F238E27FC236}">
-                <a16:creationId xmlns:a16="http://schemas.microsoft.com/office/drawing/2014/main" id="{C3364562-96F8-05E7-23DC-729441B64D90}"/>
+          <p:cNvPr id="2" name="Picture 1" descr="Focus Vector SVG Icon (17) - SVG Repo">
+            <a:extLst>
+              <a:ext uri="{FF2B5EF4-FFF2-40B4-BE49-F238E27FC236}">
+                <a16:creationId xmlns:a16="http://schemas.microsoft.com/office/drawing/2014/main" id="{3A29D75F-75E7-3BE5-4089-CA8405AD5A72}"/>
               </a:ext>
             </a:extLst>
           </p:cNvPr>
           <p:cNvPicPr>
-            <a:picLocks noChangeAspect="1"/>
+            <a:picLocks noChangeAspect="1" noChangeArrowheads="1"/>
           </p:cNvPicPr>
           <p:nvPr/>
         </p:nvPicPr>
         <p:blipFill>
           <a:blip r:embed="rId2">
             <a:extLst>
-              <a:ext uri="{96DAC541-7B7A-43D3-8B79-37D633B846F1}">
-                <asvg:svgBlip xmlns:asvg="http://schemas.microsoft.com/office/drawing/2016/SVG/main" r:embed="rId3"/>
+              <a:ext uri="{28A0092B-C50C-407E-A947-70E740481C1C}">
+                <a14:useLocalDpi xmlns:a14="http://schemas.microsoft.com/office/drawing/2010/main" val="0"/>
               </a:ext>
             </a:extLst>
           </a:blip>
+          <a:srcRect/>
           <a:stretch>
             <a:fillRect/>
           </a:stretch>
         </p:blipFill>
-        <p:spPr>
+        <p:spPr bwMode="auto">
           <a:xfrm>
-            <a:off x="0" y="-89115"/>
-            <a:ext cx="914400" cy="914400"/>
+            <a:off x="15175" y="32550"/>
+            <a:ext cx="543404" cy="543404"/>
           </a:xfrm>
           <a:prstGeom prst="rect">
             <a:avLst/>
           </a:prstGeom>
+          <a:noFill/>
+          <a:extLst>
+            <a:ext uri="{909E8E84-426E-40DD-AFC4-6F175D3DCCD1}">
+              <a14:hiddenFill xmlns:a14="http://schemas.microsoft.com/office/drawing/2010/main">
+                <a:solidFill>
+                  <a:srgbClr val="FFFFFF"/>
+                </a:solidFill>
+              </a14:hiddenFill>
+            </a:ext>
+          </a:extLst>
         </p:spPr>
       </p:pic>
       <p:grpSp>
         <p:nvGrpSpPr>
-          <p:cNvPr id="30" name="Group 29">
-            <a:extLst>
-              <a:ext uri="{FF2B5EF4-FFF2-40B4-BE49-F238E27FC236}">
-                <a16:creationId xmlns:a16="http://schemas.microsoft.com/office/drawing/2014/main" id="{C9DFDD06-0345-2BD5-09E0-D55F94010911}"/>
+          <p:cNvPr id="18" name="Group 17">
+            <a:extLst>
+              <a:ext uri="{FF2B5EF4-FFF2-40B4-BE49-F238E27FC236}">
+                <a16:creationId xmlns:a16="http://schemas.microsoft.com/office/drawing/2014/main" id="{5064EA44-F219-FC77-A286-533A54F421D4}"/>
               </a:ext>
             </a:extLst>
           </p:cNvPr>
@@ -12419,232 +12703,18 @@
         </p:nvGrpSpPr>
         <p:grpSpPr>
           <a:xfrm>
-            <a:off x="1583840" y="1615312"/>
-            <a:ext cx="8865896" cy="646331"/>
-            <a:chOff x="1796937" y="1751308"/>
-            <a:chExt cx="8865896" cy="646331"/>
-          </a:xfrm>
-        </p:grpSpPr>
-        <p:sp>
-          <p:nvSpPr>
-            <p:cNvPr id="24" name="TextBox 23">
-              <a:extLst>
-                <a:ext uri="{FF2B5EF4-FFF2-40B4-BE49-F238E27FC236}">
-                  <a16:creationId xmlns:a16="http://schemas.microsoft.com/office/drawing/2014/main" id="{B87A1A65-9FA8-E8A8-2130-995BFCF1D9CE}"/>
-                </a:ext>
-              </a:extLst>
-            </p:cNvPr>
-            <p:cNvSpPr txBox="1"/>
-            <p:nvPr/>
-          </p:nvSpPr>
-          <p:spPr>
-            <a:xfrm>
-              <a:off x="2446148" y="1751308"/>
-              <a:ext cx="8216685" cy="646331"/>
-            </a:xfrm>
-            <a:prstGeom prst="rect">
-              <a:avLst/>
-            </a:prstGeom>
-            <a:noFill/>
-          </p:spPr>
-          <p:txBody>
-            <a:bodyPr wrap="square" rtlCol="0">
-              <a:spAutoFit/>
-            </a:bodyPr>
-            <a:lstStyle/>
-            <a:p>
-              <a:r>
-                <a:rPr lang="en-US" dirty="0"/>
-                <a:t>A</a:t>
-              </a:r>
-              <a:r>
-                <a:rPr lang="en-US" b="1" dirty="0"/>
-                <a:t>DVENTURE GENRE COMBINATIONS </a:t>
-              </a:r>
-              <a:r>
-                <a:rPr lang="en-US" dirty="0"/>
-                <a:t>– MOST COMMON GENRE WITH HIGH REVIEWS 				&amp; HIGH PROFITS </a:t>
-              </a:r>
-            </a:p>
-          </p:txBody>
-        </p:sp>
-        <p:pic>
-          <p:nvPicPr>
-            <p:cNvPr id="25" name="Picture 24" descr="Focus Vector SVG Icon (17) - SVG Repo">
-              <a:extLst>
-                <a:ext uri="{FF2B5EF4-FFF2-40B4-BE49-F238E27FC236}">
-                  <a16:creationId xmlns:a16="http://schemas.microsoft.com/office/drawing/2014/main" id="{8B5700DA-2FC1-FBDD-9572-6BDD855F09E4}"/>
-                </a:ext>
-              </a:extLst>
-            </p:cNvPr>
-            <p:cNvPicPr>
-              <a:picLocks noChangeAspect="1" noChangeArrowheads="1"/>
-            </p:cNvPicPr>
-            <p:nvPr/>
-          </p:nvPicPr>
-          <p:blipFill>
-            <a:blip r:embed="rId4">
-              <a:extLst>
-                <a:ext uri="{28A0092B-C50C-407E-A947-70E740481C1C}">
-                  <a14:useLocalDpi xmlns:a14="http://schemas.microsoft.com/office/drawing/2010/main" val="0"/>
-                </a:ext>
-              </a:extLst>
-            </a:blip>
-            <a:srcRect/>
-            <a:stretch>
-              <a:fillRect/>
-            </a:stretch>
-          </p:blipFill>
-          <p:spPr bwMode="auto">
-            <a:xfrm>
-              <a:off x="1796937" y="1802771"/>
-              <a:ext cx="543404" cy="543404"/>
-            </a:xfrm>
-            <a:prstGeom prst="rect">
-              <a:avLst/>
-            </a:prstGeom>
-            <a:noFill/>
-            <a:extLst>
-              <a:ext uri="{909E8E84-426E-40DD-AFC4-6F175D3DCCD1}">
-                <a14:hiddenFill xmlns:a14="http://schemas.microsoft.com/office/drawing/2010/main">
-                  <a:solidFill>
-                    <a:srgbClr val="FFFFFF"/>
-                  </a:solidFill>
-                </a14:hiddenFill>
-              </a:ext>
-            </a:extLst>
-          </p:spPr>
-        </p:pic>
-      </p:grpSp>
-      <p:grpSp>
-        <p:nvGrpSpPr>
-          <p:cNvPr id="32" name="Group 31">
-            <a:extLst>
-              <a:ext uri="{FF2B5EF4-FFF2-40B4-BE49-F238E27FC236}">
-                <a16:creationId xmlns:a16="http://schemas.microsoft.com/office/drawing/2014/main" id="{4049FC95-F64E-FD1D-1B75-73ABA6322DC7}"/>
-              </a:ext>
-            </a:extLst>
-          </p:cNvPr>
-          <p:cNvGrpSpPr/>
-          <p:nvPr/>
-        </p:nvGrpSpPr>
-        <p:grpSpPr>
-          <a:xfrm>
-            <a:off x="1548969" y="3138434"/>
-            <a:ext cx="8928645" cy="657332"/>
-            <a:chOff x="1734188" y="2682798"/>
-            <a:chExt cx="8928645" cy="657332"/>
+            <a:off x="119298" y="711852"/>
+            <a:ext cx="12082547" cy="4482234"/>
+            <a:chOff x="15175" y="1187883"/>
+            <a:chExt cx="12082547" cy="4482234"/>
           </a:xfrm>
         </p:grpSpPr>
         <p:pic>
           <p:nvPicPr>
-            <p:cNvPr id="26" name="Picture 6" descr="global icon vector 3">
+            <p:cNvPr id="4" name="Picture 3">
               <a:extLst>
                 <a:ext uri="{FF2B5EF4-FFF2-40B4-BE49-F238E27FC236}">
-                  <a16:creationId xmlns:a16="http://schemas.microsoft.com/office/drawing/2014/main" id="{876F8B0A-192D-40F0-F459-B8298EA0D321}"/>
-                </a:ext>
-              </a:extLst>
-            </p:cNvPr>
-            <p:cNvPicPr>
-              <a:picLocks noChangeAspect="1" noChangeArrowheads="1"/>
-            </p:cNvPicPr>
-            <p:nvPr/>
-          </p:nvPicPr>
-          <p:blipFill>
-            <a:blip r:embed="rId5">
-              <a:extLst>
-                <a:ext uri="{28A0092B-C50C-407E-A947-70E740481C1C}">
-                  <a14:useLocalDpi xmlns:a14="http://schemas.microsoft.com/office/drawing/2010/main" val="0"/>
-                </a:ext>
-              </a:extLst>
-            </a:blip>
-            <a:srcRect/>
-            <a:stretch>
-              <a:fillRect/>
-            </a:stretch>
-          </p:blipFill>
-          <p:spPr bwMode="auto">
-            <a:xfrm>
-              <a:off x="1734188" y="2682798"/>
-              <a:ext cx="657332" cy="657332"/>
-            </a:xfrm>
-            <a:prstGeom prst="rect">
-              <a:avLst/>
-            </a:prstGeom>
-            <a:noFill/>
-            <a:extLst>
-              <a:ext uri="{909E8E84-426E-40DD-AFC4-6F175D3DCCD1}">
-                <a14:hiddenFill xmlns:a14="http://schemas.microsoft.com/office/drawing/2010/main">
-                  <a:solidFill>
-                    <a:srgbClr val="FFFFFF"/>
-                  </a:solidFill>
-                </a14:hiddenFill>
-              </a:ext>
-            </a:extLst>
-          </p:spPr>
-        </p:pic>
-        <p:sp>
-          <p:nvSpPr>
-            <p:cNvPr id="27" name="TextBox 26">
-              <a:extLst>
-                <a:ext uri="{FF2B5EF4-FFF2-40B4-BE49-F238E27FC236}">
-                  <a16:creationId xmlns:a16="http://schemas.microsoft.com/office/drawing/2014/main" id="{43B0F5E1-AD12-7EA0-E893-886040C56E5D}"/>
-                </a:ext>
-              </a:extLst>
-            </p:cNvPr>
-            <p:cNvSpPr txBox="1"/>
-            <p:nvPr/>
-          </p:nvSpPr>
-          <p:spPr>
-            <a:xfrm>
-              <a:off x="2446148" y="2897663"/>
-              <a:ext cx="8216685" cy="369332"/>
-            </a:xfrm>
-            <a:prstGeom prst="rect">
-              <a:avLst/>
-            </a:prstGeom>
-            <a:noFill/>
-          </p:spPr>
-          <p:txBody>
-            <a:bodyPr wrap="square" rtlCol="0">
-              <a:spAutoFit/>
-            </a:bodyPr>
-            <a:lstStyle/>
-            <a:p>
-              <a:r>
-                <a:rPr lang="en-US" b="1" dirty="0"/>
-                <a:t>FOREIGN PROFITS DOMINATE TOTAL PROFITS</a:t>
-              </a:r>
-            </a:p>
-          </p:txBody>
-        </p:sp>
-      </p:grpSp>
-      <p:grpSp>
-        <p:nvGrpSpPr>
-          <p:cNvPr id="33" name="Group 32">
-            <a:extLst>
-              <a:ext uri="{FF2B5EF4-FFF2-40B4-BE49-F238E27FC236}">
-                <a16:creationId xmlns:a16="http://schemas.microsoft.com/office/drawing/2014/main" id="{DA9ECFDC-665D-629C-0A46-45774CD4FD57}"/>
-              </a:ext>
-            </a:extLst>
-          </p:cNvPr>
-          <p:cNvGrpSpPr/>
-          <p:nvPr/>
-        </p:nvGrpSpPr>
-        <p:grpSpPr>
-          <a:xfrm>
-            <a:off x="1548969" y="4673838"/>
-            <a:ext cx="8981242" cy="923330"/>
-            <a:chOff x="1681591" y="3674031"/>
-            <a:chExt cx="8981242" cy="923330"/>
-          </a:xfrm>
-        </p:grpSpPr>
-        <p:pic>
-          <p:nvPicPr>
-            <p:cNvPr id="28" name="Picture 27">
-              <a:extLst>
-                <a:ext uri="{FF2B5EF4-FFF2-40B4-BE49-F238E27FC236}">
-                  <a16:creationId xmlns:a16="http://schemas.microsoft.com/office/drawing/2014/main" id="{0019CDFF-AD8A-2779-DE48-45B4EB578151}"/>
+                  <a16:creationId xmlns:a16="http://schemas.microsoft.com/office/drawing/2014/main" id="{2C2DE5A0-7CA1-D38F-088B-C488FA0E88EE}"/>
                 </a:ext>
               </a:extLst>
             </p:cNvPr>
@@ -12654,79 +12724,352 @@
             <p:nvPr/>
           </p:nvPicPr>
           <p:blipFill>
-            <a:blip r:embed="rId6"/>
+            <a:blip r:embed="rId3"/>
             <a:stretch>
               <a:fillRect/>
             </a:stretch>
           </p:blipFill>
           <p:spPr>
             <a:xfrm>
-              <a:off x="1681591" y="3676753"/>
-              <a:ext cx="764557" cy="641850"/>
+              <a:off x="15175" y="1187883"/>
+              <a:ext cx="12082547" cy="4482234"/>
             </a:xfrm>
             <a:prstGeom prst="rect">
               <a:avLst/>
             </a:prstGeom>
           </p:spPr>
         </p:pic>
-        <p:sp>
-          <p:nvSpPr>
-            <p:cNvPr id="29" name="TextBox 28">
+        <p:pic>
+          <p:nvPicPr>
+            <p:cNvPr id="6" name="Graphic 5" descr="Badge Cross with solid fill">
               <a:extLst>
                 <a:ext uri="{FF2B5EF4-FFF2-40B4-BE49-F238E27FC236}">
-                  <a16:creationId xmlns:a16="http://schemas.microsoft.com/office/drawing/2014/main" id="{EE8A5372-C6CE-A30E-9372-2F9B2BD053E8}"/>
+                  <a16:creationId xmlns:a16="http://schemas.microsoft.com/office/drawing/2014/main" id="{B6443E7E-3F67-2B8E-389F-564FC97E2F8E}"/>
                 </a:ext>
               </a:extLst>
             </p:cNvPr>
-            <p:cNvSpPr txBox="1"/>
+            <p:cNvPicPr>
+              <a:picLocks noChangeAspect="1"/>
+            </p:cNvPicPr>
             <p:nvPr/>
-          </p:nvSpPr>
+          </p:nvPicPr>
+          <p:blipFill>
+            <a:blip r:embed="rId4">
+              <a:extLst>
+                <a:ext uri="{96DAC541-7B7A-43D3-8B79-37D633B846F1}">
+                  <asvg:svgBlip xmlns:asvg="http://schemas.microsoft.com/office/drawing/2016/SVG/main" r:embed="rId5"/>
+                </a:ext>
+              </a:extLst>
+            </a:blip>
+            <a:stretch>
+              <a:fillRect/>
+            </a:stretch>
+          </p:blipFill>
           <p:spPr>
             <a:xfrm>
-              <a:off x="2446148" y="3674031"/>
-              <a:ext cx="8216685" cy="923330"/>
+              <a:off x="10068393" y="3230380"/>
+              <a:ext cx="457200" cy="457200"/>
             </a:xfrm>
             <a:prstGeom prst="rect">
               <a:avLst/>
             </a:prstGeom>
-            <a:noFill/>
           </p:spPr>
-          <p:txBody>
-            <a:bodyPr wrap="square" rtlCol="0">
-              <a:spAutoFit/>
-            </a:bodyPr>
-            <a:lstStyle/>
-            <a:p>
-              <a:r>
-                <a:rPr lang="en-US" b="1" dirty="0"/>
-                <a:t>BEST ROI DOMESTIC AND FOREIGN MARKETS </a:t>
-              </a:r>
-              <a:r>
-                <a:rPr lang="en-US" dirty="0"/>
-                <a:t>– ADVENTURE, DRAMA, SCI-FI</a:t>
-              </a:r>
-            </a:p>
-            <a:p>
-              <a:r>
-                <a:rPr lang="en-US" b="1" dirty="0"/>
-                <a:t>				                </a:t>
-              </a:r>
-              <a:r>
-                <a:rPr lang="en-US" dirty="0"/>
-                <a:t>ADVENTURE, ACTION, COMEDY</a:t>
-              </a:r>
-              <a:endParaRPr lang="en-US" b="1" dirty="0"/>
-            </a:p>
-            <a:p>
-              <a:endParaRPr lang="en-US" dirty="0"/>
-            </a:p>
-          </p:txBody>
-        </p:sp>
+        </p:pic>
+        <p:pic>
+          <p:nvPicPr>
+            <p:cNvPr id="7" name="Graphic 6" descr="Badge Cross with solid fill">
+              <a:extLst>
+                <a:ext uri="{FF2B5EF4-FFF2-40B4-BE49-F238E27FC236}">
+                  <a16:creationId xmlns:a16="http://schemas.microsoft.com/office/drawing/2014/main" id="{7B3AAADA-A575-0E16-530B-036C216BAD91}"/>
+                </a:ext>
+              </a:extLst>
+            </p:cNvPr>
+            <p:cNvPicPr>
+              <a:picLocks noChangeAspect="1"/>
+            </p:cNvPicPr>
+            <p:nvPr/>
+          </p:nvPicPr>
+          <p:blipFill>
+            <a:blip r:embed="rId4">
+              <a:extLst>
+                <a:ext uri="{96DAC541-7B7A-43D3-8B79-37D633B846F1}">
+                  <asvg:svgBlip xmlns:asvg="http://schemas.microsoft.com/office/drawing/2016/SVG/main" r:embed="rId5"/>
+                </a:ext>
+              </a:extLst>
+            </a:blip>
+            <a:stretch>
+              <a:fillRect/>
+            </a:stretch>
+          </p:blipFill>
+          <p:spPr>
+            <a:xfrm>
+              <a:off x="7979104" y="3219760"/>
+              <a:ext cx="457200" cy="457200"/>
+            </a:xfrm>
+            <a:prstGeom prst="rect">
+              <a:avLst/>
+            </a:prstGeom>
+          </p:spPr>
+        </p:pic>
+        <p:pic>
+          <p:nvPicPr>
+            <p:cNvPr id="8" name="Graphic 7" descr="Badge Cross with solid fill">
+              <a:extLst>
+                <a:ext uri="{FF2B5EF4-FFF2-40B4-BE49-F238E27FC236}">
+                  <a16:creationId xmlns:a16="http://schemas.microsoft.com/office/drawing/2014/main" id="{F65F7DD2-4899-9A1B-EFCC-2C4E58CCFE2D}"/>
+                </a:ext>
+              </a:extLst>
+            </p:cNvPr>
+            <p:cNvPicPr>
+              <a:picLocks noChangeAspect="1"/>
+            </p:cNvPicPr>
+            <p:nvPr/>
+          </p:nvPicPr>
+          <p:blipFill>
+            <a:blip r:embed="rId4">
+              <a:extLst>
+                <a:ext uri="{96DAC541-7B7A-43D3-8B79-37D633B846F1}">
+                  <asvg:svgBlip xmlns:asvg="http://schemas.microsoft.com/office/drawing/2016/SVG/main" r:embed="rId5"/>
+                </a:ext>
+              </a:extLst>
+            </a:blip>
+            <a:stretch>
+              <a:fillRect/>
+            </a:stretch>
+          </p:blipFill>
+          <p:spPr>
+            <a:xfrm>
+              <a:off x="1711377" y="3230380"/>
+              <a:ext cx="457200" cy="457200"/>
+            </a:xfrm>
+            <a:prstGeom prst="rect">
+              <a:avLst/>
+            </a:prstGeom>
+          </p:spPr>
+        </p:pic>
+        <p:pic>
+          <p:nvPicPr>
+            <p:cNvPr id="10" name="Graphic 9" descr="Badge Tick with solid fill">
+              <a:extLst>
+                <a:ext uri="{FF2B5EF4-FFF2-40B4-BE49-F238E27FC236}">
+                  <a16:creationId xmlns:a16="http://schemas.microsoft.com/office/drawing/2014/main" id="{7CFA29F3-738D-1D71-1233-E85CD92099F7}"/>
+                </a:ext>
+              </a:extLst>
+            </p:cNvPr>
+            <p:cNvPicPr>
+              <a:picLocks noChangeAspect="1"/>
+            </p:cNvPicPr>
+            <p:nvPr/>
+          </p:nvPicPr>
+          <p:blipFill>
+            <a:blip r:embed="rId6">
+              <a:extLst>
+                <a:ext uri="{96DAC541-7B7A-43D3-8B79-37D633B846F1}">
+                  <asvg:svgBlip xmlns:asvg="http://schemas.microsoft.com/office/drawing/2016/SVG/main" r:embed="rId7"/>
+                </a:ext>
+              </a:extLst>
+            </a:blip>
+            <a:stretch>
+              <a:fillRect/>
+            </a:stretch>
+          </p:blipFill>
+          <p:spPr>
+            <a:xfrm>
+              <a:off x="5743420" y="3102340"/>
+              <a:ext cx="705160" cy="705160"/>
+            </a:xfrm>
+            <a:prstGeom prst="rect">
+              <a:avLst/>
+            </a:prstGeom>
+          </p:spPr>
+        </p:pic>
+        <p:pic>
+          <p:nvPicPr>
+            <p:cNvPr id="11" name="Graphic 10" descr="Badge Tick with solid fill">
+              <a:extLst>
+                <a:ext uri="{FF2B5EF4-FFF2-40B4-BE49-F238E27FC236}">
+                  <a16:creationId xmlns:a16="http://schemas.microsoft.com/office/drawing/2014/main" id="{FB8C87A5-DD72-5A09-B0AC-84CF2F350AD3}"/>
+                </a:ext>
+              </a:extLst>
+            </p:cNvPr>
+            <p:cNvPicPr>
+              <a:picLocks noChangeAspect="1"/>
+            </p:cNvPicPr>
+            <p:nvPr/>
+          </p:nvPicPr>
+          <p:blipFill>
+            <a:blip r:embed="rId6">
+              <a:extLst>
+                <a:ext uri="{96DAC541-7B7A-43D3-8B79-37D633B846F1}">
+                  <asvg:svgBlip xmlns:asvg="http://schemas.microsoft.com/office/drawing/2016/SVG/main" r:embed="rId7"/>
+                </a:ext>
+              </a:extLst>
+            </a:blip>
+            <a:stretch>
+              <a:fillRect/>
+            </a:stretch>
+          </p:blipFill>
+          <p:spPr>
+            <a:xfrm>
+              <a:off x="3699101" y="3119201"/>
+              <a:ext cx="705160" cy="705160"/>
+            </a:xfrm>
+            <a:prstGeom prst="rect">
+              <a:avLst/>
+            </a:prstGeom>
+          </p:spPr>
+        </p:pic>
       </p:grpSp>
+      <p:sp>
+        <p:nvSpPr>
+          <p:cNvPr id="12" name="Rectangle 11">
+            <a:extLst>
+              <a:ext uri="{FF2B5EF4-FFF2-40B4-BE49-F238E27FC236}">
+                <a16:creationId xmlns:a16="http://schemas.microsoft.com/office/drawing/2014/main" id="{F7FDA721-81DB-0306-A7CB-5C6FF88BD886}"/>
+              </a:ext>
+            </a:extLst>
+          </p:cNvPr>
+          <p:cNvSpPr/>
+          <p:nvPr/>
+        </p:nvSpPr>
+        <p:spPr>
+          <a:xfrm>
+            <a:off x="858900" y="5289116"/>
+            <a:ext cx="4992649" cy="584775"/>
+          </a:xfrm>
+          <a:prstGeom prst="rect">
+            <a:avLst/>
+          </a:prstGeom>
+          <a:noFill/>
+          <a:ln w="76200">
+            <a:solidFill>
+              <a:srgbClr val="FF0000"/>
+            </a:solidFill>
+          </a:ln>
+        </p:spPr>
+        <p:txBody>
+          <a:bodyPr wrap="none" lIns="91440" tIns="45720" rIns="91440" bIns="45720">
+            <a:spAutoFit/>
+          </a:bodyPr>
+          <a:lstStyle/>
+          <a:p>
+            <a:pPr algn="ctr"/>
+            <a:r>
+              <a:rPr lang="en-US" sz="3200" b="1" dirty="0">
+                <a:ln w="9525">
+                  <a:solidFill>
+                    <a:schemeClr val="bg1"/>
+                  </a:solidFill>
+                  <a:prstDash val="solid"/>
+                </a:ln>
+                <a:effectLst>
+                  <a:outerShdw blurRad="12700" dist="38100" dir="2700000" algn="tl" rotWithShape="0">
+                    <a:schemeClr val="bg1">
+                      <a:lumMod val="50000"/>
+                    </a:schemeClr>
+                  </a:outerShdw>
+                </a:effectLst>
+              </a:rPr>
+              <a:t>ADVENTURE, DRAMA, SCI-FI</a:t>
+            </a:r>
+            <a:endParaRPr lang="en-US" sz="3200" b="1" cap="none" spc="0" dirty="0">
+              <a:ln w="9525">
+                <a:solidFill>
+                  <a:schemeClr val="bg1"/>
+                </a:solidFill>
+                <a:prstDash val="solid"/>
+              </a:ln>
+              <a:solidFill>
+                <a:schemeClr val="tx1"/>
+              </a:solidFill>
+              <a:effectLst>
+                <a:outerShdw blurRad="12700" dist="38100" dir="2700000" algn="tl" rotWithShape="0">
+                  <a:schemeClr val="bg1">
+                    <a:lumMod val="50000"/>
+                  </a:schemeClr>
+                </a:outerShdw>
+              </a:effectLst>
+            </a:endParaRPr>
+          </a:p>
+        </p:txBody>
+      </p:sp>
+      <p:sp>
+        <p:nvSpPr>
+          <p:cNvPr id="15" name="Rectangle 14">
+            <a:extLst>
+              <a:ext uri="{FF2B5EF4-FFF2-40B4-BE49-F238E27FC236}">
+                <a16:creationId xmlns:a16="http://schemas.microsoft.com/office/drawing/2014/main" id="{D22443F0-9AEA-9A9C-55CD-981B2E633223}"/>
+              </a:ext>
+            </a:extLst>
+          </p:cNvPr>
+          <p:cNvSpPr/>
+          <p:nvPr/>
+        </p:nvSpPr>
+        <p:spPr>
+          <a:xfrm>
+            <a:off x="6340452" y="5294823"/>
+            <a:ext cx="5535041" cy="584775"/>
+          </a:xfrm>
+          <a:prstGeom prst="rect">
+            <a:avLst/>
+          </a:prstGeom>
+          <a:noFill/>
+          <a:ln w="76200">
+            <a:solidFill>
+              <a:srgbClr val="FF0000"/>
+            </a:solidFill>
+          </a:ln>
+        </p:spPr>
+        <p:txBody>
+          <a:bodyPr wrap="none" lIns="91440" tIns="45720" rIns="91440" bIns="45720">
+            <a:spAutoFit/>
+          </a:bodyPr>
+          <a:lstStyle/>
+          <a:p>
+            <a:pPr algn="ctr"/>
+            <a:r>
+              <a:rPr lang="en-US" sz="3200" b="1" dirty="0">
+                <a:ln w="9525">
+                  <a:solidFill>
+                    <a:schemeClr val="bg1"/>
+                  </a:solidFill>
+                  <a:prstDash val="solid"/>
+                </a:ln>
+                <a:effectLst>
+                  <a:outerShdw blurRad="12700" dist="38100" dir="2700000" algn="tl" rotWithShape="0">
+                    <a:schemeClr val="bg1">
+                      <a:lumMod val="50000"/>
+                    </a:schemeClr>
+                  </a:outerShdw>
+                </a:effectLst>
+              </a:rPr>
+              <a:t>ADVENTURE, ACTION, COMEDY</a:t>
+            </a:r>
+            <a:endParaRPr lang="en-US" sz="3200" b="1" cap="none" spc="0" dirty="0">
+              <a:ln w="9525">
+                <a:solidFill>
+                  <a:schemeClr val="bg1"/>
+                </a:solidFill>
+                <a:prstDash val="solid"/>
+              </a:ln>
+              <a:solidFill>
+                <a:schemeClr val="tx1"/>
+              </a:solidFill>
+              <a:effectLst>
+                <a:outerShdw blurRad="12700" dist="38100" dir="2700000" algn="tl" rotWithShape="0">
+                  <a:schemeClr val="bg1">
+                    <a:lumMod val="50000"/>
+                  </a:schemeClr>
+                </a:outerShdw>
+              </a:effectLst>
+            </a:endParaRPr>
+          </a:p>
+        </p:txBody>
+      </p:sp>
     </p:spTree>
     <p:extLst>
       <p:ext uri="{BB962C8B-B14F-4D97-AF65-F5344CB8AC3E}">
-        <p14:creationId xmlns:p14="http://schemas.microsoft.com/office/powerpoint/2010/main" val="3626129826"/>
+        <p14:creationId xmlns:p14="http://schemas.microsoft.com/office/powerpoint/2010/main" val="1835574838"/>
       </p:ext>
     </p:extLst>
   </p:cSld>

--- a/Microsoft_Studios_Project.pptx
+++ b/Microsoft_Studios_Project.pptx
@@ -20,16 +20,16 @@
     <p:sldId id="264" r:id="rId8"/>
     <p:sldId id="268" r:id="rId9"/>
     <p:sldId id="274" r:id="rId10"/>
-    <p:sldId id="269" r:id="rId11"/>
-    <p:sldId id="266" r:id="rId12"/>
-    <p:sldId id="273" r:id="rId13"/>
-    <p:sldId id="270" r:id="rId14"/>
-    <p:sldId id="271" r:id="rId15"/>
-    <p:sldId id="272" r:id="rId16"/>
-    <p:sldId id="260" r:id="rId17"/>
-    <p:sldId id="263" r:id="rId18"/>
-    <p:sldId id="265" r:id="rId19"/>
-    <p:sldId id="267" r:id="rId20"/>
+    <p:sldId id="266" r:id="rId11"/>
+    <p:sldId id="273" r:id="rId12"/>
+    <p:sldId id="270" r:id="rId13"/>
+    <p:sldId id="271" r:id="rId14"/>
+    <p:sldId id="272" r:id="rId15"/>
+    <p:sldId id="260" r:id="rId16"/>
+    <p:sldId id="263" r:id="rId17"/>
+    <p:sldId id="265" r:id="rId18"/>
+    <p:sldId id="267" r:id="rId19"/>
+    <p:sldId id="269" r:id="rId20"/>
   </p:sldIdLst>
   <p:sldSz cx="12192000" cy="6858000"/>
   <p:notesSz cx="6858000" cy="9144000"/>
@@ -241,7 +241,7 @@
           <a:p>
             <a:fld id="{F32CB700-0140-C84B-9B6D-86E050369125}" type="datetimeFigureOut">
               <a:rPr lang="en-US" smtClean="0"/>
-              <a:t>8/25/22</a:t>
+              <a:t>8/26/22</a:t>
             </a:fld>
             <a:endParaRPr lang="en-US"/>
           </a:p>
@@ -419,7 +419,7 @@
           <a:p>
             <a:fld id="{4E2C95CF-2EE1-DF45-9B14-18E90ABAA706}" type="datetimeFigureOut">
               <a:rPr lang="en-US" smtClean="0"/>
-              <a:t>8/25/22</a:t>
+              <a:t>8/26/22</a:t>
             </a:fld>
             <a:endParaRPr lang="en-US"/>
           </a:p>
@@ -834,7 +834,7 @@
           <a:p>
             <a:fld id="{C2276320-3DEA-7F4A-9E01-F203AD154964}" type="datetime1">
               <a:rPr lang="en-US" smtClean="0"/>
-              <a:t>8/25/22</a:t>
+              <a:t>8/26/22</a:t>
             </a:fld>
             <a:endParaRPr lang="en-US"/>
           </a:p>
@@ -1032,7 +1032,7 @@
           <a:p>
             <a:fld id="{78B4771C-C54B-624B-B3DD-D0BB16A4CF7F}" type="datetime1">
               <a:rPr lang="en-US" smtClean="0"/>
-              <a:t>8/25/22</a:t>
+              <a:t>8/26/22</a:t>
             </a:fld>
             <a:endParaRPr lang="en-US"/>
           </a:p>
@@ -1240,7 +1240,7 @@
           <a:p>
             <a:fld id="{0F078520-B36D-C24C-9B57-51B90EBE7D53}" type="datetime1">
               <a:rPr lang="en-US" smtClean="0"/>
-              <a:t>8/25/22</a:t>
+              <a:t>8/26/22</a:t>
             </a:fld>
             <a:endParaRPr lang="en-US"/>
           </a:p>
@@ -1438,7 +1438,7 @@
           <a:p>
             <a:fld id="{32C96855-1849-6844-A013-156BB2FF33D4}" type="datetime1">
               <a:rPr lang="en-US" smtClean="0"/>
-              <a:t>8/25/22</a:t>
+              <a:t>8/26/22</a:t>
             </a:fld>
             <a:endParaRPr lang="en-US"/>
           </a:p>
@@ -1713,7 +1713,7 @@
           <a:p>
             <a:fld id="{8AF738AA-CD36-914E-95E2-E791EEE9155A}" type="datetime1">
               <a:rPr lang="en-US" smtClean="0"/>
-              <a:t>8/25/22</a:t>
+              <a:t>8/26/22</a:t>
             </a:fld>
             <a:endParaRPr lang="en-US"/>
           </a:p>
@@ -1978,7 +1978,7 @@
           <a:p>
             <a:fld id="{7DD780D7-C871-0C44-9907-D9A689E27A6F}" type="datetime1">
               <a:rPr lang="en-US" smtClean="0"/>
-              <a:t>8/25/22</a:t>
+              <a:t>8/26/22</a:t>
             </a:fld>
             <a:endParaRPr lang="en-US"/>
           </a:p>
@@ -2390,7 +2390,7 @@
           <a:p>
             <a:fld id="{5BF8FBBB-BDF8-6847-9464-D408904D2A18}" type="datetime1">
               <a:rPr lang="en-US" smtClean="0"/>
-              <a:t>8/25/22</a:t>
+              <a:t>8/26/22</a:t>
             </a:fld>
             <a:endParaRPr lang="en-US"/>
           </a:p>
@@ -2531,7 +2531,7 @@
           <a:p>
             <a:fld id="{9B725E30-548C-E34B-AD9A-53D58D89EFD7}" type="datetime1">
               <a:rPr lang="en-US" smtClean="0"/>
-              <a:t>8/25/22</a:t>
+              <a:t>8/26/22</a:t>
             </a:fld>
             <a:endParaRPr lang="en-US"/>
           </a:p>
@@ -2644,7 +2644,7 @@
           <a:p>
             <a:fld id="{F65BCF6C-A0DA-F343-8D48-E332005EC0A6}" type="datetime1">
               <a:rPr lang="en-US" smtClean="0"/>
-              <a:t>8/25/22</a:t>
+              <a:t>8/26/22</a:t>
             </a:fld>
             <a:endParaRPr lang="en-US"/>
           </a:p>
@@ -2955,7 +2955,7 @@
           <a:p>
             <a:fld id="{08C5D57A-A2BD-5A44-9426-36A91F405C99}" type="datetime1">
               <a:rPr lang="en-US" smtClean="0"/>
-              <a:t>8/25/22</a:t>
+              <a:t>8/26/22</a:t>
             </a:fld>
             <a:endParaRPr lang="en-US"/>
           </a:p>
@@ -3243,7 +3243,7 @@
           <a:p>
             <a:fld id="{C0F54DAF-F829-124F-BDB3-1782A24A57CE}" type="datetime1">
               <a:rPr lang="en-US" smtClean="0"/>
-              <a:t>8/25/22</a:t>
+              <a:t>8/26/22</a:t>
             </a:fld>
             <a:endParaRPr lang="en-US"/>
           </a:p>
@@ -3484,7 +3484,7 @@
           <a:p>
             <a:fld id="{BB508EDC-9D37-4647-9ADA-714C12A94A92}" type="datetime1">
               <a:rPr lang="en-US" smtClean="0"/>
-              <a:t>8/25/22</a:t>
+              <a:t>8/26/22</a:t>
             </a:fld>
             <a:endParaRPr lang="en-US"/>
           </a:p>
@@ -4098,10 +4098,10 @@
       </p:grpSpPr>
       <p:sp>
         <p:nvSpPr>
-          <p:cNvPr id="40" name="Slide Number Placeholder 39">
-            <a:extLst>
-              <a:ext uri="{FF2B5EF4-FFF2-40B4-BE49-F238E27FC236}">
-                <a16:creationId xmlns:a16="http://schemas.microsoft.com/office/drawing/2014/main" id="{BAC89C47-043C-58A4-7185-EEA930D4BB00}"/>
+          <p:cNvPr id="5" name="Slide Number Placeholder 4">
+            <a:extLst>
+              <a:ext uri="{FF2B5EF4-FFF2-40B4-BE49-F238E27FC236}">
+                <a16:creationId xmlns:a16="http://schemas.microsoft.com/office/drawing/2014/main" id="{8BC02A1B-2A6C-78EF-88C3-6EEA34C3606C}"/>
               </a:ext>
             </a:extLst>
           </p:cNvPr>
@@ -4120,463 +4120,6 @@
             <a:fld id="{9B1D7D9B-CDE6-6440-8F5F-ADF9B5401534}" type="slidenum">
               <a:rPr lang="en-US" smtClean="0"/>
               <a:t>10</a:t>
-            </a:fld>
-            <a:endParaRPr lang="en-US"/>
-          </a:p>
-        </p:txBody>
-      </p:sp>
-      <p:sp>
-        <p:nvSpPr>
-          <p:cNvPr id="13" name="Rectangle 12">
-            <a:extLst>
-              <a:ext uri="{FF2B5EF4-FFF2-40B4-BE49-F238E27FC236}">
-                <a16:creationId xmlns:a16="http://schemas.microsoft.com/office/drawing/2014/main" id="{2C609AC3-B00A-F161-E31A-6DD10CC8AD8B}"/>
-              </a:ext>
-            </a:extLst>
-          </p:cNvPr>
-          <p:cNvSpPr/>
-          <p:nvPr/>
-        </p:nvSpPr>
-        <p:spPr>
-          <a:xfrm>
-            <a:off x="743917" y="61992"/>
-            <a:ext cx="2991371" cy="461665"/>
-          </a:xfrm>
-          <a:prstGeom prst="rect">
-            <a:avLst/>
-          </a:prstGeom>
-          <a:noFill/>
-        </p:spPr>
-        <p:txBody>
-          <a:bodyPr wrap="square" lIns="91440" tIns="45720" rIns="91440" bIns="45720">
-            <a:spAutoFit/>
-          </a:bodyPr>
-          <a:lstStyle/>
-          <a:p>
-            <a:r>
-              <a:rPr lang="en-US" sz="2400" b="1" dirty="0">
-                <a:ln w="0"/>
-                <a:effectLst>
-                  <a:outerShdw blurRad="38100" dist="19050" dir="2700000" algn="tl" rotWithShape="0">
-                    <a:schemeClr val="dk1">
-                      <a:alpha val="40000"/>
-                    </a:schemeClr>
-                  </a:outerShdw>
-                </a:effectLst>
-              </a:rPr>
-              <a:t>RESULTS</a:t>
-            </a:r>
-          </a:p>
-        </p:txBody>
-      </p:sp>
-      <p:pic>
-        <p:nvPicPr>
-          <p:cNvPr id="18" name="Graphic 17" descr="Presentation with pie chart with solid fill">
-            <a:extLst>
-              <a:ext uri="{FF2B5EF4-FFF2-40B4-BE49-F238E27FC236}">
-                <a16:creationId xmlns:a16="http://schemas.microsoft.com/office/drawing/2014/main" id="{C3364562-96F8-05E7-23DC-729441B64D90}"/>
-              </a:ext>
-            </a:extLst>
-          </p:cNvPr>
-          <p:cNvPicPr>
-            <a:picLocks noChangeAspect="1"/>
-          </p:cNvPicPr>
-          <p:nvPr/>
-        </p:nvPicPr>
-        <p:blipFill>
-          <a:blip r:embed="rId2">
-            <a:extLst>
-              <a:ext uri="{96DAC541-7B7A-43D3-8B79-37D633B846F1}">
-                <asvg:svgBlip xmlns:asvg="http://schemas.microsoft.com/office/drawing/2016/SVG/main" r:embed="rId3"/>
-              </a:ext>
-            </a:extLst>
-          </a:blip>
-          <a:stretch>
-            <a:fillRect/>
-          </a:stretch>
-        </p:blipFill>
-        <p:spPr>
-          <a:xfrm>
-            <a:off x="0" y="-89115"/>
-            <a:ext cx="914400" cy="914400"/>
-          </a:xfrm>
-          <a:prstGeom prst="rect">
-            <a:avLst/>
-          </a:prstGeom>
-        </p:spPr>
-      </p:pic>
-      <p:grpSp>
-        <p:nvGrpSpPr>
-          <p:cNvPr id="30" name="Group 29">
-            <a:extLst>
-              <a:ext uri="{FF2B5EF4-FFF2-40B4-BE49-F238E27FC236}">
-                <a16:creationId xmlns:a16="http://schemas.microsoft.com/office/drawing/2014/main" id="{C9DFDD06-0345-2BD5-09E0-D55F94010911}"/>
-              </a:ext>
-            </a:extLst>
-          </p:cNvPr>
-          <p:cNvGrpSpPr/>
-          <p:nvPr/>
-        </p:nvGrpSpPr>
-        <p:grpSpPr>
-          <a:xfrm>
-            <a:off x="1583840" y="1615312"/>
-            <a:ext cx="8865896" cy="646331"/>
-            <a:chOff x="1796937" y="1751308"/>
-            <a:chExt cx="8865896" cy="646331"/>
-          </a:xfrm>
-        </p:grpSpPr>
-        <p:sp>
-          <p:nvSpPr>
-            <p:cNvPr id="24" name="TextBox 23">
-              <a:extLst>
-                <a:ext uri="{FF2B5EF4-FFF2-40B4-BE49-F238E27FC236}">
-                  <a16:creationId xmlns:a16="http://schemas.microsoft.com/office/drawing/2014/main" id="{B87A1A65-9FA8-E8A8-2130-995BFCF1D9CE}"/>
-                </a:ext>
-              </a:extLst>
-            </p:cNvPr>
-            <p:cNvSpPr txBox="1"/>
-            <p:nvPr/>
-          </p:nvSpPr>
-          <p:spPr>
-            <a:xfrm>
-              <a:off x="2446148" y="1751308"/>
-              <a:ext cx="8216685" cy="646331"/>
-            </a:xfrm>
-            <a:prstGeom prst="rect">
-              <a:avLst/>
-            </a:prstGeom>
-            <a:noFill/>
-          </p:spPr>
-          <p:txBody>
-            <a:bodyPr wrap="square" rtlCol="0">
-              <a:spAutoFit/>
-            </a:bodyPr>
-            <a:lstStyle/>
-            <a:p>
-              <a:r>
-                <a:rPr lang="en-US" dirty="0"/>
-                <a:t>A</a:t>
-              </a:r>
-              <a:r>
-                <a:rPr lang="en-US" b="1" dirty="0"/>
-                <a:t>DVENTURE GENRE COMBINATIONS </a:t>
-              </a:r>
-              <a:r>
-                <a:rPr lang="en-US" dirty="0"/>
-                <a:t>– MOST COMMON GENRE WITH HIGH REVIEWS 				&amp; HIGH PROFITS </a:t>
-              </a:r>
-            </a:p>
-          </p:txBody>
-        </p:sp>
-        <p:pic>
-          <p:nvPicPr>
-            <p:cNvPr id="25" name="Picture 24" descr="Focus Vector SVG Icon (17) - SVG Repo">
-              <a:extLst>
-                <a:ext uri="{FF2B5EF4-FFF2-40B4-BE49-F238E27FC236}">
-                  <a16:creationId xmlns:a16="http://schemas.microsoft.com/office/drawing/2014/main" id="{8B5700DA-2FC1-FBDD-9572-6BDD855F09E4}"/>
-                </a:ext>
-              </a:extLst>
-            </p:cNvPr>
-            <p:cNvPicPr>
-              <a:picLocks noChangeAspect="1" noChangeArrowheads="1"/>
-            </p:cNvPicPr>
-            <p:nvPr/>
-          </p:nvPicPr>
-          <p:blipFill>
-            <a:blip r:embed="rId4">
-              <a:extLst>
-                <a:ext uri="{28A0092B-C50C-407E-A947-70E740481C1C}">
-                  <a14:useLocalDpi xmlns:a14="http://schemas.microsoft.com/office/drawing/2010/main" val="0"/>
-                </a:ext>
-              </a:extLst>
-            </a:blip>
-            <a:srcRect/>
-            <a:stretch>
-              <a:fillRect/>
-            </a:stretch>
-          </p:blipFill>
-          <p:spPr bwMode="auto">
-            <a:xfrm>
-              <a:off x="1796937" y="1802771"/>
-              <a:ext cx="543404" cy="543404"/>
-            </a:xfrm>
-            <a:prstGeom prst="rect">
-              <a:avLst/>
-            </a:prstGeom>
-            <a:noFill/>
-            <a:extLst>
-              <a:ext uri="{909E8E84-426E-40DD-AFC4-6F175D3DCCD1}">
-                <a14:hiddenFill xmlns:a14="http://schemas.microsoft.com/office/drawing/2010/main">
-                  <a:solidFill>
-                    <a:srgbClr val="FFFFFF"/>
-                  </a:solidFill>
-                </a14:hiddenFill>
-              </a:ext>
-            </a:extLst>
-          </p:spPr>
-        </p:pic>
-      </p:grpSp>
-      <p:grpSp>
-        <p:nvGrpSpPr>
-          <p:cNvPr id="32" name="Group 31">
-            <a:extLst>
-              <a:ext uri="{FF2B5EF4-FFF2-40B4-BE49-F238E27FC236}">
-                <a16:creationId xmlns:a16="http://schemas.microsoft.com/office/drawing/2014/main" id="{4049FC95-F64E-FD1D-1B75-73ABA6322DC7}"/>
-              </a:ext>
-            </a:extLst>
-          </p:cNvPr>
-          <p:cNvGrpSpPr/>
-          <p:nvPr/>
-        </p:nvGrpSpPr>
-        <p:grpSpPr>
-          <a:xfrm>
-            <a:off x="1548969" y="3138434"/>
-            <a:ext cx="8928645" cy="657332"/>
-            <a:chOff x="1734188" y="2682798"/>
-            <a:chExt cx="8928645" cy="657332"/>
-          </a:xfrm>
-        </p:grpSpPr>
-        <p:pic>
-          <p:nvPicPr>
-            <p:cNvPr id="26" name="Picture 6" descr="global icon vector 3">
-              <a:extLst>
-                <a:ext uri="{FF2B5EF4-FFF2-40B4-BE49-F238E27FC236}">
-                  <a16:creationId xmlns:a16="http://schemas.microsoft.com/office/drawing/2014/main" id="{876F8B0A-192D-40F0-F459-B8298EA0D321}"/>
-                </a:ext>
-              </a:extLst>
-            </p:cNvPr>
-            <p:cNvPicPr>
-              <a:picLocks noChangeAspect="1" noChangeArrowheads="1"/>
-            </p:cNvPicPr>
-            <p:nvPr/>
-          </p:nvPicPr>
-          <p:blipFill>
-            <a:blip r:embed="rId5">
-              <a:extLst>
-                <a:ext uri="{28A0092B-C50C-407E-A947-70E740481C1C}">
-                  <a14:useLocalDpi xmlns:a14="http://schemas.microsoft.com/office/drawing/2010/main" val="0"/>
-                </a:ext>
-              </a:extLst>
-            </a:blip>
-            <a:srcRect/>
-            <a:stretch>
-              <a:fillRect/>
-            </a:stretch>
-          </p:blipFill>
-          <p:spPr bwMode="auto">
-            <a:xfrm>
-              <a:off x="1734188" y="2682798"/>
-              <a:ext cx="657332" cy="657332"/>
-            </a:xfrm>
-            <a:prstGeom prst="rect">
-              <a:avLst/>
-            </a:prstGeom>
-            <a:noFill/>
-            <a:extLst>
-              <a:ext uri="{909E8E84-426E-40DD-AFC4-6F175D3DCCD1}">
-                <a14:hiddenFill xmlns:a14="http://schemas.microsoft.com/office/drawing/2010/main">
-                  <a:solidFill>
-                    <a:srgbClr val="FFFFFF"/>
-                  </a:solidFill>
-                </a14:hiddenFill>
-              </a:ext>
-            </a:extLst>
-          </p:spPr>
-        </p:pic>
-        <p:sp>
-          <p:nvSpPr>
-            <p:cNvPr id="27" name="TextBox 26">
-              <a:extLst>
-                <a:ext uri="{FF2B5EF4-FFF2-40B4-BE49-F238E27FC236}">
-                  <a16:creationId xmlns:a16="http://schemas.microsoft.com/office/drawing/2014/main" id="{43B0F5E1-AD12-7EA0-E893-886040C56E5D}"/>
-                </a:ext>
-              </a:extLst>
-            </p:cNvPr>
-            <p:cNvSpPr txBox="1"/>
-            <p:nvPr/>
-          </p:nvSpPr>
-          <p:spPr>
-            <a:xfrm>
-              <a:off x="2446148" y="2897663"/>
-              <a:ext cx="8216685" cy="369332"/>
-            </a:xfrm>
-            <a:prstGeom prst="rect">
-              <a:avLst/>
-            </a:prstGeom>
-            <a:noFill/>
-          </p:spPr>
-          <p:txBody>
-            <a:bodyPr wrap="square" rtlCol="0">
-              <a:spAutoFit/>
-            </a:bodyPr>
-            <a:lstStyle/>
-            <a:p>
-              <a:r>
-                <a:rPr lang="en-US" b="1" dirty="0"/>
-                <a:t>FOREIGN PROFITS DOMINATE TOTAL PROFITS</a:t>
-              </a:r>
-            </a:p>
-          </p:txBody>
-        </p:sp>
-      </p:grpSp>
-      <p:grpSp>
-        <p:nvGrpSpPr>
-          <p:cNvPr id="33" name="Group 32">
-            <a:extLst>
-              <a:ext uri="{FF2B5EF4-FFF2-40B4-BE49-F238E27FC236}">
-                <a16:creationId xmlns:a16="http://schemas.microsoft.com/office/drawing/2014/main" id="{DA9ECFDC-665D-629C-0A46-45774CD4FD57}"/>
-              </a:ext>
-            </a:extLst>
-          </p:cNvPr>
-          <p:cNvGrpSpPr/>
-          <p:nvPr/>
-        </p:nvGrpSpPr>
-        <p:grpSpPr>
-          <a:xfrm>
-            <a:off x="1548969" y="4673838"/>
-            <a:ext cx="8981242" cy="923330"/>
-            <a:chOff x="1681591" y="3674031"/>
-            <a:chExt cx="8981242" cy="923330"/>
-          </a:xfrm>
-        </p:grpSpPr>
-        <p:pic>
-          <p:nvPicPr>
-            <p:cNvPr id="28" name="Picture 27">
-              <a:extLst>
-                <a:ext uri="{FF2B5EF4-FFF2-40B4-BE49-F238E27FC236}">
-                  <a16:creationId xmlns:a16="http://schemas.microsoft.com/office/drawing/2014/main" id="{0019CDFF-AD8A-2779-DE48-45B4EB578151}"/>
-                </a:ext>
-              </a:extLst>
-            </p:cNvPr>
-            <p:cNvPicPr>
-              <a:picLocks noChangeAspect="1"/>
-            </p:cNvPicPr>
-            <p:nvPr/>
-          </p:nvPicPr>
-          <p:blipFill>
-            <a:blip r:embed="rId6"/>
-            <a:stretch>
-              <a:fillRect/>
-            </a:stretch>
-          </p:blipFill>
-          <p:spPr>
-            <a:xfrm>
-              <a:off x="1681591" y="3676753"/>
-              <a:ext cx="764557" cy="641850"/>
-            </a:xfrm>
-            <a:prstGeom prst="rect">
-              <a:avLst/>
-            </a:prstGeom>
-          </p:spPr>
-        </p:pic>
-        <p:sp>
-          <p:nvSpPr>
-            <p:cNvPr id="29" name="TextBox 28">
-              <a:extLst>
-                <a:ext uri="{FF2B5EF4-FFF2-40B4-BE49-F238E27FC236}">
-                  <a16:creationId xmlns:a16="http://schemas.microsoft.com/office/drawing/2014/main" id="{EE8A5372-C6CE-A30E-9372-2F9B2BD053E8}"/>
-                </a:ext>
-              </a:extLst>
-            </p:cNvPr>
-            <p:cNvSpPr txBox="1"/>
-            <p:nvPr/>
-          </p:nvSpPr>
-          <p:spPr>
-            <a:xfrm>
-              <a:off x="2446148" y="3674031"/>
-              <a:ext cx="8216685" cy="923330"/>
-            </a:xfrm>
-            <a:prstGeom prst="rect">
-              <a:avLst/>
-            </a:prstGeom>
-            <a:noFill/>
-          </p:spPr>
-          <p:txBody>
-            <a:bodyPr wrap="square" rtlCol="0">
-              <a:spAutoFit/>
-            </a:bodyPr>
-            <a:lstStyle/>
-            <a:p>
-              <a:r>
-                <a:rPr lang="en-US" b="1" dirty="0"/>
-                <a:t>BEST ROI DOMESTIC AND FOREIGN MARKETS </a:t>
-              </a:r>
-              <a:r>
-                <a:rPr lang="en-US" dirty="0"/>
-                <a:t>– ADVENTURE, DRAMA, SCI-FI</a:t>
-              </a:r>
-            </a:p>
-            <a:p>
-              <a:r>
-                <a:rPr lang="en-US" b="1" dirty="0"/>
-                <a:t>				                </a:t>
-              </a:r>
-              <a:r>
-                <a:rPr lang="en-US" dirty="0"/>
-                <a:t>ADVENTURE, ACTION, COMEDY</a:t>
-              </a:r>
-              <a:endParaRPr lang="en-US" b="1" dirty="0"/>
-            </a:p>
-            <a:p>
-              <a:endParaRPr lang="en-US" dirty="0"/>
-            </a:p>
-          </p:txBody>
-        </p:sp>
-      </p:grpSp>
-    </p:spTree>
-    <p:extLst>
-      <p:ext uri="{BB962C8B-B14F-4D97-AF65-F5344CB8AC3E}">
-        <p14:creationId xmlns:p14="http://schemas.microsoft.com/office/powerpoint/2010/main" val="3626129826"/>
-      </p:ext>
-    </p:extLst>
-  </p:cSld>
-  <p:clrMapOvr>
-    <a:masterClrMapping/>
-  </p:clrMapOvr>
-</p:sld>
-</file>
-
-<file path=ppt/slides/slide11.xml><?xml version="1.0" encoding="utf-8"?>
-<p:sld xmlns:a="http://schemas.openxmlformats.org/drawingml/2006/main" xmlns:r="http://schemas.openxmlformats.org/officeDocument/2006/relationships" xmlns:p="http://schemas.openxmlformats.org/presentationml/2006/main">
-  <p:cSld>
-    <p:spTree>
-      <p:nvGrpSpPr>
-        <p:cNvPr id="1" name=""/>
-        <p:cNvGrpSpPr/>
-        <p:nvPr/>
-      </p:nvGrpSpPr>
-      <p:grpSpPr>
-        <a:xfrm>
-          <a:off x="0" y="0"/>
-          <a:ext cx="0" cy="0"/>
-          <a:chOff x="0" y="0"/>
-          <a:chExt cx="0" cy="0"/>
-        </a:xfrm>
-      </p:grpSpPr>
-      <p:sp>
-        <p:nvSpPr>
-          <p:cNvPr id="5" name="Slide Number Placeholder 4">
-            <a:extLst>
-              <a:ext uri="{FF2B5EF4-FFF2-40B4-BE49-F238E27FC236}">
-                <a16:creationId xmlns:a16="http://schemas.microsoft.com/office/drawing/2014/main" id="{8BC02A1B-2A6C-78EF-88C3-6EEA34C3606C}"/>
-              </a:ext>
-            </a:extLst>
-          </p:cNvPr>
-          <p:cNvSpPr>
-            <a:spLocks noGrp="1"/>
-          </p:cNvSpPr>
-          <p:nvPr>
-            <p:ph type="sldNum" sz="quarter" idx="12"/>
-          </p:nvPr>
-        </p:nvSpPr>
-        <p:spPr/>
-        <p:txBody>
-          <a:bodyPr/>
-          <a:lstStyle/>
-          <a:p>
-            <a:fld id="{9B1D7D9B-CDE6-6440-8F5F-ADF9B5401534}" type="slidenum">
-              <a:rPr lang="en-US" smtClean="0"/>
-              <a:t>11</a:t>
             </a:fld>
             <a:endParaRPr lang="en-US"/>
           </a:p>
@@ -4709,9 +4252,9 @@
         <p:grpSpPr>
           <a:xfrm>
             <a:off x="1561887" y="1588638"/>
-            <a:ext cx="8865896" cy="923330"/>
+            <a:ext cx="8865896" cy="646331"/>
             <a:chOff x="1796937" y="1751308"/>
-            <a:chExt cx="8865896" cy="923330"/>
+            <a:chExt cx="8865896" cy="646331"/>
           </a:xfrm>
         </p:grpSpPr>
         <p:sp>
@@ -4729,7 +4272,7 @@
           <p:spPr>
             <a:xfrm>
               <a:off x="2446148" y="1751308"/>
-              <a:ext cx="8216685" cy="923330"/>
+              <a:ext cx="8216685" cy="646331"/>
             </a:xfrm>
             <a:prstGeom prst="rect">
               <a:avLst/>
@@ -4758,7 +4301,7 @@
             <a:p>
               <a:r>
                 <a:rPr lang="en-US" dirty="0"/>
-                <a:t>			     – DRAMA COMBINATIONS ARE RARE TO BE HIGHLY 			         PROFITABLE </a:t>
+                <a:t>			</a:t>
               </a:r>
             </a:p>
           </p:txBody>
@@ -5034,7 +4577,7 @@
 </p:sld>
 </file>
 
-<file path=ppt/slides/slide12.xml><?xml version="1.0" encoding="utf-8"?>
+<file path=ppt/slides/slide11.xml><?xml version="1.0" encoding="utf-8"?>
 <p:sld xmlns:a="http://schemas.openxmlformats.org/drawingml/2006/main" xmlns:r="http://schemas.openxmlformats.org/officeDocument/2006/relationships" xmlns:p="http://schemas.openxmlformats.org/presentationml/2006/main">
   <p:cSld>
     <p:spTree>
@@ -5099,7 +4642,7 @@
           <a:p>
             <a:fld id="{9B1D7D9B-CDE6-6440-8F5F-ADF9B5401534}" type="slidenum">
               <a:rPr lang="en-US" smtClean="0"/>
-              <a:t>12</a:t>
+              <a:t>11</a:t>
             </a:fld>
             <a:endParaRPr lang="en-US"/>
           </a:p>
@@ -5698,7 +5241,7 @@
 </p:sld>
 </file>
 
-<file path=ppt/slides/slide13.xml><?xml version="1.0" encoding="utf-8"?>
+<file path=ppt/slides/slide12.xml><?xml version="1.0" encoding="utf-8"?>
 <p:sld xmlns:a="http://schemas.openxmlformats.org/drawingml/2006/main" xmlns:r="http://schemas.openxmlformats.org/officeDocument/2006/relationships" xmlns:p="http://schemas.openxmlformats.org/presentationml/2006/main">
   <p:cSld>
     <p:spTree>
@@ -5763,7 +5306,7 @@
           <a:p>
             <a:fld id="{9B1D7D9B-CDE6-6440-8F5F-ADF9B5401534}" type="slidenum">
               <a:rPr lang="en-US" smtClean="0"/>
-              <a:t>13</a:t>
+              <a:t>12</a:t>
             </a:fld>
             <a:endParaRPr lang="en-US"/>
           </a:p>
@@ -5835,7 +5378,7 @@
 </p:sld>
 </file>
 
-<file path=ppt/slides/slide14.xml><?xml version="1.0" encoding="utf-8"?>
+<file path=ppt/slides/slide13.xml><?xml version="1.0" encoding="utf-8"?>
 <p:sld xmlns:a="http://schemas.openxmlformats.org/drawingml/2006/main" xmlns:r="http://schemas.openxmlformats.org/officeDocument/2006/relationships" xmlns:p="http://schemas.openxmlformats.org/presentationml/2006/main">
   <p:cSld>
     <p:spTree>
@@ -6010,7 +5553,7 @@
           <a:p>
             <a:fld id="{9B1D7D9B-CDE6-6440-8F5F-ADF9B5401534}" type="slidenum">
               <a:rPr lang="en-US" smtClean="0"/>
-              <a:t>14</a:t>
+              <a:t>13</a:t>
             </a:fld>
             <a:endParaRPr lang="en-US"/>
           </a:p>
@@ -6029,7 +5572,7 @@
 </p:sld>
 </file>
 
-<file path=ppt/slides/slide15.xml><?xml version="1.0" encoding="utf-8"?>
+<file path=ppt/slides/slide14.xml><?xml version="1.0" encoding="utf-8"?>
 <p:sld xmlns:a="http://schemas.openxmlformats.org/drawingml/2006/main" xmlns:r="http://schemas.openxmlformats.org/officeDocument/2006/relationships" xmlns:p="http://schemas.openxmlformats.org/presentationml/2006/main">
   <p:cSld>
     <p:spTree>
@@ -6147,7 +5690,7 @@
           <a:p>
             <a:fld id="{9B1D7D9B-CDE6-6440-8F5F-ADF9B5401534}" type="slidenum">
               <a:rPr lang="en-US" smtClean="0"/>
-              <a:t>15</a:t>
+              <a:t>14</a:t>
             </a:fld>
             <a:endParaRPr lang="en-US"/>
           </a:p>
@@ -6166,7 +5709,7 @@
 </p:sld>
 </file>
 
-<file path=ppt/slides/slide16.xml><?xml version="1.0" encoding="utf-8"?>
+<file path=ppt/slides/slide15.xml><?xml version="1.0" encoding="utf-8"?>
 <p:sld xmlns:a="http://schemas.openxmlformats.org/drawingml/2006/main" xmlns:r="http://schemas.openxmlformats.org/officeDocument/2006/relationships" xmlns:p="http://schemas.openxmlformats.org/presentationml/2006/main">
   <p:cSld>
     <p:spTree>
@@ -6782,7 +6325,7 @@
           <a:p>
             <a:fld id="{9B1D7D9B-CDE6-6440-8F5F-ADF9B5401534}" type="slidenum">
               <a:rPr lang="en-US" smtClean="0"/>
-              <a:t>16</a:t>
+              <a:t>15</a:t>
             </a:fld>
             <a:endParaRPr lang="en-US"/>
           </a:p>
@@ -6801,7 +6344,7 @@
 </p:sld>
 </file>
 
-<file path=ppt/slides/slide17.xml><?xml version="1.0" encoding="utf-8"?>
+<file path=ppt/slides/slide16.xml><?xml version="1.0" encoding="utf-8"?>
 <p:sld xmlns:a="http://schemas.openxmlformats.org/drawingml/2006/main" xmlns:r="http://schemas.openxmlformats.org/officeDocument/2006/relationships" xmlns:p="http://schemas.openxmlformats.org/presentationml/2006/main">
   <p:cSld>
     <p:spTree>
@@ -7389,7 +6932,7 @@
           <a:p>
             <a:fld id="{9B1D7D9B-CDE6-6440-8F5F-ADF9B5401534}" type="slidenum">
               <a:rPr lang="en-US" smtClean="0"/>
-              <a:t>17</a:t>
+              <a:t>16</a:t>
             </a:fld>
             <a:endParaRPr lang="en-US"/>
           </a:p>
@@ -7408,7 +6951,7 @@
 </p:sld>
 </file>
 
-<file path=ppt/slides/slide18.xml><?xml version="1.0" encoding="utf-8"?>
+<file path=ppt/slides/slide17.xml><?xml version="1.0" encoding="utf-8"?>
 <p:sld xmlns:a="http://schemas.openxmlformats.org/drawingml/2006/main" xmlns:r="http://schemas.openxmlformats.org/officeDocument/2006/relationships" xmlns:p="http://schemas.openxmlformats.org/presentationml/2006/main">
   <p:cSld>
     <p:spTree>
@@ -7973,7 +7516,7 @@
           <a:p>
             <a:fld id="{9B1D7D9B-CDE6-6440-8F5F-ADF9B5401534}" type="slidenum">
               <a:rPr lang="en-US" smtClean="0"/>
-              <a:t>18</a:t>
+              <a:t>17</a:t>
             </a:fld>
             <a:endParaRPr lang="en-US" dirty="0"/>
           </a:p>
@@ -8022,7 +7565,7 @@
 </p:sld>
 </file>
 
-<file path=ppt/slides/slide19.xml><?xml version="1.0" encoding="utf-8"?>
+<file path=ppt/slides/slide18.xml><?xml version="1.0" encoding="utf-8"?>
 <p:sld xmlns:a="http://schemas.openxmlformats.org/drawingml/2006/main" xmlns:r="http://schemas.openxmlformats.org/officeDocument/2006/relationships" xmlns:p="http://schemas.openxmlformats.org/presentationml/2006/main">
   <p:cSld>
     <p:spTree>
@@ -8104,7 +7647,7 @@
           <a:p>
             <a:fld id="{9B1D7D9B-CDE6-6440-8F5F-ADF9B5401534}" type="slidenum">
               <a:rPr lang="en-US" smtClean="0"/>
-              <a:t>19</a:t>
+              <a:t>18</a:t>
             </a:fld>
             <a:endParaRPr lang="en-US" dirty="0"/>
           </a:p>
@@ -8202,6 +7745,463 @@
     <p:extLst>
       <p:ext uri="{BB962C8B-B14F-4D97-AF65-F5344CB8AC3E}">
         <p14:creationId xmlns:p14="http://schemas.microsoft.com/office/powerpoint/2010/main" val="4231626600"/>
+      </p:ext>
+    </p:extLst>
+  </p:cSld>
+  <p:clrMapOvr>
+    <a:masterClrMapping/>
+  </p:clrMapOvr>
+</p:sld>
+</file>
+
+<file path=ppt/slides/slide19.xml><?xml version="1.0" encoding="utf-8"?>
+<p:sld xmlns:a="http://schemas.openxmlformats.org/drawingml/2006/main" xmlns:r="http://schemas.openxmlformats.org/officeDocument/2006/relationships" xmlns:p="http://schemas.openxmlformats.org/presentationml/2006/main">
+  <p:cSld>
+    <p:spTree>
+      <p:nvGrpSpPr>
+        <p:cNvPr id="1" name=""/>
+        <p:cNvGrpSpPr/>
+        <p:nvPr/>
+      </p:nvGrpSpPr>
+      <p:grpSpPr>
+        <a:xfrm>
+          <a:off x="0" y="0"/>
+          <a:ext cx="0" cy="0"/>
+          <a:chOff x="0" y="0"/>
+          <a:chExt cx="0" cy="0"/>
+        </a:xfrm>
+      </p:grpSpPr>
+      <p:sp>
+        <p:nvSpPr>
+          <p:cNvPr id="40" name="Slide Number Placeholder 39">
+            <a:extLst>
+              <a:ext uri="{FF2B5EF4-FFF2-40B4-BE49-F238E27FC236}">
+                <a16:creationId xmlns:a16="http://schemas.microsoft.com/office/drawing/2014/main" id="{BAC89C47-043C-58A4-7185-EEA930D4BB00}"/>
+              </a:ext>
+            </a:extLst>
+          </p:cNvPr>
+          <p:cNvSpPr>
+            <a:spLocks noGrp="1"/>
+          </p:cNvSpPr>
+          <p:nvPr>
+            <p:ph type="sldNum" sz="quarter" idx="12"/>
+          </p:nvPr>
+        </p:nvSpPr>
+        <p:spPr/>
+        <p:txBody>
+          <a:bodyPr/>
+          <a:lstStyle/>
+          <a:p>
+            <a:fld id="{9B1D7D9B-CDE6-6440-8F5F-ADF9B5401534}" type="slidenum">
+              <a:rPr lang="en-US" smtClean="0"/>
+              <a:t>19</a:t>
+            </a:fld>
+            <a:endParaRPr lang="en-US"/>
+          </a:p>
+        </p:txBody>
+      </p:sp>
+      <p:sp>
+        <p:nvSpPr>
+          <p:cNvPr id="13" name="Rectangle 12">
+            <a:extLst>
+              <a:ext uri="{FF2B5EF4-FFF2-40B4-BE49-F238E27FC236}">
+                <a16:creationId xmlns:a16="http://schemas.microsoft.com/office/drawing/2014/main" id="{2C609AC3-B00A-F161-E31A-6DD10CC8AD8B}"/>
+              </a:ext>
+            </a:extLst>
+          </p:cNvPr>
+          <p:cNvSpPr/>
+          <p:nvPr/>
+        </p:nvSpPr>
+        <p:spPr>
+          <a:xfrm>
+            <a:off x="743917" y="61992"/>
+            <a:ext cx="2991371" cy="461665"/>
+          </a:xfrm>
+          <a:prstGeom prst="rect">
+            <a:avLst/>
+          </a:prstGeom>
+          <a:noFill/>
+        </p:spPr>
+        <p:txBody>
+          <a:bodyPr wrap="square" lIns="91440" tIns="45720" rIns="91440" bIns="45720">
+            <a:spAutoFit/>
+          </a:bodyPr>
+          <a:lstStyle/>
+          <a:p>
+            <a:r>
+              <a:rPr lang="en-US" sz="2400" b="1" dirty="0">
+                <a:ln w="0"/>
+                <a:effectLst>
+                  <a:outerShdw blurRad="38100" dist="19050" dir="2700000" algn="tl" rotWithShape="0">
+                    <a:schemeClr val="dk1">
+                      <a:alpha val="40000"/>
+                    </a:schemeClr>
+                  </a:outerShdw>
+                </a:effectLst>
+              </a:rPr>
+              <a:t>RESULTS</a:t>
+            </a:r>
+          </a:p>
+        </p:txBody>
+      </p:sp>
+      <p:pic>
+        <p:nvPicPr>
+          <p:cNvPr id="18" name="Graphic 17" descr="Presentation with pie chart with solid fill">
+            <a:extLst>
+              <a:ext uri="{FF2B5EF4-FFF2-40B4-BE49-F238E27FC236}">
+                <a16:creationId xmlns:a16="http://schemas.microsoft.com/office/drawing/2014/main" id="{C3364562-96F8-05E7-23DC-729441B64D90}"/>
+              </a:ext>
+            </a:extLst>
+          </p:cNvPr>
+          <p:cNvPicPr>
+            <a:picLocks noChangeAspect="1"/>
+          </p:cNvPicPr>
+          <p:nvPr/>
+        </p:nvPicPr>
+        <p:blipFill>
+          <a:blip r:embed="rId2">
+            <a:extLst>
+              <a:ext uri="{96DAC541-7B7A-43D3-8B79-37D633B846F1}">
+                <asvg:svgBlip xmlns:asvg="http://schemas.microsoft.com/office/drawing/2016/SVG/main" r:embed="rId3"/>
+              </a:ext>
+            </a:extLst>
+          </a:blip>
+          <a:stretch>
+            <a:fillRect/>
+          </a:stretch>
+        </p:blipFill>
+        <p:spPr>
+          <a:xfrm>
+            <a:off x="0" y="-89115"/>
+            <a:ext cx="914400" cy="914400"/>
+          </a:xfrm>
+          <a:prstGeom prst="rect">
+            <a:avLst/>
+          </a:prstGeom>
+        </p:spPr>
+      </p:pic>
+      <p:grpSp>
+        <p:nvGrpSpPr>
+          <p:cNvPr id="30" name="Group 29">
+            <a:extLst>
+              <a:ext uri="{FF2B5EF4-FFF2-40B4-BE49-F238E27FC236}">
+                <a16:creationId xmlns:a16="http://schemas.microsoft.com/office/drawing/2014/main" id="{C9DFDD06-0345-2BD5-09E0-D55F94010911}"/>
+              </a:ext>
+            </a:extLst>
+          </p:cNvPr>
+          <p:cNvGrpSpPr/>
+          <p:nvPr/>
+        </p:nvGrpSpPr>
+        <p:grpSpPr>
+          <a:xfrm>
+            <a:off x="1583840" y="1615312"/>
+            <a:ext cx="8865896" cy="646331"/>
+            <a:chOff x="1796937" y="1751308"/>
+            <a:chExt cx="8865896" cy="646331"/>
+          </a:xfrm>
+        </p:grpSpPr>
+        <p:sp>
+          <p:nvSpPr>
+            <p:cNvPr id="24" name="TextBox 23">
+              <a:extLst>
+                <a:ext uri="{FF2B5EF4-FFF2-40B4-BE49-F238E27FC236}">
+                  <a16:creationId xmlns:a16="http://schemas.microsoft.com/office/drawing/2014/main" id="{B87A1A65-9FA8-E8A8-2130-995BFCF1D9CE}"/>
+                </a:ext>
+              </a:extLst>
+            </p:cNvPr>
+            <p:cNvSpPr txBox="1"/>
+            <p:nvPr/>
+          </p:nvSpPr>
+          <p:spPr>
+            <a:xfrm>
+              <a:off x="2446148" y="1751308"/>
+              <a:ext cx="8216685" cy="646331"/>
+            </a:xfrm>
+            <a:prstGeom prst="rect">
+              <a:avLst/>
+            </a:prstGeom>
+            <a:noFill/>
+          </p:spPr>
+          <p:txBody>
+            <a:bodyPr wrap="square" rtlCol="0">
+              <a:spAutoFit/>
+            </a:bodyPr>
+            <a:lstStyle/>
+            <a:p>
+              <a:r>
+                <a:rPr lang="en-US" dirty="0"/>
+                <a:t>A</a:t>
+              </a:r>
+              <a:r>
+                <a:rPr lang="en-US" b="1" dirty="0"/>
+                <a:t>DVENTURE GENRE COMBINATIONS </a:t>
+              </a:r>
+              <a:r>
+                <a:rPr lang="en-US" dirty="0"/>
+                <a:t>– MOST COMMON GENRE WITH HIGH REVIEWS 				&amp; HIGH PROFITS </a:t>
+              </a:r>
+            </a:p>
+          </p:txBody>
+        </p:sp>
+        <p:pic>
+          <p:nvPicPr>
+            <p:cNvPr id="25" name="Picture 24" descr="Focus Vector SVG Icon (17) - SVG Repo">
+              <a:extLst>
+                <a:ext uri="{FF2B5EF4-FFF2-40B4-BE49-F238E27FC236}">
+                  <a16:creationId xmlns:a16="http://schemas.microsoft.com/office/drawing/2014/main" id="{8B5700DA-2FC1-FBDD-9572-6BDD855F09E4}"/>
+                </a:ext>
+              </a:extLst>
+            </p:cNvPr>
+            <p:cNvPicPr>
+              <a:picLocks noChangeAspect="1" noChangeArrowheads="1"/>
+            </p:cNvPicPr>
+            <p:nvPr/>
+          </p:nvPicPr>
+          <p:blipFill>
+            <a:blip r:embed="rId4">
+              <a:extLst>
+                <a:ext uri="{28A0092B-C50C-407E-A947-70E740481C1C}">
+                  <a14:useLocalDpi xmlns:a14="http://schemas.microsoft.com/office/drawing/2010/main" val="0"/>
+                </a:ext>
+              </a:extLst>
+            </a:blip>
+            <a:srcRect/>
+            <a:stretch>
+              <a:fillRect/>
+            </a:stretch>
+          </p:blipFill>
+          <p:spPr bwMode="auto">
+            <a:xfrm>
+              <a:off x="1796937" y="1802771"/>
+              <a:ext cx="543404" cy="543404"/>
+            </a:xfrm>
+            <a:prstGeom prst="rect">
+              <a:avLst/>
+            </a:prstGeom>
+            <a:noFill/>
+            <a:extLst>
+              <a:ext uri="{909E8E84-426E-40DD-AFC4-6F175D3DCCD1}">
+                <a14:hiddenFill xmlns:a14="http://schemas.microsoft.com/office/drawing/2010/main">
+                  <a:solidFill>
+                    <a:srgbClr val="FFFFFF"/>
+                  </a:solidFill>
+                </a14:hiddenFill>
+              </a:ext>
+            </a:extLst>
+          </p:spPr>
+        </p:pic>
+      </p:grpSp>
+      <p:grpSp>
+        <p:nvGrpSpPr>
+          <p:cNvPr id="32" name="Group 31">
+            <a:extLst>
+              <a:ext uri="{FF2B5EF4-FFF2-40B4-BE49-F238E27FC236}">
+                <a16:creationId xmlns:a16="http://schemas.microsoft.com/office/drawing/2014/main" id="{4049FC95-F64E-FD1D-1B75-73ABA6322DC7}"/>
+              </a:ext>
+            </a:extLst>
+          </p:cNvPr>
+          <p:cNvGrpSpPr/>
+          <p:nvPr/>
+        </p:nvGrpSpPr>
+        <p:grpSpPr>
+          <a:xfrm>
+            <a:off x="1548969" y="3138434"/>
+            <a:ext cx="8928645" cy="657332"/>
+            <a:chOff x="1734188" y="2682798"/>
+            <a:chExt cx="8928645" cy="657332"/>
+          </a:xfrm>
+        </p:grpSpPr>
+        <p:pic>
+          <p:nvPicPr>
+            <p:cNvPr id="26" name="Picture 6" descr="global icon vector 3">
+              <a:extLst>
+                <a:ext uri="{FF2B5EF4-FFF2-40B4-BE49-F238E27FC236}">
+                  <a16:creationId xmlns:a16="http://schemas.microsoft.com/office/drawing/2014/main" id="{876F8B0A-192D-40F0-F459-B8298EA0D321}"/>
+                </a:ext>
+              </a:extLst>
+            </p:cNvPr>
+            <p:cNvPicPr>
+              <a:picLocks noChangeAspect="1" noChangeArrowheads="1"/>
+            </p:cNvPicPr>
+            <p:nvPr/>
+          </p:nvPicPr>
+          <p:blipFill>
+            <a:blip r:embed="rId5">
+              <a:extLst>
+                <a:ext uri="{28A0092B-C50C-407E-A947-70E740481C1C}">
+                  <a14:useLocalDpi xmlns:a14="http://schemas.microsoft.com/office/drawing/2010/main" val="0"/>
+                </a:ext>
+              </a:extLst>
+            </a:blip>
+            <a:srcRect/>
+            <a:stretch>
+              <a:fillRect/>
+            </a:stretch>
+          </p:blipFill>
+          <p:spPr bwMode="auto">
+            <a:xfrm>
+              <a:off x="1734188" y="2682798"/>
+              <a:ext cx="657332" cy="657332"/>
+            </a:xfrm>
+            <a:prstGeom prst="rect">
+              <a:avLst/>
+            </a:prstGeom>
+            <a:noFill/>
+            <a:extLst>
+              <a:ext uri="{909E8E84-426E-40DD-AFC4-6F175D3DCCD1}">
+                <a14:hiddenFill xmlns:a14="http://schemas.microsoft.com/office/drawing/2010/main">
+                  <a:solidFill>
+                    <a:srgbClr val="FFFFFF"/>
+                  </a:solidFill>
+                </a14:hiddenFill>
+              </a:ext>
+            </a:extLst>
+          </p:spPr>
+        </p:pic>
+        <p:sp>
+          <p:nvSpPr>
+            <p:cNvPr id="27" name="TextBox 26">
+              <a:extLst>
+                <a:ext uri="{FF2B5EF4-FFF2-40B4-BE49-F238E27FC236}">
+                  <a16:creationId xmlns:a16="http://schemas.microsoft.com/office/drawing/2014/main" id="{43B0F5E1-AD12-7EA0-E893-886040C56E5D}"/>
+                </a:ext>
+              </a:extLst>
+            </p:cNvPr>
+            <p:cNvSpPr txBox="1"/>
+            <p:nvPr/>
+          </p:nvSpPr>
+          <p:spPr>
+            <a:xfrm>
+              <a:off x="2446148" y="2897663"/>
+              <a:ext cx="8216685" cy="369332"/>
+            </a:xfrm>
+            <a:prstGeom prst="rect">
+              <a:avLst/>
+            </a:prstGeom>
+            <a:noFill/>
+          </p:spPr>
+          <p:txBody>
+            <a:bodyPr wrap="square" rtlCol="0">
+              <a:spAutoFit/>
+            </a:bodyPr>
+            <a:lstStyle/>
+            <a:p>
+              <a:r>
+                <a:rPr lang="en-US" b="1" dirty="0"/>
+                <a:t>FOREIGN PROFITS DOMINATE TOTAL PROFITS</a:t>
+              </a:r>
+            </a:p>
+          </p:txBody>
+        </p:sp>
+      </p:grpSp>
+      <p:grpSp>
+        <p:nvGrpSpPr>
+          <p:cNvPr id="33" name="Group 32">
+            <a:extLst>
+              <a:ext uri="{FF2B5EF4-FFF2-40B4-BE49-F238E27FC236}">
+                <a16:creationId xmlns:a16="http://schemas.microsoft.com/office/drawing/2014/main" id="{DA9ECFDC-665D-629C-0A46-45774CD4FD57}"/>
+              </a:ext>
+            </a:extLst>
+          </p:cNvPr>
+          <p:cNvGrpSpPr/>
+          <p:nvPr/>
+        </p:nvGrpSpPr>
+        <p:grpSpPr>
+          <a:xfrm>
+            <a:off x="1548969" y="4673838"/>
+            <a:ext cx="8981242" cy="923330"/>
+            <a:chOff x="1681591" y="3674031"/>
+            <a:chExt cx="8981242" cy="923330"/>
+          </a:xfrm>
+        </p:grpSpPr>
+        <p:pic>
+          <p:nvPicPr>
+            <p:cNvPr id="28" name="Picture 27">
+              <a:extLst>
+                <a:ext uri="{FF2B5EF4-FFF2-40B4-BE49-F238E27FC236}">
+                  <a16:creationId xmlns:a16="http://schemas.microsoft.com/office/drawing/2014/main" id="{0019CDFF-AD8A-2779-DE48-45B4EB578151}"/>
+                </a:ext>
+              </a:extLst>
+            </p:cNvPr>
+            <p:cNvPicPr>
+              <a:picLocks noChangeAspect="1"/>
+            </p:cNvPicPr>
+            <p:nvPr/>
+          </p:nvPicPr>
+          <p:blipFill>
+            <a:blip r:embed="rId6"/>
+            <a:stretch>
+              <a:fillRect/>
+            </a:stretch>
+          </p:blipFill>
+          <p:spPr>
+            <a:xfrm>
+              <a:off x="1681591" y="3676753"/>
+              <a:ext cx="764557" cy="641850"/>
+            </a:xfrm>
+            <a:prstGeom prst="rect">
+              <a:avLst/>
+            </a:prstGeom>
+          </p:spPr>
+        </p:pic>
+        <p:sp>
+          <p:nvSpPr>
+            <p:cNvPr id="29" name="TextBox 28">
+              <a:extLst>
+                <a:ext uri="{FF2B5EF4-FFF2-40B4-BE49-F238E27FC236}">
+                  <a16:creationId xmlns:a16="http://schemas.microsoft.com/office/drawing/2014/main" id="{EE8A5372-C6CE-A30E-9372-2F9B2BD053E8}"/>
+                </a:ext>
+              </a:extLst>
+            </p:cNvPr>
+            <p:cNvSpPr txBox="1"/>
+            <p:nvPr/>
+          </p:nvSpPr>
+          <p:spPr>
+            <a:xfrm>
+              <a:off x="2446148" y="3674031"/>
+              <a:ext cx="8216685" cy="923330"/>
+            </a:xfrm>
+            <a:prstGeom prst="rect">
+              <a:avLst/>
+            </a:prstGeom>
+            <a:noFill/>
+          </p:spPr>
+          <p:txBody>
+            <a:bodyPr wrap="square" rtlCol="0">
+              <a:spAutoFit/>
+            </a:bodyPr>
+            <a:lstStyle/>
+            <a:p>
+              <a:r>
+                <a:rPr lang="en-US" b="1" dirty="0"/>
+                <a:t>BEST ROI DOMESTIC AND FOREIGN MARKETS </a:t>
+              </a:r>
+              <a:r>
+                <a:rPr lang="en-US" dirty="0"/>
+                <a:t>– ADVENTURE, DRAMA, SCI-FI</a:t>
+              </a:r>
+            </a:p>
+            <a:p>
+              <a:r>
+                <a:rPr lang="en-US" b="1" dirty="0"/>
+                <a:t>				                </a:t>
+              </a:r>
+              <a:r>
+                <a:rPr lang="en-US" dirty="0"/>
+                <a:t>ADVENTURE, ACTION, COMEDY</a:t>
+              </a:r>
+              <a:endParaRPr lang="en-US" b="1" dirty="0"/>
+            </a:p>
+            <a:p>
+              <a:endParaRPr lang="en-US" dirty="0"/>
+            </a:p>
+          </p:txBody>
+        </p:sp>
+      </p:grpSp>
+    </p:spTree>
+    <p:extLst>
+      <p:ext uri="{BB962C8B-B14F-4D97-AF65-F5344CB8AC3E}">
+        <p14:creationId xmlns:p14="http://schemas.microsoft.com/office/powerpoint/2010/main" val="2481435166"/>
       </p:ext>
     </p:extLst>
   </p:cSld>
@@ -12883,49 +12883,13 @@
             </a:prstGeom>
           </p:spPr>
         </p:pic>
-        <p:pic>
-          <p:nvPicPr>
-            <p:cNvPr id="11" name="Graphic 10" descr="Badge Tick with solid fill">
-              <a:extLst>
-                <a:ext uri="{FF2B5EF4-FFF2-40B4-BE49-F238E27FC236}">
-                  <a16:creationId xmlns:a16="http://schemas.microsoft.com/office/drawing/2014/main" id="{FB8C87A5-DD72-5A09-B0AC-84CF2F350AD3}"/>
-                </a:ext>
-              </a:extLst>
-            </p:cNvPr>
-            <p:cNvPicPr>
-              <a:picLocks noChangeAspect="1"/>
-            </p:cNvPicPr>
-            <p:nvPr/>
-          </p:nvPicPr>
-          <p:blipFill>
-            <a:blip r:embed="rId6">
-              <a:extLst>
-                <a:ext uri="{96DAC541-7B7A-43D3-8B79-37D633B846F1}">
-                  <asvg:svgBlip xmlns:asvg="http://schemas.microsoft.com/office/drawing/2016/SVG/main" r:embed="rId7"/>
-                </a:ext>
-              </a:extLst>
-            </a:blip>
-            <a:stretch>
-              <a:fillRect/>
-            </a:stretch>
-          </p:blipFill>
-          <p:spPr>
-            <a:xfrm>
-              <a:off x="3699101" y="3119201"/>
-              <a:ext cx="705160" cy="705160"/>
-            </a:xfrm>
-            <a:prstGeom prst="rect">
-              <a:avLst/>
-            </a:prstGeom>
-          </p:spPr>
-        </p:pic>
       </p:grpSp>
       <p:sp>
         <p:nvSpPr>
-          <p:cNvPr id="12" name="Rectangle 11">
-            <a:extLst>
-              <a:ext uri="{FF2B5EF4-FFF2-40B4-BE49-F238E27FC236}">
-                <a16:creationId xmlns:a16="http://schemas.microsoft.com/office/drawing/2014/main" id="{F7FDA721-81DB-0306-A7CB-5C6FF88BD886}"/>
+          <p:cNvPr id="15" name="Rectangle 14">
+            <a:extLst>
+              <a:ext uri="{FF2B5EF4-FFF2-40B4-BE49-F238E27FC236}">
+                <a16:creationId xmlns:a16="http://schemas.microsoft.com/office/drawing/2014/main" id="{D22443F0-9AEA-9A9C-55CD-981B2E633223}"/>
               </a:ext>
             </a:extLst>
           </p:cNvPr>
@@ -12934,80 +12898,7 @@
         </p:nvSpPr>
         <p:spPr>
           <a:xfrm>
-            <a:off x="858900" y="5289116"/>
-            <a:ext cx="4992649" cy="584775"/>
-          </a:xfrm>
-          <a:prstGeom prst="rect">
-            <a:avLst/>
-          </a:prstGeom>
-          <a:noFill/>
-          <a:ln w="76200">
-            <a:solidFill>
-              <a:srgbClr val="FF0000"/>
-            </a:solidFill>
-          </a:ln>
-        </p:spPr>
-        <p:txBody>
-          <a:bodyPr wrap="none" lIns="91440" tIns="45720" rIns="91440" bIns="45720">
-            <a:spAutoFit/>
-          </a:bodyPr>
-          <a:lstStyle/>
-          <a:p>
-            <a:pPr algn="ctr"/>
-            <a:r>
-              <a:rPr lang="en-US" sz="3200" b="1" dirty="0">
-                <a:ln w="9525">
-                  <a:solidFill>
-                    <a:schemeClr val="bg1"/>
-                  </a:solidFill>
-                  <a:prstDash val="solid"/>
-                </a:ln>
-                <a:effectLst>
-                  <a:outerShdw blurRad="12700" dist="38100" dir="2700000" algn="tl" rotWithShape="0">
-                    <a:schemeClr val="bg1">
-                      <a:lumMod val="50000"/>
-                    </a:schemeClr>
-                  </a:outerShdw>
-                </a:effectLst>
-              </a:rPr>
-              <a:t>ADVENTURE, DRAMA, SCI-FI</a:t>
-            </a:r>
-            <a:endParaRPr lang="en-US" sz="3200" b="1" cap="none" spc="0" dirty="0">
-              <a:ln w="9525">
-                <a:solidFill>
-                  <a:schemeClr val="bg1"/>
-                </a:solidFill>
-                <a:prstDash val="solid"/>
-              </a:ln>
-              <a:solidFill>
-                <a:schemeClr val="tx1"/>
-              </a:solidFill>
-              <a:effectLst>
-                <a:outerShdw blurRad="12700" dist="38100" dir="2700000" algn="tl" rotWithShape="0">
-                  <a:schemeClr val="bg1">
-                    <a:lumMod val="50000"/>
-                  </a:schemeClr>
-                </a:outerShdw>
-              </a:effectLst>
-            </a:endParaRPr>
-          </a:p>
-        </p:txBody>
-      </p:sp>
-      <p:sp>
-        <p:nvSpPr>
-          <p:cNvPr id="15" name="Rectangle 14">
-            <a:extLst>
-              <a:ext uri="{FF2B5EF4-FFF2-40B4-BE49-F238E27FC236}">
-                <a16:creationId xmlns:a16="http://schemas.microsoft.com/office/drawing/2014/main" id="{D22443F0-9AEA-9A9C-55CD-981B2E633223}"/>
-              </a:ext>
-            </a:extLst>
-          </p:cNvPr>
-          <p:cNvSpPr/>
-          <p:nvPr/>
-        </p:nvSpPr>
-        <p:spPr>
-          <a:xfrm>
-            <a:off x="6340452" y="5294823"/>
+            <a:off x="3432602" y="5494453"/>
             <a:ext cx="5535041" cy="584775"/>
           </a:xfrm>
           <a:prstGeom prst="rect">
@@ -13066,6 +12957,42 @@
           </a:p>
         </p:txBody>
       </p:sp>
+      <p:pic>
+        <p:nvPicPr>
+          <p:cNvPr id="3" name="Graphic 2" descr="Badge Cross with solid fill">
+            <a:extLst>
+              <a:ext uri="{FF2B5EF4-FFF2-40B4-BE49-F238E27FC236}">
+                <a16:creationId xmlns:a16="http://schemas.microsoft.com/office/drawing/2014/main" id="{1FEC5068-66A1-94D2-C2F0-291597B56A3D}"/>
+              </a:ext>
+            </a:extLst>
+          </p:cNvPr>
+          <p:cNvPicPr>
+            <a:picLocks noChangeAspect="1"/>
+          </p:cNvPicPr>
+          <p:nvPr/>
+        </p:nvPicPr>
+        <p:blipFill>
+          <a:blip r:embed="rId4">
+            <a:extLst>
+              <a:ext uri="{96DAC541-7B7A-43D3-8B79-37D633B846F1}">
+                <asvg:svgBlip xmlns:asvg="http://schemas.microsoft.com/office/drawing/2016/SVG/main" r:embed="rId5"/>
+              </a:ext>
+            </a:extLst>
+          </a:blip>
+          <a:stretch>
+            <a:fillRect/>
+          </a:stretch>
+        </p:blipFill>
+        <p:spPr>
+          <a:xfrm>
+            <a:off x="3878824" y="2724369"/>
+            <a:ext cx="457200" cy="457200"/>
+          </a:xfrm>
+          <a:prstGeom prst="rect">
+            <a:avLst/>
+          </a:prstGeom>
+        </p:spPr>
+      </p:pic>
     </p:spTree>
     <p:extLst>
       <p:ext uri="{BB962C8B-B14F-4D97-AF65-F5344CB8AC3E}">
